--- a/cassandra-training.pptx
+++ b/cassandra-training.pptx
@@ -4,31 +4,35 @@
   <p:sldMasterIdLst>
     <p:sldMasterId id="2147483744" r:id="rId1"/>
   </p:sldMasterIdLst>
+  <p:notesMasterIdLst>
+    <p:notesMasterId r:id="rId27"/>
+  </p:notesMasterIdLst>
   <p:sldIdLst>
     <p:sldId id="256" r:id="rId2"/>
     <p:sldId id="257" r:id="rId3"/>
-    <p:sldId id="258" r:id="rId4"/>
-    <p:sldId id="259" r:id="rId5"/>
-    <p:sldId id="261" r:id="rId6"/>
-    <p:sldId id="260" r:id="rId7"/>
-    <p:sldId id="262" r:id="rId8"/>
-    <p:sldId id="263" r:id="rId9"/>
-    <p:sldId id="264" r:id="rId10"/>
-    <p:sldId id="273" r:id="rId11"/>
-    <p:sldId id="265" r:id="rId12"/>
-    <p:sldId id="268" r:id="rId13"/>
-    <p:sldId id="267" r:id="rId14"/>
-    <p:sldId id="274" r:id="rId15"/>
-    <p:sldId id="269" r:id="rId16"/>
-    <p:sldId id="270" r:id="rId17"/>
-    <p:sldId id="275" r:id="rId18"/>
-    <p:sldId id="277" r:id="rId19"/>
-    <p:sldId id="281" r:id="rId20"/>
-    <p:sldId id="280" r:id="rId21"/>
-    <p:sldId id="282" r:id="rId22"/>
-    <p:sldId id="283" r:id="rId23"/>
-    <p:sldId id="279" r:id="rId24"/>
-    <p:sldId id="278" r:id="rId25"/>
+    <p:sldId id="286" r:id="rId4"/>
+    <p:sldId id="284" r:id="rId5"/>
+    <p:sldId id="287" r:id="rId6"/>
+    <p:sldId id="258" r:id="rId7"/>
+    <p:sldId id="259" r:id="rId8"/>
+    <p:sldId id="261" r:id="rId9"/>
+    <p:sldId id="260" r:id="rId10"/>
+    <p:sldId id="262" r:id="rId11"/>
+    <p:sldId id="285" r:id="rId12"/>
+    <p:sldId id="263" r:id="rId13"/>
+    <p:sldId id="264" r:id="rId14"/>
+    <p:sldId id="265" r:id="rId15"/>
+    <p:sldId id="268" r:id="rId16"/>
+    <p:sldId id="273" r:id="rId17"/>
+    <p:sldId id="267" r:id="rId18"/>
+    <p:sldId id="275" r:id="rId19"/>
+    <p:sldId id="288" r:id="rId20"/>
+    <p:sldId id="277" r:id="rId21"/>
+    <p:sldId id="281" r:id="rId22"/>
+    <p:sldId id="280" r:id="rId23"/>
+    <p:sldId id="282" r:id="rId24"/>
+    <p:sldId id="283" r:id="rId25"/>
+    <p:sldId id="278" r:id="rId26"/>
   </p:sldIdLst>
   <p:sldSz cx="9144000" cy="6858000" type="screen4x3"/>
   <p:notesSz cx="7077075" cy="9363075"/>
@@ -128,6 +132,462 @@
     </a:lvl9pPr>
   </p:defaultTextStyle>
 </p:presentation>
+</file>
+
+<file path=ppt/notesMasters/notesMaster1.xml><?xml version="1.0" encoding="utf-8"?>
+<p:notesMaster xmlns:a="http://schemas.openxmlformats.org/drawingml/2006/main" xmlns:r="http://schemas.openxmlformats.org/officeDocument/2006/relationships" xmlns:p="http://schemas.openxmlformats.org/presentationml/2006/main">
+  <p:cSld>
+    <p:bg>
+      <p:bgRef idx="1001">
+        <a:schemeClr val="bg1"/>
+      </p:bgRef>
+    </p:bg>
+    <p:spTree>
+      <p:nvGrpSpPr>
+        <p:cNvPr id="1" name=""/>
+        <p:cNvGrpSpPr/>
+        <p:nvPr/>
+      </p:nvGrpSpPr>
+      <p:grpSpPr>
+        <a:xfrm>
+          <a:off x="0" y="0"/>
+          <a:ext cx="0" cy="0"/>
+          <a:chOff x="0" y="0"/>
+          <a:chExt cx="0" cy="0"/>
+        </a:xfrm>
+      </p:grpSpPr>
+      <p:sp>
+        <p:nvSpPr>
+          <p:cNvPr id="2" name="Header Placeholder 1"/>
+          <p:cNvSpPr>
+            <a:spLocks noGrp="1"/>
+          </p:cNvSpPr>
+          <p:nvPr>
+            <p:ph type="hdr" sz="quarter"/>
+          </p:nvPr>
+        </p:nvSpPr>
+        <p:spPr>
+          <a:xfrm>
+            <a:off x="0" y="0"/>
+            <a:ext cx="3067050" cy="468313"/>
+          </a:xfrm>
+          <a:prstGeom prst="rect">
+            <a:avLst/>
+          </a:prstGeom>
+        </p:spPr>
+        <p:txBody>
+          <a:bodyPr vert="horz" lIns="91440" tIns="45720" rIns="91440" bIns="45720" rtlCol="0"/>
+          <a:lstStyle>
+            <a:lvl1pPr algn="l">
+              <a:defRPr sz="1200"/>
+            </a:lvl1pPr>
+          </a:lstStyle>
+          <a:p>
+            <a:endParaRPr lang="en-US"/>
+          </a:p>
+        </p:txBody>
+      </p:sp>
+      <p:sp>
+        <p:nvSpPr>
+          <p:cNvPr id="3" name="Date Placeholder 2"/>
+          <p:cNvSpPr>
+            <a:spLocks noGrp="1"/>
+          </p:cNvSpPr>
+          <p:nvPr>
+            <p:ph type="dt" idx="1"/>
+          </p:nvPr>
+        </p:nvSpPr>
+        <p:spPr>
+          <a:xfrm>
+            <a:off x="4008438" y="0"/>
+            <a:ext cx="3067050" cy="468313"/>
+          </a:xfrm>
+          <a:prstGeom prst="rect">
+            <a:avLst/>
+          </a:prstGeom>
+        </p:spPr>
+        <p:txBody>
+          <a:bodyPr vert="horz" lIns="91440" tIns="45720" rIns="91440" bIns="45720" rtlCol="0"/>
+          <a:lstStyle>
+            <a:lvl1pPr algn="r">
+              <a:defRPr sz="1200"/>
+            </a:lvl1pPr>
+          </a:lstStyle>
+          <a:p>
+            <a:fld id="{C648B873-35BD-4C0A-B7AE-90152B4EA7D6}" type="datetimeFigureOut">
+              <a:rPr lang="en-US" smtClean="0"/>
+              <a:t>10/16/2013</a:t>
+            </a:fld>
+            <a:endParaRPr lang="en-US"/>
+          </a:p>
+        </p:txBody>
+      </p:sp>
+      <p:sp>
+        <p:nvSpPr>
+          <p:cNvPr id="4" name="Slide Image Placeholder 3"/>
+          <p:cNvSpPr>
+            <a:spLocks noGrp="1" noRot="1" noChangeAspect="1"/>
+          </p:cNvSpPr>
+          <p:nvPr>
+            <p:ph type="sldImg" idx="2"/>
+          </p:nvPr>
+        </p:nvSpPr>
+        <p:spPr>
+          <a:xfrm>
+            <a:off x="1196975" y="701675"/>
+            <a:ext cx="4683125" cy="3511550"/>
+          </a:xfrm>
+          <a:prstGeom prst="rect">
+            <a:avLst/>
+          </a:prstGeom>
+          <a:noFill/>
+          <a:ln w="12700">
+            <a:solidFill>
+              <a:prstClr val="black"/>
+            </a:solidFill>
+          </a:ln>
+        </p:spPr>
+        <p:txBody>
+          <a:bodyPr vert="horz" lIns="91440" tIns="45720" rIns="91440" bIns="45720" rtlCol="0" anchor="ctr"/>
+          <a:lstStyle/>
+          <a:p>
+            <a:endParaRPr lang="en-US"/>
+          </a:p>
+        </p:txBody>
+      </p:sp>
+      <p:sp>
+        <p:nvSpPr>
+          <p:cNvPr id="5" name="Notes Placeholder 4"/>
+          <p:cNvSpPr>
+            <a:spLocks noGrp="1"/>
+          </p:cNvSpPr>
+          <p:nvPr>
+            <p:ph type="body" sz="quarter" idx="3"/>
+          </p:nvPr>
+        </p:nvSpPr>
+        <p:spPr>
+          <a:xfrm>
+            <a:off x="708025" y="4448175"/>
+            <a:ext cx="5661025" cy="4213225"/>
+          </a:xfrm>
+          <a:prstGeom prst="rect">
+            <a:avLst/>
+          </a:prstGeom>
+        </p:spPr>
+        <p:txBody>
+          <a:bodyPr vert="horz" lIns="91440" tIns="45720" rIns="91440" bIns="45720" rtlCol="0"/>
+          <a:lstStyle/>
+          <a:p>
+            <a:pPr lvl="0"/>
+            <a:r>
+              <a:rPr lang="en-US" smtClean="0"/>
+              <a:t>Click to edit Master text styles</a:t>
+            </a:r>
+          </a:p>
+          <a:p>
+            <a:pPr lvl="1"/>
+            <a:r>
+              <a:rPr lang="en-US" smtClean="0"/>
+              <a:t>Second level</a:t>
+            </a:r>
+          </a:p>
+          <a:p>
+            <a:pPr lvl="2"/>
+            <a:r>
+              <a:rPr lang="en-US" smtClean="0"/>
+              <a:t>Third level</a:t>
+            </a:r>
+          </a:p>
+          <a:p>
+            <a:pPr lvl="3"/>
+            <a:r>
+              <a:rPr lang="en-US" smtClean="0"/>
+              <a:t>Fourth level</a:t>
+            </a:r>
+          </a:p>
+          <a:p>
+            <a:pPr lvl="4"/>
+            <a:r>
+              <a:rPr lang="en-US" smtClean="0"/>
+              <a:t>Fifth level</a:t>
+            </a:r>
+            <a:endParaRPr lang="en-US"/>
+          </a:p>
+        </p:txBody>
+      </p:sp>
+      <p:sp>
+        <p:nvSpPr>
+          <p:cNvPr id="6" name="Footer Placeholder 5"/>
+          <p:cNvSpPr>
+            <a:spLocks noGrp="1"/>
+          </p:cNvSpPr>
+          <p:nvPr>
+            <p:ph type="ftr" sz="quarter" idx="4"/>
+          </p:nvPr>
+        </p:nvSpPr>
+        <p:spPr>
+          <a:xfrm>
+            <a:off x="0" y="8893175"/>
+            <a:ext cx="3067050" cy="468313"/>
+          </a:xfrm>
+          <a:prstGeom prst="rect">
+            <a:avLst/>
+          </a:prstGeom>
+        </p:spPr>
+        <p:txBody>
+          <a:bodyPr vert="horz" lIns="91440" tIns="45720" rIns="91440" bIns="45720" rtlCol="0" anchor="b"/>
+          <a:lstStyle>
+            <a:lvl1pPr algn="l">
+              <a:defRPr sz="1200"/>
+            </a:lvl1pPr>
+          </a:lstStyle>
+          <a:p>
+            <a:endParaRPr lang="en-US"/>
+          </a:p>
+        </p:txBody>
+      </p:sp>
+      <p:sp>
+        <p:nvSpPr>
+          <p:cNvPr id="7" name="Slide Number Placeholder 6"/>
+          <p:cNvSpPr>
+            <a:spLocks noGrp="1"/>
+          </p:cNvSpPr>
+          <p:nvPr>
+            <p:ph type="sldNum" sz="quarter" idx="5"/>
+          </p:nvPr>
+        </p:nvSpPr>
+        <p:spPr>
+          <a:xfrm>
+            <a:off x="4008438" y="8893175"/>
+            <a:ext cx="3067050" cy="468313"/>
+          </a:xfrm>
+          <a:prstGeom prst="rect">
+            <a:avLst/>
+          </a:prstGeom>
+        </p:spPr>
+        <p:txBody>
+          <a:bodyPr vert="horz" lIns="91440" tIns="45720" rIns="91440" bIns="45720" rtlCol="0" anchor="b"/>
+          <a:lstStyle>
+            <a:lvl1pPr algn="r">
+              <a:defRPr sz="1200"/>
+            </a:lvl1pPr>
+          </a:lstStyle>
+          <a:p>
+            <a:fld id="{B887A0D3-B9DA-4347-934E-8C6942BC9D7C}" type="slidenum">
+              <a:rPr lang="en-US" smtClean="0"/>
+              <a:t>‹#›</a:t>
+            </a:fld>
+            <a:endParaRPr lang="en-US"/>
+          </a:p>
+        </p:txBody>
+      </p:sp>
+    </p:spTree>
+    <p:extLst>
+      <p:ext uri="{BB962C8B-B14F-4D97-AF65-F5344CB8AC3E}">
+        <p14:creationId xmlns:p14="http://schemas.microsoft.com/office/powerpoint/2010/main" val="3905464989"/>
+      </p:ext>
+    </p:extLst>
+  </p:cSld>
+  <p:clrMap bg1="lt1" tx1="dk1" bg2="lt2" tx2="dk2" accent1="accent1" accent2="accent2" accent3="accent3" accent4="accent4" accent5="accent5" accent6="accent6" hlink="hlink" folHlink="folHlink"/>
+  <p:notesStyle>
+    <a:lvl1pPr marL="0" algn="l" defTabSz="914400" rtl="0" eaLnBrk="1" latinLnBrk="0" hangingPunct="1">
+      <a:defRPr sz="1200" kern="1200">
+        <a:solidFill>
+          <a:schemeClr val="tx1"/>
+        </a:solidFill>
+        <a:latin typeface="+mn-lt"/>
+        <a:ea typeface="+mn-ea"/>
+        <a:cs typeface="+mn-cs"/>
+      </a:defRPr>
+    </a:lvl1pPr>
+    <a:lvl2pPr marL="457200" algn="l" defTabSz="914400" rtl="0" eaLnBrk="1" latinLnBrk="0" hangingPunct="1">
+      <a:defRPr sz="1200" kern="1200">
+        <a:solidFill>
+          <a:schemeClr val="tx1"/>
+        </a:solidFill>
+        <a:latin typeface="+mn-lt"/>
+        <a:ea typeface="+mn-ea"/>
+        <a:cs typeface="+mn-cs"/>
+      </a:defRPr>
+    </a:lvl2pPr>
+    <a:lvl3pPr marL="914400" algn="l" defTabSz="914400" rtl="0" eaLnBrk="1" latinLnBrk="0" hangingPunct="1">
+      <a:defRPr sz="1200" kern="1200">
+        <a:solidFill>
+          <a:schemeClr val="tx1"/>
+        </a:solidFill>
+        <a:latin typeface="+mn-lt"/>
+        <a:ea typeface="+mn-ea"/>
+        <a:cs typeface="+mn-cs"/>
+      </a:defRPr>
+    </a:lvl3pPr>
+    <a:lvl4pPr marL="1371600" algn="l" defTabSz="914400" rtl="0" eaLnBrk="1" latinLnBrk="0" hangingPunct="1">
+      <a:defRPr sz="1200" kern="1200">
+        <a:solidFill>
+          <a:schemeClr val="tx1"/>
+        </a:solidFill>
+        <a:latin typeface="+mn-lt"/>
+        <a:ea typeface="+mn-ea"/>
+        <a:cs typeface="+mn-cs"/>
+      </a:defRPr>
+    </a:lvl4pPr>
+    <a:lvl5pPr marL="1828800" algn="l" defTabSz="914400" rtl="0" eaLnBrk="1" latinLnBrk="0" hangingPunct="1">
+      <a:defRPr sz="1200" kern="1200">
+        <a:solidFill>
+          <a:schemeClr val="tx1"/>
+        </a:solidFill>
+        <a:latin typeface="+mn-lt"/>
+        <a:ea typeface="+mn-ea"/>
+        <a:cs typeface="+mn-cs"/>
+      </a:defRPr>
+    </a:lvl5pPr>
+    <a:lvl6pPr marL="2286000" algn="l" defTabSz="914400" rtl="0" eaLnBrk="1" latinLnBrk="0" hangingPunct="1">
+      <a:defRPr sz="1200" kern="1200">
+        <a:solidFill>
+          <a:schemeClr val="tx1"/>
+        </a:solidFill>
+        <a:latin typeface="+mn-lt"/>
+        <a:ea typeface="+mn-ea"/>
+        <a:cs typeface="+mn-cs"/>
+      </a:defRPr>
+    </a:lvl6pPr>
+    <a:lvl7pPr marL="2743200" algn="l" defTabSz="914400" rtl="0" eaLnBrk="1" latinLnBrk="0" hangingPunct="1">
+      <a:defRPr sz="1200" kern="1200">
+        <a:solidFill>
+          <a:schemeClr val="tx1"/>
+        </a:solidFill>
+        <a:latin typeface="+mn-lt"/>
+        <a:ea typeface="+mn-ea"/>
+        <a:cs typeface="+mn-cs"/>
+      </a:defRPr>
+    </a:lvl7pPr>
+    <a:lvl8pPr marL="3200400" algn="l" defTabSz="914400" rtl="0" eaLnBrk="1" latinLnBrk="0" hangingPunct="1">
+      <a:defRPr sz="1200" kern="1200">
+        <a:solidFill>
+          <a:schemeClr val="tx1"/>
+        </a:solidFill>
+        <a:latin typeface="+mn-lt"/>
+        <a:ea typeface="+mn-ea"/>
+        <a:cs typeface="+mn-cs"/>
+      </a:defRPr>
+    </a:lvl8pPr>
+    <a:lvl9pPr marL="3657600" algn="l" defTabSz="914400" rtl="0" eaLnBrk="1" latinLnBrk="0" hangingPunct="1">
+      <a:defRPr sz="1200" kern="1200">
+        <a:solidFill>
+          <a:schemeClr val="tx1"/>
+        </a:solidFill>
+        <a:latin typeface="+mn-lt"/>
+        <a:ea typeface="+mn-ea"/>
+        <a:cs typeface="+mn-cs"/>
+      </a:defRPr>
+    </a:lvl9pPr>
+  </p:notesStyle>
+</p:notesMaster>
+</file>
+
+<file path=ppt/notesSlides/notesSlide1.xml><?xml version="1.0" encoding="utf-8"?>
+<p:notes xmlns:a="http://schemas.openxmlformats.org/drawingml/2006/main" xmlns:r="http://schemas.openxmlformats.org/officeDocument/2006/relationships" xmlns:p="http://schemas.openxmlformats.org/presentationml/2006/main">
+  <p:cSld>
+    <p:spTree>
+      <p:nvGrpSpPr>
+        <p:cNvPr id="1" name=""/>
+        <p:cNvGrpSpPr/>
+        <p:nvPr/>
+      </p:nvGrpSpPr>
+      <p:grpSpPr>
+        <a:xfrm>
+          <a:off x="0" y="0"/>
+          <a:ext cx="0" cy="0"/>
+          <a:chOff x="0" y="0"/>
+          <a:chExt cx="0" cy="0"/>
+        </a:xfrm>
+      </p:grpSpPr>
+      <p:sp>
+        <p:nvSpPr>
+          <p:cNvPr id="2" name="Slide Image Placeholder 1"/>
+          <p:cNvSpPr>
+            <a:spLocks noGrp="1" noRot="1" noChangeAspect="1"/>
+          </p:cNvSpPr>
+          <p:nvPr>
+            <p:ph type="sldImg"/>
+          </p:nvPr>
+        </p:nvSpPr>
+        <p:spPr/>
+      </p:sp>
+      <p:sp>
+        <p:nvSpPr>
+          <p:cNvPr id="3" name="Notes Placeholder 2"/>
+          <p:cNvSpPr>
+            <a:spLocks noGrp="1"/>
+          </p:cNvSpPr>
+          <p:nvPr>
+            <p:ph type="body" idx="1"/>
+          </p:nvPr>
+        </p:nvSpPr>
+        <p:spPr/>
+        <p:txBody>
+          <a:bodyPr/>
+          <a:lstStyle/>
+          <a:p>
+            <a:pPr marL="171450" indent="-171450">
+              <a:buFont typeface="Arial" panose="020B0604020202020204" pitchFamily="34" charset="0"/>
+              <a:buChar char="•"/>
+            </a:pPr>
+            <a:r>
+              <a:rPr lang="en-US" dirty="0" smtClean="0"/>
+              <a:t>How</a:t>
+            </a:r>
+            <a:r>
+              <a:rPr lang="en-US" baseline="0" dirty="0" smtClean="0"/>
+              <a:t> do we increase a post’s vote and express it here in this CF?</a:t>
+            </a:r>
+          </a:p>
+          <a:p>
+            <a:pPr marL="171450" indent="-171450">
+              <a:buFont typeface="Arial" panose="020B0604020202020204" pitchFamily="34" charset="0"/>
+              <a:buChar char="•"/>
+            </a:pPr>
+            <a:r>
+              <a:rPr lang="en-US" baseline="0" dirty="0" smtClean="0"/>
+              <a:t>Is it a good idea to use a single row?  What if we have a 100 node cluster – how many nodes are used to service this row?</a:t>
+            </a:r>
+            <a:endParaRPr lang="en-US" dirty="0"/>
+          </a:p>
+        </p:txBody>
+      </p:sp>
+      <p:sp>
+        <p:nvSpPr>
+          <p:cNvPr id="4" name="Slide Number Placeholder 3"/>
+          <p:cNvSpPr>
+            <a:spLocks noGrp="1"/>
+          </p:cNvSpPr>
+          <p:nvPr>
+            <p:ph type="sldNum" sz="quarter" idx="10"/>
+          </p:nvPr>
+        </p:nvSpPr>
+        <p:spPr/>
+        <p:txBody>
+          <a:bodyPr/>
+          <a:lstStyle/>
+          <a:p>
+            <a:fld id="{B887A0D3-B9DA-4347-934E-8C6942BC9D7C}" type="slidenum">
+              <a:rPr lang="en-US" smtClean="0"/>
+              <a:t>22</a:t>
+            </a:fld>
+            <a:endParaRPr lang="en-US"/>
+          </a:p>
+        </p:txBody>
+      </p:sp>
+    </p:spTree>
+    <p:extLst>
+      <p:ext uri="{BB962C8B-B14F-4D97-AF65-F5344CB8AC3E}">
+        <p14:creationId xmlns:p14="http://schemas.microsoft.com/office/powerpoint/2010/main" val="1230485126"/>
+      </p:ext>
+    </p:extLst>
+  </p:cSld>
+  <p:clrMapOvr>
+    <a:masterClrMapping/>
+  </p:clrMapOvr>
+</p:notes>
 </file>
 
 <file path=ppt/slideLayouts/slideLayout1.xml><?xml version="1.0" encoding="utf-8"?>
@@ -1943,7 +2403,7 @@
             <a:fld id="{E30E2307-1E40-4E12-8716-25BFDA8E7013}" type="datetime1">
               <a:rPr lang="en-US" smtClean="0"/>
               <a:pPr/>
-              <a:t>8/19/2013</a:t>
+              <a:t>10/15/2013</a:t>
             </a:fld>
             <a:endParaRPr lang="en-US"/>
           </a:p>
@@ -2126,7 +2586,7 @@
             <a:fld id="{E5CFCF5A-EA79-452C-A52C-1A2668C2E7DF}" type="datetime1">
               <a:rPr lang="en-US" smtClean="0"/>
               <a:pPr/>
-              <a:t>8/19/2013</a:t>
+              <a:t>10/15/2013</a:t>
             </a:fld>
             <a:endParaRPr lang="en-US"/>
           </a:p>
@@ -2279,7 +2739,7 @@
             <a:fld id="{2E5C4C28-BD4B-4892-9A2D-6E19BD753A9A}" type="datetime1">
               <a:rPr lang="en-US" smtClean="0"/>
               <a:pPr/>
-              <a:t>8/19/2013</a:t>
+              <a:t>10/15/2013</a:t>
             </a:fld>
             <a:endParaRPr lang="en-US"/>
           </a:p>
@@ -4107,7 +4567,7 @@
             <a:fld id="{61FD9D02-426E-46C9-9EE9-0DE1EF8B2838}" type="datetime1">
               <a:rPr lang="en-US" smtClean="0"/>
               <a:pPr/>
-              <a:t>8/19/2013</a:t>
+              <a:t>10/15/2013</a:t>
             </a:fld>
             <a:endParaRPr lang="en-US"/>
           </a:p>
@@ -5979,7 +6439,7 @@
             <a:fld id="{7B8AEBBE-F8B2-42CF-9895-E86A608384EB}" type="datetime1">
               <a:rPr lang="en-US" smtClean="0"/>
               <a:pPr/>
-              <a:t>8/19/2013</a:t>
+              <a:t>10/15/2013</a:t>
             </a:fld>
             <a:endParaRPr lang="en-US"/>
           </a:p>
@@ -6094,7 +6554,7 @@
             <a:fld id="{E1FAA6B6-10E5-4810-BC9F-DA72D8452E73}" type="datetime1">
               <a:rPr lang="en-US" smtClean="0"/>
               <a:pPr/>
-              <a:t>8/19/2013</a:t>
+              <a:t>10/15/2013</a:t>
             </a:fld>
             <a:endParaRPr lang="en-US"/>
           </a:p>
@@ -6637,7 +7097,7 @@
             <a:fld id="{6D18D072-EF12-4AA2-BD71-ABC68B06D0E2}" type="datetime1">
               <a:rPr lang="en-US" smtClean="0"/>
               <a:pPr/>
-              <a:t>8/19/2013</a:t>
+              <a:t>10/15/2013</a:t>
             </a:fld>
             <a:endParaRPr lang="en-US"/>
           </a:p>
@@ -6752,7 +7212,7 @@
             <a:fld id="{B8CDBF60-6CC3-4B74-A60D-3486985E4346}" type="datetime1">
               <a:rPr lang="en-US" smtClean="0"/>
               <a:pPr/>
-              <a:t>8/19/2013</a:t>
+              <a:t>10/15/2013</a:t>
             </a:fld>
             <a:endParaRPr lang="en-US"/>
           </a:p>
@@ -8465,7 +8925,7 @@
             <a:fld id="{22714818-984F-4759-BF72-A33BDC1963BD}" type="datetime1">
               <a:rPr lang="en-US" smtClean="0"/>
               <a:pPr/>
-              <a:t>8/19/2013</a:t>
+              <a:t>10/15/2013</a:t>
             </a:fld>
             <a:endParaRPr lang="en-US"/>
           </a:p>
@@ -8618,7 +9078,7 @@
             <a:fld id="{9EA7E191-5F94-4FC1-B823-BD7CABF7FA06}" type="datetime1">
               <a:rPr lang="en-US" smtClean="0"/>
               <a:pPr/>
-              <a:t>8/19/2013</a:t>
+              <a:t>10/15/2013</a:t>
             </a:fld>
             <a:endParaRPr lang="en-US"/>
           </a:p>
@@ -12235,7 +12695,7 @@
             <a:fld id="{88856D55-EFBE-4F9B-8A5F-09D42CA22A9B}" type="datetime1">
               <a:rPr lang="en-US" smtClean="0"/>
               <a:pPr/>
-              <a:t>8/19/2013</a:t>
+              <a:t>10/15/2013</a:t>
             </a:fld>
             <a:endParaRPr lang="en-US"/>
           </a:p>
@@ -14096,7 +14556,7 @@
             <a:fld id="{9D1D110F-3F4E-48D9-B8AA-5D0E825AFDBA}" type="datetime1">
               <a:rPr lang="en-US" smtClean="0"/>
               <a:pPr/>
-              <a:t>8/19/2013</a:t>
+              <a:t>10/15/2013</a:t>
             </a:fld>
             <a:endParaRPr lang="en-US"/>
           </a:p>
@@ -14699,32 +15159,7 @@
       </p:grpSpPr>
       <p:sp>
         <p:nvSpPr>
-          <p:cNvPr id="4" name="Title 3"/>
-          <p:cNvSpPr>
-            <a:spLocks noGrp="1"/>
-          </p:cNvSpPr>
-          <p:nvPr>
-            <p:ph type="title"/>
-          </p:nvPr>
-        </p:nvSpPr>
-        <p:spPr/>
-        <p:txBody>
-          <a:bodyPr>
-            <a:normAutofit fontScale="90000"/>
-          </a:bodyPr>
-          <a:lstStyle/>
-          <a:p>
-            <a:r>
-              <a:rPr lang="en-US" dirty="0" smtClean="0"/>
-              <a:t>Modeling Entities (User, Post, Comment)</a:t>
-            </a:r>
-            <a:endParaRPr lang="en-US" dirty="0"/>
-          </a:p>
-        </p:txBody>
-      </p:sp>
-      <p:sp>
-        <p:nvSpPr>
-          <p:cNvPr id="5" name="Content Placeholder 4"/>
+          <p:cNvPr id="2" name="Content Placeholder 1"/>
           <p:cNvSpPr>
             <a:spLocks noGrp="1"/>
           </p:cNvSpPr>
@@ -14740,20 +15175,77 @@
           <a:lstStyle/>
           <a:p>
             <a:r>
+              <a:rPr lang="en-US" dirty="0"/>
+              <a:t>Consistency is “eventual” </a:t>
+            </a:r>
+            <a:r>
               <a:rPr lang="en-US" dirty="0" smtClean="0"/>
-              <a:t>Naturally, can map simple entity properties to columns – however more meta-data overhead (Column Names and other meta-data consume space)</a:t>
-            </a:r>
-          </a:p>
-          <a:p>
+              <a:t>and “tunable” in </a:t>
+            </a:r>
+            <a:r>
+              <a:rPr lang="en-US" dirty="0"/>
+              <a:t>Cassandra – it will always work to create </a:t>
+            </a:r>
             <a:r>
               <a:rPr lang="en-US" dirty="0" smtClean="0"/>
-              <a:t>Could serialize object to a single column value – if the object is JSON, makes sense – but this isn’t fun ;)</a:t>
-            </a:r>
-          </a:p>
-          <a:p>
+              <a:t>N (or RF) </a:t>
+            </a:r>
+            <a:r>
+              <a:rPr lang="en-US" dirty="0"/>
+              <a:t>replicas</a:t>
+            </a:r>
+          </a:p>
+          <a:p>
+            <a:r>
+              <a:rPr lang="en-US" dirty="0"/>
+              <a:t>Write Consistency (W) defines how many replicas </a:t>
+            </a:r>
             <a:r>
               <a:rPr lang="en-US" dirty="0" smtClean="0"/>
-              <a:t>When defining the schema, make sure to define “key validator” and “column comparator”.  By doing this you can browse your data easier using the CLI</a:t>
+              <a:t>must respond with “success” per </a:t>
+            </a:r>
+            <a:r>
+              <a:rPr lang="en-US" dirty="0"/>
+              <a:t>“put” request</a:t>
+            </a:r>
+          </a:p>
+          <a:p>
+            <a:r>
+              <a:rPr lang="en-US" dirty="0"/>
+              <a:t>Read Consistency (R) defines how many replicas are consulted before responding</a:t>
+            </a:r>
+          </a:p>
+          <a:p>
+            <a:r>
+              <a:rPr lang="en-US" dirty="0"/>
+              <a:t>W and R are tunable per request, therefore consistency </a:t>
+            </a:r>
+            <a:r>
+              <a:rPr lang="en-US" dirty="0" smtClean="0"/>
+              <a:t>to read what is written is tunable</a:t>
+            </a:r>
+            <a:endParaRPr lang="en-US" dirty="0"/>
+          </a:p>
+        </p:txBody>
+      </p:sp>
+      <p:sp>
+        <p:nvSpPr>
+          <p:cNvPr id="3" name="Title 2"/>
+          <p:cNvSpPr>
+            <a:spLocks noGrp="1"/>
+          </p:cNvSpPr>
+          <p:nvPr>
+            <p:ph type="title"/>
+          </p:nvPr>
+        </p:nvSpPr>
+        <p:spPr/>
+        <p:txBody>
+          <a:bodyPr/>
+          <a:lstStyle/>
+          <a:p>
+            <a:r>
+              <a:rPr lang="en-US" dirty="0" smtClean="0"/>
+              <a:t>Consistency</a:t>
             </a:r>
             <a:endParaRPr lang="en-US" dirty="0"/>
           </a:p>
@@ -14762,7 +15254,7 @@
     </p:spTree>
     <p:extLst>
       <p:ext uri="{BB962C8B-B14F-4D97-AF65-F5344CB8AC3E}">
-        <p14:creationId xmlns:p14="http://schemas.microsoft.com/office/powerpoint/2010/main" val="2038384955"/>
+        <p14:creationId xmlns:p14="http://schemas.microsoft.com/office/powerpoint/2010/main" val="3720274688"/>
       </p:ext>
     </p:extLst>
   </p:cSld>
@@ -14808,215 +15300,67 @@
         </p:nvSpPr>
         <p:spPr>
           <a:xfrm>
-            <a:off x="381000" y="2362200"/>
-            <a:ext cx="8381999" cy="4190999"/>
+            <a:off x="872067" y="2675467"/>
+            <a:ext cx="7408333" cy="3725333"/>
           </a:xfrm>
         </p:spPr>
         <p:txBody>
           <a:bodyPr>
-            <a:normAutofit/>
+            <a:normAutofit lnSpcReduction="10000"/>
           </a:bodyPr>
           <a:lstStyle/>
           <a:p>
-            <a:pPr marL="457200" indent="-457200">
-              <a:buFont typeface="+mj-lt"/>
-              <a:buAutoNum type="arabicPeriod"/>
-            </a:pPr>
-            <a:r>
-              <a:rPr lang="en-US" sz="2000" dirty="0" smtClean="0">
-                <a:latin typeface="Courier New" pitchFamily="49" charset="0"/>
-                <a:cs typeface="Courier New" pitchFamily="49" charset="0"/>
-              </a:rPr>
-              <a:t>/opt/apache-cassandra-1.2.6/bin/</a:t>
-            </a:r>
-            <a:r>
-              <a:rPr lang="en-US" sz="2000" dirty="0" err="1" smtClean="0">
-                <a:latin typeface="Courier New" pitchFamily="49" charset="0"/>
-                <a:cs typeface="Courier New" pitchFamily="49" charset="0"/>
-              </a:rPr>
-              <a:t>cassandra</a:t>
-            </a:r>
-            <a:r>
-              <a:rPr lang="en-US" sz="2000" dirty="0" smtClean="0">
-                <a:latin typeface="Courier New" pitchFamily="49" charset="0"/>
-                <a:cs typeface="Courier New" pitchFamily="49" charset="0"/>
-              </a:rPr>
-              <a:t>-cli</a:t>
-            </a:r>
-          </a:p>
-          <a:p>
-            <a:pPr marL="457200" indent="-457200">
-              <a:buFont typeface="+mj-lt"/>
-              <a:buAutoNum type="arabicPeriod"/>
-            </a:pPr>
-            <a:endParaRPr lang="en-US" sz="2000" dirty="0" smtClean="0">
-              <a:latin typeface="Courier New" pitchFamily="49" charset="0"/>
-              <a:cs typeface="Courier New" pitchFamily="49" charset="0"/>
-            </a:endParaRPr>
-          </a:p>
-          <a:p>
-            <a:pPr marL="457200" indent="-457200">
-              <a:buFont typeface="+mj-lt"/>
-              <a:buAutoNum type="arabicPeriod"/>
-            </a:pPr>
-            <a:r>
-              <a:rPr lang="en-US" sz="2000" dirty="0" smtClean="0">
-                <a:latin typeface="Courier New" pitchFamily="49" charset="0"/>
-                <a:cs typeface="Courier New" pitchFamily="49" charset="0"/>
-              </a:rPr>
-              <a:t>create </a:t>
-            </a:r>
-            <a:r>
-              <a:rPr lang="en-US" sz="2000" dirty="0" err="1">
-                <a:latin typeface="Courier New" pitchFamily="49" charset="0"/>
-                <a:cs typeface="Courier New" pitchFamily="49" charset="0"/>
-              </a:rPr>
-              <a:t>keyspace</a:t>
-            </a:r>
-            <a:r>
-              <a:rPr lang="en-US" sz="2000" dirty="0">
-                <a:latin typeface="Courier New" pitchFamily="49" charset="0"/>
-                <a:cs typeface="Courier New" pitchFamily="49" charset="0"/>
-              </a:rPr>
-              <a:t> </a:t>
-            </a:r>
-            <a:r>
-              <a:rPr lang="en-US" sz="2000" dirty="0" smtClean="0">
-                <a:latin typeface="Courier New" pitchFamily="49" charset="0"/>
-                <a:cs typeface="Courier New" pitchFamily="49" charset="0"/>
-              </a:rPr>
-              <a:t>blog</a:t>
-            </a:r>
-            <a:endParaRPr lang="en-US" sz="2000" dirty="0">
-              <a:latin typeface="Courier New" pitchFamily="49" charset="0"/>
-              <a:cs typeface="Courier New" pitchFamily="49" charset="0"/>
-            </a:endParaRPr>
-          </a:p>
-          <a:p>
-            <a:pPr marL="457200" indent="-457200">
-              <a:buFont typeface="+mj-lt"/>
-              <a:buAutoNum type="arabicPeriod"/>
-            </a:pPr>
-            <a:r>
-              <a:rPr lang="en-US" sz="2000" dirty="0">
-                <a:latin typeface="Courier New" pitchFamily="49" charset="0"/>
-                <a:cs typeface="Courier New" pitchFamily="49" charset="0"/>
-              </a:rPr>
-              <a:t>    with </a:t>
-            </a:r>
-            <a:r>
-              <a:rPr lang="en-US" sz="2000" dirty="0" err="1">
-                <a:latin typeface="Courier New" pitchFamily="49" charset="0"/>
-                <a:cs typeface="Courier New" pitchFamily="49" charset="0"/>
-              </a:rPr>
-              <a:t>placement_strategy</a:t>
-            </a:r>
-            <a:r>
-              <a:rPr lang="en-US" sz="2000" dirty="0">
-                <a:latin typeface="Courier New" pitchFamily="49" charset="0"/>
-                <a:cs typeface="Courier New" pitchFamily="49" charset="0"/>
-              </a:rPr>
-              <a:t> = '</a:t>
-            </a:r>
-            <a:r>
-              <a:rPr lang="en-US" sz="2000" dirty="0" err="1">
-                <a:latin typeface="Courier New" pitchFamily="49" charset="0"/>
-                <a:cs typeface="Courier New" pitchFamily="49" charset="0"/>
-              </a:rPr>
-              <a:t>org.apache.cassandra.locator.SimpleStrategy</a:t>
-            </a:r>
-            <a:r>
-              <a:rPr lang="en-US" sz="2000" dirty="0">
-                <a:latin typeface="Courier New" pitchFamily="49" charset="0"/>
-                <a:cs typeface="Courier New" pitchFamily="49" charset="0"/>
-              </a:rPr>
-              <a:t>'</a:t>
-            </a:r>
-          </a:p>
-          <a:p>
-            <a:pPr marL="457200" indent="-457200">
-              <a:buFont typeface="+mj-lt"/>
-              <a:buAutoNum type="arabicPeriod"/>
-            </a:pPr>
-            <a:r>
-              <a:rPr lang="en-US" sz="2000" dirty="0" smtClean="0">
-                <a:latin typeface="Courier New" pitchFamily="49" charset="0"/>
-                <a:cs typeface="Courier New" pitchFamily="49" charset="0"/>
-              </a:rPr>
-              <a:t>and </a:t>
-            </a:r>
-            <a:r>
-              <a:rPr lang="en-US" sz="2000" dirty="0" err="1">
-                <a:latin typeface="Courier New" pitchFamily="49" charset="0"/>
-                <a:cs typeface="Courier New" pitchFamily="49" charset="0"/>
-              </a:rPr>
-              <a:t>strategy_options</a:t>
-            </a:r>
-            <a:r>
-              <a:rPr lang="en-US" sz="2000" dirty="0">
-                <a:latin typeface="Courier New" pitchFamily="49" charset="0"/>
-                <a:cs typeface="Courier New" pitchFamily="49" charset="0"/>
-              </a:rPr>
-              <a:t> = {replication_factor:1};</a:t>
-            </a:r>
-          </a:p>
-          <a:p>
-            <a:pPr marL="457200" indent="-457200">
-              <a:buFont typeface="+mj-lt"/>
-              <a:buAutoNum type="arabicPeriod"/>
-            </a:pPr>
-            <a:endParaRPr lang="en-US" sz="2000" dirty="0" smtClean="0">
-              <a:latin typeface="Courier New" pitchFamily="49" charset="0"/>
-              <a:cs typeface="Courier New" pitchFamily="49" charset="0"/>
-            </a:endParaRPr>
-          </a:p>
-          <a:p>
-            <a:r>
-              <a:rPr lang="en-US" sz="2000" dirty="0" smtClean="0">
-                <a:cs typeface="Courier New" pitchFamily="49" charset="0"/>
-              </a:rPr>
-              <a:t>Creates a single </a:t>
-            </a:r>
-            <a:r>
-              <a:rPr lang="en-US" sz="2000" dirty="0" err="1" smtClean="0">
-                <a:cs typeface="Courier New" pitchFamily="49" charset="0"/>
-              </a:rPr>
-              <a:t>keyspace</a:t>
-            </a:r>
-            <a:r>
-              <a:rPr lang="en-US" sz="2000" dirty="0" smtClean="0">
-                <a:cs typeface="Courier New" pitchFamily="49" charset="0"/>
-              </a:rPr>
-              <a:t>, blog.</a:t>
-            </a:r>
-          </a:p>
-          <a:p>
-            <a:r>
-              <a:rPr lang="en-US" sz="2000" dirty="0" smtClean="0">
-                <a:cs typeface="Courier New" pitchFamily="49" charset="0"/>
-              </a:rPr>
-              <a:t>Will hold all of our </a:t>
-            </a:r>
-            <a:r>
-              <a:rPr lang="en-US" sz="2000" dirty="0" err="1" smtClean="0">
-                <a:cs typeface="Courier New" pitchFamily="49" charset="0"/>
-              </a:rPr>
-              <a:t>ColumnFamily’s</a:t>
-            </a:r>
-            <a:r>
-              <a:rPr lang="en-US" sz="2000" dirty="0" smtClean="0">
-                <a:cs typeface="Courier New" pitchFamily="49" charset="0"/>
-              </a:rPr>
-              <a:t> (or Tables)</a:t>
-            </a:r>
-          </a:p>
-          <a:p>
-            <a:pPr marL="0" indent="0">
-              <a:buNone/>
-            </a:pPr>
-            <a:endParaRPr lang="en-US" sz="2000" dirty="0">
-              <a:cs typeface="Courier New" pitchFamily="49" charset="0"/>
-            </a:endParaRPr>
+            <a:r>
+              <a:rPr lang="en-US" dirty="0" smtClean="0"/>
+              <a:t>Until Cassandra 2.0 there wer</a:t>
+            </a:r>
+            <a:r>
+              <a:rPr lang="en-US" dirty="0" smtClean="0"/>
+              <a:t>e no transactions – 2.0 gives “create if” or “update if” type transactions (at the cost of performance – </a:t>
+            </a:r>
+            <a:r>
+              <a:rPr lang="en-US" dirty="0" err="1" smtClean="0"/>
+              <a:t>Paxos</a:t>
+            </a:r>
+            <a:r>
+              <a:rPr lang="en-US" dirty="0" smtClean="0"/>
+              <a:t>)</a:t>
+            </a:r>
+            <a:endParaRPr lang="en-US" dirty="0" smtClean="0"/>
+          </a:p>
+          <a:p>
+            <a:r>
+              <a:rPr lang="en-US" dirty="0" smtClean="0"/>
+              <a:t>Until 1.1 there was only row level atomicity, but no isolation.  Now we have both, but only at the row level</a:t>
+            </a:r>
+            <a:endParaRPr lang="en-US" dirty="0" smtClean="0"/>
+          </a:p>
+          <a:p>
+            <a:r>
+              <a:rPr lang="en-US" dirty="0" smtClean="0"/>
+              <a:t>Keys are not sorted (such as </a:t>
+            </a:r>
+            <a:r>
+              <a:rPr lang="en-US" dirty="0" err="1" smtClean="0"/>
+              <a:t>hbase</a:t>
+            </a:r>
+            <a:r>
+              <a:rPr lang="en-US" dirty="0" smtClean="0"/>
+              <a:t> does or the primary key in RDBMS)</a:t>
+            </a:r>
+          </a:p>
+          <a:p>
+            <a:r>
+              <a:rPr lang="en-US" dirty="0" smtClean="0"/>
+              <a:t>Very little in terms of built in indexing by column value</a:t>
+            </a:r>
+          </a:p>
+          <a:p>
+            <a:r>
+              <a:rPr lang="en-US" dirty="0" smtClean="0"/>
+              <a:t>No joining</a:t>
+            </a:r>
+            <a:endParaRPr lang="en-US" dirty="0"/>
           </a:p>
         </p:txBody>
       </p:sp>
@@ -15037,11 +15381,7 @@
           <a:p>
             <a:r>
               <a:rPr lang="en-US" dirty="0" smtClean="0"/>
-              <a:t>We need a </a:t>
-            </a:r>
-            <a:r>
-              <a:rPr lang="en-US" dirty="0" err="1" smtClean="0"/>
-              <a:t>keyspace</a:t>
+              <a:t>What Cassandra is *NOT*</a:t>
             </a:r>
             <a:endParaRPr lang="en-US" dirty="0"/>
           </a:p>
@@ -15050,7 +15390,7 @@
     </p:spTree>
     <p:extLst>
       <p:ext uri="{BB962C8B-B14F-4D97-AF65-F5344CB8AC3E}">
-        <p14:creationId xmlns:p14="http://schemas.microsoft.com/office/powerpoint/2010/main" val="2908772585"/>
+        <p14:creationId xmlns:p14="http://schemas.microsoft.com/office/powerpoint/2010/main" val="537351983"/>
       </p:ext>
     </p:extLst>
   </p:cSld>
@@ -15086,167 +15426,7 @@
       </p:grpSpPr>
       <p:sp>
         <p:nvSpPr>
-          <p:cNvPr id="2" name="Content Placeholder 1"/>
-          <p:cNvSpPr>
-            <a:spLocks noGrp="1"/>
-          </p:cNvSpPr>
-          <p:nvPr>
-            <p:ph idx="1"/>
-          </p:nvPr>
-        </p:nvSpPr>
-        <p:spPr>
-          <a:xfrm>
-            <a:off x="381000" y="2362200"/>
-            <a:ext cx="8381999" cy="4190999"/>
-          </a:xfrm>
-        </p:spPr>
-        <p:txBody>
-          <a:bodyPr>
-            <a:normAutofit/>
-          </a:bodyPr>
-          <a:lstStyle/>
-          <a:p>
-            <a:pPr marL="457200" indent="-457200">
-              <a:buFont typeface="+mj-lt"/>
-              <a:buAutoNum type="arabicPeriod"/>
-            </a:pPr>
-            <a:r>
-              <a:rPr lang="en-US" sz="2000" dirty="0" smtClean="0">
-                <a:latin typeface="Courier New" pitchFamily="49" charset="0"/>
-                <a:cs typeface="Courier New" pitchFamily="49" charset="0"/>
-              </a:rPr>
-              <a:t>// getters/setters removed</a:t>
-            </a:r>
-          </a:p>
-          <a:p>
-            <a:pPr marL="457200" indent="-457200">
-              <a:buFont typeface="+mj-lt"/>
-              <a:buAutoNum type="arabicPeriod"/>
-            </a:pPr>
-            <a:r>
-              <a:rPr lang="en-US" sz="2000" dirty="0" smtClean="0">
-                <a:latin typeface="Courier New" pitchFamily="49" charset="0"/>
-                <a:cs typeface="Courier New" pitchFamily="49" charset="0"/>
-              </a:rPr>
-              <a:t>public </a:t>
-            </a:r>
-            <a:r>
-              <a:rPr lang="en-US" sz="2000" dirty="0">
-                <a:latin typeface="Courier New" pitchFamily="49" charset="0"/>
-                <a:cs typeface="Courier New" pitchFamily="49" charset="0"/>
-              </a:rPr>
-              <a:t>class User {</a:t>
-            </a:r>
-          </a:p>
-          <a:p>
-            <a:pPr marL="457200" indent="-457200">
-              <a:buFont typeface="+mj-lt"/>
-              <a:buAutoNum type="arabicPeriod"/>
-            </a:pPr>
-            <a:r>
-              <a:rPr lang="en-US" sz="2000" dirty="0">
-                <a:latin typeface="Courier New" pitchFamily="49" charset="0"/>
-                <a:cs typeface="Courier New" pitchFamily="49" charset="0"/>
-              </a:rPr>
-              <a:t>    private String email;</a:t>
-            </a:r>
-          </a:p>
-          <a:p>
-            <a:pPr marL="457200" indent="-457200">
-              <a:buFont typeface="+mj-lt"/>
-              <a:buAutoNum type="arabicPeriod"/>
-            </a:pPr>
-            <a:r>
-              <a:rPr lang="en-US" sz="2000" dirty="0">
-                <a:latin typeface="Courier New" pitchFamily="49" charset="0"/>
-                <a:cs typeface="Courier New" pitchFamily="49" charset="0"/>
-              </a:rPr>
-              <a:t>    private String password;</a:t>
-            </a:r>
-          </a:p>
-          <a:p>
-            <a:pPr marL="457200" indent="-457200">
-              <a:buFont typeface="+mj-lt"/>
-              <a:buAutoNum type="arabicPeriod"/>
-            </a:pPr>
-            <a:r>
-              <a:rPr lang="en-US" sz="2000" dirty="0">
-                <a:latin typeface="Courier New" pitchFamily="49" charset="0"/>
-                <a:cs typeface="Courier New" pitchFamily="49" charset="0"/>
-              </a:rPr>
-              <a:t>    private String name</a:t>
-            </a:r>
-            <a:r>
-              <a:rPr lang="en-US" sz="2000" dirty="0" smtClean="0">
-                <a:latin typeface="Courier New" pitchFamily="49" charset="0"/>
-                <a:cs typeface="Courier New" pitchFamily="49" charset="0"/>
-              </a:rPr>
-              <a:t>;</a:t>
-            </a:r>
-            <a:endParaRPr lang="en-US" sz="1600" dirty="0">
-              <a:latin typeface="Courier New" pitchFamily="49" charset="0"/>
-              <a:cs typeface="Courier New" pitchFamily="49" charset="0"/>
-            </a:endParaRPr>
-          </a:p>
-          <a:p>
-            <a:pPr marL="457200" indent="-457200">
-              <a:buFont typeface="+mj-lt"/>
-              <a:buAutoNum type="arabicPeriod"/>
-            </a:pPr>
-            <a:r>
-              <a:rPr lang="en-US" sz="2000" dirty="0" smtClean="0">
-                <a:latin typeface="Courier New" pitchFamily="49" charset="0"/>
-                <a:cs typeface="Courier New" pitchFamily="49" charset="0"/>
-              </a:rPr>
-              <a:t>}</a:t>
-            </a:r>
-          </a:p>
-          <a:p>
-            <a:pPr marL="457200" indent="-457200">
-              <a:buFont typeface="+mj-lt"/>
-              <a:buAutoNum type="arabicPeriod"/>
-            </a:pPr>
-            <a:endParaRPr lang="en-US" sz="2000" dirty="0" smtClean="0">
-              <a:latin typeface="Courier New" pitchFamily="49" charset="0"/>
-              <a:cs typeface="Courier New" pitchFamily="49" charset="0"/>
-            </a:endParaRPr>
-          </a:p>
-          <a:p>
-            <a:r>
-              <a:rPr lang="en-US" sz="2000" dirty="0" smtClean="0">
-                <a:latin typeface="Courier New" pitchFamily="49" charset="0"/>
-                <a:cs typeface="Courier New" pitchFamily="49" charset="0"/>
-              </a:rPr>
-              <a:t>row key = email</a:t>
-            </a:r>
-          </a:p>
-          <a:p>
-            <a:r>
-              <a:rPr lang="en-US" sz="2000" dirty="0" smtClean="0">
-                <a:latin typeface="Courier New" pitchFamily="49" charset="0"/>
-                <a:cs typeface="Courier New" pitchFamily="49" charset="0"/>
-              </a:rPr>
-              <a:t>Column names are property names</a:t>
-            </a:r>
-          </a:p>
-          <a:p>
-            <a:r>
-              <a:rPr lang="en-US" sz="2000" dirty="0" smtClean="0">
-                <a:latin typeface="Courier New" pitchFamily="49" charset="0"/>
-                <a:cs typeface="Courier New" pitchFamily="49" charset="0"/>
-              </a:rPr>
-              <a:t>Column values are their values</a:t>
-            </a:r>
-            <a:endParaRPr lang="en-US" sz="2000" dirty="0">
-              <a:latin typeface="Courier New" pitchFamily="49" charset="0"/>
-              <a:cs typeface="Courier New" pitchFamily="49" charset="0"/>
-            </a:endParaRPr>
-          </a:p>
-        </p:txBody>
-      </p:sp>
-      <p:sp>
-        <p:nvSpPr>
-          <p:cNvPr id="3" name="Title 2"/>
+          <p:cNvPr id="2" name="Title 1"/>
           <p:cNvSpPr>
             <a:spLocks noGrp="1"/>
           </p:cNvSpPr>
@@ -15261,7 +15441,34 @@
           <a:p>
             <a:r>
               <a:rPr lang="en-US" dirty="0" smtClean="0"/>
-              <a:t>User Object</a:t>
+              <a:t>Data Modeling Example</a:t>
+            </a:r>
+            <a:endParaRPr lang="en-US" dirty="0"/>
+          </a:p>
+        </p:txBody>
+      </p:sp>
+      <p:sp>
+        <p:nvSpPr>
+          <p:cNvPr id="5" name="Subtitle 4"/>
+          <p:cNvSpPr>
+            <a:spLocks noGrp="1"/>
+          </p:cNvSpPr>
+          <p:nvPr>
+            <p:ph type="body" idx="1"/>
+          </p:nvPr>
+        </p:nvSpPr>
+        <p:spPr/>
+        <p:txBody>
+          <a:bodyPr/>
+          <a:lstStyle/>
+          <a:p>
+            <a:r>
+              <a:rPr lang="en-US" dirty="0" smtClean="0"/>
+              <a:t>A </a:t>
+            </a:r>
+            <a:r>
+              <a:rPr lang="en-US" dirty="0" smtClean="0"/>
+              <a:t>Blogging Application</a:t>
             </a:r>
             <a:endParaRPr lang="en-US" dirty="0"/>
           </a:p>
@@ -15270,7 +15477,7 @@
     </p:spTree>
     <p:extLst>
       <p:ext uri="{BB962C8B-B14F-4D97-AF65-F5344CB8AC3E}">
-        <p14:creationId xmlns:p14="http://schemas.microsoft.com/office/powerpoint/2010/main" val="3137607371"/>
+        <p14:creationId xmlns:p14="http://schemas.microsoft.com/office/powerpoint/2010/main" val="3818784372"/>
       </p:ext>
     </p:extLst>
   </p:cSld>
@@ -15306,215 +15513,7 @@
       </p:grpSpPr>
       <p:sp>
         <p:nvSpPr>
-          <p:cNvPr id="2" name="Content Placeholder 1"/>
-          <p:cNvSpPr>
-            <a:spLocks noGrp="1"/>
-          </p:cNvSpPr>
-          <p:nvPr>
-            <p:ph idx="1"/>
-          </p:nvPr>
-        </p:nvSpPr>
-        <p:spPr>
-          <a:xfrm>
-            <a:off x="381000" y="2362200"/>
-            <a:ext cx="8381999" cy="4190999"/>
-          </a:xfrm>
-        </p:spPr>
-        <p:txBody>
-          <a:bodyPr>
-            <a:normAutofit/>
-          </a:bodyPr>
-          <a:lstStyle/>
-          <a:p>
-            <a:pPr marL="457200" indent="-457200">
-              <a:buFont typeface="+mj-lt"/>
-              <a:buAutoNum type="arabicPeriod"/>
-            </a:pPr>
-            <a:r>
-              <a:rPr lang="en-US" sz="2000" dirty="0" smtClean="0">
-                <a:latin typeface="Courier New" pitchFamily="49" charset="0"/>
-                <a:cs typeface="Courier New" pitchFamily="49" charset="0"/>
-              </a:rPr>
-              <a:t>use blog;</a:t>
-            </a:r>
-          </a:p>
-          <a:p>
-            <a:pPr marL="457200" indent="-457200">
-              <a:buFont typeface="+mj-lt"/>
-              <a:buAutoNum type="arabicPeriod"/>
-            </a:pPr>
-            <a:r>
-              <a:rPr lang="en-US" sz="2000" dirty="0" smtClean="0">
-                <a:latin typeface="Courier New" pitchFamily="49" charset="0"/>
-                <a:cs typeface="Courier New" pitchFamily="49" charset="0"/>
-              </a:rPr>
-              <a:t>create </a:t>
-            </a:r>
-            <a:r>
-              <a:rPr lang="en-US" sz="2000" dirty="0">
-                <a:latin typeface="Courier New" pitchFamily="49" charset="0"/>
-                <a:cs typeface="Courier New" pitchFamily="49" charset="0"/>
-              </a:rPr>
-              <a:t>column family users</a:t>
-            </a:r>
-          </a:p>
-          <a:p>
-            <a:pPr marL="457200" indent="-457200">
-              <a:buFont typeface="+mj-lt"/>
-              <a:buAutoNum type="arabicPeriod"/>
-            </a:pPr>
-            <a:r>
-              <a:rPr lang="en-US" sz="2000" dirty="0">
-                <a:latin typeface="Courier New" pitchFamily="49" charset="0"/>
-                <a:cs typeface="Courier New" pitchFamily="49" charset="0"/>
-              </a:rPr>
-              <a:t>    with comment = 'Define </a:t>
-            </a:r>
-            <a:r>
-              <a:rPr lang="en-US" sz="2000" dirty="0" smtClean="0">
-                <a:latin typeface="Courier New" pitchFamily="49" charset="0"/>
-                <a:cs typeface="Courier New" pitchFamily="49" charset="0"/>
-              </a:rPr>
-              <a:t>user attributes'</a:t>
-            </a:r>
-            <a:endParaRPr lang="en-US" sz="2000" dirty="0">
-              <a:latin typeface="Courier New" pitchFamily="49" charset="0"/>
-              <a:cs typeface="Courier New" pitchFamily="49" charset="0"/>
-            </a:endParaRPr>
-          </a:p>
-          <a:p>
-            <a:pPr marL="457200" indent="-457200">
-              <a:buFont typeface="+mj-lt"/>
-              <a:buAutoNum type="arabicPeriod"/>
-            </a:pPr>
-            <a:r>
-              <a:rPr lang="en-US" sz="2000" dirty="0">
-                <a:latin typeface="Courier New" pitchFamily="49" charset="0"/>
-                <a:cs typeface="Courier New" pitchFamily="49" charset="0"/>
-              </a:rPr>
-              <a:t>    and </a:t>
-            </a:r>
-            <a:r>
-              <a:rPr lang="en-US" sz="2000" dirty="0" err="1">
-                <a:latin typeface="Courier New" pitchFamily="49" charset="0"/>
-                <a:cs typeface="Courier New" pitchFamily="49" charset="0"/>
-              </a:rPr>
-              <a:t>key_validation_class</a:t>
-            </a:r>
-            <a:r>
-              <a:rPr lang="en-US" sz="2000" dirty="0">
-                <a:latin typeface="Courier New" pitchFamily="49" charset="0"/>
-                <a:cs typeface="Courier New" pitchFamily="49" charset="0"/>
-              </a:rPr>
-              <a:t> = 'UTF8Type'</a:t>
-            </a:r>
-          </a:p>
-          <a:p>
-            <a:pPr marL="457200" indent="-457200">
-              <a:buFont typeface="+mj-lt"/>
-              <a:buAutoNum type="arabicPeriod"/>
-            </a:pPr>
-            <a:r>
-              <a:rPr lang="en-US" sz="2000" dirty="0">
-                <a:latin typeface="Courier New" pitchFamily="49" charset="0"/>
-                <a:cs typeface="Courier New" pitchFamily="49" charset="0"/>
-              </a:rPr>
-              <a:t>    and comparator = 'UTF8Type'</a:t>
-            </a:r>
-          </a:p>
-          <a:p>
-            <a:pPr marL="457200" indent="-457200">
-              <a:buFont typeface="+mj-lt"/>
-              <a:buAutoNum type="arabicPeriod"/>
-            </a:pPr>
-            <a:r>
-              <a:rPr lang="en-US" sz="2000" dirty="0">
-                <a:latin typeface="Courier New" pitchFamily="49" charset="0"/>
-                <a:cs typeface="Courier New" pitchFamily="49" charset="0"/>
-              </a:rPr>
-              <a:t>    and </a:t>
-            </a:r>
-            <a:r>
-              <a:rPr lang="en-US" sz="2000" dirty="0" err="1">
-                <a:latin typeface="Courier New" pitchFamily="49" charset="0"/>
-                <a:cs typeface="Courier New" pitchFamily="49" charset="0"/>
-              </a:rPr>
-              <a:t>default_validation_class</a:t>
-            </a:r>
-            <a:r>
-              <a:rPr lang="en-US" sz="2000" dirty="0">
-                <a:latin typeface="Courier New" pitchFamily="49" charset="0"/>
-                <a:cs typeface="Courier New" pitchFamily="49" charset="0"/>
-              </a:rPr>
-              <a:t> = 'UTF8Type'</a:t>
-            </a:r>
-          </a:p>
-          <a:p>
-            <a:pPr marL="457200" indent="-457200">
-              <a:buFont typeface="+mj-lt"/>
-              <a:buAutoNum type="arabicPeriod"/>
-            </a:pPr>
-            <a:r>
-              <a:rPr lang="en-US" sz="2000" dirty="0">
-                <a:latin typeface="Courier New" pitchFamily="49" charset="0"/>
-                <a:cs typeface="Courier New" pitchFamily="49" charset="0"/>
-              </a:rPr>
-              <a:t>    </a:t>
-            </a:r>
-            <a:r>
-              <a:rPr lang="en-US" sz="2000" dirty="0" smtClean="0">
-                <a:latin typeface="Courier New" pitchFamily="49" charset="0"/>
-                <a:cs typeface="Courier New" pitchFamily="49" charset="0"/>
-              </a:rPr>
-              <a:t>;</a:t>
-            </a:r>
-          </a:p>
-          <a:p>
-            <a:pPr marL="457200" indent="-457200">
-              <a:buFont typeface="+mj-lt"/>
-              <a:buAutoNum type="arabicPeriod"/>
-            </a:pPr>
-            <a:endParaRPr lang="en-US" sz="2000" dirty="0">
-              <a:latin typeface="Courier New" pitchFamily="49" charset="0"/>
-              <a:cs typeface="Courier New" pitchFamily="49" charset="0"/>
-            </a:endParaRPr>
-          </a:p>
-          <a:p>
-            <a:r>
-              <a:rPr lang="en-US" sz="2000" dirty="0" smtClean="0">
-                <a:latin typeface="Courier New" pitchFamily="49" charset="0"/>
-                <a:cs typeface="Courier New" pitchFamily="49" charset="0"/>
-              </a:rPr>
-              <a:t>UTF8 is *the* string type</a:t>
-            </a:r>
-          </a:p>
-          <a:p>
-            <a:r>
-              <a:rPr lang="en-US" sz="2000" dirty="0" smtClean="0">
-                <a:latin typeface="Courier New" pitchFamily="49" charset="0"/>
-                <a:cs typeface="Courier New" pitchFamily="49" charset="0"/>
-              </a:rPr>
-              <a:t>Comparator compares column names</a:t>
-            </a:r>
-          </a:p>
-          <a:p>
-            <a:r>
-              <a:rPr lang="en-US" sz="2000" dirty="0" smtClean="0">
-                <a:latin typeface="Courier New" pitchFamily="49" charset="0"/>
-                <a:cs typeface="Courier New" pitchFamily="49" charset="0"/>
-              </a:rPr>
-              <a:t>Validators validate column values</a:t>
-            </a:r>
-            <a:endParaRPr lang="en-US" sz="2000" dirty="0">
-              <a:latin typeface="Courier New" pitchFamily="49" charset="0"/>
-              <a:cs typeface="Courier New" pitchFamily="49" charset="0"/>
-            </a:endParaRPr>
-          </a:p>
-        </p:txBody>
-      </p:sp>
-      <p:sp>
-        <p:nvSpPr>
-          <p:cNvPr id="3" name="Title 2"/>
+          <p:cNvPr id="4" name="Title 3"/>
           <p:cNvSpPr>
             <a:spLocks noGrp="1"/>
           </p:cNvSpPr>
@@ -15524,17 +15523,106 @@
         </p:nvSpPr>
         <p:spPr/>
         <p:txBody>
-          <a:bodyPr/>
+          <a:bodyPr>
+            <a:normAutofit fontScale="90000"/>
+          </a:bodyPr>
           <a:lstStyle/>
           <a:p>
             <a:r>
               <a:rPr lang="en-US" dirty="0" smtClean="0"/>
-              <a:t>We need a </a:t>
+              <a:t>“</a:t>
             </a:r>
             <a:r>
               <a:rPr lang="en-US" dirty="0" err="1" smtClean="0"/>
-              <a:t>ColumnFamily</a:t>
-            </a:r>
+              <a:t>Bloggie</a:t>
+            </a:r>
+            <a:r>
+              <a:rPr lang="en-US" dirty="0" smtClean="0"/>
+              <a:t> Blog”</a:t>
+            </a:r>
+            <a:br>
+              <a:rPr lang="en-US" dirty="0" smtClean="0"/>
+            </a:br>
+            <a:r>
+              <a:rPr lang="en-US" dirty="0" smtClean="0"/>
+              <a:t>Requirements</a:t>
+            </a:r>
+            <a:endParaRPr lang="en-US" dirty="0"/>
+          </a:p>
+        </p:txBody>
+      </p:sp>
+      <p:sp>
+        <p:nvSpPr>
+          <p:cNvPr id="5" name="Content Placeholder 4"/>
+          <p:cNvSpPr>
+            <a:spLocks noGrp="1"/>
+          </p:cNvSpPr>
+          <p:nvPr>
+            <p:ph idx="1"/>
+          </p:nvPr>
+        </p:nvSpPr>
+        <p:spPr/>
+        <p:txBody>
+          <a:bodyPr>
+            <a:normAutofit/>
+          </a:bodyPr>
+          <a:lstStyle/>
+          <a:p>
+            <a:r>
+              <a:rPr lang="en-US" dirty="0" smtClean="0"/>
+              <a:t>Create users, posts, and comments</a:t>
+            </a:r>
+          </a:p>
+          <a:p>
+            <a:r>
+              <a:rPr lang="en-US" dirty="0" smtClean="0"/>
+              <a:t>Retrieve all posts for a user</a:t>
+            </a:r>
+          </a:p>
+          <a:p>
+            <a:r>
+              <a:rPr lang="en-US" dirty="0"/>
+              <a:t>Retrieve posts by time range</a:t>
+            </a:r>
+          </a:p>
+          <a:p>
+            <a:r>
+              <a:rPr lang="en-US" dirty="0" smtClean="0"/>
+              <a:t>Retrieve all comments for a user</a:t>
+            </a:r>
+          </a:p>
+          <a:p>
+            <a:r>
+              <a:rPr lang="en-US" dirty="0" smtClean="0"/>
+              <a:t>Retrieve all comments for a post, sorted by vote</a:t>
+            </a:r>
+          </a:p>
+          <a:p>
+            <a:r>
+              <a:rPr lang="en-US" dirty="0" smtClean="0"/>
+              <a:t>Retrieve the top N posts by vote over last 30 days</a:t>
+            </a:r>
+          </a:p>
+          <a:p>
+            <a:r>
+              <a:rPr lang="en-US" dirty="0"/>
+              <a:t>User can </a:t>
+            </a:r>
+            <a:r>
+              <a:rPr lang="en-US" dirty="0" smtClean="0"/>
+              <a:t>only vote </a:t>
+            </a:r>
+            <a:r>
+              <a:rPr lang="en-US" dirty="0"/>
+              <a:t>*once* on </a:t>
+            </a:r>
+            <a:r>
+              <a:rPr lang="en-US" dirty="0" smtClean="0"/>
+              <a:t>a post or comment</a:t>
+            </a:r>
+            <a:endParaRPr lang="en-US" dirty="0"/>
+          </a:p>
+          <a:p>
             <a:endParaRPr lang="en-US" dirty="0"/>
           </a:p>
         </p:txBody>
@@ -15542,7 +15630,7 @@
     </p:spTree>
     <p:extLst>
       <p:ext uri="{BB962C8B-B14F-4D97-AF65-F5344CB8AC3E}">
-        <p14:creationId xmlns:p14="http://schemas.microsoft.com/office/powerpoint/2010/main" val="3385811164"/>
+        <p14:creationId xmlns:p14="http://schemas.microsoft.com/office/powerpoint/2010/main" val="1329214212"/>
       </p:ext>
     </p:extLst>
   </p:cSld>
@@ -15586,89 +15674,228 @@
             <p:ph idx="1"/>
           </p:nvPr>
         </p:nvSpPr>
-        <p:spPr/>
+        <p:spPr>
+          <a:xfrm>
+            <a:off x="381000" y="2362200"/>
+            <a:ext cx="8381999" cy="4190999"/>
+          </a:xfrm>
+        </p:spPr>
         <p:txBody>
           <a:bodyPr>
-            <a:normAutofit lnSpcReduction="10000"/>
+            <a:normAutofit/>
           </a:bodyPr>
           <a:lstStyle/>
           <a:p>
-            <a:r>
-              <a:rPr lang="en-US" dirty="0" smtClean="0"/>
-              <a:t>Could use the raw Thrift protocol, but just say no!</a:t>
-            </a:r>
-          </a:p>
-          <a:p>
-            <a:r>
-              <a:rPr lang="en-US" dirty="0" smtClean="0"/>
-              <a:t>Provides Connection Pooling, automatic retry, server node auto-discovery, </a:t>
-            </a:r>
-            <a:r>
-              <a:rPr lang="en-US" b="1" dirty="0" smtClean="0"/>
-              <a:t>de/serialization of data types, HOM, thrift abstraction</a:t>
-            </a:r>
-            <a:r>
-              <a:rPr lang="en-US" dirty="0" smtClean="0"/>
-              <a:t>, </a:t>
-            </a:r>
-            <a:r>
-              <a:rPr lang="en-US" dirty="0" err="1" smtClean="0"/>
-              <a:t>etc</a:t>
-            </a:r>
-            <a:endParaRPr lang="en-US" dirty="0" smtClean="0"/>
-          </a:p>
-          <a:p>
-            <a:r>
-              <a:rPr lang="en-US" b="1" dirty="0" err="1" smtClean="0"/>
-              <a:t>HFactory</a:t>
-            </a:r>
-            <a:r>
-              <a:rPr lang="en-US" b="1" dirty="0" smtClean="0"/>
-              <a:t> is your friend</a:t>
-            </a:r>
-            <a:r>
-              <a:rPr lang="en-US" dirty="0" smtClean="0"/>
-              <a:t>.  </a:t>
-            </a:r>
-            <a:r>
-              <a:rPr lang="en-US" dirty="0" err="1" smtClean="0"/>
-              <a:t>Createa</a:t>
-            </a:r>
-            <a:r>
-              <a:rPr lang="en-US" dirty="0" smtClean="0"/>
-              <a:t> everything you need using its static methods – </a:t>
-            </a:r>
-            <a:r>
-              <a:rPr lang="en-US" dirty="0" err="1" smtClean="0"/>
-              <a:t>Mutators</a:t>
-            </a:r>
-            <a:r>
-              <a:rPr lang="en-US" dirty="0" smtClean="0"/>
-              <a:t>, Queries, Columns </a:t>
-            </a:r>
-          </a:p>
-          <a:p>
-            <a:r>
-              <a:rPr lang="en-US" dirty="0" smtClean="0"/>
-              <a:t>HOM’s </a:t>
-            </a:r>
-            <a:r>
-              <a:rPr lang="en-US" dirty="0" err="1" smtClean="0"/>
-              <a:t>EntityManager</a:t>
-            </a:r>
-            <a:r>
-              <a:rPr lang="en-US" dirty="0" smtClean="0"/>
-              <a:t> (looks a lot like JPA) provides object persistence for mapping POJOs to </a:t>
-            </a:r>
-            <a:r>
-              <a:rPr lang="en-US" dirty="0" err="1" smtClean="0"/>
-              <a:t>ColumnFamily</a:t>
-            </a:r>
-            <a:r>
-              <a:rPr lang="en-US" dirty="0" smtClean="0"/>
-              <a:t> rows using Annotations</a:t>
-            </a:r>
-            <a:endParaRPr lang="en-US" dirty="0"/>
+            <a:pPr marL="457200" indent="-457200">
+              <a:buFont typeface="+mj-lt"/>
+              <a:buAutoNum type="arabicPeriod"/>
+            </a:pPr>
+            <a:r>
+              <a:rPr lang="en-US" sz="2000" dirty="0" smtClean="0">
+                <a:latin typeface="Courier New" pitchFamily="49" charset="0"/>
+                <a:cs typeface="Courier New" pitchFamily="49" charset="0"/>
+              </a:rPr>
+              <a:t>/</a:t>
+            </a:r>
+            <a:r>
+              <a:rPr lang="en-US" sz="2000" dirty="0" smtClean="0">
+                <a:latin typeface="Courier New" pitchFamily="49" charset="0"/>
+                <a:cs typeface="Courier New" pitchFamily="49" charset="0"/>
+              </a:rPr>
+              <a:t>opt/apache-cassandra-1.2.10/bin/</a:t>
+            </a:r>
+            <a:r>
+              <a:rPr lang="en-US" sz="2000" dirty="0" err="1" smtClean="0">
+                <a:latin typeface="Courier New" pitchFamily="49" charset="0"/>
+                <a:cs typeface="Courier New" pitchFamily="49" charset="0"/>
+              </a:rPr>
+              <a:t>cassandra</a:t>
+            </a:r>
+            <a:r>
+              <a:rPr lang="en-US" sz="2000" dirty="0" smtClean="0">
+                <a:latin typeface="Courier New" pitchFamily="49" charset="0"/>
+                <a:cs typeface="Courier New" pitchFamily="49" charset="0"/>
+              </a:rPr>
+              <a:t>-cli</a:t>
+            </a:r>
+            <a:endParaRPr lang="en-US" sz="2000" dirty="0" smtClean="0">
+              <a:latin typeface="Courier New" pitchFamily="49" charset="0"/>
+              <a:cs typeface="Courier New" pitchFamily="49" charset="0"/>
+            </a:endParaRPr>
+          </a:p>
+          <a:p>
+            <a:pPr marL="457200" indent="-457200">
+              <a:buFont typeface="+mj-lt"/>
+              <a:buAutoNum type="arabicPeriod"/>
+            </a:pPr>
+            <a:endParaRPr lang="en-US" sz="2000" dirty="0" smtClean="0">
+              <a:latin typeface="Courier New" pitchFamily="49" charset="0"/>
+              <a:cs typeface="Courier New" pitchFamily="49" charset="0"/>
+            </a:endParaRPr>
+          </a:p>
+          <a:p>
+            <a:pPr marL="457200" indent="-457200">
+              <a:buFont typeface="+mj-lt"/>
+              <a:buAutoNum type="arabicPeriod"/>
+            </a:pPr>
+            <a:r>
+              <a:rPr lang="en-US" sz="2000" dirty="0" smtClean="0">
+                <a:latin typeface="Courier New" pitchFamily="49" charset="0"/>
+                <a:cs typeface="Courier New" pitchFamily="49" charset="0"/>
+              </a:rPr>
+              <a:t>create </a:t>
+            </a:r>
+            <a:r>
+              <a:rPr lang="en-US" sz="2000" dirty="0" err="1">
+                <a:latin typeface="Courier New" pitchFamily="49" charset="0"/>
+                <a:cs typeface="Courier New" pitchFamily="49" charset="0"/>
+              </a:rPr>
+              <a:t>keyspace</a:t>
+            </a:r>
+            <a:r>
+              <a:rPr lang="en-US" sz="2000" dirty="0">
+                <a:latin typeface="Courier New" pitchFamily="49" charset="0"/>
+                <a:cs typeface="Courier New" pitchFamily="49" charset="0"/>
+              </a:rPr>
+              <a:t> </a:t>
+            </a:r>
+            <a:r>
+              <a:rPr lang="en-US" sz="2000" dirty="0" smtClean="0">
+                <a:latin typeface="Courier New" pitchFamily="49" charset="0"/>
+                <a:cs typeface="Courier New" pitchFamily="49" charset="0"/>
+              </a:rPr>
+              <a:t>blog</a:t>
+            </a:r>
+            <a:endParaRPr lang="en-US" sz="2000" dirty="0">
+              <a:latin typeface="Courier New" pitchFamily="49" charset="0"/>
+              <a:cs typeface="Courier New" pitchFamily="49" charset="0"/>
+            </a:endParaRPr>
+          </a:p>
+          <a:p>
+            <a:pPr marL="457200" indent="-457200">
+              <a:buFont typeface="+mj-lt"/>
+              <a:buAutoNum type="arabicPeriod"/>
+            </a:pPr>
+            <a:r>
+              <a:rPr lang="en-US" sz="2000" dirty="0">
+                <a:latin typeface="Courier New" pitchFamily="49" charset="0"/>
+                <a:cs typeface="Courier New" pitchFamily="49" charset="0"/>
+              </a:rPr>
+              <a:t>    with </a:t>
+            </a:r>
+            <a:r>
+              <a:rPr lang="en-US" sz="2000" dirty="0" err="1">
+                <a:latin typeface="Courier New" pitchFamily="49" charset="0"/>
+                <a:cs typeface="Courier New" pitchFamily="49" charset="0"/>
+              </a:rPr>
+              <a:t>placement_strategy</a:t>
+            </a:r>
+            <a:r>
+              <a:rPr lang="en-US" sz="2000" dirty="0">
+                <a:latin typeface="Courier New" pitchFamily="49" charset="0"/>
+                <a:cs typeface="Courier New" pitchFamily="49" charset="0"/>
+              </a:rPr>
+              <a:t> = '</a:t>
+            </a:r>
+            <a:r>
+              <a:rPr lang="en-US" sz="2000" dirty="0" err="1">
+                <a:latin typeface="Courier New" pitchFamily="49" charset="0"/>
+                <a:cs typeface="Courier New" pitchFamily="49" charset="0"/>
+              </a:rPr>
+              <a:t>org.apache.cassandra.locator.SimpleStrategy</a:t>
+            </a:r>
+            <a:r>
+              <a:rPr lang="en-US" sz="2000" dirty="0">
+                <a:latin typeface="Courier New" pitchFamily="49" charset="0"/>
+                <a:cs typeface="Courier New" pitchFamily="49" charset="0"/>
+              </a:rPr>
+              <a:t>'</a:t>
+            </a:r>
+          </a:p>
+          <a:p>
+            <a:pPr marL="457200" indent="-457200">
+              <a:buFont typeface="+mj-lt"/>
+              <a:buAutoNum type="arabicPeriod"/>
+            </a:pPr>
+            <a:r>
+              <a:rPr lang="en-US" sz="2000" dirty="0" smtClean="0">
+                <a:latin typeface="Courier New" pitchFamily="49" charset="0"/>
+                <a:cs typeface="Courier New" pitchFamily="49" charset="0"/>
+              </a:rPr>
+              <a:t>and </a:t>
+            </a:r>
+            <a:r>
+              <a:rPr lang="en-US" sz="2000" dirty="0" err="1">
+                <a:latin typeface="Courier New" pitchFamily="49" charset="0"/>
+                <a:cs typeface="Courier New" pitchFamily="49" charset="0"/>
+              </a:rPr>
+              <a:t>strategy_options</a:t>
+            </a:r>
+            <a:r>
+              <a:rPr lang="en-US" sz="2000" dirty="0">
+                <a:latin typeface="Courier New" pitchFamily="49" charset="0"/>
+                <a:cs typeface="Courier New" pitchFamily="49" charset="0"/>
+              </a:rPr>
+              <a:t> = {replication_factor:1};</a:t>
+            </a:r>
+          </a:p>
+          <a:p>
+            <a:pPr marL="457200" indent="-457200">
+              <a:buFont typeface="+mj-lt"/>
+              <a:buAutoNum type="arabicPeriod"/>
+            </a:pPr>
+            <a:endParaRPr lang="en-US" sz="2000" dirty="0" smtClean="0">
+              <a:latin typeface="Courier New" pitchFamily="49" charset="0"/>
+              <a:cs typeface="Courier New" pitchFamily="49" charset="0"/>
+            </a:endParaRPr>
+          </a:p>
+          <a:p>
+            <a:r>
+              <a:rPr lang="en-US" sz="2000" dirty="0" smtClean="0">
+                <a:cs typeface="Courier New" pitchFamily="49" charset="0"/>
+              </a:rPr>
+              <a:t>Creates a single </a:t>
+            </a:r>
+            <a:r>
+              <a:rPr lang="en-US" sz="2000" dirty="0" err="1" smtClean="0">
+                <a:cs typeface="Courier New" pitchFamily="49" charset="0"/>
+              </a:rPr>
+              <a:t>keyspace</a:t>
+            </a:r>
+            <a:r>
+              <a:rPr lang="en-US" sz="2000" dirty="0" smtClean="0">
+                <a:cs typeface="Courier New" pitchFamily="49" charset="0"/>
+              </a:rPr>
+              <a:t>, blog.</a:t>
+            </a:r>
+          </a:p>
+          <a:p>
+            <a:r>
+              <a:rPr lang="en-US" sz="2000" dirty="0" smtClean="0">
+                <a:cs typeface="Courier New" pitchFamily="49" charset="0"/>
+              </a:rPr>
+              <a:t>Will hold all of our </a:t>
+            </a:r>
+            <a:r>
+              <a:rPr lang="en-US" sz="2000" dirty="0" err="1" smtClean="0">
+                <a:cs typeface="Courier New" pitchFamily="49" charset="0"/>
+              </a:rPr>
+              <a:t>ColumnFamily’s</a:t>
+            </a:r>
+            <a:r>
+              <a:rPr lang="en-US" sz="2000" dirty="0" smtClean="0">
+                <a:cs typeface="Courier New" pitchFamily="49" charset="0"/>
+              </a:rPr>
+              <a:t> (or Tables)</a:t>
+            </a:r>
+          </a:p>
+          <a:p>
+            <a:pPr marL="0" indent="0">
+              <a:buNone/>
+            </a:pPr>
+            <a:endParaRPr lang="en-US" sz="2000" dirty="0">
+              <a:cs typeface="Courier New" pitchFamily="49" charset="0"/>
+            </a:endParaRPr>
           </a:p>
         </p:txBody>
       </p:sp>
@@ -15689,7 +15916,11 @@
           <a:p>
             <a:r>
               <a:rPr lang="en-US" dirty="0" smtClean="0"/>
-              <a:t>The Shortest Hector Tutorial</a:t>
+              <a:t>We need a </a:t>
+            </a:r>
+            <a:r>
+              <a:rPr lang="en-US" dirty="0" err="1" smtClean="0"/>
+              <a:t>keyspace</a:t>
             </a:r>
             <a:endParaRPr lang="en-US" dirty="0"/>
           </a:p>
@@ -15698,7 +15929,7 @@
     </p:spTree>
     <p:extLst>
       <p:ext uri="{BB962C8B-B14F-4D97-AF65-F5344CB8AC3E}">
-        <p14:creationId xmlns:p14="http://schemas.microsoft.com/office/powerpoint/2010/main" val="1539328744"/>
+        <p14:creationId xmlns:p14="http://schemas.microsoft.com/office/powerpoint/2010/main" val="2908772585"/>
       </p:ext>
     </p:extLst>
   </p:cSld>
@@ -15759,75 +15990,82 @@
               <a:buAutoNum type="arabicPeriod"/>
             </a:pPr>
             <a:r>
-              <a:rPr lang="en-US" sz="2000" dirty="0" err="1" smtClean="0">
-                <a:latin typeface="Courier New" pitchFamily="49" charset="0"/>
-                <a:cs typeface="Courier New" pitchFamily="49" charset="0"/>
-              </a:rPr>
-              <a:t>Mutator</a:t>
-            </a:r>
-            <a:r>
               <a:rPr lang="en-US" sz="2000" dirty="0" smtClean="0">
                 <a:latin typeface="Courier New" pitchFamily="49" charset="0"/>
                 <a:cs typeface="Courier New" pitchFamily="49" charset="0"/>
               </a:rPr>
-              <a:t> </a:t>
+              <a:t>// getters/setters removed</a:t>
+            </a:r>
+          </a:p>
+          <a:p>
+            <a:pPr marL="457200" indent="-457200">
+              <a:buFont typeface="+mj-lt"/>
+              <a:buAutoNum type="arabicPeriod"/>
+            </a:pPr>
+            <a:r>
+              <a:rPr lang="en-US" sz="2000" dirty="0" smtClean="0">
+                <a:latin typeface="Courier New" pitchFamily="49" charset="0"/>
+                <a:cs typeface="Courier New" pitchFamily="49" charset="0"/>
+              </a:rPr>
+              <a:t>public </a:t>
             </a:r>
             <a:r>
               <a:rPr lang="en-US" sz="2000" dirty="0">
                 <a:latin typeface="Courier New" pitchFamily="49" charset="0"/>
                 <a:cs typeface="Courier New" pitchFamily="49" charset="0"/>
               </a:rPr>
-              <a:t>m = </a:t>
-            </a:r>
-            <a:r>
-              <a:rPr lang="en-US" sz="2000" b="1" dirty="0" err="1">
-                <a:latin typeface="Courier New" pitchFamily="49" charset="0"/>
-                <a:cs typeface="Courier New" pitchFamily="49" charset="0"/>
-              </a:rPr>
-              <a:t>HFactory.createMutator</a:t>
-            </a:r>
+              <a:t>class User {</a:t>
+            </a:r>
+          </a:p>
+          <a:p>
+            <a:pPr marL="457200" indent="-457200">
+              <a:buFont typeface="+mj-lt"/>
+              <a:buAutoNum type="arabicPeriod"/>
+            </a:pPr>
             <a:r>
               <a:rPr lang="en-US" sz="2000" dirty="0">
                 <a:latin typeface="Courier New" pitchFamily="49" charset="0"/>
                 <a:cs typeface="Courier New" pitchFamily="49" charset="0"/>
               </a:rPr>
-              <a:t>(</a:t>
-            </a:r>
-            <a:r>
-              <a:rPr lang="en-US" sz="2000" dirty="0" err="1">
-                <a:latin typeface="Courier New" pitchFamily="49" charset="0"/>
-                <a:cs typeface="Courier New" pitchFamily="49" charset="0"/>
-              </a:rPr>
-              <a:t>keyspace</a:t>
-            </a:r>
+              <a:t>    private String email;</a:t>
+            </a:r>
+          </a:p>
+          <a:p>
+            <a:pPr marL="457200" indent="-457200">
+              <a:buFont typeface="+mj-lt"/>
+              <a:buAutoNum type="arabicPeriod"/>
+            </a:pPr>
             <a:r>
               <a:rPr lang="en-US" sz="2000" dirty="0">
                 <a:latin typeface="Courier New" pitchFamily="49" charset="0"/>
                 <a:cs typeface="Courier New" pitchFamily="49" charset="0"/>
               </a:rPr>
-              <a:t>, </a:t>
-            </a:r>
-            <a:r>
-              <a:rPr lang="en-US" sz="2000" dirty="0" err="1">
-                <a:latin typeface="Courier New" pitchFamily="49" charset="0"/>
-                <a:cs typeface="Courier New" pitchFamily="49" charset="0"/>
-              </a:rPr>
-              <a:t>StringSerializer.get</a:t>
-            </a:r>
+              <a:t>    private String password;</a:t>
+            </a:r>
+          </a:p>
+          <a:p>
+            <a:pPr marL="457200" indent="-457200">
+              <a:buFont typeface="+mj-lt"/>
+              <a:buAutoNum type="arabicPeriod"/>
+            </a:pPr>
             <a:r>
               <a:rPr lang="en-US" sz="2000" dirty="0">
                 <a:latin typeface="Courier New" pitchFamily="49" charset="0"/>
                 <a:cs typeface="Courier New" pitchFamily="49" charset="0"/>
               </a:rPr>
-              <a:t>()</a:t>
-            </a:r>
-            <a:r>
-              <a:rPr lang="en-US" sz="2000" b="1" dirty="0">
+              <a:t>    private String name</a:t>
+            </a:r>
+            <a:r>
+              <a:rPr lang="en-US" sz="2000" dirty="0" smtClean="0">
                 <a:latin typeface="Courier New" pitchFamily="49" charset="0"/>
                 <a:cs typeface="Courier New" pitchFamily="49" charset="0"/>
               </a:rPr>
-              <a:t>);</a:t>
-            </a:r>
+              <a:t>;</a:t>
+            </a:r>
+            <a:endParaRPr lang="en-US" sz="1600" dirty="0">
+              <a:latin typeface="Courier New" pitchFamily="49" charset="0"/>
+              <a:cs typeface="Courier New" pitchFamily="49" charset="0"/>
+            </a:endParaRPr>
           </a:p>
           <a:p>
             <a:pPr marL="457200" indent="-457200">
@@ -15835,213 +16073,21 @@
               <a:buAutoNum type="arabicPeriod"/>
             </a:pPr>
             <a:r>
-              <a:rPr lang="en-US" sz="2000" b="1" dirty="0" err="1" smtClean="0">
-                <a:latin typeface="Courier New" pitchFamily="49" charset="0"/>
-                <a:cs typeface="Courier New" pitchFamily="49" charset="0"/>
-              </a:rPr>
-              <a:t>m.addInsertion</a:t>
-            </a:r>
-            <a:r>
               <a:rPr lang="en-US" sz="2000" dirty="0" smtClean="0">
                 <a:latin typeface="Courier New" pitchFamily="49" charset="0"/>
                 <a:cs typeface="Courier New" pitchFamily="49" charset="0"/>
               </a:rPr>
-              <a:t>(</a:t>
-            </a:r>
-            <a:r>
-              <a:rPr lang="en-US" sz="2000" dirty="0" err="1" smtClean="0">
-                <a:latin typeface="Courier New" pitchFamily="49" charset="0"/>
-                <a:cs typeface="Courier New" pitchFamily="49" charset="0"/>
-              </a:rPr>
-              <a:t>user.getEmail</a:t>
-            </a:r>
-            <a:r>
-              <a:rPr lang="en-US" sz="2000" dirty="0">
-                <a:latin typeface="Courier New" pitchFamily="49" charset="0"/>
-                <a:cs typeface="Courier New" pitchFamily="49" charset="0"/>
-              </a:rPr>
-              <a:t>(), </a:t>
-            </a:r>
-            <a:r>
-              <a:rPr lang="en-US" sz="2000" dirty="0" smtClean="0">
-                <a:latin typeface="Courier New" pitchFamily="49" charset="0"/>
-                <a:cs typeface="Courier New" pitchFamily="49" charset="0"/>
-              </a:rPr>
-              <a:t>“users”, </a:t>
-            </a:r>
-            <a:r>
-              <a:rPr lang="en-US" sz="2000" dirty="0" err="1" smtClean="0">
-                <a:latin typeface="Courier New" pitchFamily="49" charset="0"/>
-                <a:cs typeface="Courier New" pitchFamily="49" charset="0"/>
-              </a:rPr>
-              <a:t>HFactory.createColumn</a:t>
-            </a:r>
-            <a:r>
-              <a:rPr lang="en-US" sz="2000" dirty="0" smtClean="0">
-                <a:latin typeface="Courier New" pitchFamily="49" charset="0"/>
-                <a:cs typeface="Courier New" pitchFamily="49" charset="0"/>
-              </a:rPr>
-              <a:t>(“password’, </a:t>
-            </a:r>
-            <a:r>
-              <a:rPr lang="en-US" sz="2000" dirty="0" err="1">
-                <a:latin typeface="Courier New" pitchFamily="49" charset="0"/>
-                <a:cs typeface="Courier New" pitchFamily="49" charset="0"/>
-              </a:rPr>
-              <a:t>user.getPassword</a:t>
-            </a:r>
-            <a:r>
-              <a:rPr lang="en-US" sz="2000" dirty="0">
-                <a:latin typeface="Courier New" pitchFamily="49" charset="0"/>
-                <a:cs typeface="Courier New" pitchFamily="49" charset="0"/>
-              </a:rPr>
-              <a:t>(), </a:t>
-            </a:r>
-            <a:r>
-              <a:rPr lang="en-US" sz="2000" dirty="0" err="1">
-                <a:latin typeface="Courier New" pitchFamily="49" charset="0"/>
-                <a:cs typeface="Courier New" pitchFamily="49" charset="0"/>
-              </a:rPr>
-              <a:t>StringSerializer.get</a:t>
-            </a:r>
-            <a:r>
-              <a:rPr lang="en-US" sz="2000" dirty="0">
-                <a:latin typeface="Courier New" pitchFamily="49" charset="0"/>
-                <a:cs typeface="Courier New" pitchFamily="49" charset="0"/>
-              </a:rPr>
-              <a:t>(), </a:t>
-            </a:r>
-            <a:r>
-              <a:rPr lang="en-US" sz="2000" dirty="0" err="1">
-                <a:latin typeface="Courier New" pitchFamily="49" charset="0"/>
-                <a:cs typeface="Courier New" pitchFamily="49" charset="0"/>
-              </a:rPr>
-              <a:t>StringSerializer.get</a:t>
-            </a:r>
-            <a:r>
-              <a:rPr lang="en-US" sz="2000" dirty="0">
-                <a:latin typeface="Courier New" pitchFamily="49" charset="0"/>
-                <a:cs typeface="Courier New" pitchFamily="49" charset="0"/>
-              </a:rPr>
-              <a:t>()));</a:t>
-            </a:r>
-          </a:p>
-          <a:p>
-            <a:pPr marL="457200" indent="-457200">
-              <a:buFont typeface="+mj-lt"/>
-              <a:buAutoNum type="arabicPeriod"/>
+              <a:t>}</a:t>
+            </a:r>
+          </a:p>
+          <a:p>
+            <a:pPr marL="0" indent="0">
+              <a:buNone/>
             </a:pPr>
-            <a:r>
-              <a:rPr lang="en-US" sz="2000" b="1" dirty="0" err="1" smtClean="0">
-                <a:latin typeface="Courier New" pitchFamily="49" charset="0"/>
-                <a:cs typeface="Courier New" pitchFamily="49" charset="0"/>
-              </a:rPr>
-              <a:t>m.addInsertion</a:t>
-            </a:r>
-            <a:r>
-              <a:rPr lang="en-US" sz="2000" dirty="0" smtClean="0">
-                <a:latin typeface="Courier New" pitchFamily="49" charset="0"/>
-                <a:cs typeface="Courier New" pitchFamily="49" charset="0"/>
-              </a:rPr>
-              <a:t>(</a:t>
-            </a:r>
-            <a:r>
-              <a:rPr lang="en-US" sz="2000" dirty="0" err="1" smtClean="0">
-                <a:latin typeface="Courier New" pitchFamily="49" charset="0"/>
-                <a:cs typeface="Courier New" pitchFamily="49" charset="0"/>
-              </a:rPr>
-              <a:t>user.getEmail</a:t>
-            </a:r>
-            <a:r>
-              <a:rPr lang="en-US" sz="2000" dirty="0">
-                <a:latin typeface="Courier New" pitchFamily="49" charset="0"/>
-                <a:cs typeface="Courier New" pitchFamily="49" charset="0"/>
-              </a:rPr>
-              <a:t>(), </a:t>
-            </a:r>
-            <a:r>
-              <a:rPr lang="en-US" sz="2000" dirty="0" smtClean="0">
-                <a:latin typeface="Courier New" pitchFamily="49" charset="0"/>
-                <a:cs typeface="Courier New" pitchFamily="49" charset="0"/>
-              </a:rPr>
-              <a:t>“users”, </a:t>
-            </a:r>
-            <a:r>
-              <a:rPr lang="en-US" sz="2000" dirty="0" err="1" smtClean="0">
-                <a:latin typeface="Courier New" pitchFamily="49" charset="0"/>
-                <a:cs typeface="Courier New" pitchFamily="49" charset="0"/>
-              </a:rPr>
-              <a:t>HFactory.createColumn</a:t>
-            </a:r>
-            <a:r>
-              <a:rPr lang="en-US" sz="2000" dirty="0" smtClean="0">
-                <a:latin typeface="Courier New" pitchFamily="49" charset="0"/>
-                <a:cs typeface="Courier New" pitchFamily="49" charset="0"/>
-              </a:rPr>
-              <a:t>(“name”, </a:t>
-            </a:r>
-            <a:r>
-              <a:rPr lang="en-US" sz="2000" dirty="0" err="1">
-                <a:latin typeface="Courier New" pitchFamily="49" charset="0"/>
-                <a:cs typeface="Courier New" pitchFamily="49" charset="0"/>
-              </a:rPr>
-              <a:t>user.getName</a:t>
-            </a:r>
-            <a:r>
-              <a:rPr lang="en-US" sz="2000" dirty="0">
-                <a:latin typeface="Courier New" pitchFamily="49" charset="0"/>
-                <a:cs typeface="Courier New" pitchFamily="49" charset="0"/>
-              </a:rPr>
-              <a:t>(), </a:t>
-            </a:r>
-            <a:r>
-              <a:rPr lang="en-US" sz="2000" dirty="0" err="1">
-                <a:latin typeface="Courier New" pitchFamily="49" charset="0"/>
-                <a:cs typeface="Courier New" pitchFamily="49" charset="0"/>
-              </a:rPr>
-              <a:t>StringSerializer.get</a:t>
-            </a:r>
-            <a:r>
-              <a:rPr lang="en-US" sz="2000" dirty="0">
-                <a:latin typeface="Courier New" pitchFamily="49" charset="0"/>
-                <a:cs typeface="Courier New" pitchFamily="49" charset="0"/>
-              </a:rPr>
-              <a:t>(), </a:t>
-            </a:r>
-            <a:r>
-              <a:rPr lang="en-US" sz="2000" dirty="0" err="1">
-                <a:latin typeface="Courier New" pitchFamily="49" charset="0"/>
-                <a:cs typeface="Courier New" pitchFamily="49" charset="0"/>
-              </a:rPr>
-              <a:t>StringSerializer.get</a:t>
-            </a:r>
-            <a:r>
-              <a:rPr lang="en-US" sz="2000" dirty="0">
-                <a:latin typeface="Courier New" pitchFamily="49" charset="0"/>
-                <a:cs typeface="Courier New" pitchFamily="49" charset="0"/>
-              </a:rPr>
-              <a:t>()));</a:t>
-            </a:r>
-          </a:p>
-          <a:p>
-            <a:pPr marL="457200" indent="-457200">
-              <a:buFont typeface="+mj-lt"/>
-              <a:buAutoNum type="arabicPeriod"/>
-            </a:pPr>
-            <a:r>
-              <a:rPr lang="en-US" sz="2000" b="1" dirty="0" err="1" smtClean="0">
-                <a:latin typeface="Courier New" pitchFamily="49" charset="0"/>
-                <a:cs typeface="Courier New" pitchFamily="49" charset="0"/>
-              </a:rPr>
-              <a:t>m.execute</a:t>
-            </a:r>
-            <a:r>
-              <a:rPr lang="en-US" sz="2000" dirty="0">
-                <a:latin typeface="Courier New" pitchFamily="49" charset="0"/>
-                <a:cs typeface="Courier New" pitchFamily="49" charset="0"/>
-              </a:rPr>
-              <a:t>();</a:t>
-            </a:r>
+            <a:endParaRPr lang="en-US" sz="2000" dirty="0" smtClean="0">
+              <a:latin typeface="Courier New" pitchFamily="49" charset="0"/>
+              <a:cs typeface="Courier New" pitchFamily="49" charset="0"/>
+            </a:endParaRPr>
           </a:p>
         </p:txBody>
       </p:sp>
@@ -16062,7 +16108,7 @@
           <a:p>
             <a:r>
               <a:rPr lang="en-US" dirty="0" smtClean="0"/>
-              <a:t>Create a User</a:t>
+              <a:t>User Object</a:t>
             </a:r>
             <a:endParaRPr lang="en-US" dirty="0"/>
           </a:p>
@@ -16071,7 +16117,7 @@
     </p:spTree>
     <p:extLst>
       <p:ext uri="{BB962C8B-B14F-4D97-AF65-F5344CB8AC3E}">
-        <p14:creationId xmlns:p14="http://schemas.microsoft.com/office/powerpoint/2010/main" val="3350695146"/>
+        <p14:creationId xmlns:p14="http://schemas.microsoft.com/office/powerpoint/2010/main" val="3137607371"/>
       </p:ext>
     </p:extLst>
   </p:cSld>
@@ -16107,580 +16153,7 @@
       </p:grpSpPr>
       <p:sp>
         <p:nvSpPr>
-          <p:cNvPr id="2" name="Content Placeholder 1"/>
-          <p:cNvSpPr>
-            <a:spLocks noGrp="1"/>
-          </p:cNvSpPr>
-          <p:nvPr>
-            <p:ph idx="1"/>
-          </p:nvPr>
-        </p:nvSpPr>
-        <p:spPr>
-          <a:xfrm>
-            <a:off x="381000" y="2362200"/>
-            <a:ext cx="8381999" cy="4190999"/>
-          </a:xfrm>
-        </p:spPr>
-        <p:txBody>
-          <a:bodyPr>
-            <a:normAutofit fontScale="70000" lnSpcReduction="20000"/>
-          </a:bodyPr>
-          <a:lstStyle/>
-          <a:p>
-            <a:pPr marL="457200" indent="-457200">
-              <a:buFont typeface="+mj-lt"/>
-              <a:buAutoNum type="arabicPeriod"/>
-            </a:pPr>
-            <a:r>
-              <a:rPr lang="en-US" sz="2000" dirty="0" err="1" smtClean="0">
-                <a:latin typeface="Courier New" pitchFamily="49" charset="0"/>
-                <a:cs typeface="Courier New" pitchFamily="49" charset="0"/>
-              </a:rPr>
-              <a:t>SliceQuery</a:t>
-            </a:r>
-            <a:r>
-              <a:rPr lang="en-US" sz="2000" dirty="0" smtClean="0">
-                <a:latin typeface="Courier New" pitchFamily="49" charset="0"/>
-                <a:cs typeface="Courier New" pitchFamily="49" charset="0"/>
-              </a:rPr>
-              <a:t>&lt;String</a:t>
-            </a:r>
-            <a:r>
-              <a:rPr lang="en-US" sz="2000" dirty="0">
-                <a:latin typeface="Courier New" pitchFamily="49" charset="0"/>
-                <a:cs typeface="Courier New" pitchFamily="49" charset="0"/>
-              </a:rPr>
-              <a:t>, String, String&gt; q = </a:t>
-            </a:r>
-            <a:r>
-              <a:rPr lang="en-US" sz="2000" b="1" dirty="0" err="1">
-                <a:latin typeface="Courier New" pitchFamily="49" charset="0"/>
-                <a:cs typeface="Courier New" pitchFamily="49" charset="0"/>
-              </a:rPr>
-              <a:t>HFactory.createSliceQuery</a:t>
-            </a:r>
-            <a:r>
-              <a:rPr lang="en-US" sz="2000" dirty="0">
-                <a:latin typeface="Courier New" pitchFamily="49" charset="0"/>
-                <a:cs typeface="Courier New" pitchFamily="49" charset="0"/>
-              </a:rPr>
-              <a:t>(</a:t>
-            </a:r>
-            <a:r>
-              <a:rPr lang="en-US" sz="2000" dirty="0" err="1">
-                <a:latin typeface="Courier New" pitchFamily="49" charset="0"/>
-                <a:cs typeface="Courier New" pitchFamily="49" charset="0"/>
-              </a:rPr>
-              <a:t>keyspace</a:t>
-            </a:r>
-            <a:r>
-              <a:rPr lang="en-US" sz="2000" dirty="0">
-                <a:latin typeface="Courier New" pitchFamily="49" charset="0"/>
-                <a:cs typeface="Courier New" pitchFamily="49" charset="0"/>
-              </a:rPr>
-              <a:t>, </a:t>
-            </a:r>
-            <a:r>
-              <a:rPr lang="en-US" sz="2000" dirty="0" err="1">
-                <a:latin typeface="Courier New" pitchFamily="49" charset="0"/>
-                <a:cs typeface="Courier New" pitchFamily="49" charset="0"/>
-              </a:rPr>
-              <a:t>StringSerializer.get</a:t>
-            </a:r>
-            <a:r>
-              <a:rPr lang="en-US" sz="2000" dirty="0">
-                <a:latin typeface="Courier New" pitchFamily="49" charset="0"/>
-                <a:cs typeface="Courier New" pitchFamily="49" charset="0"/>
-              </a:rPr>
-              <a:t>(), </a:t>
-            </a:r>
-            <a:r>
-              <a:rPr lang="en-US" sz="2000" dirty="0" err="1">
-                <a:latin typeface="Courier New" pitchFamily="49" charset="0"/>
-                <a:cs typeface="Courier New" pitchFamily="49" charset="0"/>
-              </a:rPr>
-              <a:t>StringSerializer.get</a:t>
-            </a:r>
-            <a:r>
-              <a:rPr lang="en-US" sz="2000" dirty="0">
-                <a:latin typeface="Courier New" pitchFamily="49" charset="0"/>
-                <a:cs typeface="Courier New" pitchFamily="49" charset="0"/>
-              </a:rPr>
-              <a:t>(), </a:t>
-            </a:r>
-            <a:r>
-              <a:rPr lang="en-US" sz="2000" dirty="0" err="1">
-                <a:latin typeface="Courier New" pitchFamily="49" charset="0"/>
-                <a:cs typeface="Courier New" pitchFamily="49" charset="0"/>
-              </a:rPr>
-              <a:t>StringSerializer.get</a:t>
-            </a:r>
-            <a:r>
-              <a:rPr lang="en-US" sz="2000" dirty="0">
-                <a:latin typeface="Courier New" pitchFamily="49" charset="0"/>
-                <a:cs typeface="Courier New" pitchFamily="49" charset="0"/>
-              </a:rPr>
-              <a:t>());</a:t>
-            </a:r>
-          </a:p>
-          <a:p>
-            <a:pPr marL="457200" indent="-457200">
-              <a:buFont typeface="+mj-lt"/>
-              <a:buAutoNum type="arabicPeriod"/>
-            </a:pPr>
-            <a:r>
-              <a:rPr lang="en-US" sz="2000" dirty="0" err="1" smtClean="0">
-                <a:latin typeface="Courier New" pitchFamily="49" charset="0"/>
-                <a:cs typeface="Courier New" pitchFamily="49" charset="0"/>
-              </a:rPr>
-              <a:t>q.setColumnFamily</a:t>
-            </a:r>
-            <a:r>
-              <a:rPr lang="en-US" sz="2000" dirty="0" smtClean="0">
-                <a:latin typeface="Courier New" pitchFamily="49" charset="0"/>
-                <a:cs typeface="Courier New" pitchFamily="49" charset="0"/>
-              </a:rPr>
-              <a:t>(CF_USERS</a:t>
-            </a:r>
-            <a:r>
-              <a:rPr lang="en-US" sz="2000" dirty="0">
-                <a:latin typeface="Courier New" pitchFamily="49" charset="0"/>
-                <a:cs typeface="Courier New" pitchFamily="49" charset="0"/>
-              </a:rPr>
-              <a:t>);</a:t>
-            </a:r>
-          </a:p>
-          <a:p>
-            <a:pPr marL="457200" indent="-457200">
-              <a:buFont typeface="+mj-lt"/>
-              <a:buAutoNum type="arabicPeriod"/>
-            </a:pPr>
-            <a:r>
-              <a:rPr lang="en-US" sz="2000" dirty="0" err="1" smtClean="0">
-                <a:latin typeface="Courier New" pitchFamily="49" charset="0"/>
-                <a:cs typeface="Courier New" pitchFamily="49" charset="0"/>
-              </a:rPr>
-              <a:t>q.setKey</a:t>
-            </a:r>
-            <a:r>
-              <a:rPr lang="en-US" sz="2000" dirty="0" smtClean="0">
-                <a:latin typeface="Courier New" pitchFamily="49" charset="0"/>
-                <a:cs typeface="Courier New" pitchFamily="49" charset="0"/>
-              </a:rPr>
-              <a:t>(email</a:t>
-            </a:r>
-            <a:r>
-              <a:rPr lang="en-US" sz="2000" dirty="0">
-                <a:latin typeface="Courier New" pitchFamily="49" charset="0"/>
-                <a:cs typeface="Courier New" pitchFamily="49" charset="0"/>
-              </a:rPr>
-              <a:t>);</a:t>
-            </a:r>
-          </a:p>
-          <a:p>
-            <a:pPr marL="457200" indent="-457200">
-              <a:buFont typeface="+mj-lt"/>
-              <a:buAutoNum type="arabicPeriod"/>
-            </a:pPr>
-            <a:r>
-              <a:rPr lang="en-US" sz="2000" dirty="0" err="1" smtClean="0">
-                <a:latin typeface="Courier New" pitchFamily="49" charset="0"/>
-                <a:cs typeface="Courier New" pitchFamily="49" charset="0"/>
-              </a:rPr>
-              <a:t>q.setRange</a:t>
-            </a:r>
-            <a:r>
-              <a:rPr lang="en-US" sz="2000" dirty="0" smtClean="0">
-                <a:latin typeface="Courier New" pitchFamily="49" charset="0"/>
-                <a:cs typeface="Courier New" pitchFamily="49" charset="0"/>
-              </a:rPr>
-              <a:t>(null</a:t>
-            </a:r>
-            <a:r>
-              <a:rPr lang="en-US" sz="2000" dirty="0">
-                <a:latin typeface="Courier New" pitchFamily="49" charset="0"/>
-                <a:cs typeface="Courier New" pitchFamily="49" charset="0"/>
-              </a:rPr>
-              <a:t>, null, false, 100);</a:t>
-            </a:r>
-          </a:p>
-          <a:p>
-            <a:pPr marL="457200" indent="-457200">
-              <a:buFont typeface="+mj-lt"/>
-              <a:buAutoNum type="arabicPeriod"/>
-            </a:pPr>
-            <a:r>
-              <a:rPr lang="en-US" sz="2000" dirty="0" err="1" smtClean="0">
-                <a:latin typeface="Courier New" pitchFamily="49" charset="0"/>
-                <a:cs typeface="Courier New" pitchFamily="49" charset="0"/>
-              </a:rPr>
-              <a:t>QueryResult</a:t>
-            </a:r>
-            <a:r>
-              <a:rPr lang="en-US" sz="2000" dirty="0" smtClean="0">
-                <a:latin typeface="Courier New" pitchFamily="49" charset="0"/>
-                <a:cs typeface="Courier New" pitchFamily="49" charset="0"/>
-              </a:rPr>
-              <a:t>&lt;</a:t>
-            </a:r>
-            <a:r>
-              <a:rPr lang="en-US" sz="2000" dirty="0" err="1" smtClean="0">
-                <a:latin typeface="Courier New" pitchFamily="49" charset="0"/>
-                <a:cs typeface="Courier New" pitchFamily="49" charset="0"/>
-              </a:rPr>
-              <a:t>ColumnSlice</a:t>
-            </a:r>
-            <a:r>
-              <a:rPr lang="en-US" sz="2000" dirty="0" smtClean="0">
-                <a:latin typeface="Courier New" pitchFamily="49" charset="0"/>
-                <a:cs typeface="Courier New" pitchFamily="49" charset="0"/>
-              </a:rPr>
-              <a:t>&lt;String</a:t>
-            </a:r>
-            <a:r>
-              <a:rPr lang="en-US" sz="2000" dirty="0">
-                <a:latin typeface="Courier New" pitchFamily="49" charset="0"/>
-                <a:cs typeface="Courier New" pitchFamily="49" charset="0"/>
-              </a:rPr>
-              <a:t>, String&gt;&gt; </a:t>
-            </a:r>
-            <a:r>
-              <a:rPr lang="en-US" sz="2000" dirty="0" err="1">
-                <a:latin typeface="Courier New" pitchFamily="49" charset="0"/>
-                <a:cs typeface="Courier New" pitchFamily="49" charset="0"/>
-              </a:rPr>
-              <a:t>qr</a:t>
-            </a:r>
-            <a:r>
-              <a:rPr lang="en-US" sz="2000" dirty="0">
-                <a:latin typeface="Courier New" pitchFamily="49" charset="0"/>
-                <a:cs typeface="Courier New" pitchFamily="49" charset="0"/>
-              </a:rPr>
-              <a:t> = </a:t>
-            </a:r>
-            <a:r>
-              <a:rPr lang="en-US" sz="2000" b="1" dirty="0" err="1">
-                <a:latin typeface="Courier New" pitchFamily="49" charset="0"/>
-                <a:cs typeface="Courier New" pitchFamily="49" charset="0"/>
-              </a:rPr>
-              <a:t>q.execute</a:t>
-            </a:r>
-            <a:r>
-              <a:rPr lang="en-US" sz="2000" dirty="0">
-                <a:latin typeface="Courier New" pitchFamily="49" charset="0"/>
-                <a:cs typeface="Courier New" pitchFamily="49" charset="0"/>
-              </a:rPr>
-              <a:t>();</a:t>
-            </a:r>
-          </a:p>
-          <a:p>
-            <a:pPr marL="457200" indent="-457200">
-              <a:buFont typeface="+mj-lt"/>
-              <a:buAutoNum type="arabicPeriod"/>
-            </a:pPr>
-            <a:endParaRPr lang="en-US" sz="2000" dirty="0">
-              <a:latin typeface="Courier New" pitchFamily="49" charset="0"/>
-              <a:cs typeface="Courier New" pitchFamily="49" charset="0"/>
-            </a:endParaRPr>
-          </a:p>
-          <a:p>
-            <a:pPr marL="457200" indent="-457200">
-              <a:buFont typeface="+mj-lt"/>
-              <a:buAutoNum type="arabicPeriod"/>
-            </a:pPr>
-            <a:r>
-              <a:rPr lang="en-US" sz="2000" dirty="0" err="1" smtClean="0">
-                <a:latin typeface="Courier New" pitchFamily="49" charset="0"/>
-                <a:cs typeface="Courier New" pitchFamily="49" charset="0"/>
-              </a:rPr>
-              <a:t>ColumnSlice</a:t>
-            </a:r>
-            <a:r>
-              <a:rPr lang="en-US" sz="2000" dirty="0" smtClean="0">
-                <a:latin typeface="Courier New" pitchFamily="49" charset="0"/>
-                <a:cs typeface="Courier New" pitchFamily="49" charset="0"/>
-              </a:rPr>
-              <a:t>&lt;String</a:t>
-            </a:r>
-            <a:r>
-              <a:rPr lang="en-US" sz="2000" dirty="0">
-                <a:latin typeface="Courier New" pitchFamily="49" charset="0"/>
-                <a:cs typeface="Courier New" pitchFamily="49" charset="0"/>
-              </a:rPr>
-              <a:t>, String&gt; slice = </a:t>
-            </a:r>
-            <a:r>
-              <a:rPr lang="en-US" sz="2000" b="1" dirty="0" err="1">
-                <a:latin typeface="Courier New" pitchFamily="49" charset="0"/>
-                <a:cs typeface="Courier New" pitchFamily="49" charset="0"/>
-              </a:rPr>
-              <a:t>qr.get</a:t>
-            </a:r>
-            <a:r>
-              <a:rPr lang="en-US" sz="2000" dirty="0">
-                <a:latin typeface="Courier New" pitchFamily="49" charset="0"/>
-                <a:cs typeface="Courier New" pitchFamily="49" charset="0"/>
-              </a:rPr>
-              <a:t>();</a:t>
-            </a:r>
-          </a:p>
-          <a:p>
-            <a:pPr marL="457200" indent="-457200">
-              <a:buFont typeface="+mj-lt"/>
-              <a:buAutoNum type="arabicPeriod"/>
-            </a:pPr>
-            <a:endParaRPr lang="en-US" sz="2000" dirty="0">
-              <a:latin typeface="Courier New" pitchFamily="49" charset="0"/>
-              <a:cs typeface="Courier New" pitchFamily="49" charset="0"/>
-            </a:endParaRPr>
-          </a:p>
-          <a:p>
-            <a:pPr marL="457200" indent="-457200">
-              <a:buFont typeface="+mj-lt"/>
-              <a:buAutoNum type="arabicPeriod"/>
-            </a:pPr>
-            <a:r>
-              <a:rPr lang="en-US" sz="2000" dirty="0" smtClean="0">
-                <a:latin typeface="Courier New" pitchFamily="49" charset="0"/>
-                <a:cs typeface="Courier New" pitchFamily="49" charset="0"/>
-              </a:rPr>
-              <a:t>if ( </a:t>
-            </a:r>
-            <a:r>
-              <a:rPr lang="en-US" sz="2000" dirty="0" err="1" smtClean="0">
-                <a:latin typeface="Courier New" pitchFamily="49" charset="0"/>
-                <a:cs typeface="Courier New" pitchFamily="49" charset="0"/>
-              </a:rPr>
-              <a:t>slice.getColumns</a:t>
-            </a:r>
-            <a:r>
-              <a:rPr lang="en-US" sz="2000" dirty="0">
-                <a:latin typeface="Courier New" pitchFamily="49" charset="0"/>
-                <a:cs typeface="Courier New" pitchFamily="49" charset="0"/>
-              </a:rPr>
-              <a:t>().</a:t>
-            </a:r>
-            <a:r>
-              <a:rPr lang="en-US" sz="2000" dirty="0" err="1">
-                <a:latin typeface="Courier New" pitchFamily="49" charset="0"/>
-                <a:cs typeface="Courier New" pitchFamily="49" charset="0"/>
-              </a:rPr>
-              <a:t>isEmpty</a:t>
-            </a:r>
-            <a:r>
-              <a:rPr lang="en-US" sz="2000" dirty="0">
-                <a:latin typeface="Courier New" pitchFamily="49" charset="0"/>
-                <a:cs typeface="Courier New" pitchFamily="49" charset="0"/>
-              </a:rPr>
-              <a:t>() ) {</a:t>
-            </a:r>
-          </a:p>
-          <a:p>
-            <a:pPr marL="457200" indent="-457200">
-              <a:buFont typeface="+mj-lt"/>
-              <a:buAutoNum type="arabicPeriod"/>
-            </a:pPr>
-            <a:r>
-              <a:rPr lang="en-US" sz="2000" dirty="0" smtClean="0">
-                <a:latin typeface="Courier New" pitchFamily="49" charset="0"/>
-                <a:cs typeface="Courier New" pitchFamily="49" charset="0"/>
-              </a:rPr>
-              <a:t>    return </a:t>
-            </a:r>
-            <a:r>
-              <a:rPr lang="en-US" sz="2000" dirty="0">
-                <a:latin typeface="Courier New" pitchFamily="49" charset="0"/>
-                <a:cs typeface="Courier New" pitchFamily="49" charset="0"/>
-              </a:rPr>
-              <a:t>null;</a:t>
-            </a:r>
-          </a:p>
-          <a:p>
-            <a:pPr marL="457200" indent="-457200">
-              <a:buFont typeface="+mj-lt"/>
-              <a:buAutoNum type="arabicPeriod"/>
-            </a:pPr>
-            <a:r>
-              <a:rPr lang="en-US" sz="2000" dirty="0" smtClean="0">
-                <a:latin typeface="Courier New" pitchFamily="49" charset="0"/>
-                <a:cs typeface="Courier New" pitchFamily="49" charset="0"/>
-              </a:rPr>
-              <a:t>}</a:t>
-            </a:r>
-            <a:endParaRPr lang="en-US" sz="2000" dirty="0">
-              <a:latin typeface="Courier New" pitchFamily="49" charset="0"/>
-              <a:cs typeface="Courier New" pitchFamily="49" charset="0"/>
-            </a:endParaRPr>
-          </a:p>
-          <a:p>
-            <a:pPr marL="457200" indent="-457200">
-              <a:buFont typeface="+mj-lt"/>
-              <a:buAutoNum type="arabicPeriod"/>
-            </a:pPr>
-            <a:r>
-              <a:rPr lang="en-US" sz="2000" dirty="0" smtClean="0">
-                <a:latin typeface="Courier New" pitchFamily="49" charset="0"/>
-                <a:cs typeface="Courier New" pitchFamily="49" charset="0"/>
-              </a:rPr>
-              <a:t>User </a:t>
-            </a:r>
-            <a:r>
-              <a:rPr lang="en-US" sz="2000" dirty="0" err="1">
-                <a:latin typeface="Courier New" pitchFamily="49" charset="0"/>
-                <a:cs typeface="Courier New" pitchFamily="49" charset="0"/>
-              </a:rPr>
-              <a:t>user</a:t>
-            </a:r>
-            <a:r>
-              <a:rPr lang="en-US" sz="2000" dirty="0">
-                <a:latin typeface="Courier New" pitchFamily="49" charset="0"/>
-                <a:cs typeface="Courier New" pitchFamily="49" charset="0"/>
-              </a:rPr>
-              <a:t> = new User();</a:t>
-            </a:r>
-          </a:p>
-          <a:p>
-            <a:pPr marL="457200" indent="-457200">
-              <a:buFont typeface="+mj-lt"/>
-              <a:buAutoNum type="arabicPeriod"/>
-            </a:pPr>
-            <a:r>
-              <a:rPr lang="en-US" sz="2000" dirty="0" err="1" smtClean="0">
-                <a:latin typeface="Courier New" pitchFamily="49" charset="0"/>
-                <a:cs typeface="Courier New" pitchFamily="49" charset="0"/>
-              </a:rPr>
-              <a:t>user.setEmail</a:t>
-            </a:r>
-            <a:r>
-              <a:rPr lang="en-US" sz="2000" dirty="0" smtClean="0">
-                <a:latin typeface="Courier New" pitchFamily="49" charset="0"/>
-                <a:cs typeface="Courier New" pitchFamily="49" charset="0"/>
-              </a:rPr>
-              <a:t>(email</a:t>
-            </a:r>
-            <a:r>
-              <a:rPr lang="en-US" sz="2000" dirty="0">
-                <a:latin typeface="Courier New" pitchFamily="49" charset="0"/>
-                <a:cs typeface="Courier New" pitchFamily="49" charset="0"/>
-              </a:rPr>
-              <a:t>);</a:t>
-            </a:r>
-          </a:p>
-          <a:p>
-            <a:pPr marL="457200" indent="-457200">
-              <a:buFont typeface="+mj-lt"/>
-              <a:buAutoNum type="arabicPeriod"/>
-            </a:pPr>
-            <a:r>
-              <a:rPr lang="en-US" sz="2000" dirty="0" err="1" smtClean="0">
-                <a:latin typeface="Courier New" pitchFamily="49" charset="0"/>
-                <a:cs typeface="Courier New" pitchFamily="49" charset="0"/>
-              </a:rPr>
-              <a:t>user.setPassword</a:t>
-            </a:r>
-            <a:r>
-              <a:rPr lang="en-US" sz="2000" dirty="0" smtClean="0">
-                <a:latin typeface="Courier New" pitchFamily="49" charset="0"/>
-                <a:cs typeface="Courier New" pitchFamily="49" charset="0"/>
-              </a:rPr>
-              <a:t>(</a:t>
-            </a:r>
-            <a:r>
-              <a:rPr lang="en-US" sz="2000" b="1" dirty="0" err="1" smtClean="0">
-                <a:latin typeface="Courier New" pitchFamily="49" charset="0"/>
-                <a:cs typeface="Courier New" pitchFamily="49" charset="0"/>
-              </a:rPr>
-              <a:t>slice.getColumnByName</a:t>
-            </a:r>
-            <a:r>
-              <a:rPr lang="en-US" sz="2000" dirty="0" smtClean="0">
-                <a:latin typeface="Courier New" pitchFamily="49" charset="0"/>
-                <a:cs typeface="Courier New" pitchFamily="49" charset="0"/>
-              </a:rPr>
-              <a:t>(USER_COL_PASS</a:t>
-            </a:r>
-            <a:r>
-              <a:rPr lang="en-US" sz="2000" dirty="0">
-                <a:latin typeface="Courier New" pitchFamily="49" charset="0"/>
-                <a:cs typeface="Courier New" pitchFamily="49" charset="0"/>
-              </a:rPr>
-              <a:t>).</a:t>
-            </a:r>
-            <a:r>
-              <a:rPr lang="en-US" sz="2000" dirty="0" err="1">
-                <a:latin typeface="Courier New" pitchFamily="49" charset="0"/>
-                <a:cs typeface="Courier New" pitchFamily="49" charset="0"/>
-              </a:rPr>
-              <a:t>getValue</a:t>
-            </a:r>
-            <a:r>
-              <a:rPr lang="en-US" sz="2000" dirty="0">
-                <a:latin typeface="Courier New" pitchFamily="49" charset="0"/>
-                <a:cs typeface="Courier New" pitchFamily="49" charset="0"/>
-              </a:rPr>
-              <a:t>());</a:t>
-            </a:r>
-          </a:p>
-          <a:p>
-            <a:pPr marL="457200" indent="-457200">
-              <a:buFont typeface="+mj-lt"/>
-              <a:buAutoNum type="arabicPeriod"/>
-            </a:pPr>
-            <a:r>
-              <a:rPr lang="en-US" sz="2000" dirty="0" err="1" smtClean="0">
-                <a:latin typeface="Courier New" pitchFamily="49" charset="0"/>
-                <a:cs typeface="Courier New" pitchFamily="49" charset="0"/>
-              </a:rPr>
-              <a:t>user.setName</a:t>
-            </a:r>
-            <a:r>
-              <a:rPr lang="en-US" sz="2000" dirty="0" smtClean="0">
-                <a:latin typeface="Courier New" pitchFamily="49" charset="0"/>
-                <a:cs typeface="Courier New" pitchFamily="49" charset="0"/>
-              </a:rPr>
-              <a:t>(</a:t>
-            </a:r>
-            <a:r>
-              <a:rPr lang="en-US" sz="2000" b="1" dirty="0" err="1" smtClean="0">
-                <a:latin typeface="Courier New" pitchFamily="49" charset="0"/>
-                <a:cs typeface="Courier New" pitchFamily="49" charset="0"/>
-              </a:rPr>
-              <a:t>slice.getColumnByName</a:t>
-            </a:r>
-            <a:r>
-              <a:rPr lang="en-US" sz="2000" dirty="0" smtClean="0">
-                <a:latin typeface="Courier New" pitchFamily="49" charset="0"/>
-                <a:cs typeface="Courier New" pitchFamily="49" charset="0"/>
-              </a:rPr>
-              <a:t>(USER_COL_NAME</a:t>
-            </a:r>
-            <a:r>
-              <a:rPr lang="en-US" sz="2000" dirty="0">
-                <a:latin typeface="Courier New" pitchFamily="49" charset="0"/>
-                <a:cs typeface="Courier New" pitchFamily="49" charset="0"/>
-              </a:rPr>
-              <a:t>).</a:t>
-            </a:r>
-            <a:r>
-              <a:rPr lang="en-US" sz="2000" dirty="0" err="1">
-                <a:latin typeface="Courier New" pitchFamily="49" charset="0"/>
-                <a:cs typeface="Courier New" pitchFamily="49" charset="0"/>
-              </a:rPr>
-              <a:t>getValue</a:t>
-            </a:r>
-            <a:r>
-              <a:rPr lang="en-US" sz="2000" dirty="0">
-                <a:latin typeface="Courier New" pitchFamily="49" charset="0"/>
-                <a:cs typeface="Courier New" pitchFamily="49" charset="0"/>
-              </a:rPr>
-              <a:t>());</a:t>
-            </a:r>
-          </a:p>
-        </p:txBody>
-      </p:sp>
-      <p:sp>
-        <p:nvSpPr>
-          <p:cNvPr id="3" name="Title 2"/>
+          <p:cNvPr id="4" name="Title 3"/>
           <p:cNvSpPr>
             <a:spLocks noGrp="1"/>
           </p:cNvSpPr>
@@ -16690,12 +16163,51 @@
         </p:nvSpPr>
         <p:spPr/>
         <p:txBody>
-          <a:bodyPr/>
+          <a:bodyPr>
+            <a:normAutofit fontScale="90000"/>
+          </a:bodyPr>
           <a:lstStyle/>
           <a:p>
             <a:r>
               <a:rPr lang="en-US" dirty="0" smtClean="0"/>
-              <a:t>Retrieve User</a:t>
+              <a:t>Modeling Entities (User, Post, Comment)</a:t>
+            </a:r>
+            <a:endParaRPr lang="en-US" dirty="0"/>
+          </a:p>
+        </p:txBody>
+      </p:sp>
+      <p:sp>
+        <p:nvSpPr>
+          <p:cNvPr id="5" name="Content Placeholder 4"/>
+          <p:cNvSpPr>
+            <a:spLocks noGrp="1"/>
+          </p:cNvSpPr>
+          <p:nvPr>
+            <p:ph idx="1"/>
+          </p:nvPr>
+        </p:nvSpPr>
+        <p:spPr/>
+        <p:txBody>
+          <a:bodyPr>
+            <a:normAutofit/>
+          </a:bodyPr>
+          <a:lstStyle/>
+          <a:p>
+            <a:r>
+              <a:rPr lang="en-US" dirty="0" smtClean="0"/>
+              <a:t>Naturally, can map simple entity properties to columns – however more meta-data overhead (Column Names and other meta-data consume space)</a:t>
+            </a:r>
+          </a:p>
+          <a:p>
+            <a:r>
+              <a:rPr lang="en-US" dirty="0" smtClean="0"/>
+              <a:t>Could serialize object to a single column value – if the object is JSON, makes sense – but this isn’t fun ;)</a:t>
+            </a:r>
+          </a:p>
+          <a:p>
+            <a:r>
+              <a:rPr lang="en-US" dirty="0" smtClean="0"/>
+              <a:t>When defining the schema, make sure to define “key validator” and “column comparator”.  By doing this you can browse your data easier using the CLI</a:t>
             </a:r>
             <a:endParaRPr lang="en-US" dirty="0"/>
           </a:p>
@@ -16704,7 +16216,7 @@
     </p:spTree>
     <p:extLst>
       <p:ext uri="{BB962C8B-B14F-4D97-AF65-F5344CB8AC3E}">
-        <p14:creationId xmlns:p14="http://schemas.microsoft.com/office/powerpoint/2010/main" val="3504182374"/>
+        <p14:creationId xmlns:p14="http://schemas.microsoft.com/office/powerpoint/2010/main" val="2038384955"/>
       </p:ext>
     </p:extLst>
   </p:cSld>
@@ -16740,7 +16252,217 @@
       </p:grpSpPr>
       <p:sp>
         <p:nvSpPr>
-          <p:cNvPr id="4" name="Title 3"/>
+          <p:cNvPr id="2" name="Content Placeholder 1"/>
+          <p:cNvSpPr>
+            <a:spLocks noGrp="1"/>
+          </p:cNvSpPr>
+          <p:nvPr>
+            <p:ph idx="1"/>
+          </p:nvPr>
+        </p:nvSpPr>
+        <p:spPr>
+          <a:xfrm>
+            <a:off x="381000" y="2362200"/>
+            <a:ext cx="8381999" cy="4190999"/>
+          </a:xfrm>
+        </p:spPr>
+        <p:txBody>
+          <a:bodyPr>
+            <a:normAutofit lnSpcReduction="10000"/>
+          </a:bodyPr>
+          <a:lstStyle/>
+          <a:p>
+            <a:pPr marL="457200" indent="-457200">
+              <a:buFont typeface="+mj-lt"/>
+              <a:buAutoNum type="arabicPeriod"/>
+            </a:pPr>
+            <a:r>
+              <a:rPr lang="en-US" sz="2000" dirty="0" smtClean="0">
+                <a:latin typeface="Courier New" pitchFamily="49" charset="0"/>
+                <a:cs typeface="Courier New" pitchFamily="49" charset="0"/>
+              </a:rPr>
+              <a:t>use blog;</a:t>
+            </a:r>
+          </a:p>
+          <a:p>
+            <a:pPr marL="457200" indent="-457200">
+              <a:buFont typeface="+mj-lt"/>
+              <a:buAutoNum type="arabicPeriod"/>
+            </a:pPr>
+            <a:r>
+              <a:rPr lang="en-US" sz="2000" dirty="0" smtClean="0">
+                <a:latin typeface="Courier New" pitchFamily="49" charset="0"/>
+                <a:cs typeface="Courier New" pitchFamily="49" charset="0"/>
+              </a:rPr>
+              <a:t>create </a:t>
+            </a:r>
+            <a:r>
+              <a:rPr lang="en-US" sz="2000" dirty="0">
+                <a:latin typeface="Courier New" pitchFamily="49" charset="0"/>
+                <a:cs typeface="Courier New" pitchFamily="49" charset="0"/>
+              </a:rPr>
+              <a:t>column family users</a:t>
+            </a:r>
+          </a:p>
+          <a:p>
+            <a:pPr marL="457200" indent="-457200">
+              <a:buFont typeface="+mj-lt"/>
+              <a:buAutoNum type="arabicPeriod"/>
+            </a:pPr>
+            <a:r>
+              <a:rPr lang="en-US" sz="2000" dirty="0">
+                <a:latin typeface="Courier New" pitchFamily="49" charset="0"/>
+                <a:cs typeface="Courier New" pitchFamily="49" charset="0"/>
+              </a:rPr>
+              <a:t>    with comment = 'Define </a:t>
+            </a:r>
+            <a:r>
+              <a:rPr lang="en-US" sz="2000" dirty="0" smtClean="0">
+                <a:latin typeface="Courier New" pitchFamily="49" charset="0"/>
+                <a:cs typeface="Courier New" pitchFamily="49" charset="0"/>
+              </a:rPr>
+              <a:t>user attributes'</a:t>
+            </a:r>
+            <a:endParaRPr lang="en-US" sz="2000" dirty="0">
+              <a:latin typeface="Courier New" pitchFamily="49" charset="0"/>
+              <a:cs typeface="Courier New" pitchFamily="49" charset="0"/>
+            </a:endParaRPr>
+          </a:p>
+          <a:p>
+            <a:pPr marL="457200" indent="-457200">
+              <a:buFont typeface="+mj-lt"/>
+              <a:buAutoNum type="arabicPeriod"/>
+            </a:pPr>
+            <a:r>
+              <a:rPr lang="en-US" sz="2000" dirty="0">
+                <a:latin typeface="Courier New" pitchFamily="49" charset="0"/>
+                <a:cs typeface="Courier New" pitchFamily="49" charset="0"/>
+              </a:rPr>
+              <a:t>    and </a:t>
+            </a:r>
+            <a:r>
+              <a:rPr lang="en-US" sz="2000" dirty="0" err="1">
+                <a:latin typeface="Courier New" pitchFamily="49" charset="0"/>
+                <a:cs typeface="Courier New" pitchFamily="49" charset="0"/>
+              </a:rPr>
+              <a:t>key_validation_class</a:t>
+            </a:r>
+            <a:r>
+              <a:rPr lang="en-US" sz="2000" dirty="0">
+                <a:latin typeface="Courier New" pitchFamily="49" charset="0"/>
+                <a:cs typeface="Courier New" pitchFamily="49" charset="0"/>
+              </a:rPr>
+              <a:t> = 'UTF8Type'</a:t>
+            </a:r>
+          </a:p>
+          <a:p>
+            <a:pPr marL="457200" indent="-457200">
+              <a:buFont typeface="+mj-lt"/>
+              <a:buAutoNum type="arabicPeriod"/>
+            </a:pPr>
+            <a:r>
+              <a:rPr lang="en-US" sz="2000" dirty="0">
+                <a:latin typeface="Courier New" pitchFamily="49" charset="0"/>
+                <a:cs typeface="Courier New" pitchFamily="49" charset="0"/>
+              </a:rPr>
+              <a:t>    and comparator = 'UTF8Type'</a:t>
+            </a:r>
+          </a:p>
+          <a:p>
+            <a:pPr marL="457200" indent="-457200">
+              <a:buFont typeface="+mj-lt"/>
+              <a:buAutoNum type="arabicPeriod"/>
+            </a:pPr>
+            <a:r>
+              <a:rPr lang="en-US" sz="2000" dirty="0">
+                <a:latin typeface="Courier New" pitchFamily="49" charset="0"/>
+                <a:cs typeface="Courier New" pitchFamily="49" charset="0"/>
+              </a:rPr>
+              <a:t>    and </a:t>
+            </a:r>
+            <a:r>
+              <a:rPr lang="en-US" sz="2000" dirty="0" err="1">
+                <a:latin typeface="Courier New" pitchFamily="49" charset="0"/>
+                <a:cs typeface="Courier New" pitchFamily="49" charset="0"/>
+              </a:rPr>
+              <a:t>default_validation_class</a:t>
+            </a:r>
+            <a:r>
+              <a:rPr lang="en-US" sz="2000" dirty="0">
+                <a:latin typeface="Courier New" pitchFamily="49" charset="0"/>
+                <a:cs typeface="Courier New" pitchFamily="49" charset="0"/>
+              </a:rPr>
+              <a:t> = 'UTF8Type'</a:t>
+            </a:r>
+          </a:p>
+          <a:p>
+            <a:pPr marL="457200" indent="-457200">
+              <a:buFont typeface="+mj-lt"/>
+              <a:buAutoNum type="arabicPeriod"/>
+            </a:pPr>
+            <a:r>
+              <a:rPr lang="en-US" sz="2000" dirty="0">
+                <a:latin typeface="Courier New" pitchFamily="49" charset="0"/>
+                <a:cs typeface="Courier New" pitchFamily="49" charset="0"/>
+              </a:rPr>
+              <a:t>    </a:t>
+            </a:r>
+            <a:r>
+              <a:rPr lang="en-US" sz="2000" dirty="0" smtClean="0">
+                <a:latin typeface="Courier New" pitchFamily="49" charset="0"/>
+                <a:cs typeface="Courier New" pitchFamily="49" charset="0"/>
+              </a:rPr>
+              <a:t>;</a:t>
+            </a:r>
+          </a:p>
+          <a:p>
+            <a:pPr marL="457200" indent="-457200">
+              <a:buFont typeface="+mj-lt"/>
+              <a:buAutoNum type="arabicPeriod"/>
+            </a:pPr>
+            <a:endParaRPr lang="en-US" sz="2000" dirty="0">
+              <a:latin typeface="Courier New" pitchFamily="49" charset="0"/>
+              <a:cs typeface="Courier New" pitchFamily="49" charset="0"/>
+            </a:endParaRPr>
+          </a:p>
+          <a:p>
+            <a:r>
+              <a:rPr lang="en-US" dirty="0" smtClean="0">
+                <a:cs typeface="Courier New" pitchFamily="49" charset="0"/>
+              </a:rPr>
+              <a:t>UTF8 is *the* string type</a:t>
+            </a:r>
+          </a:p>
+          <a:p>
+            <a:r>
+              <a:rPr lang="en-US" dirty="0" smtClean="0">
+                <a:cs typeface="Courier New" pitchFamily="49" charset="0"/>
+              </a:rPr>
+              <a:t>Comparator compares column names</a:t>
+            </a:r>
+          </a:p>
+          <a:p>
+            <a:r>
+              <a:rPr lang="en-US" dirty="0" smtClean="0">
+                <a:cs typeface="Courier New" pitchFamily="49" charset="0"/>
+              </a:rPr>
+              <a:t>Validators validate </a:t>
+            </a:r>
+            <a:r>
+              <a:rPr lang="en-US" dirty="0" smtClean="0">
+                <a:cs typeface="Courier New" pitchFamily="49" charset="0"/>
+              </a:rPr>
+              <a:t>values</a:t>
+            </a:r>
+            <a:endParaRPr lang="en-US" dirty="0">
+              <a:cs typeface="Courier New" pitchFamily="49" charset="0"/>
+            </a:endParaRPr>
+          </a:p>
+        </p:txBody>
+      </p:sp>
+      <p:sp>
+        <p:nvSpPr>
+          <p:cNvPr id="3" name="Title 2"/>
           <p:cNvSpPr>
             <a:spLocks noGrp="1"/>
           </p:cNvSpPr>
@@ -16750,93 +16472,17 @@
         </p:nvSpPr>
         <p:spPr/>
         <p:txBody>
-          <a:bodyPr>
-            <a:normAutofit fontScale="90000"/>
-          </a:bodyPr>
+          <a:bodyPr/>
           <a:lstStyle/>
           <a:p>
             <a:r>
               <a:rPr lang="en-US" dirty="0" smtClean="0"/>
-              <a:t>Modeling Relationships</a:t>
-            </a:r>
-            <a:br>
-              <a:rPr lang="en-US" dirty="0" smtClean="0"/>
-            </a:br>
-            <a:r>
-              <a:rPr lang="en-US" dirty="0" smtClean="0"/>
-              <a:t>(Posts a User owns)</a:t>
-            </a:r>
-            <a:endParaRPr lang="en-US" dirty="0"/>
-          </a:p>
-        </p:txBody>
-      </p:sp>
-      <p:sp>
-        <p:nvSpPr>
-          <p:cNvPr id="5" name="Content Placeholder 4"/>
-          <p:cNvSpPr>
-            <a:spLocks noGrp="1"/>
-          </p:cNvSpPr>
-          <p:nvPr>
-            <p:ph idx="1"/>
-          </p:nvPr>
-        </p:nvSpPr>
-        <p:spPr/>
-        <p:txBody>
-          <a:bodyPr>
-            <a:normAutofit fontScale="92500" lnSpcReduction="20000"/>
-          </a:bodyPr>
-          <a:lstStyle/>
-          <a:p>
-            <a:r>
-              <a:rPr lang="en-US" dirty="0" smtClean="0"/>
-              <a:t>Since Cassandra does not perform joins, need a new </a:t>
+              <a:t>We need a </a:t>
             </a:r>
             <a:r>
               <a:rPr lang="en-US" dirty="0" err="1" smtClean="0"/>
               <a:t>ColumnFamily</a:t>
             </a:r>
-            <a:r>
-              <a:rPr lang="en-US" dirty="0" smtClean="0"/>
-              <a:t> to create the connection between entities</a:t>
-            </a:r>
-          </a:p>
-          <a:p>
-            <a:r>
-              <a:rPr lang="en-US" dirty="0" smtClean="0"/>
-              <a:t>What is stored in the “connection” can be minimal (just the row keys) or duplicated data for performance</a:t>
-            </a:r>
-          </a:p>
-          <a:p>
-            <a:r>
-              <a:rPr lang="en-US" dirty="0" err="1" smtClean="0"/>
-              <a:t>Denormalization</a:t>
-            </a:r>
-            <a:r>
-              <a:rPr lang="en-US" dirty="0" smtClean="0"/>
-              <a:t> is common in Cassandra</a:t>
-            </a:r>
-          </a:p>
-          <a:p>
-            <a:r>
-              <a:rPr lang="en-US" dirty="0" smtClean="0"/>
-              <a:t>Need a new </a:t>
-            </a:r>
-            <a:r>
-              <a:rPr lang="en-US" dirty="0" err="1" smtClean="0"/>
-              <a:t>ColumnFamily</a:t>
-            </a:r>
-            <a:r>
-              <a:rPr lang="en-US" dirty="0" smtClean="0"/>
-              <a:t> to connect Posts to a User (key = user email, column names = Post IDs, column values are empty)</a:t>
-            </a:r>
-          </a:p>
-          <a:p>
-            <a:r>
-              <a:rPr lang="en-US" dirty="0" smtClean="0"/>
-              <a:t>Could store the Post’s Title in the connection so a user could quickly find all its Posts, and have the Title without extra calls to Cassandra</a:t>
-            </a:r>
-          </a:p>
-          <a:p>
             <a:endParaRPr lang="en-US" dirty="0"/>
           </a:p>
         </p:txBody>
@@ -16844,7 +16490,7 @@
     </p:spTree>
     <p:extLst>
       <p:ext uri="{BB962C8B-B14F-4D97-AF65-F5344CB8AC3E}">
-        <p14:creationId xmlns:p14="http://schemas.microsoft.com/office/powerpoint/2010/main" val="2996745570"/>
+        <p14:creationId xmlns:p14="http://schemas.microsoft.com/office/powerpoint/2010/main" val="3385811164"/>
       </p:ext>
     </p:extLst>
   </p:cSld>
@@ -16880,204 +16526,7 @@
       </p:grpSpPr>
       <p:sp>
         <p:nvSpPr>
-          <p:cNvPr id="2" name="Content Placeholder 1"/>
-          <p:cNvSpPr>
-            <a:spLocks noGrp="1"/>
-          </p:cNvSpPr>
-          <p:nvPr>
-            <p:ph idx="1"/>
-          </p:nvPr>
-        </p:nvSpPr>
-        <p:spPr>
-          <a:xfrm>
-            <a:off x="381000" y="2362200"/>
-            <a:ext cx="8381999" cy="4190999"/>
-          </a:xfrm>
-        </p:spPr>
-        <p:txBody>
-          <a:bodyPr>
-            <a:normAutofit/>
-          </a:bodyPr>
-          <a:lstStyle/>
-          <a:p>
-            <a:pPr marL="457200" indent="-457200">
-              <a:buFont typeface="+mj-lt"/>
-              <a:buAutoNum type="arabicPeriod"/>
-            </a:pPr>
-            <a:r>
-              <a:rPr lang="en-US" sz="2000" dirty="0" smtClean="0">
-                <a:latin typeface="Courier New" pitchFamily="49" charset="0"/>
-                <a:cs typeface="Courier New" pitchFamily="49" charset="0"/>
-              </a:rPr>
-              <a:t>use blog;</a:t>
-            </a:r>
-          </a:p>
-          <a:p>
-            <a:pPr marL="457200" indent="-457200">
-              <a:buFont typeface="+mj-lt"/>
-              <a:buAutoNum type="arabicPeriod"/>
-            </a:pPr>
-            <a:r>
-              <a:rPr lang="en-US" sz="2000" dirty="0">
-                <a:latin typeface="Courier New" pitchFamily="49" charset="0"/>
-                <a:cs typeface="Courier New" pitchFamily="49" charset="0"/>
-              </a:rPr>
-              <a:t>create column family </a:t>
-            </a:r>
-            <a:r>
-              <a:rPr lang="en-US" sz="2000" dirty="0" err="1">
-                <a:latin typeface="Courier New" pitchFamily="49" charset="0"/>
-                <a:cs typeface="Courier New" pitchFamily="49" charset="0"/>
-              </a:rPr>
-              <a:t>user_posts</a:t>
-            </a:r>
-            <a:endParaRPr lang="en-US" sz="2000" dirty="0">
-              <a:latin typeface="Courier New" pitchFamily="49" charset="0"/>
-              <a:cs typeface="Courier New" pitchFamily="49" charset="0"/>
-            </a:endParaRPr>
-          </a:p>
-          <a:p>
-            <a:pPr marL="457200" indent="-457200">
-              <a:buFont typeface="+mj-lt"/>
-              <a:buAutoNum type="arabicPeriod"/>
-            </a:pPr>
-            <a:r>
-              <a:rPr lang="en-US" sz="2000" dirty="0">
-                <a:latin typeface="Courier New" pitchFamily="49" charset="0"/>
-                <a:cs typeface="Courier New" pitchFamily="49" charset="0"/>
-              </a:rPr>
-              <a:t>    with comment = </a:t>
-            </a:r>
-            <a:r>
-              <a:rPr lang="en-US" sz="2000" dirty="0" smtClean="0">
-                <a:latin typeface="Courier New" pitchFamily="49" charset="0"/>
-                <a:cs typeface="Courier New" pitchFamily="49" charset="0"/>
-              </a:rPr>
-              <a:t>‘User posts'</a:t>
-            </a:r>
-            <a:endParaRPr lang="en-US" sz="2000" dirty="0">
-              <a:latin typeface="Courier New" pitchFamily="49" charset="0"/>
-              <a:cs typeface="Courier New" pitchFamily="49" charset="0"/>
-            </a:endParaRPr>
-          </a:p>
-          <a:p>
-            <a:pPr marL="457200" indent="-457200">
-              <a:buFont typeface="+mj-lt"/>
-              <a:buAutoNum type="arabicPeriod"/>
-            </a:pPr>
-            <a:r>
-              <a:rPr lang="en-US" sz="2000" dirty="0">
-                <a:latin typeface="Courier New" pitchFamily="49" charset="0"/>
-                <a:cs typeface="Courier New" pitchFamily="49" charset="0"/>
-              </a:rPr>
-              <a:t>    and </a:t>
-            </a:r>
-            <a:r>
-              <a:rPr lang="en-US" sz="2000" dirty="0" err="1">
-                <a:latin typeface="Courier New" pitchFamily="49" charset="0"/>
-                <a:cs typeface="Courier New" pitchFamily="49" charset="0"/>
-              </a:rPr>
-              <a:t>key_validation_class</a:t>
-            </a:r>
-            <a:r>
-              <a:rPr lang="en-US" sz="2000" dirty="0">
-                <a:latin typeface="Courier New" pitchFamily="49" charset="0"/>
-                <a:cs typeface="Courier New" pitchFamily="49" charset="0"/>
-              </a:rPr>
-              <a:t> = 'UTF8Type'</a:t>
-            </a:r>
-          </a:p>
-          <a:p>
-            <a:pPr marL="457200" indent="-457200">
-              <a:buFont typeface="+mj-lt"/>
-              <a:buAutoNum type="arabicPeriod"/>
-            </a:pPr>
-            <a:r>
-              <a:rPr lang="en-US" sz="2000" dirty="0">
-                <a:latin typeface="Courier New" pitchFamily="49" charset="0"/>
-                <a:cs typeface="Courier New" pitchFamily="49" charset="0"/>
-              </a:rPr>
-              <a:t>    and comparator = '</a:t>
-            </a:r>
-            <a:r>
-              <a:rPr lang="en-US" sz="2000" b="1" dirty="0" err="1">
-                <a:latin typeface="Courier New" pitchFamily="49" charset="0"/>
-                <a:cs typeface="Courier New" pitchFamily="49" charset="0"/>
-              </a:rPr>
-              <a:t>TimeUUIDType</a:t>
-            </a:r>
-            <a:r>
-              <a:rPr lang="en-US" sz="2000" b="1" dirty="0">
-                <a:latin typeface="Courier New" pitchFamily="49" charset="0"/>
-                <a:cs typeface="Courier New" pitchFamily="49" charset="0"/>
-              </a:rPr>
-              <a:t>(reversed=true)</a:t>
-            </a:r>
-            <a:r>
-              <a:rPr lang="en-US" sz="2000" dirty="0">
-                <a:latin typeface="Courier New" pitchFamily="49" charset="0"/>
-                <a:cs typeface="Courier New" pitchFamily="49" charset="0"/>
-              </a:rPr>
-              <a:t>'</a:t>
-            </a:r>
-          </a:p>
-          <a:p>
-            <a:pPr marL="457200" indent="-457200">
-              <a:buFont typeface="+mj-lt"/>
-              <a:buAutoNum type="arabicPeriod"/>
-            </a:pPr>
-            <a:r>
-              <a:rPr lang="en-US" sz="2000" dirty="0">
-                <a:latin typeface="Courier New" pitchFamily="49" charset="0"/>
-                <a:cs typeface="Courier New" pitchFamily="49" charset="0"/>
-              </a:rPr>
-              <a:t>    ;</a:t>
-            </a:r>
-          </a:p>
-          <a:p>
-            <a:pPr marL="457200" indent="-457200">
-              <a:buFont typeface="+mj-lt"/>
-              <a:buAutoNum type="arabicPeriod"/>
-            </a:pPr>
-            <a:endParaRPr lang="en-US" sz="2000" dirty="0">
-              <a:latin typeface="Courier New" pitchFamily="49" charset="0"/>
-              <a:cs typeface="Courier New" pitchFamily="49" charset="0"/>
-            </a:endParaRPr>
-          </a:p>
-          <a:p>
-            <a:r>
-              <a:rPr lang="en-US" sz="2000" dirty="0" err="1" smtClean="0">
-                <a:latin typeface="Courier New" pitchFamily="49" charset="0"/>
-                <a:cs typeface="Courier New" pitchFamily="49" charset="0"/>
-              </a:rPr>
-              <a:t>TimeUUIDType</a:t>
-            </a:r>
-            <a:r>
-              <a:rPr lang="en-US" sz="2000" dirty="0" smtClean="0">
-                <a:latin typeface="Courier New" pitchFamily="49" charset="0"/>
-                <a:cs typeface="Courier New" pitchFamily="49" charset="0"/>
-              </a:rPr>
-              <a:t> orders the column names by time, but also guarantees uniqueness</a:t>
-            </a:r>
-          </a:p>
-          <a:p>
-            <a:r>
-              <a:rPr lang="en-US" sz="2000" dirty="0" smtClean="0">
-                <a:latin typeface="Courier New" pitchFamily="49" charset="0"/>
-                <a:cs typeface="Courier New" pitchFamily="49" charset="0"/>
-              </a:rPr>
-              <a:t>“reversed” will put the newest Posts in the first columns</a:t>
-            </a:r>
-            <a:endParaRPr lang="en-US" sz="2000" dirty="0">
-              <a:latin typeface="Courier New" pitchFamily="49" charset="0"/>
-              <a:cs typeface="Courier New" pitchFamily="49" charset="0"/>
-            </a:endParaRPr>
-          </a:p>
-        </p:txBody>
-      </p:sp>
-      <p:sp>
-        <p:nvSpPr>
-          <p:cNvPr id="3" name="Title 2"/>
+          <p:cNvPr id="4" name="Title 3"/>
           <p:cNvSpPr>
             <a:spLocks noGrp="1"/>
           </p:cNvSpPr>
@@ -17094,8 +16543,50 @@
           <a:p>
             <a:r>
               <a:rPr lang="en-US" dirty="0" smtClean="0"/>
-              <a:t>Create the User -&gt; Posts Relationship</a:t>
-            </a:r>
+              <a:t>Modeling what Posts a User Owns</a:t>
+            </a:r>
+            <a:endParaRPr lang="en-US" dirty="0"/>
+          </a:p>
+        </p:txBody>
+      </p:sp>
+      <p:sp>
+        <p:nvSpPr>
+          <p:cNvPr id="5" name="Content Placeholder 4"/>
+          <p:cNvSpPr>
+            <a:spLocks noGrp="1"/>
+          </p:cNvSpPr>
+          <p:nvPr>
+            <p:ph idx="1"/>
+          </p:nvPr>
+        </p:nvSpPr>
+        <p:spPr/>
+        <p:txBody>
+          <a:bodyPr>
+            <a:normAutofit/>
+          </a:bodyPr>
+          <a:lstStyle/>
+          <a:p>
+            <a:r>
+              <a:rPr lang="en-US" dirty="0" smtClean="0"/>
+              <a:t>Need to answer the question – what Posts have been made by a user?</a:t>
+            </a:r>
+          </a:p>
+          <a:p>
+            <a:r>
+              <a:rPr lang="en-US" dirty="0" smtClean="0"/>
+              <a:t>Can’t do joins in Cassandra – </a:t>
+            </a:r>
+            <a:r>
+              <a:rPr lang="en-US" dirty="0" err="1" smtClean="0"/>
+              <a:t>booooo</a:t>
+            </a:r>
+            <a:r>
+              <a:rPr lang="en-US" dirty="0"/>
+              <a:t>!</a:t>
+            </a:r>
+            <a:endParaRPr lang="en-US" dirty="0" smtClean="0"/>
+          </a:p>
+          <a:p>
             <a:endParaRPr lang="en-US" dirty="0"/>
           </a:p>
         </p:txBody>
@@ -17103,7 +16594,7 @@
     </p:spTree>
     <p:extLst>
       <p:ext uri="{BB962C8B-B14F-4D97-AF65-F5344CB8AC3E}">
-        <p14:creationId xmlns:p14="http://schemas.microsoft.com/office/powerpoint/2010/main" val="1818828454"/>
+        <p14:creationId xmlns:p14="http://schemas.microsoft.com/office/powerpoint/2010/main" val="2996745570"/>
       </p:ext>
     </p:extLst>
   </p:cSld>
@@ -17156,14 +16647,14 @@
           <a:p>
             <a:r>
               <a:rPr lang="en-US" dirty="0" smtClean="0"/>
-              <a:t>Modeling an Index</a:t>
+              <a:t>Modeling Relationships</a:t>
             </a:r>
             <a:br>
               <a:rPr lang="en-US" dirty="0" smtClean="0"/>
             </a:br>
             <a:r>
               <a:rPr lang="en-US" dirty="0" smtClean="0"/>
-              <a:t>(Posts sorted by time or vote)</a:t>
+              <a:t>(Posts a User owns)</a:t>
             </a:r>
             <a:endParaRPr lang="en-US" dirty="0"/>
           </a:p>
@@ -17182,70 +16673,60 @@
         <p:spPr/>
         <p:txBody>
           <a:bodyPr>
-            <a:normAutofit lnSpcReduction="10000"/>
+            <a:normAutofit fontScale="92500" lnSpcReduction="20000"/>
           </a:bodyPr>
           <a:lstStyle/>
           <a:p>
             <a:r>
               <a:rPr lang="en-US" dirty="0" smtClean="0"/>
-              <a:t>Cassandra has indexing capabilities, but limited – must always have an “equals” clause</a:t>
-            </a:r>
-          </a:p>
-          <a:p>
+              <a:t>Since Cassandra does not perform joins, need a new </a:t>
+            </a:r>
+            <a:r>
+              <a:rPr lang="en-US" dirty="0" err="1" smtClean="0"/>
+              <a:t>ColumnFamily</a:t>
+            </a:r>
             <a:r>
               <a:rPr lang="en-US" dirty="0" smtClean="0"/>
-              <a:t>We need to query for Posts over time range, so we won’t have an “equals”</a:t>
+              <a:t> to create the connection between entities</a:t>
             </a:r>
           </a:p>
           <a:p>
             <a:r>
               <a:rPr lang="en-US" dirty="0" smtClean="0"/>
-              <a:t>Every “index” requires an extra mutation</a:t>
-            </a:r>
-          </a:p>
-          <a:p>
+              <a:t>What is stored in the “connection” can be minimal (just the row keys) or duplicated data for performance</a:t>
+            </a:r>
+          </a:p>
+          <a:p>
+            <a:r>
+              <a:rPr lang="en-US" dirty="0" err="1" smtClean="0"/>
+              <a:t>Denormalization</a:t>
+            </a:r>
             <a:r>
               <a:rPr lang="en-US" dirty="0" smtClean="0"/>
-              <a:t>This is fine for Cassandra </a:t>
+              <a:t> is common in Cassandra</a:t>
+            </a:r>
+          </a:p>
+          <a:p>
+            <a:r>
+              <a:rPr lang="en-US" dirty="0" smtClean="0"/>
+              <a:t>Need a new </a:t>
             </a:r>
             <a:r>
               <a:rPr lang="en-US" dirty="0" err="1" smtClean="0"/>
-              <a:t>cuz</a:t>
+              <a:t>ColumnFamily</a:t>
             </a:r>
             <a:r>
               <a:rPr lang="en-US" dirty="0" smtClean="0"/>
-              <a:t> mutations are super </a:t>
-            </a:r>
-            <a:r>
-              <a:rPr lang="en-US" dirty="0" err="1" smtClean="0"/>
-              <a:t>super</a:t>
-            </a:r>
+              <a:t> to connect Posts to a User (key = user email, column names = Post IDs, column values are empty)</a:t>
+            </a:r>
+          </a:p>
+          <a:p>
             <a:r>
               <a:rPr lang="en-US" dirty="0" smtClean="0"/>
-              <a:t> </a:t>
-            </a:r>
-            <a:r>
-              <a:rPr lang="en-US" dirty="0" err="1" smtClean="0"/>
-              <a:t>super</a:t>
-            </a:r>
-            <a:r>
-              <a:rPr lang="en-US" dirty="0" smtClean="0"/>
-              <a:t> </a:t>
-            </a:r>
-            <a:r>
-              <a:rPr lang="en-US" dirty="0" err="1" smtClean="0"/>
-              <a:t>super</a:t>
-            </a:r>
-            <a:r>
-              <a:rPr lang="en-US" dirty="0" smtClean="0"/>
-              <a:t> fast!</a:t>
-            </a:r>
-          </a:p>
-          <a:p>
-            <a:r>
-              <a:rPr lang="en-US" dirty="0" smtClean="0"/>
-              <a:t>Really not doing anything different than the typical RDMS, except we must manage our own indices</a:t>
-            </a:r>
+              <a:t>Could store the Post’s Title in the connection so a user could quickly find all its Posts, and have the Title without extra calls to Cassandra</a:t>
+            </a:r>
+          </a:p>
+          <a:p>
             <a:endParaRPr lang="en-US" dirty="0"/>
           </a:p>
         </p:txBody>
@@ -17253,7 +16734,7 @@
     </p:spTree>
     <p:extLst>
       <p:ext uri="{BB962C8B-B14F-4D97-AF65-F5344CB8AC3E}">
-        <p14:creationId xmlns:p14="http://schemas.microsoft.com/office/powerpoint/2010/main" val="4222842640"/>
+        <p14:creationId xmlns:p14="http://schemas.microsoft.com/office/powerpoint/2010/main" val="2331201344"/>
       </p:ext>
     </p:extLst>
   </p:cSld>
@@ -17304,43 +16785,53 @@
           <a:p>
             <a:r>
               <a:rPr lang="en-US" dirty="0"/>
-              <a:t>It is a persistent database, but not an RDBMS – more on API </a:t>
+              <a:t>It is a persistent database, but not an </a:t>
             </a:r>
             <a:r>
               <a:rPr lang="en-US" dirty="0" smtClean="0"/>
-              <a:t>next</a:t>
+              <a:t>RDBMS</a:t>
             </a:r>
             <a:endParaRPr lang="en-US" dirty="0"/>
           </a:p>
           <a:p>
             <a:r>
               <a:rPr lang="en-US" dirty="0"/>
-              <a:t>It can run as a single instance or as a part of a cluster.</a:t>
-            </a:r>
-          </a:p>
-          <a:p>
+              <a:t>It can run as a single instance or </a:t>
+            </a:r>
+            <a:r>
+              <a:rPr lang="en-US" dirty="0" smtClean="0"/>
+              <a:t>part </a:t>
+            </a:r>
             <a:r>
               <a:rPr lang="en-US" dirty="0"/>
-              <a:t>The cluster can be distributed within a single DC or across multiple DCs.</a:t>
-            </a:r>
-          </a:p>
-          <a:p>
+              <a:t>of a </a:t>
+            </a:r>
             <a:r>
               <a:rPr lang="en-US" dirty="0" smtClean="0"/>
-              <a:t>All </a:t>
-            </a:r>
+              <a:t>cluster</a:t>
+            </a:r>
+            <a:endParaRPr lang="en-US" dirty="0"/>
+          </a:p>
+          <a:p>
             <a:r>
               <a:rPr lang="en-US" dirty="0"/>
-              <a:t>nodes are </a:t>
-            </a:r>
+              <a:t>All nodes are equal – no master, no slaves</a:t>
+            </a:r>
+          </a:p>
+          <a:p>
             <a:r>
               <a:rPr lang="en-US" dirty="0" smtClean="0"/>
-              <a:t>equal – no </a:t>
+              <a:t>The </a:t>
             </a:r>
             <a:r>
               <a:rPr lang="en-US" dirty="0"/>
-              <a:t>master, no slaves</a:t>
-            </a:r>
+              <a:t>cluster can be distributed within a single DC or across multiple </a:t>
+            </a:r>
+            <a:r>
+              <a:rPr lang="en-US" dirty="0" smtClean="0"/>
+              <a:t>DCs</a:t>
+            </a:r>
+            <a:endParaRPr lang="en-US" dirty="0"/>
           </a:p>
           <a:p>
             <a:r>
@@ -17349,8 +16840,19 @@
             </a:r>
             <a:r>
               <a:rPr lang="en-US" dirty="0"/>
-              <a:t>DCs can be Active-Active for performance or Active-Passive for DR</a:t>
-            </a:r>
+              <a:t>DCs can be Active-Active for performance or Active-Passive for </a:t>
+            </a:r>
+            <a:r>
+              <a:rPr lang="en-US" dirty="0" smtClean="0"/>
+              <a:t>DR – each can have different size</a:t>
+            </a:r>
+          </a:p>
+          <a:p>
+            <a:r>
+              <a:rPr lang="en-US" dirty="0" smtClean="0"/>
+              <a:t>Built to be highly available</a:t>
+            </a:r>
+            <a:endParaRPr lang="en-US" dirty="0"/>
           </a:p>
           <a:p>
             <a:endParaRPr lang="en-US" dirty="0"/>
@@ -17430,7 +16932,7 @@
         <p:spPr>
           <a:xfrm>
             <a:off x="381000" y="2362200"/>
-            <a:ext cx="8381999" cy="4190999"/>
+            <a:ext cx="8458200" cy="4190999"/>
           </a:xfrm>
         </p:spPr>
         <p:txBody>
@@ -17468,7 +16970,7 @@
                 <a:latin typeface="Courier New" pitchFamily="49" charset="0"/>
                 <a:cs typeface="Courier New" pitchFamily="49" charset="0"/>
               </a:rPr>
-              <a:t>posts_sorted_by_vote</a:t>
+              <a:t>user_posts</a:t>
             </a:r>
             <a:endParaRPr lang="en-US" sz="2000" dirty="0">
               <a:latin typeface="Courier New" pitchFamily="49" charset="0"/>
@@ -17485,21 +16987,45 @@
                 <a:latin typeface="Courier New" pitchFamily="49" charset="0"/>
                 <a:cs typeface="Courier New" pitchFamily="49" charset="0"/>
               </a:rPr>
-              <a:t>    with comment = 'Index </a:t>
+              <a:t>    with comment = </a:t>
             </a:r>
             <a:r>
               <a:rPr lang="en-US" sz="2000" dirty="0" smtClean="0">
                 <a:latin typeface="Courier New" pitchFamily="49" charset="0"/>
                 <a:cs typeface="Courier New" pitchFamily="49" charset="0"/>
               </a:rPr>
-              <a:t>: posts </a:t>
-            </a:r>
+              <a:t>‘User posts'</a:t>
+            </a:r>
+            <a:endParaRPr lang="en-US" sz="2000" dirty="0">
+              <a:latin typeface="Courier New" pitchFamily="49" charset="0"/>
+              <a:cs typeface="Courier New" pitchFamily="49" charset="0"/>
+            </a:endParaRPr>
+          </a:p>
+          <a:p>
+            <a:pPr marL="457200" indent="-457200">
+              <a:buFont typeface="+mj-lt"/>
+              <a:buAutoNum type="arabicPeriod"/>
+            </a:pPr>
             <a:r>
               <a:rPr lang="en-US" sz="2000" dirty="0">
                 <a:latin typeface="Courier New" pitchFamily="49" charset="0"/>
                 <a:cs typeface="Courier New" pitchFamily="49" charset="0"/>
               </a:rPr>
-              <a:t>by vote'</a:t>
+              <a:t>    and </a:t>
+            </a:r>
+            <a:r>
+              <a:rPr lang="en-US" sz="2000" dirty="0" err="1">
+                <a:latin typeface="Courier New" pitchFamily="49" charset="0"/>
+                <a:cs typeface="Courier New" pitchFamily="49" charset="0"/>
+              </a:rPr>
+              <a:t>key_validation_class</a:t>
+            </a:r>
+            <a:r>
+              <a:rPr lang="en-US" sz="2000" dirty="0">
+                <a:latin typeface="Courier New" pitchFamily="49" charset="0"/>
+                <a:cs typeface="Courier New" pitchFamily="49" charset="0"/>
+              </a:rPr>
+              <a:t> = 'UTF8Type'</a:t>
             </a:r>
           </a:p>
           <a:p>
@@ -17512,49 +17038,7 @@
                 <a:latin typeface="Courier New" pitchFamily="49" charset="0"/>
                 <a:cs typeface="Courier New" pitchFamily="49" charset="0"/>
               </a:rPr>
-              <a:t>    and comparator </a:t>
-            </a:r>
-            <a:r>
-              <a:rPr lang="en-US" sz="2000" dirty="0" smtClean="0">
-                <a:latin typeface="Courier New" pitchFamily="49" charset="0"/>
-                <a:cs typeface="Courier New" pitchFamily="49" charset="0"/>
-              </a:rPr>
-              <a:t>= '</a:t>
-            </a:r>
-            <a:r>
-              <a:rPr lang="en-US" sz="2000" b="1" dirty="0" err="1" smtClean="0">
-                <a:latin typeface="Courier New" pitchFamily="49" charset="0"/>
-                <a:cs typeface="Courier New" pitchFamily="49" charset="0"/>
-              </a:rPr>
-              <a:t>CompositeType</a:t>
-            </a:r>
-            <a:r>
-              <a:rPr lang="en-US" sz="2000" b="1" dirty="0" smtClean="0">
-                <a:latin typeface="Courier New" pitchFamily="49" charset="0"/>
-                <a:cs typeface="Courier New" pitchFamily="49" charset="0"/>
-              </a:rPr>
-              <a:t>(</a:t>
-            </a:r>
-            <a:r>
-              <a:rPr lang="en-US" sz="2000" b="1" dirty="0" err="1" smtClean="0">
-                <a:latin typeface="Courier New" pitchFamily="49" charset="0"/>
-                <a:cs typeface="Courier New" pitchFamily="49" charset="0"/>
-              </a:rPr>
-              <a:t>LongType</a:t>
-            </a:r>
-            <a:r>
-              <a:rPr lang="en-US" sz="2000" b="1" dirty="0" smtClean="0">
-                <a:latin typeface="Courier New" pitchFamily="49" charset="0"/>
-                <a:cs typeface="Courier New" pitchFamily="49" charset="0"/>
-              </a:rPr>
-              <a:t>(reversed=true</a:t>
-            </a:r>
-            <a:r>
-              <a:rPr lang="en-US" sz="2000" b="1" dirty="0">
-                <a:latin typeface="Courier New" pitchFamily="49" charset="0"/>
-                <a:cs typeface="Courier New" pitchFamily="49" charset="0"/>
-              </a:rPr>
-              <a:t>), </a:t>
+              <a:t>    and comparator = '</a:t>
             </a:r>
             <a:r>
               <a:rPr lang="en-US" sz="2000" b="1" dirty="0" err="1">
@@ -17568,28 +17052,26 @@
                 <a:latin typeface="Courier New" pitchFamily="49" charset="0"/>
                 <a:cs typeface="Courier New" pitchFamily="49" charset="0"/>
               </a:rPr>
-              <a:t>)</a:t>
-            </a:r>
-            <a:r>
-              <a:rPr lang="en-US" sz="2000" dirty="0">
+              <a:t>(reversed=true</a:t>
+            </a:r>
+            <a:r>
+              <a:rPr lang="en-US" sz="2000" b="1" dirty="0" smtClean="0">
                 <a:latin typeface="Courier New" pitchFamily="49" charset="0"/>
                 <a:cs typeface="Courier New" pitchFamily="49" charset="0"/>
               </a:rPr>
-              <a:t>'</a:t>
-            </a:r>
-          </a:p>
-          <a:p>
-            <a:pPr marL="457200" indent="-457200">
-              <a:buFont typeface="+mj-lt"/>
-              <a:buAutoNum type="arabicPeriod"/>
-            </a:pPr>
-            <a:r>
-              <a:rPr lang="en-US" sz="2000" dirty="0">
+              <a:t>)</a:t>
+            </a:r>
+            <a:r>
+              <a:rPr lang="en-US" sz="2000" dirty="0" smtClean="0">
                 <a:latin typeface="Courier New" pitchFamily="49" charset="0"/>
                 <a:cs typeface="Courier New" pitchFamily="49" charset="0"/>
               </a:rPr>
-              <a:t>    ;</a:t>
-            </a:r>
+              <a:t>';</a:t>
+            </a:r>
+            <a:endParaRPr lang="en-US" sz="2000" dirty="0">
+              <a:latin typeface="Courier New" pitchFamily="49" charset="0"/>
+              <a:cs typeface="Courier New" pitchFamily="49" charset="0"/>
+            </a:endParaRPr>
           </a:p>
           <a:p>
             <a:pPr marL="457200" indent="-457200">
@@ -17603,23 +17085,40 @@
           </a:p>
           <a:p>
             <a:r>
-              <a:rPr lang="en-US" sz="2000" dirty="0" smtClean="0">
-                <a:latin typeface="Courier New" pitchFamily="49" charset="0"/>
+              <a:rPr lang="en-US" dirty="0" err="1" smtClean="0">
                 <a:cs typeface="Courier New" pitchFamily="49" charset="0"/>
               </a:rPr>
-              <a:t>Composite column names allow us to use multiple properties to form the column name, and sort by each component</a:t>
-            </a:r>
-          </a:p>
-          <a:p>
-            <a:r>
-              <a:rPr lang="en-US" sz="2000" dirty="0" smtClean="0">
-                <a:latin typeface="Courier New" pitchFamily="49" charset="0"/>
+              <a:t>TimeUUIDType</a:t>
+            </a:r>
+            <a:r>
+              <a:rPr lang="en-US" dirty="0" smtClean="0">
                 <a:cs typeface="Courier New" pitchFamily="49" charset="0"/>
               </a:rPr>
-              <a:t>Can only use “reversed” on first component</a:t>
-            </a:r>
-            <a:endParaRPr lang="en-US" sz="2000" dirty="0">
-              <a:latin typeface="Courier New" pitchFamily="49" charset="0"/>
+              <a:t> orders the column names by time, but also guarantees uniqueness</a:t>
+            </a:r>
+          </a:p>
+          <a:p>
+            <a:r>
+              <a:rPr lang="en-US" dirty="0" smtClean="0">
+                <a:cs typeface="Courier New" pitchFamily="49" charset="0"/>
+              </a:rPr>
+              <a:t>“reversed” will put the newest Posts in the first </a:t>
+            </a:r>
+            <a:r>
+              <a:rPr lang="en-US" dirty="0" smtClean="0">
+                <a:cs typeface="Courier New" pitchFamily="49" charset="0"/>
+              </a:rPr>
+              <a:t>columns</a:t>
+            </a:r>
+          </a:p>
+          <a:p>
+            <a:r>
+              <a:rPr lang="en-US" dirty="0" smtClean="0">
+                <a:cs typeface="Courier New" pitchFamily="49" charset="0"/>
+              </a:rPr>
+              <a:t>Column value not used, but could be!</a:t>
+            </a:r>
+            <a:endParaRPr lang="en-US" dirty="0">
               <a:cs typeface="Courier New" pitchFamily="49" charset="0"/>
             </a:endParaRPr>
           </a:p>
@@ -17638,13 +17137,13 @@
         <p:spPr/>
         <p:txBody>
           <a:bodyPr>
-            <a:normAutofit/>
+            <a:normAutofit fontScale="90000"/>
           </a:bodyPr>
           <a:lstStyle/>
           <a:p>
             <a:r>
               <a:rPr lang="en-US" dirty="0" smtClean="0"/>
-              <a:t>Creating an Index</a:t>
+              <a:t>Create the User -&gt; Posts Relationship</a:t>
             </a:r>
             <a:endParaRPr lang="en-US" dirty="0"/>
           </a:p>
@@ -17653,7 +17152,7 @@
     </p:spTree>
     <p:extLst>
       <p:ext uri="{BB962C8B-B14F-4D97-AF65-F5344CB8AC3E}">
-        <p14:creationId xmlns:p14="http://schemas.microsoft.com/office/powerpoint/2010/main" val="989618420"/>
+        <p14:creationId xmlns:p14="http://schemas.microsoft.com/office/powerpoint/2010/main" val="1818828454"/>
       </p:ext>
     </p:extLst>
   </p:cSld>
@@ -17689,7 +17188,39 @@
       </p:grpSpPr>
       <p:sp>
         <p:nvSpPr>
-          <p:cNvPr id="2" name="Content Placeholder 1"/>
+          <p:cNvPr id="4" name="Title 3"/>
+          <p:cNvSpPr>
+            <a:spLocks noGrp="1"/>
+          </p:cNvSpPr>
+          <p:nvPr>
+            <p:ph type="title"/>
+          </p:nvPr>
+        </p:nvSpPr>
+        <p:spPr/>
+        <p:txBody>
+          <a:bodyPr>
+            <a:normAutofit fontScale="90000"/>
+          </a:bodyPr>
+          <a:lstStyle/>
+          <a:p>
+            <a:r>
+              <a:rPr lang="en-US" dirty="0" smtClean="0"/>
+              <a:t>Modeling an Index</a:t>
+            </a:r>
+            <a:br>
+              <a:rPr lang="en-US" dirty="0" smtClean="0"/>
+            </a:br>
+            <a:r>
+              <a:rPr lang="en-US" dirty="0" smtClean="0"/>
+              <a:t>(Posts sorted by time or vote)</a:t>
+            </a:r>
+            <a:endParaRPr lang="en-US" dirty="0"/>
+          </a:p>
+        </p:txBody>
+      </p:sp>
+      <p:sp>
+        <p:nvSpPr>
+          <p:cNvPr id="5" name="Content Placeholder 4"/>
           <p:cNvSpPr>
             <a:spLocks noGrp="1"/>
           </p:cNvSpPr>
@@ -17700,60 +17231,77 @@
         <p:spPr/>
         <p:txBody>
           <a:bodyPr>
-            <a:normAutofit fontScale="92500" lnSpcReduction="20000"/>
+            <a:normAutofit lnSpcReduction="10000"/>
           </a:bodyPr>
           <a:lstStyle/>
           <a:p>
             <a:r>
               <a:rPr lang="en-US" dirty="0" smtClean="0"/>
-              <a:t>Cassandra does not have a way to read-update-write safely (no transactions)</a:t>
+              <a:t>Cassandra has indexing capabilities, but limited – must always have an “equals” clause</a:t>
             </a:r>
           </a:p>
           <a:p>
             <a:r>
               <a:rPr lang="en-US" dirty="0" smtClean="0"/>
-              <a:t>Distributed counters were added to handle the specific case of incrementing integers</a:t>
+              <a:t>We need to query for Posts over time range, so we won’t have an “equals”</a:t>
             </a:r>
           </a:p>
           <a:p>
             <a:r>
               <a:rPr lang="en-US" dirty="0" smtClean="0"/>
-              <a:t>However, they are not to be used for “sequence” generators – you tell Cassandra to update, but don’t know the value after update</a:t>
+              <a:t>Every “index” requires an extra mutation</a:t>
             </a:r>
           </a:p>
           <a:p>
             <a:r>
               <a:rPr lang="en-US" dirty="0" smtClean="0"/>
-              <a:t>Counters can handle outages, network partitions, delays in replication</a:t>
-            </a:r>
-          </a:p>
-          <a:p>
+              <a:t>This is fine for Cassandra </a:t>
+            </a:r>
+            <a:r>
+              <a:rPr lang="en-US" dirty="0" err="1" smtClean="0"/>
+              <a:t>cuz</a:t>
+            </a:r>
             <a:r>
               <a:rPr lang="en-US" dirty="0" smtClean="0"/>
-              <a:t>… But, the only time they will accurately reflect reality is if the system is “at rest”</a:t>
-            </a:r>
-            <a:endParaRPr lang="en-US" dirty="0"/>
-          </a:p>
-        </p:txBody>
-      </p:sp>
-      <p:sp>
-        <p:nvSpPr>
-          <p:cNvPr id="3" name="Title 2"/>
-          <p:cNvSpPr>
-            <a:spLocks noGrp="1"/>
-          </p:cNvSpPr>
-          <p:nvPr>
-            <p:ph type="title"/>
-          </p:nvPr>
-        </p:nvSpPr>
-        <p:spPr/>
-        <p:txBody>
-          <a:bodyPr/>
-          <a:lstStyle/>
-          <a:p>
+              <a:t> mutations are super </a:t>
+            </a:r>
+            <a:r>
+              <a:rPr lang="en-US" dirty="0" err="1" smtClean="0"/>
+              <a:t>super</a:t>
+            </a:r>
             <a:r>
               <a:rPr lang="en-US" dirty="0" smtClean="0"/>
-              <a:t>How to Count – Really!</a:t>
+              <a:t> </a:t>
+            </a:r>
+            <a:r>
+              <a:rPr lang="en-US" dirty="0" err="1" smtClean="0"/>
+              <a:t>super</a:t>
+            </a:r>
+            <a:r>
+              <a:rPr lang="en-US" dirty="0" smtClean="0"/>
+              <a:t> </a:t>
+            </a:r>
+            <a:r>
+              <a:rPr lang="en-US" dirty="0" err="1" smtClean="0"/>
+              <a:t>super</a:t>
+            </a:r>
+            <a:r>
+              <a:rPr lang="en-US" dirty="0" smtClean="0"/>
+              <a:t> fast!</a:t>
+            </a:r>
+          </a:p>
+          <a:p>
+            <a:r>
+              <a:rPr lang="en-US" dirty="0" smtClean="0"/>
+              <a:t>Really not doing anything different than the typical </a:t>
+            </a:r>
+            <a:r>
+              <a:rPr lang="en-US" dirty="0" smtClean="0"/>
+              <a:t>RDBMS</a:t>
+            </a:r>
+            <a:r>
+              <a:rPr lang="en-US" dirty="0" smtClean="0"/>
+              <a:t>, except we must manage our own indices</a:t>
             </a:r>
             <a:endParaRPr lang="en-US" dirty="0"/>
           </a:p>
@@ -17762,7 +17310,7 @@
     </p:spTree>
     <p:extLst>
       <p:ext uri="{BB962C8B-B14F-4D97-AF65-F5344CB8AC3E}">
-        <p14:creationId xmlns:p14="http://schemas.microsoft.com/office/powerpoint/2010/main" val="2616893758"/>
+        <p14:creationId xmlns:p14="http://schemas.microsoft.com/office/powerpoint/2010/main" val="4222842640"/>
       </p:ext>
     </p:extLst>
   </p:cSld>
@@ -17840,8 +17388,19 @@
                 <a:latin typeface="Courier New" pitchFamily="49" charset="0"/>
                 <a:cs typeface="Courier New" pitchFamily="49" charset="0"/>
               </a:rPr>
-              <a:t>create column family votes</a:t>
-            </a:r>
+              <a:t>create column family </a:t>
+            </a:r>
+            <a:r>
+              <a:rPr lang="en-US" sz="2000" dirty="0" err="1">
+                <a:latin typeface="Courier New" pitchFamily="49" charset="0"/>
+                <a:cs typeface="Courier New" pitchFamily="49" charset="0"/>
+              </a:rPr>
+              <a:t>posts_sorted_by_vote</a:t>
+            </a:r>
+            <a:endParaRPr lang="en-US" sz="2000" dirty="0">
+              <a:latin typeface="Courier New" pitchFamily="49" charset="0"/>
+              <a:cs typeface="Courier New" pitchFamily="49" charset="0"/>
+            </a:endParaRPr>
           </a:p>
           <a:p>
             <a:pPr marL="457200" indent="-457200">
@@ -17853,124 +17412,109 @@
                 <a:latin typeface="Courier New" pitchFamily="49" charset="0"/>
                 <a:cs typeface="Courier New" pitchFamily="49" charset="0"/>
               </a:rPr>
-              <a:t>    with comment = </a:t>
+              <a:t>    with comment = 'Index </a:t>
             </a:r>
             <a:r>
               <a:rPr lang="en-US" sz="2000" dirty="0" smtClean="0">
                 <a:latin typeface="Courier New" pitchFamily="49" charset="0"/>
                 <a:cs typeface="Courier New" pitchFamily="49" charset="0"/>
               </a:rPr>
-              <a:t>‘Voting counters'</a:t>
+              <a:t>: posts </a:t>
+            </a:r>
+            <a:r>
+              <a:rPr lang="en-US" sz="2000" dirty="0">
+                <a:latin typeface="Courier New" pitchFamily="49" charset="0"/>
+                <a:cs typeface="Courier New" pitchFamily="49" charset="0"/>
+              </a:rPr>
+              <a:t>by vote'</a:t>
+            </a:r>
+          </a:p>
+          <a:p>
+            <a:pPr marL="457200" indent="-457200">
+              <a:buFont typeface="+mj-lt"/>
+              <a:buAutoNum type="arabicPeriod"/>
+            </a:pPr>
+            <a:r>
+              <a:rPr lang="en-US" sz="2000" dirty="0">
+                <a:latin typeface="Courier New" pitchFamily="49" charset="0"/>
+                <a:cs typeface="Courier New" pitchFamily="49" charset="0"/>
+              </a:rPr>
+              <a:t>    and comparator </a:t>
+            </a:r>
+            <a:r>
+              <a:rPr lang="en-US" sz="2000" dirty="0" smtClean="0">
+                <a:latin typeface="Courier New" pitchFamily="49" charset="0"/>
+                <a:cs typeface="Courier New" pitchFamily="49" charset="0"/>
+              </a:rPr>
+              <a:t>= '</a:t>
+            </a:r>
+            <a:r>
+              <a:rPr lang="en-US" sz="2000" b="1" dirty="0" err="1" smtClean="0">
+                <a:latin typeface="Courier New" pitchFamily="49" charset="0"/>
+                <a:cs typeface="Courier New" pitchFamily="49" charset="0"/>
+              </a:rPr>
+              <a:t>CompositeType</a:t>
+            </a:r>
+            <a:r>
+              <a:rPr lang="en-US" sz="2000" b="1" dirty="0" smtClean="0">
+                <a:latin typeface="Courier New" pitchFamily="49" charset="0"/>
+                <a:cs typeface="Courier New" pitchFamily="49" charset="0"/>
+              </a:rPr>
+              <a:t>(</a:t>
+            </a:r>
+            <a:r>
+              <a:rPr lang="en-US" sz="2000" b="1" dirty="0" err="1" smtClean="0">
+                <a:latin typeface="Courier New" pitchFamily="49" charset="0"/>
+                <a:cs typeface="Courier New" pitchFamily="49" charset="0"/>
+              </a:rPr>
+              <a:t>LongType</a:t>
+            </a:r>
+            <a:r>
+              <a:rPr lang="en-US" sz="2000" b="1" dirty="0" smtClean="0">
+                <a:latin typeface="Courier New" pitchFamily="49" charset="0"/>
+                <a:cs typeface="Courier New" pitchFamily="49" charset="0"/>
+              </a:rPr>
+              <a:t>(reversed=true</a:t>
+            </a:r>
+            <a:r>
+              <a:rPr lang="en-US" sz="2000" b="1" dirty="0">
+                <a:latin typeface="Courier New" pitchFamily="49" charset="0"/>
+                <a:cs typeface="Courier New" pitchFamily="49" charset="0"/>
+              </a:rPr>
+              <a:t>), </a:t>
+            </a:r>
+            <a:r>
+              <a:rPr lang="en-US" sz="2000" b="1" dirty="0" err="1">
+                <a:latin typeface="Courier New" pitchFamily="49" charset="0"/>
+                <a:cs typeface="Courier New" pitchFamily="49" charset="0"/>
+              </a:rPr>
+              <a:t>TimeUUIDType</a:t>
+            </a:r>
+            <a:r>
+              <a:rPr lang="en-US" sz="2000" b="1" dirty="0" smtClean="0">
+                <a:latin typeface="Courier New" pitchFamily="49" charset="0"/>
+                <a:cs typeface="Courier New" pitchFamily="49" charset="0"/>
+              </a:rPr>
+              <a:t>)</a:t>
+            </a:r>
+            <a:r>
+              <a:rPr lang="en-US" sz="2000" dirty="0" smtClean="0">
+                <a:latin typeface="Courier New" pitchFamily="49" charset="0"/>
+                <a:cs typeface="Courier New" pitchFamily="49" charset="0"/>
+              </a:rPr>
+              <a:t>‘</a:t>
+            </a:r>
+            <a:r>
+              <a:rPr lang="en-US" sz="2000" dirty="0">
+                <a:latin typeface="Courier New" pitchFamily="49" charset="0"/>
+                <a:cs typeface="Courier New" pitchFamily="49" charset="0"/>
+              </a:rPr>
+              <a:t>;</a:t>
             </a:r>
             <a:endParaRPr lang="en-US" sz="2000" dirty="0">
               <a:latin typeface="Courier New" pitchFamily="49" charset="0"/>
               <a:cs typeface="Courier New" pitchFamily="49" charset="0"/>
             </a:endParaRPr>
-          </a:p>
-          <a:p>
-            <a:pPr marL="457200" indent="-457200">
-              <a:buFont typeface="+mj-lt"/>
-              <a:buAutoNum type="arabicPeriod"/>
-            </a:pPr>
-            <a:r>
-              <a:rPr lang="en-US" sz="2000" dirty="0">
-                <a:latin typeface="Courier New" pitchFamily="49" charset="0"/>
-                <a:cs typeface="Courier New" pitchFamily="49" charset="0"/>
-              </a:rPr>
-              <a:t>    and </a:t>
-            </a:r>
-            <a:r>
-              <a:rPr lang="en-US" sz="2000" dirty="0" err="1">
-                <a:latin typeface="Courier New" pitchFamily="49" charset="0"/>
-                <a:cs typeface="Courier New" pitchFamily="49" charset="0"/>
-              </a:rPr>
-              <a:t>key_validation_class</a:t>
-            </a:r>
-            <a:r>
-              <a:rPr lang="en-US" sz="2000" dirty="0">
-                <a:latin typeface="Courier New" pitchFamily="49" charset="0"/>
-                <a:cs typeface="Courier New" pitchFamily="49" charset="0"/>
-              </a:rPr>
-              <a:t> = '</a:t>
-            </a:r>
-            <a:r>
-              <a:rPr lang="en-US" sz="2000" dirty="0" err="1">
-                <a:latin typeface="Courier New" pitchFamily="49" charset="0"/>
-                <a:cs typeface="Courier New" pitchFamily="49" charset="0"/>
-              </a:rPr>
-              <a:t>TimeUUIDType</a:t>
-            </a:r>
-            <a:r>
-              <a:rPr lang="en-US" sz="2000" dirty="0">
-                <a:latin typeface="Courier New" pitchFamily="49" charset="0"/>
-                <a:cs typeface="Courier New" pitchFamily="49" charset="0"/>
-              </a:rPr>
-              <a:t>'</a:t>
-            </a:r>
-          </a:p>
-          <a:p>
-            <a:pPr marL="457200" indent="-457200">
-              <a:buFont typeface="+mj-lt"/>
-              <a:buAutoNum type="arabicPeriod"/>
-            </a:pPr>
-            <a:r>
-              <a:rPr lang="en-US" sz="2000" dirty="0">
-                <a:latin typeface="Courier New" pitchFamily="49" charset="0"/>
-                <a:cs typeface="Courier New" pitchFamily="49" charset="0"/>
-              </a:rPr>
-              <a:t>    and </a:t>
-            </a:r>
-            <a:r>
-              <a:rPr lang="en-US" sz="2000" b="1" dirty="0" err="1">
-                <a:latin typeface="Courier New" pitchFamily="49" charset="0"/>
-                <a:cs typeface="Courier New" pitchFamily="49" charset="0"/>
-              </a:rPr>
-              <a:t>default_validation_class</a:t>
-            </a:r>
-            <a:r>
-              <a:rPr lang="en-US" sz="2000" b="1" dirty="0">
-                <a:latin typeface="Courier New" pitchFamily="49" charset="0"/>
-                <a:cs typeface="Courier New" pitchFamily="49" charset="0"/>
-              </a:rPr>
-              <a:t> = </a:t>
-            </a:r>
-            <a:r>
-              <a:rPr lang="en-US" sz="2000" b="1" dirty="0" err="1">
-                <a:latin typeface="Courier New" pitchFamily="49" charset="0"/>
-                <a:cs typeface="Courier New" pitchFamily="49" charset="0"/>
-              </a:rPr>
-              <a:t>CounterColumnType</a:t>
-            </a:r>
-            <a:endParaRPr lang="en-US" sz="2000" b="1" dirty="0">
-              <a:latin typeface="Courier New" pitchFamily="49" charset="0"/>
-              <a:cs typeface="Courier New" pitchFamily="49" charset="0"/>
-            </a:endParaRPr>
-          </a:p>
-          <a:p>
-            <a:pPr marL="457200" indent="-457200">
-              <a:buFont typeface="+mj-lt"/>
-              <a:buAutoNum type="arabicPeriod"/>
-            </a:pPr>
-            <a:r>
-              <a:rPr lang="en-US" sz="2000" dirty="0">
-                <a:latin typeface="Courier New" pitchFamily="49" charset="0"/>
-                <a:cs typeface="Courier New" pitchFamily="49" charset="0"/>
-              </a:rPr>
-              <a:t>    and comparator = 'UTF8Type'</a:t>
-            </a:r>
-          </a:p>
-          <a:p>
-            <a:pPr marL="457200" indent="-457200">
-              <a:buFont typeface="+mj-lt"/>
-              <a:buAutoNum type="arabicPeriod"/>
-            </a:pPr>
-            <a:r>
-              <a:rPr lang="en-US" sz="2000" dirty="0">
-                <a:latin typeface="Courier New" pitchFamily="49" charset="0"/>
-                <a:cs typeface="Courier New" pitchFamily="49" charset="0"/>
-              </a:rPr>
-              <a:t>    ;</a:t>
-            </a:r>
           </a:p>
           <a:p>
             <a:pPr marL="457200" indent="-457200">
@@ -17984,23 +17528,34 @@
           </a:p>
           <a:p>
             <a:r>
-              <a:rPr lang="en-US" sz="2000" dirty="0" smtClean="0">
-                <a:latin typeface="Courier New" pitchFamily="49" charset="0"/>
+              <a:rPr lang="en-US" dirty="0" smtClean="0">
                 <a:cs typeface="Courier New" pitchFamily="49" charset="0"/>
               </a:rPr>
-              <a:t>Special validator signals counter column family</a:t>
-            </a:r>
-          </a:p>
-          <a:p>
-            <a:r>
-              <a:rPr lang="en-US" sz="2000" dirty="0" smtClean="0">
-                <a:latin typeface="Courier New" pitchFamily="49" charset="0"/>
+              <a:t>Single row – good idea?</a:t>
+            </a:r>
+          </a:p>
+          <a:p>
+            <a:r>
+              <a:rPr lang="en-US" dirty="0" smtClean="0">
                 <a:cs typeface="Courier New" pitchFamily="49" charset="0"/>
               </a:rPr>
-              <a:t>Can’t mix other column types with counter columns</a:t>
-            </a:r>
-            <a:endParaRPr lang="en-US" sz="2000" dirty="0">
-              <a:latin typeface="Courier New" pitchFamily="49" charset="0"/>
+              <a:t>Composite </a:t>
+            </a:r>
+            <a:r>
+              <a:rPr lang="en-US" dirty="0" smtClean="0">
+                <a:cs typeface="Courier New" pitchFamily="49" charset="0"/>
+              </a:rPr>
+              <a:t>column names allow us to use multiple properties to form the column name, and sort by each component</a:t>
+            </a:r>
+          </a:p>
+          <a:p>
+            <a:r>
+              <a:rPr lang="en-US" dirty="0" smtClean="0">
+                <a:cs typeface="Courier New" pitchFamily="49" charset="0"/>
+              </a:rPr>
+              <a:t>Can only use “reversed” on first component</a:t>
+            </a:r>
+            <a:endParaRPr lang="en-US" dirty="0">
               <a:cs typeface="Courier New" pitchFamily="49" charset="0"/>
             </a:endParaRPr>
           </a:p>
@@ -18025,7 +17580,7 @@
           <a:p>
             <a:r>
               <a:rPr lang="en-US" dirty="0" smtClean="0"/>
-              <a:t>Creating a Counter</a:t>
+              <a:t>Creating an Index</a:t>
             </a:r>
             <a:endParaRPr lang="en-US" dirty="0"/>
           </a:p>
@@ -18034,7 +17589,7 @@
     </p:spTree>
     <p:extLst>
       <p:ext uri="{BB962C8B-B14F-4D97-AF65-F5344CB8AC3E}">
-        <p14:creationId xmlns:p14="http://schemas.microsoft.com/office/powerpoint/2010/main" val="610113565"/>
+        <p14:creationId xmlns:p14="http://schemas.microsoft.com/office/powerpoint/2010/main" val="989618420"/>
       </p:ext>
     </p:extLst>
   </p:cSld>
@@ -18078,117 +17633,42 @@
             <p:ph idx="1"/>
           </p:nvPr>
         </p:nvSpPr>
-        <p:spPr>
-          <a:xfrm>
-            <a:off x="381000" y="2362200"/>
-            <a:ext cx="8381999" cy="4190999"/>
-          </a:xfrm>
-        </p:spPr>
+        <p:spPr/>
         <p:txBody>
           <a:bodyPr>
-            <a:normAutofit/>
+            <a:normAutofit fontScale="92500" lnSpcReduction="20000"/>
           </a:bodyPr>
           <a:lstStyle/>
           <a:p>
             <a:r>
-              <a:rPr lang="en-US" sz="2000" dirty="0" smtClean="0">
-                <a:latin typeface="Courier New" pitchFamily="49" charset="0"/>
-                <a:cs typeface="Courier New" pitchFamily="49" charset="0"/>
-              </a:rPr>
-              <a:t>Cassandra is *mostly* schema-less</a:t>
-            </a:r>
-          </a:p>
-          <a:p>
-            <a:r>
-              <a:rPr lang="en-US" sz="2000" dirty="0" smtClean="0">
-                <a:latin typeface="Courier New" pitchFamily="49" charset="0"/>
-                <a:cs typeface="Courier New" pitchFamily="49" charset="0"/>
-              </a:rPr>
-              <a:t>The less restrictions on your data, the more flexibility you have, but less data integrity and readability</a:t>
-            </a:r>
-          </a:p>
-          <a:p>
-            <a:endParaRPr lang="en-US" sz="2000" dirty="0" smtClean="0">
-              <a:latin typeface="Courier New" pitchFamily="49" charset="0"/>
-              <a:cs typeface="Courier New" pitchFamily="49" charset="0"/>
-            </a:endParaRPr>
-          </a:p>
-          <a:p>
-            <a:pPr marL="457200" indent="-457200">
-              <a:buFont typeface="+mj-lt"/>
-              <a:buAutoNum type="arabicPeriod"/>
-            </a:pPr>
-            <a:r>
-              <a:rPr lang="en-US" sz="2000" dirty="0" smtClean="0">
-                <a:latin typeface="Courier New" pitchFamily="49" charset="0"/>
-                <a:cs typeface="Courier New" pitchFamily="49" charset="0"/>
-              </a:rPr>
-              <a:t>If you haven’t started Cassandra: apache-cassandra-1.2.6/bin/</a:t>
-            </a:r>
-            <a:r>
-              <a:rPr lang="en-US" sz="2000" dirty="0" err="1" smtClean="0">
-                <a:latin typeface="Courier New" pitchFamily="49" charset="0"/>
-                <a:cs typeface="Courier New" pitchFamily="49" charset="0"/>
-              </a:rPr>
-              <a:t>cassandra</a:t>
-            </a:r>
-            <a:endParaRPr lang="en-US" sz="2000" dirty="0" smtClean="0">
-              <a:latin typeface="Courier New" pitchFamily="49" charset="0"/>
-              <a:cs typeface="Courier New" pitchFamily="49" charset="0"/>
-            </a:endParaRPr>
-          </a:p>
-          <a:p>
-            <a:pPr marL="457200" indent="-457200">
-              <a:buFont typeface="+mj-lt"/>
-              <a:buAutoNum type="arabicPeriod"/>
-            </a:pPr>
-            <a:r>
-              <a:rPr lang="en-US" sz="2000" dirty="0" smtClean="0">
-                <a:latin typeface="Courier New" pitchFamily="49" charset="0"/>
-                <a:cs typeface="Courier New" pitchFamily="49" charset="0"/>
-              </a:rPr>
-              <a:t>apache-cassandra-1.2.6/bin/</a:t>
-            </a:r>
-            <a:r>
-              <a:rPr lang="en-US" sz="2000" dirty="0" err="1" smtClean="0">
-                <a:latin typeface="Courier New" pitchFamily="49" charset="0"/>
-                <a:cs typeface="Courier New" pitchFamily="49" charset="0"/>
-              </a:rPr>
-              <a:t>cassandra</a:t>
-            </a:r>
-            <a:r>
-              <a:rPr lang="en-US" sz="2000" dirty="0" smtClean="0">
-                <a:latin typeface="Courier New" pitchFamily="49" charset="0"/>
-                <a:cs typeface="Courier New" pitchFamily="49" charset="0"/>
-              </a:rPr>
-              <a:t>-cli &lt; blog-schema.txt</a:t>
-            </a:r>
-          </a:p>
-          <a:p>
-            <a:pPr marL="457200" indent="-457200">
-              <a:buFont typeface="+mj-lt"/>
-              <a:buAutoNum type="arabicPeriod"/>
-            </a:pPr>
-            <a:r>
-              <a:rPr lang="en-US" sz="2000" dirty="0" smtClean="0">
-                <a:latin typeface="Courier New" pitchFamily="49" charset="0"/>
-                <a:cs typeface="Courier New" pitchFamily="49" charset="0"/>
-              </a:rPr>
-              <a:t>Watch output and make sure no errors</a:t>
-            </a:r>
-          </a:p>
-          <a:p>
-            <a:pPr marL="457200" indent="-457200">
-              <a:buFont typeface="+mj-lt"/>
-              <a:buAutoNum type="arabicPeriod"/>
-            </a:pPr>
-            <a:r>
-              <a:rPr lang="en-US" sz="2000" dirty="0" smtClean="0">
-                <a:latin typeface="Courier New" pitchFamily="49" charset="0"/>
-                <a:cs typeface="Courier New" pitchFamily="49" charset="0"/>
-              </a:rPr>
-              <a:t>describe blog;</a:t>
-            </a:r>
+              <a:rPr lang="en-US" dirty="0" smtClean="0"/>
+              <a:t>Cassandra does not have a way to read-update-write safely (no transactions)</a:t>
+            </a:r>
+          </a:p>
+          <a:p>
+            <a:r>
+              <a:rPr lang="en-US" dirty="0" smtClean="0"/>
+              <a:t>Distributed counters were added to handle the specific case of incrementing integers</a:t>
+            </a:r>
+          </a:p>
+          <a:p>
+            <a:r>
+              <a:rPr lang="en-US" dirty="0" smtClean="0"/>
+              <a:t>However, they are not to be used for “sequence” generators – you tell Cassandra to update, but don’t know the value after update</a:t>
+            </a:r>
+          </a:p>
+          <a:p>
+            <a:r>
+              <a:rPr lang="en-US" dirty="0" smtClean="0"/>
+              <a:t>Counters can handle outages, network partitions, delays in replication</a:t>
+            </a:r>
+          </a:p>
+          <a:p>
+            <a:r>
+              <a:rPr lang="en-US" dirty="0" smtClean="0"/>
+              <a:t>… But, the only time they will accurately reflect reality is if the system is “at rest”</a:t>
+            </a:r>
+            <a:endParaRPr lang="en-US" dirty="0"/>
           </a:p>
         </p:txBody>
       </p:sp>
@@ -18204,21 +17684,12 @@
         </p:nvSpPr>
         <p:spPr/>
         <p:txBody>
-          <a:bodyPr>
-            <a:normAutofit fontScale="90000"/>
-          </a:bodyPr>
+          <a:bodyPr/>
           <a:lstStyle/>
           <a:p>
             <a:r>
               <a:rPr lang="en-US" dirty="0" smtClean="0"/>
-              <a:t>OK, Let’s Code … Wait!</a:t>
-            </a:r>
-            <a:br>
-              <a:rPr lang="en-US" dirty="0" smtClean="0"/>
-            </a:br>
-            <a:r>
-              <a:rPr lang="en-US" dirty="0" smtClean="0"/>
-              <a:t>We need a complete Schema</a:t>
+              <a:t>How to Count – Really!</a:t>
             </a:r>
             <a:endParaRPr lang="en-US" dirty="0"/>
           </a:p>
@@ -18227,7 +17698,7 @@
     </p:spTree>
     <p:extLst>
       <p:ext uri="{BB962C8B-B14F-4D97-AF65-F5344CB8AC3E}">
-        <p14:creationId xmlns:p14="http://schemas.microsoft.com/office/powerpoint/2010/main" val="403486117"/>
+        <p14:creationId xmlns:p14="http://schemas.microsoft.com/office/powerpoint/2010/main" val="2616893758"/>
       </p:ext>
     </p:extLst>
   </p:cSld>
@@ -18271,15 +17742,305 @@
             <p:ph idx="1"/>
           </p:nvPr>
         </p:nvSpPr>
+        <p:spPr>
+          <a:xfrm>
+            <a:off x="381000" y="2362200"/>
+            <a:ext cx="8381999" cy="4190999"/>
+          </a:xfrm>
+        </p:spPr>
+        <p:txBody>
+          <a:bodyPr>
+            <a:normAutofit/>
+          </a:bodyPr>
+          <a:lstStyle/>
+          <a:p>
+            <a:pPr marL="457200" indent="-457200">
+              <a:buFont typeface="+mj-lt"/>
+              <a:buAutoNum type="arabicPeriod"/>
+            </a:pPr>
+            <a:r>
+              <a:rPr lang="en-US" sz="2000" dirty="0" smtClean="0">
+                <a:latin typeface="Courier New" pitchFamily="49" charset="0"/>
+                <a:cs typeface="Courier New" pitchFamily="49" charset="0"/>
+              </a:rPr>
+              <a:t>use blog;</a:t>
+            </a:r>
+          </a:p>
+          <a:p>
+            <a:pPr marL="457200" indent="-457200">
+              <a:buFont typeface="+mj-lt"/>
+              <a:buAutoNum type="arabicPeriod"/>
+            </a:pPr>
+            <a:r>
+              <a:rPr lang="en-US" sz="2000" dirty="0">
+                <a:latin typeface="Courier New" pitchFamily="49" charset="0"/>
+                <a:cs typeface="Courier New" pitchFamily="49" charset="0"/>
+              </a:rPr>
+              <a:t>create column family votes</a:t>
+            </a:r>
+          </a:p>
+          <a:p>
+            <a:pPr marL="457200" indent="-457200">
+              <a:buFont typeface="+mj-lt"/>
+              <a:buAutoNum type="arabicPeriod"/>
+            </a:pPr>
+            <a:r>
+              <a:rPr lang="en-US" sz="2000" dirty="0">
+                <a:latin typeface="Courier New" pitchFamily="49" charset="0"/>
+                <a:cs typeface="Courier New" pitchFamily="49" charset="0"/>
+              </a:rPr>
+              <a:t>    with comment = </a:t>
+            </a:r>
+            <a:r>
+              <a:rPr lang="en-US" sz="2000" dirty="0" smtClean="0">
+                <a:latin typeface="Courier New" pitchFamily="49" charset="0"/>
+                <a:cs typeface="Courier New" pitchFamily="49" charset="0"/>
+              </a:rPr>
+              <a:t>‘Voting counters'</a:t>
+            </a:r>
+            <a:endParaRPr lang="en-US" sz="2000" dirty="0">
+              <a:latin typeface="Courier New" pitchFamily="49" charset="0"/>
+              <a:cs typeface="Courier New" pitchFamily="49" charset="0"/>
+            </a:endParaRPr>
+          </a:p>
+          <a:p>
+            <a:pPr marL="457200" indent="-457200">
+              <a:buFont typeface="+mj-lt"/>
+              <a:buAutoNum type="arabicPeriod"/>
+            </a:pPr>
+            <a:r>
+              <a:rPr lang="en-US" sz="2000" dirty="0">
+                <a:latin typeface="Courier New" pitchFamily="49" charset="0"/>
+                <a:cs typeface="Courier New" pitchFamily="49" charset="0"/>
+              </a:rPr>
+              <a:t>    and </a:t>
+            </a:r>
+            <a:r>
+              <a:rPr lang="en-US" sz="2000" dirty="0" err="1">
+                <a:latin typeface="Courier New" pitchFamily="49" charset="0"/>
+                <a:cs typeface="Courier New" pitchFamily="49" charset="0"/>
+              </a:rPr>
+              <a:t>key_validation_class</a:t>
+            </a:r>
+            <a:r>
+              <a:rPr lang="en-US" sz="2000" dirty="0">
+                <a:latin typeface="Courier New" pitchFamily="49" charset="0"/>
+                <a:cs typeface="Courier New" pitchFamily="49" charset="0"/>
+              </a:rPr>
+              <a:t> = '</a:t>
+            </a:r>
+            <a:r>
+              <a:rPr lang="en-US" sz="2000" dirty="0" err="1">
+                <a:latin typeface="Courier New" pitchFamily="49" charset="0"/>
+                <a:cs typeface="Courier New" pitchFamily="49" charset="0"/>
+              </a:rPr>
+              <a:t>TimeUUIDType</a:t>
+            </a:r>
+            <a:r>
+              <a:rPr lang="en-US" sz="2000" dirty="0">
+                <a:latin typeface="Courier New" pitchFamily="49" charset="0"/>
+                <a:cs typeface="Courier New" pitchFamily="49" charset="0"/>
+              </a:rPr>
+              <a:t>'</a:t>
+            </a:r>
+          </a:p>
+          <a:p>
+            <a:pPr marL="457200" indent="-457200">
+              <a:buFont typeface="+mj-lt"/>
+              <a:buAutoNum type="arabicPeriod"/>
+            </a:pPr>
+            <a:r>
+              <a:rPr lang="en-US" sz="2000" dirty="0">
+                <a:latin typeface="Courier New" pitchFamily="49" charset="0"/>
+                <a:cs typeface="Courier New" pitchFamily="49" charset="0"/>
+              </a:rPr>
+              <a:t>    and </a:t>
+            </a:r>
+            <a:r>
+              <a:rPr lang="en-US" sz="2000" b="1" dirty="0" err="1">
+                <a:latin typeface="Courier New" pitchFamily="49" charset="0"/>
+                <a:cs typeface="Courier New" pitchFamily="49" charset="0"/>
+              </a:rPr>
+              <a:t>default_validation_class</a:t>
+            </a:r>
+            <a:r>
+              <a:rPr lang="en-US" sz="2000" b="1" dirty="0">
+                <a:latin typeface="Courier New" pitchFamily="49" charset="0"/>
+                <a:cs typeface="Courier New" pitchFamily="49" charset="0"/>
+              </a:rPr>
+              <a:t> = </a:t>
+            </a:r>
+            <a:r>
+              <a:rPr lang="en-US" sz="2000" b="1" dirty="0" err="1">
+                <a:latin typeface="Courier New" pitchFamily="49" charset="0"/>
+                <a:cs typeface="Courier New" pitchFamily="49" charset="0"/>
+              </a:rPr>
+              <a:t>CounterColumnType</a:t>
+            </a:r>
+            <a:endParaRPr lang="en-US" sz="2000" b="1" dirty="0">
+              <a:latin typeface="Courier New" pitchFamily="49" charset="0"/>
+              <a:cs typeface="Courier New" pitchFamily="49" charset="0"/>
+            </a:endParaRPr>
+          </a:p>
+          <a:p>
+            <a:pPr marL="457200" indent="-457200">
+              <a:buFont typeface="+mj-lt"/>
+              <a:buAutoNum type="arabicPeriod"/>
+            </a:pPr>
+            <a:r>
+              <a:rPr lang="en-US" sz="2000" dirty="0">
+                <a:latin typeface="Courier New" pitchFamily="49" charset="0"/>
+                <a:cs typeface="Courier New" pitchFamily="49" charset="0"/>
+              </a:rPr>
+              <a:t>    and comparator = 'UTF8Type'</a:t>
+            </a:r>
+          </a:p>
+          <a:p>
+            <a:pPr marL="457200" indent="-457200">
+              <a:buFont typeface="+mj-lt"/>
+              <a:buAutoNum type="arabicPeriod"/>
+            </a:pPr>
+            <a:r>
+              <a:rPr lang="en-US" sz="2000" dirty="0">
+                <a:latin typeface="Courier New" pitchFamily="49" charset="0"/>
+                <a:cs typeface="Courier New" pitchFamily="49" charset="0"/>
+              </a:rPr>
+              <a:t>    ;</a:t>
+            </a:r>
+          </a:p>
+          <a:p>
+            <a:pPr marL="457200" indent="-457200">
+              <a:buFont typeface="+mj-lt"/>
+              <a:buAutoNum type="arabicPeriod"/>
+            </a:pPr>
+            <a:endParaRPr lang="en-US" sz="2000" dirty="0">
+              <a:latin typeface="Courier New" pitchFamily="49" charset="0"/>
+              <a:cs typeface="Courier New" pitchFamily="49" charset="0"/>
+            </a:endParaRPr>
+          </a:p>
+          <a:p>
+            <a:r>
+              <a:rPr lang="en-US" dirty="0" smtClean="0">
+                <a:cs typeface="Courier New" pitchFamily="49" charset="0"/>
+              </a:rPr>
+              <a:t>Special validator signals counter column family</a:t>
+            </a:r>
+          </a:p>
+          <a:p>
+            <a:r>
+              <a:rPr lang="en-US" dirty="0" smtClean="0">
+                <a:cs typeface="Courier New" pitchFamily="49" charset="0"/>
+              </a:rPr>
+              <a:t>Can’t mix other column types with counter columns</a:t>
+            </a:r>
+            <a:endParaRPr lang="en-US" dirty="0">
+              <a:cs typeface="Courier New" pitchFamily="49" charset="0"/>
+            </a:endParaRPr>
+          </a:p>
+        </p:txBody>
+      </p:sp>
+      <p:sp>
+        <p:nvSpPr>
+          <p:cNvPr id="3" name="Title 2"/>
+          <p:cNvSpPr>
+            <a:spLocks noGrp="1"/>
+          </p:cNvSpPr>
+          <p:nvPr>
+            <p:ph type="title"/>
+          </p:nvPr>
+        </p:nvSpPr>
+        <p:spPr/>
+        <p:txBody>
+          <a:bodyPr>
+            <a:normAutofit/>
+          </a:bodyPr>
+          <a:lstStyle/>
+          <a:p>
+            <a:r>
+              <a:rPr lang="en-US" dirty="0" smtClean="0"/>
+              <a:t>Creating a Counter</a:t>
+            </a:r>
+            <a:endParaRPr lang="en-US" dirty="0"/>
+          </a:p>
+        </p:txBody>
+      </p:sp>
+    </p:spTree>
+    <p:extLst>
+      <p:ext uri="{BB962C8B-B14F-4D97-AF65-F5344CB8AC3E}">
+        <p14:creationId xmlns:p14="http://schemas.microsoft.com/office/powerpoint/2010/main" val="610113565"/>
+      </p:ext>
+    </p:extLst>
+  </p:cSld>
+  <p:clrMapOvr>
+    <a:masterClrMapping/>
+  </p:clrMapOvr>
+  <p:timing>
+    <p:tnLst>
+      <p:par>
+        <p:cTn id="1" dur="indefinite" restart="never" nodeType="tmRoot"/>
+      </p:par>
+    </p:tnLst>
+  </p:timing>
+</p:sld>
+</file>
+
+<file path=ppt/slides/slide25.xml><?xml version="1.0" encoding="utf-8"?>
+<p:sld xmlns:a="http://schemas.openxmlformats.org/drawingml/2006/main" xmlns:r="http://schemas.openxmlformats.org/officeDocument/2006/relationships" xmlns:p="http://schemas.openxmlformats.org/presentationml/2006/main">
+  <p:cSld>
+    <p:spTree>
+      <p:nvGrpSpPr>
+        <p:cNvPr id="1" name=""/>
+        <p:cNvGrpSpPr/>
+        <p:nvPr/>
+      </p:nvGrpSpPr>
+      <p:grpSpPr>
+        <a:xfrm>
+          <a:off x="0" y="0"/>
+          <a:ext cx="0" cy="0"/>
+          <a:chOff x="0" y="0"/>
+          <a:chExt cx="0" cy="0"/>
+        </a:xfrm>
+      </p:grpSpPr>
+      <p:sp>
+        <p:nvSpPr>
+          <p:cNvPr id="2" name="Content Placeholder 1"/>
+          <p:cNvSpPr>
+            <a:spLocks noGrp="1"/>
+          </p:cNvSpPr>
+          <p:nvPr>
+            <p:ph idx="1"/>
+          </p:nvPr>
+        </p:nvSpPr>
         <p:spPr/>
         <p:txBody>
           <a:bodyPr/>
           <a:lstStyle/>
           <a:p>
-            <a:r>
-              <a:rPr lang="en-US" dirty="0" smtClean="0"/>
-              <a:t>Open BlogDao.java</a:t>
-            </a:r>
+            <a:pPr marL="0" indent="0">
+              <a:buNone/>
+            </a:pPr>
+            <a:r>
+              <a:rPr lang="en-US" dirty="0">
+                <a:hlinkClick r:id="rId2"/>
+              </a:rPr>
+              <a:t>https://</a:t>
+            </a:r>
+            <a:r>
+              <a:rPr lang="en-US" dirty="0" smtClean="0">
+                <a:hlinkClick r:id="rId2"/>
+              </a:rPr>
+              <a:t>github.disney.com/Data-Solutions/bloggie-blog</a:t>
+            </a:r>
+            <a:endParaRPr lang="en-US" dirty="0" smtClean="0"/>
+          </a:p>
+          <a:p>
+            <a:pPr marL="0" indent="0">
+              <a:buNone/>
+            </a:pPr>
+            <a:endParaRPr lang="en-US" dirty="0" smtClean="0"/>
+          </a:p>
+          <a:p>
+            <a:endParaRPr lang="en-US" dirty="0" smtClean="0"/>
           </a:p>
         </p:txBody>
       </p:sp>
@@ -18300,15 +18061,7 @@
           <a:p>
             <a:r>
               <a:rPr lang="en-US" dirty="0" smtClean="0"/>
-              <a:t>Let’s code – </a:t>
-            </a:r>
-            <a:r>
-              <a:rPr lang="en-US" dirty="0" err="1" smtClean="0"/>
-              <a:t>fo</a:t>
-            </a:r>
-            <a:r>
-              <a:rPr lang="en-US" dirty="0" smtClean="0"/>
-              <a:t> real</a:t>
+              <a:t>The Code</a:t>
             </a:r>
             <a:endParaRPr lang="en-US" dirty="0"/>
           </a:p>
@@ -18360,60 +18113,34 @@
           <a:lstStyle/>
           <a:p>
             <a:r>
+              <a:rPr lang="en-US" dirty="0" err="1" smtClean="0"/>
+              <a:t>Keyspace</a:t>
+            </a:r>
+            <a:r>
               <a:rPr lang="en-US" dirty="0" smtClean="0"/>
-              <a:t>Get and mutate – by </a:t>
-            </a:r>
-            <a:r>
-              <a:rPr lang="en-US" dirty="0"/>
-              <a:t>key</a:t>
-            </a:r>
-          </a:p>
-          <a:p>
-            <a:r>
-              <a:rPr lang="en-US" dirty="0"/>
-              <a:t>Batch </a:t>
+              <a:t> – a set of column families</a:t>
+            </a:r>
+          </a:p>
+          <a:p>
+            <a:r>
+              <a:rPr lang="en-US" dirty="0" err="1" smtClean="0"/>
+              <a:t>ColumnFamily</a:t>
             </a:r>
             <a:r>
               <a:rPr lang="en-US" dirty="0" smtClean="0"/>
-              <a:t>get and mutate – </a:t>
-            </a:r>
-            <a:r>
-              <a:rPr lang="en-US" dirty="0"/>
-              <a:t>save wire </a:t>
-            </a:r>
+              <a:t> – a set of related columns, accessible by row key</a:t>
+            </a:r>
+          </a:p>
+          <a:p>
             <a:r>
               <a:rPr lang="en-US" dirty="0" smtClean="0"/>
-              <a:t>time and gain some atomicity for mutates</a:t>
-            </a:r>
-            <a:endParaRPr lang="en-US" dirty="0"/>
-          </a:p>
-          <a:p>
-            <a:r>
-              <a:rPr lang="en-US" dirty="0"/>
-              <a:t>Range queries (iterate over </a:t>
-            </a:r>
+              <a:t>Row – a set of columns – can span multiple column families</a:t>
+            </a:r>
+          </a:p>
+          <a:p>
             <a:r>
               <a:rPr lang="en-US" dirty="0" smtClean="0"/>
-              <a:t>the </a:t>
-            </a:r>
-            <a:r>
-              <a:rPr lang="en-US" dirty="0" err="1" smtClean="0"/>
-              <a:t>keyspace</a:t>
-            </a:r>
-            <a:r>
-              <a:rPr lang="en-US" dirty="0" smtClean="0"/>
-              <a:t>)</a:t>
-            </a:r>
-            <a:endParaRPr lang="en-US" dirty="0"/>
-          </a:p>
-          <a:p>
-            <a:r>
-              <a:rPr lang="en-US" dirty="0"/>
-              <a:t>Get and mutate </a:t>
-            </a:r>
-            <a:r>
-              <a:rPr lang="en-US" dirty="0" smtClean="0"/>
-              <a:t>can target specific columns or entire rows</a:t>
+              <a:t>Index – a way to retrieve a sorted list of rows by a column’s value (not suitable for most needs because of performance)</a:t>
             </a:r>
             <a:endParaRPr lang="en-US" dirty="0"/>
           </a:p>
@@ -18436,7 +18163,7 @@
           <a:p>
             <a:r>
               <a:rPr lang="en-US" dirty="0" smtClean="0"/>
-              <a:t>Simple API</a:t>
+              <a:t>Cassandra Data Model</a:t>
             </a:r>
             <a:endParaRPr lang="en-US" dirty="0"/>
           </a:p>
@@ -18445,7 +18172,7 @@
     </p:spTree>
     <p:extLst>
       <p:ext uri="{BB962C8B-B14F-4D97-AF65-F5344CB8AC3E}">
-        <p14:creationId xmlns:p14="http://schemas.microsoft.com/office/powerpoint/2010/main" val="1182426806"/>
+        <p14:creationId xmlns:p14="http://schemas.microsoft.com/office/powerpoint/2010/main" val="3290858756"/>
       </p:ext>
     </p:extLst>
   </p:cSld>
@@ -18497,36 +18224,38 @@
           <a:lstStyle/>
           <a:p>
             <a:r>
-              <a:rPr lang="en-US" dirty="0"/>
-              <a:t>Conceptually all nodes in a cluster are on a ring of hash values, “tokens”</a:t>
-            </a:r>
-          </a:p>
-          <a:p>
-            <a:r>
-              <a:rPr lang="en-US" dirty="0"/>
-              <a:t>Each node is assigned a token range on the ring</a:t>
-            </a:r>
-          </a:p>
-          <a:p>
-            <a:r>
-              <a:rPr lang="en-US" dirty="0"/>
-              <a:t>A key's hash (token) places it on the ring, within a specific node's token range</a:t>
-            </a:r>
-          </a:p>
-          <a:p>
-            <a:r>
-              <a:rPr lang="en-US" dirty="0"/>
-              <a:t>The hash is consistent, meaning the location of data is consistent and </a:t>
-            </a:r>
-            <a:r>
               <a:rPr lang="en-US" dirty="0" smtClean="0"/>
-              <a:t>predictable</a:t>
+              <a:t>Every row is defined by a single key and a sorted set of columns – A key is simply an array of bytes</a:t>
             </a:r>
           </a:p>
           <a:p>
             <a:r>
               <a:rPr lang="en-US" dirty="0" smtClean="0"/>
-              <a:t>No lookups required to determine where data is located</a:t>
+              <a:t>Each row has a set of columns</a:t>
+            </a:r>
+          </a:p>
+          <a:p>
+            <a:r>
+              <a:rPr lang="en-US" dirty="0" smtClean="0"/>
+              <a:t>there is no “schema” like an RDBMS so each row can have a different set of columns</a:t>
+            </a:r>
+          </a:p>
+          <a:p>
+            <a:r>
+              <a:rPr lang="en-US" dirty="0" smtClean="0"/>
+              <a:t>A column has a name, value, timestamp, and an optional TTL</a:t>
+            </a:r>
+          </a:p>
+          <a:p>
+            <a:r>
+              <a:rPr lang="en-US" dirty="0" smtClean="0"/>
+              <a:t>Columns are sorted within a row by the column name</a:t>
+            </a:r>
+          </a:p>
+          <a:p>
+            <a:r>
+              <a:rPr lang="en-US" dirty="0" smtClean="0"/>
+              <a:t>Very powerful – think of using timestamps as names!</a:t>
             </a:r>
             <a:endParaRPr lang="en-US" dirty="0"/>
           </a:p>
@@ -18544,18 +18273,12 @@
         </p:nvSpPr>
         <p:spPr/>
         <p:txBody>
-          <a:bodyPr>
-            <a:normAutofit/>
-          </a:bodyPr>
+          <a:bodyPr/>
           <a:lstStyle/>
           <a:p>
             <a:r>
-              <a:rPr lang="en-US" dirty="0"/>
-              <a:t>Consistent Hash </a:t>
-            </a:r>
-            <a:r>
               <a:rPr lang="en-US" dirty="0" smtClean="0"/>
-              <a:t>Ring</a:t>
+              <a:t>What is a Row?</a:t>
             </a:r>
             <a:endParaRPr lang="en-US" dirty="0"/>
           </a:p>
@@ -18564,7 +18287,7 @@
     </p:spTree>
     <p:extLst>
       <p:ext uri="{BB962C8B-B14F-4D97-AF65-F5344CB8AC3E}">
-        <p14:creationId xmlns:p14="http://schemas.microsoft.com/office/powerpoint/2010/main" val="2825653328"/>
+        <p14:creationId xmlns:p14="http://schemas.microsoft.com/office/powerpoint/2010/main" val="2704971502"/>
       </p:ext>
     </p:extLst>
   </p:cSld>
@@ -18600,6 +18323,1015 @@
       </p:grpSpPr>
       <p:sp>
         <p:nvSpPr>
+          <p:cNvPr id="8" name="Rectangle 7"/>
+          <p:cNvSpPr/>
+          <p:nvPr/>
+        </p:nvSpPr>
+        <p:spPr>
+          <a:xfrm>
+            <a:off x="838200" y="4114800"/>
+            <a:ext cx="7429500" cy="2514600"/>
+          </a:xfrm>
+          <a:prstGeom prst="rect">
+            <a:avLst/>
+          </a:prstGeom>
+        </p:spPr>
+        <p:style>
+          <a:lnRef idx="1">
+            <a:schemeClr val="accent1"/>
+          </a:lnRef>
+          <a:fillRef idx="2">
+            <a:schemeClr val="accent1"/>
+          </a:fillRef>
+          <a:effectRef idx="1">
+            <a:schemeClr val="accent1"/>
+          </a:effectRef>
+          <a:fontRef idx="minor">
+            <a:schemeClr val="dk1"/>
+          </a:fontRef>
+        </p:style>
+        <p:txBody>
+          <a:bodyPr rtlCol="0" anchor="t"/>
+          <a:lstStyle/>
+          <a:p>
+            <a:r>
+              <a:rPr lang="en-US" dirty="0" err="1" smtClean="0"/>
+              <a:t>Keyspace</a:t>
+            </a:r>
+            <a:r>
+              <a:rPr lang="en-US" dirty="0" smtClean="0"/>
+              <a:t> = Users</a:t>
+            </a:r>
+            <a:endParaRPr lang="en-US" dirty="0"/>
+          </a:p>
+        </p:txBody>
+      </p:sp>
+      <p:sp>
+        <p:nvSpPr>
+          <p:cNvPr id="22" name="Rectangle 21"/>
+          <p:cNvSpPr/>
+          <p:nvPr/>
+        </p:nvSpPr>
+        <p:spPr>
+          <a:xfrm>
+            <a:off x="5219700" y="4648200"/>
+            <a:ext cx="2819400" cy="1752600"/>
+          </a:xfrm>
+          <a:prstGeom prst="rect">
+            <a:avLst/>
+          </a:prstGeom>
+          <a:ln/>
+        </p:spPr>
+        <p:style>
+          <a:lnRef idx="1">
+            <a:schemeClr val="accent3"/>
+          </a:lnRef>
+          <a:fillRef idx="2">
+            <a:schemeClr val="accent3"/>
+          </a:fillRef>
+          <a:effectRef idx="1">
+            <a:schemeClr val="accent3"/>
+          </a:effectRef>
+          <a:fontRef idx="minor">
+            <a:schemeClr val="dk1"/>
+          </a:fontRef>
+        </p:style>
+        <p:txBody>
+          <a:bodyPr rtlCol="0" anchor="t"/>
+          <a:lstStyle/>
+          <a:p>
+            <a:r>
+              <a:rPr lang="en-US" dirty="0" smtClean="0"/>
+              <a:t>CF = </a:t>
+            </a:r>
+            <a:r>
+              <a:rPr lang="en-US" dirty="0" err="1" smtClean="0"/>
+              <a:t>UserProfile</a:t>
+            </a:r>
+            <a:endParaRPr lang="en-US" dirty="0"/>
+          </a:p>
+        </p:txBody>
+      </p:sp>
+      <p:sp>
+        <p:nvSpPr>
+          <p:cNvPr id="10" name="Rectangle 9"/>
+          <p:cNvSpPr/>
+          <p:nvPr/>
+        </p:nvSpPr>
+        <p:spPr>
+          <a:xfrm>
+            <a:off x="2171700" y="4648200"/>
+            <a:ext cx="2743200" cy="1752600"/>
+          </a:xfrm>
+          <a:prstGeom prst="rect">
+            <a:avLst/>
+          </a:prstGeom>
+          <a:ln/>
+        </p:spPr>
+        <p:style>
+          <a:lnRef idx="1">
+            <a:schemeClr val="accent3"/>
+          </a:lnRef>
+          <a:fillRef idx="2">
+            <a:schemeClr val="accent3"/>
+          </a:fillRef>
+          <a:effectRef idx="1">
+            <a:schemeClr val="accent3"/>
+          </a:effectRef>
+          <a:fontRef idx="minor">
+            <a:schemeClr val="dk1"/>
+          </a:fontRef>
+        </p:style>
+        <p:txBody>
+          <a:bodyPr rtlCol="0" anchor="t"/>
+          <a:lstStyle/>
+          <a:p>
+            <a:r>
+              <a:rPr lang="en-US" dirty="0" smtClean="0"/>
+              <a:t>CF = </a:t>
+            </a:r>
+            <a:r>
+              <a:rPr lang="en-US" dirty="0" err="1" smtClean="0"/>
+              <a:t>UserActionHistory</a:t>
+            </a:r>
+            <a:endParaRPr lang="en-US" dirty="0"/>
+          </a:p>
+        </p:txBody>
+      </p:sp>
+      <p:sp>
+        <p:nvSpPr>
+          <p:cNvPr id="13" name="TextBox 12"/>
+          <p:cNvSpPr txBox="1"/>
+          <p:nvPr/>
+        </p:nvSpPr>
+        <p:spPr>
+          <a:xfrm>
+            <a:off x="1047750" y="5486400"/>
+            <a:ext cx="1047750" cy="369332"/>
+          </a:xfrm>
+          <a:prstGeom prst="rect">
+            <a:avLst/>
+          </a:prstGeom>
+          <a:noFill/>
+        </p:spPr>
+        <p:txBody>
+          <a:bodyPr wrap="square" rtlCol="0">
+            <a:spAutoFit/>
+          </a:bodyPr>
+          <a:lstStyle/>
+          <a:p>
+            <a:r>
+              <a:rPr lang="en-US" dirty="0" smtClean="0"/>
+              <a:t>Row Key</a:t>
+            </a:r>
+            <a:endParaRPr lang="en-US" dirty="0"/>
+          </a:p>
+        </p:txBody>
+      </p:sp>
+      <p:sp>
+        <p:nvSpPr>
+          <p:cNvPr id="18" name="Rounded Rectangle 17"/>
+          <p:cNvSpPr/>
+          <p:nvPr/>
+        </p:nvSpPr>
+        <p:spPr>
+          <a:xfrm>
+            <a:off x="2324100" y="5361117"/>
+            <a:ext cx="563880" cy="619899"/>
+          </a:xfrm>
+          <a:prstGeom prst="roundRect">
+            <a:avLst/>
+          </a:prstGeom>
+        </p:spPr>
+        <p:style>
+          <a:lnRef idx="1">
+            <a:schemeClr val="accent5"/>
+          </a:lnRef>
+          <a:fillRef idx="2">
+            <a:schemeClr val="accent5"/>
+          </a:fillRef>
+          <a:effectRef idx="1">
+            <a:schemeClr val="accent5"/>
+          </a:effectRef>
+          <a:fontRef idx="minor">
+            <a:schemeClr val="dk1"/>
+          </a:fontRef>
+        </p:style>
+        <p:txBody>
+          <a:bodyPr rtlCol="0" anchor="ctr"/>
+          <a:lstStyle/>
+          <a:p>
+            <a:pPr algn="ctr"/>
+            <a:r>
+              <a:rPr lang="en-US" sz="1400" dirty="0" smtClean="0"/>
+              <a:t>TS1</a:t>
+            </a:r>
+          </a:p>
+          <a:p>
+            <a:pPr algn="ctr"/>
+            <a:r>
+              <a:rPr lang="en-US" sz="1400" dirty="0" smtClean="0"/>
+              <a:t>A1</a:t>
+            </a:r>
+            <a:endParaRPr lang="en-US" sz="1400" dirty="0"/>
+          </a:p>
+        </p:txBody>
+      </p:sp>
+      <p:sp>
+        <p:nvSpPr>
+          <p:cNvPr id="14" name="Rectangle 13"/>
+          <p:cNvSpPr/>
+          <p:nvPr/>
+        </p:nvSpPr>
+        <p:spPr>
+          <a:xfrm>
+            <a:off x="2247900" y="5257800"/>
+            <a:ext cx="5638800" cy="826532"/>
+          </a:xfrm>
+          <a:prstGeom prst="rect">
+            <a:avLst/>
+          </a:prstGeom>
+          <a:noFill/>
+          <a:effectLst>
+            <a:glow rad="127000">
+              <a:schemeClr val="bg1">
+                <a:alpha val="0"/>
+              </a:schemeClr>
+            </a:glow>
+            <a:outerShdw blurRad="40000" dist="20000" dir="5400000" rotWithShape="0">
+              <a:srgbClr val="000000">
+                <a:alpha val="38000"/>
+              </a:srgbClr>
+            </a:outerShdw>
+            <a:softEdge rad="12700"/>
+          </a:effectLst>
+        </p:spPr>
+        <p:style>
+          <a:lnRef idx="3">
+            <a:schemeClr val="lt1"/>
+          </a:lnRef>
+          <a:fillRef idx="1">
+            <a:schemeClr val="accent1"/>
+          </a:fillRef>
+          <a:effectRef idx="1">
+            <a:schemeClr val="accent1"/>
+          </a:effectRef>
+          <a:fontRef idx="minor">
+            <a:schemeClr val="lt1"/>
+          </a:fontRef>
+        </p:style>
+        <p:txBody>
+          <a:bodyPr rtlCol="0" anchor="ctr"/>
+          <a:lstStyle/>
+          <a:p>
+            <a:pPr algn="ctr"/>
+            <a:endParaRPr lang="en-US" dirty="0"/>
+          </a:p>
+        </p:txBody>
+      </p:sp>
+      <p:sp>
+        <p:nvSpPr>
+          <p:cNvPr id="48" name="Rounded Rectangle 47"/>
+          <p:cNvSpPr/>
+          <p:nvPr/>
+        </p:nvSpPr>
+        <p:spPr>
+          <a:xfrm>
+            <a:off x="5386730" y="5361117"/>
+            <a:ext cx="563880" cy="619899"/>
+          </a:xfrm>
+          <a:prstGeom prst="roundRect">
+            <a:avLst/>
+          </a:prstGeom>
+        </p:spPr>
+        <p:style>
+          <a:lnRef idx="1">
+            <a:schemeClr val="accent5"/>
+          </a:lnRef>
+          <a:fillRef idx="2">
+            <a:schemeClr val="accent5"/>
+          </a:fillRef>
+          <a:effectRef idx="1">
+            <a:schemeClr val="accent5"/>
+          </a:effectRef>
+          <a:fontRef idx="minor">
+            <a:schemeClr val="dk1"/>
+          </a:fontRef>
+        </p:style>
+        <p:txBody>
+          <a:bodyPr rtlCol="0" anchor="ctr"/>
+          <a:lstStyle/>
+          <a:p>
+            <a:pPr algn="ctr"/>
+            <a:r>
+              <a:rPr lang="en-US" sz="1400" dirty="0" smtClean="0"/>
+              <a:t>P1</a:t>
+            </a:r>
+          </a:p>
+          <a:p>
+            <a:pPr algn="ctr"/>
+            <a:r>
+              <a:rPr lang="en-US" sz="1400" dirty="0"/>
+              <a:t>V</a:t>
+            </a:r>
+            <a:r>
+              <a:rPr lang="en-US" sz="1400" dirty="0" smtClean="0"/>
+              <a:t>1</a:t>
+            </a:r>
+            <a:endParaRPr lang="en-US" sz="1400" dirty="0"/>
+          </a:p>
+        </p:txBody>
+      </p:sp>
+      <p:sp>
+        <p:nvSpPr>
+          <p:cNvPr id="45" name="Rounded Rectangle 44"/>
+          <p:cNvSpPr/>
+          <p:nvPr/>
+        </p:nvSpPr>
+        <p:spPr>
+          <a:xfrm>
+            <a:off x="2948940" y="5361117"/>
+            <a:ext cx="563880" cy="619899"/>
+          </a:xfrm>
+          <a:prstGeom prst="roundRect">
+            <a:avLst/>
+          </a:prstGeom>
+        </p:spPr>
+        <p:style>
+          <a:lnRef idx="1">
+            <a:schemeClr val="accent5"/>
+          </a:lnRef>
+          <a:fillRef idx="2">
+            <a:schemeClr val="accent5"/>
+          </a:fillRef>
+          <a:effectRef idx="1">
+            <a:schemeClr val="accent5"/>
+          </a:effectRef>
+          <a:fontRef idx="minor">
+            <a:schemeClr val="dk1"/>
+          </a:fontRef>
+        </p:style>
+        <p:txBody>
+          <a:bodyPr rtlCol="0" anchor="ctr"/>
+          <a:lstStyle/>
+          <a:p>
+            <a:pPr algn="ctr"/>
+            <a:r>
+              <a:rPr lang="en-US" sz="1400" dirty="0" smtClean="0"/>
+              <a:t>TS2</a:t>
+            </a:r>
+          </a:p>
+          <a:p>
+            <a:pPr algn="ctr"/>
+            <a:r>
+              <a:rPr lang="en-US" sz="1400" dirty="0" smtClean="0"/>
+              <a:t>A6</a:t>
+            </a:r>
+            <a:endParaRPr lang="en-US" sz="1400" dirty="0"/>
+          </a:p>
+        </p:txBody>
+      </p:sp>
+      <p:sp>
+        <p:nvSpPr>
+          <p:cNvPr id="46" name="Rounded Rectangle 45"/>
+          <p:cNvSpPr/>
+          <p:nvPr/>
+        </p:nvSpPr>
+        <p:spPr>
+          <a:xfrm>
+            <a:off x="3573780" y="5361117"/>
+            <a:ext cx="563880" cy="619899"/>
+          </a:xfrm>
+          <a:prstGeom prst="roundRect">
+            <a:avLst/>
+          </a:prstGeom>
+        </p:spPr>
+        <p:style>
+          <a:lnRef idx="1">
+            <a:schemeClr val="accent5"/>
+          </a:lnRef>
+          <a:fillRef idx="2">
+            <a:schemeClr val="accent5"/>
+          </a:fillRef>
+          <a:effectRef idx="1">
+            <a:schemeClr val="accent5"/>
+          </a:effectRef>
+          <a:fontRef idx="minor">
+            <a:schemeClr val="dk1"/>
+          </a:fontRef>
+        </p:style>
+        <p:txBody>
+          <a:bodyPr rtlCol="0" anchor="ctr"/>
+          <a:lstStyle/>
+          <a:p>
+            <a:pPr algn="ctr"/>
+            <a:r>
+              <a:rPr lang="en-US" sz="1400" dirty="0" smtClean="0"/>
+              <a:t>TS3</a:t>
+            </a:r>
+          </a:p>
+          <a:p>
+            <a:pPr algn="ctr"/>
+            <a:r>
+              <a:rPr lang="en-US" sz="1400" dirty="0" smtClean="0"/>
+              <a:t>A1</a:t>
+            </a:r>
+            <a:endParaRPr lang="en-US" sz="1400" dirty="0"/>
+          </a:p>
+        </p:txBody>
+      </p:sp>
+      <p:sp>
+        <p:nvSpPr>
+          <p:cNvPr id="47" name="Rounded Rectangle 46"/>
+          <p:cNvSpPr/>
+          <p:nvPr/>
+        </p:nvSpPr>
+        <p:spPr>
+          <a:xfrm>
+            <a:off x="4198620" y="5361117"/>
+            <a:ext cx="563880" cy="619899"/>
+          </a:xfrm>
+          <a:prstGeom prst="roundRect">
+            <a:avLst/>
+          </a:prstGeom>
+        </p:spPr>
+        <p:style>
+          <a:lnRef idx="1">
+            <a:schemeClr val="accent5"/>
+          </a:lnRef>
+          <a:fillRef idx="2">
+            <a:schemeClr val="accent5"/>
+          </a:fillRef>
+          <a:effectRef idx="1">
+            <a:schemeClr val="accent5"/>
+          </a:effectRef>
+          <a:fontRef idx="minor">
+            <a:schemeClr val="dk1"/>
+          </a:fontRef>
+        </p:style>
+        <p:txBody>
+          <a:bodyPr rtlCol="0" anchor="ctr"/>
+          <a:lstStyle/>
+          <a:p>
+            <a:pPr algn="ctr"/>
+            <a:r>
+              <a:rPr lang="en-US" sz="1400" dirty="0" smtClean="0"/>
+              <a:t>TS4</a:t>
+            </a:r>
+          </a:p>
+          <a:p>
+            <a:pPr algn="ctr"/>
+            <a:r>
+              <a:rPr lang="en-US" sz="1400" dirty="0" smtClean="0"/>
+              <a:t>A4</a:t>
+            </a:r>
+            <a:endParaRPr lang="en-US" sz="1400" dirty="0"/>
+          </a:p>
+        </p:txBody>
+      </p:sp>
+      <p:sp>
+        <p:nvSpPr>
+          <p:cNvPr id="49" name="Rounded Rectangle 48"/>
+          <p:cNvSpPr/>
+          <p:nvPr/>
+        </p:nvSpPr>
+        <p:spPr>
+          <a:xfrm>
+            <a:off x="6023458" y="5361117"/>
+            <a:ext cx="563880" cy="619899"/>
+          </a:xfrm>
+          <a:prstGeom prst="roundRect">
+            <a:avLst/>
+          </a:prstGeom>
+        </p:spPr>
+        <p:style>
+          <a:lnRef idx="1">
+            <a:schemeClr val="accent5"/>
+          </a:lnRef>
+          <a:fillRef idx="2">
+            <a:schemeClr val="accent5"/>
+          </a:fillRef>
+          <a:effectRef idx="1">
+            <a:schemeClr val="accent5"/>
+          </a:effectRef>
+          <a:fontRef idx="minor">
+            <a:schemeClr val="dk1"/>
+          </a:fontRef>
+        </p:style>
+        <p:txBody>
+          <a:bodyPr rtlCol="0" anchor="ctr"/>
+          <a:lstStyle/>
+          <a:p>
+            <a:pPr algn="ctr"/>
+            <a:r>
+              <a:rPr lang="en-US" sz="1400" dirty="0" smtClean="0"/>
+              <a:t>P3</a:t>
+            </a:r>
+          </a:p>
+          <a:p>
+            <a:pPr algn="ctr"/>
+            <a:r>
+              <a:rPr lang="en-US" sz="1400" dirty="0"/>
+              <a:t>V</a:t>
+            </a:r>
+            <a:r>
+              <a:rPr lang="en-US" sz="1400" dirty="0" smtClean="0"/>
+              <a:t>6</a:t>
+            </a:r>
+            <a:endParaRPr lang="en-US" sz="1400" dirty="0"/>
+          </a:p>
+        </p:txBody>
+      </p:sp>
+      <p:sp>
+        <p:nvSpPr>
+          <p:cNvPr id="50" name="Rounded Rectangle 49"/>
+          <p:cNvSpPr/>
+          <p:nvPr/>
+        </p:nvSpPr>
+        <p:spPr>
+          <a:xfrm>
+            <a:off x="6648298" y="5361117"/>
+            <a:ext cx="563880" cy="619899"/>
+          </a:xfrm>
+          <a:prstGeom prst="roundRect">
+            <a:avLst/>
+          </a:prstGeom>
+        </p:spPr>
+        <p:style>
+          <a:lnRef idx="1">
+            <a:schemeClr val="accent5"/>
+          </a:lnRef>
+          <a:fillRef idx="2">
+            <a:schemeClr val="accent5"/>
+          </a:fillRef>
+          <a:effectRef idx="1">
+            <a:schemeClr val="accent5"/>
+          </a:effectRef>
+          <a:fontRef idx="minor">
+            <a:schemeClr val="dk1"/>
+          </a:fontRef>
+        </p:style>
+        <p:txBody>
+          <a:bodyPr rtlCol="0" anchor="ctr"/>
+          <a:lstStyle/>
+          <a:p>
+            <a:pPr algn="ctr"/>
+            <a:r>
+              <a:rPr lang="en-US" sz="1400" dirty="0" smtClean="0"/>
+              <a:t>P4</a:t>
+            </a:r>
+          </a:p>
+          <a:p>
+            <a:pPr algn="ctr"/>
+            <a:r>
+              <a:rPr lang="en-US" sz="1400" dirty="0"/>
+              <a:t>V</a:t>
+            </a:r>
+            <a:r>
+              <a:rPr lang="en-US" sz="1400" dirty="0" smtClean="0"/>
+              <a:t>1</a:t>
+            </a:r>
+            <a:endParaRPr lang="en-US" sz="1400" dirty="0"/>
+          </a:p>
+        </p:txBody>
+      </p:sp>
+      <p:sp>
+        <p:nvSpPr>
+          <p:cNvPr id="51" name="Rounded Rectangle 50"/>
+          <p:cNvSpPr/>
+          <p:nvPr/>
+        </p:nvSpPr>
+        <p:spPr>
+          <a:xfrm>
+            <a:off x="7273138" y="5361117"/>
+            <a:ext cx="563880" cy="619899"/>
+          </a:xfrm>
+          <a:prstGeom prst="roundRect">
+            <a:avLst/>
+          </a:prstGeom>
+        </p:spPr>
+        <p:style>
+          <a:lnRef idx="1">
+            <a:schemeClr val="accent5"/>
+          </a:lnRef>
+          <a:fillRef idx="2">
+            <a:schemeClr val="accent5"/>
+          </a:fillRef>
+          <a:effectRef idx="1">
+            <a:schemeClr val="accent5"/>
+          </a:effectRef>
+          <a:fontRef idx="minor">
+            <a:schemeClr val="dk1"/>
+          </a:fontRef>
+        </p:style>
+        <p:txBody>
+          <a:bodyPr rtlCol="0" anchor="ctr"/>
+          <a:lstStyle/>
+          <a:p>
+            <a:pPr algn="ctr"/>
+            <a:r>
+              <a:rPr lang="en-US" sz="1400" dirty="0" smtClean="0"/>
+              <a:t>P6</a:t>
+            </a:r>
+          </a:p>
+          <a:p>
+            <a:pPr algn="ctr"/>
+            <a:r>
+              <a:rPr lang="en-US" sz="1400" dirty="0"/>
+              <a:t>V</a:t>
+            </a:r>
+            <a:r>
+              <a:rPr lang="en-US" sz="1400" dirty="0" smtClean="0"/>
+              <a:t>4</a:t>
+            </a:r>
+            <a:endParaRPr lang="en-US" sz="1400" dirty="0"/>
+          </a:p>
+        </p:txBody>
+      </p:sp>
+      <p:sp>
+        <p:nvSpPr>
+          <p:cNvPr id="53" name="Title 2"/>
+          <p:cNvSpPr>
+            <a:spLocks noGrp="1"/>
+          </p:cNvSpPr>
+          <p:nvPr>
+            <p:ph type="title"/>
+          </p:nvPr>
+        </p:nvSpPr>
+        <p:spPr>
+          <a:xfrm>
+            <a:off x="457200" y="338328"/>
+            <a:ext cx="8229600" cy="1252728"/>
+          </a:xfrm>
+        </p:spPr>
+        <p:txBody>
+          <a:bodyPr/>
+          <a:lstStyle/>
+          <a:p>
+            <a:r>
+              <a:rPr lang="en-US" dirty="0" smtClean="0"/>
+              <a:t>Conceptual Row Layout</a:t>
+            </a:r>
+            <a:endParaRPr lang="en-US" dirty="0"/>
+          </a:p>
+        </p:txBody>
+      </p:sp>
+      <p:sp>
+        <p:nvSpPr>
+          <p:cNvPr id="54" name="Content Placeholder 1"/>
+          <p:cNvSpPr>
+            <a:spLocks noGrp="1"/>
+          </p:cNvSpPr>
+          <p:nvPr>
+            <p:ph idx="1"/>
+          </p:nvPr>
+        </p:nvSpPr>
+        <p:spPr>
+          <a:xfrm>
+            <a:off x="381000" y="2286001"/>
+            <a:ext cx="8458201" cy="1752600"/>
+          </a:xfrm>
+        </p:spPr>
+        <p:txBody>
+          <a:bodyPr>
+            <a:normAutofit fontScale="92500" lnSpcReduction="10000"/>
+          </a:bodyPr>
+          <a:lstStyle/>
+          <a:p>
+            <a:r>
+              <a:rPr lang="en-US" dirty="0" smtClean="0"/>
+              <a:t>Single row key can access some or all columns from a column family</a:t>
+            </a:r>
+          </a:p>
+          <a:p>
+            <a:r>
+              <a:rPr lang="en-US" dirty="0" smtClean="0"/>
+              <a:t>Requires two (or more) gets to retrieve columns from more than one column family – batching saves wire time</a:t>
+            </a:r>
+          </a:p>
+          <a:p>
+            <a:r>
+              <a:rPr lang="en-US" dirty="0" smtClean="0"/>
+              <a:t>A Batch of writes across CFs for a single key is atomic (but not isolated</a:t>
+            </a:r>
+            <a:endParaRPr lang="en-US" dirty="0"/>
+          </a:p>
+        </p:txBody>
+      </p:sp>
+    </p:spTree>
+    <p:extLst>
+      <p:ext uri="{BB962C8B-B14F-4D97-AF65-F5344CB8AC3E}">
+        <p14:creationId xmlns:p14="http://schemas.microsoft.com/office/powerpoint/2010/main" val="3290858756"/>
+      </p:ext>
+    </p:extLst>
+  </p:cSld>
+  <p:clrMapOvr>
+    <a:masterClrMapping/>
+  </p:clrMapOvr>
+  <p:timing>
+    <p:tnLst>
+      <p:par>
+        <p:cTn id="1" dur="indefinite" restart="never" nodeType="tmRoot"/>
+      </p:par>
+    </p:tnLst>
+  </p:timing>
+</p:sld>
+</file>
+
+<file path=ppt/slides/slide6.xml><?xml version="1.0" encoding="utf-8"?>
+<p:sld xmlns:a="http://schemas.openxmlformats.org/drawingml/2006/main" xmlns:r="http://schemas.openxmlformats.org/officeDocument/2006/relationships" xmlns:p="http://schemas.openxmlformats.org/presentationml/2006/main">
+  <p:cSld>
+    <p:spTree>
+      <p:nvGrpSpPr>
+        <p:cNvPr id="1" name=""/>
+        <p:cNvGrpSpPr/>
+        <p:nvPr/>
+      </p:nvGrpSpPr>
+      <p:grpSpPr>
+        <a:xfrm>
+          <a:off x="0" y="0"/>
+          <a:ext cx="0" cy="0"/>
+          <a:chOff x="0" y="0"/>
+          <a:chExt cx="0" cy="0"/>
+        </a:xfrm>
+      </p:grpSpPr>
+      <p:sp>
+        <p:nvSpPr>
+          <p:cNvPr id="2" name="Content Placeholder 1"/>
+          <p:cNvSpPr>
+            <a:spLocks noGrp="1"/>
+          </p:cNvSpPr>
+          <p:nvPr>
+            <p:ph idx="1"/>
+          </p:nvPr>
+        </p:nvSpPr>
+        <p:spPr/>
+        <p:txBody>
+          <a:bodyPr>
+            <a:normAutofit lnSpcReduction="10000"/>
+          </a:bodyPr>
+          <a:lstStyle/>
+          <a:p>
+            <a:r>
+              <a:rPr lang="en-US" dirty="0" smtClean="0"/>
+              <a:t>Get and mutate – by </a:t>
+            </a:r>
+            <a:r>
+              <a:rPr lang="en-US" dirty="0" smtClean="0"/>
+              <a:t>key and column name</a:t>
+            </a:r>
+            <a:endParaRPr lang="en-US" dirty="0"/>
+          </a:p>
+          <a:p>
+            <a:r>
+              <a:rPr lang="en-US" dirty="0"/>
+              <a:t>Batch </a:t>
+            </a:r>
+            <a:r>
+              <a:rPr lang="en-US" dirty="0" smtClean="0"/>
+              <a:t>get and mutate – </a:t>
+            </a:r>
+            <a:r>
+              <a:rPr lang="en-US" dirty="0"/>
+              <a:t>save wire </a:t>
+            </a:r>
+            <a:r>
+              <a:rPr lang="en-US" dirty="0" smtClean="0"/>
+              <a:t>time and gain some atomicity for mutates</a:t>
+            </a:r>
+            <a:endParaRPr lang="en-US" dirty="0"/>
+          </a:p>
+          <a:p>
+            <a:r>
+              <a:rPr lang="en-US" dirty="0"/>
+              <a:t>Range queries (iterate over </a:t>
+            </a:r>
+            <a:r>
+              <a:rPr lang="en-US" dirty="0" smtClean="0"/>
+              <a:t>the </a:t>
+            </a:r>
+            <a:r>
+              <a:rPr lang="en-US" dirty="0" err="1" smtClean="0"/>
+              <a:t>keyspace</a:t>
+            </a:r>
+            <a:r>
+              <a:rPr lang="en-US" dirty="0" smtClean="0"/>
+              <a:t>)</a:t>
+            </a:r>
+            <a:endParaRPr lang="en-US" dirty="0"/>
+          </a:p>
+          <a:p>
+            <a:r>
+              <a:rPr lang="en-US" dirty="0"/>
+              <a:t>Get and mutate </a:t>
+            </a:r>
+            <a:r>
+              <a:rPr lang="en-US" dirty="0" smtClean="0"/>
+              <a:t>can target specific columns or entire </a:t>
+            </a:r>
+            <a:r>
+              <a:rPr lang="en-US" dirty="0" smtClean="0"/>
+              <a:t>rows</a:t>
+            </a:r>
+          </a:p>
+          <a:p>
+            <a:r>
+              <a:rPr lang="en-US" dirty="0" smtClean="0"/>
+              <a:t>CQL is emerging and in a usable state – SQL like syntax, </a:t>
+            </a:r>
+            <a:r>
+              <a:rPr lang="en-US" dirty="0"/>
+              <a:t>new wire protocol (http://</a:t>
+            </a:r>
+            <a:r>
+              <a:rPr lang="en-US" dirty="0" smtClean="0"/>
+              <a:t>www.datastax.com/download/clientdrivers)</a:t>
+            </a:r>
+            <a:endParaRPr lang="en-US" dirty="0"/>
+          </a:p>
+        </p:txBody>
+      </p:sp>
+      <p:sp>
+        <p:nvSpPr>
+          <p:cNvPr id="3" name="Title 2"/>
+          <p:cNvSpPr>
+            <a:spLocks noGrp="1"/>
+          </p:cNvSpPr>
+          <p:nvPr>
+            <p:ph type="title"/>
+          </p:nvPr>
+        </p:nvSpPr>
+        <p:spPr/>
+        <p:txBody>
+          <a:bodyPr/>
+          <a:lstStyle/>
+          <a:p>
+            <a:r>
+              <a:rPr lang="en-US" dirty="0" smtClean="0"/>
+              <a:t>Simple API</a:t>
+            </a:r>
+            <a:endParaRPr lang="en-US" dirty="0"/>
+          </a:p>
+        </p:txBody>
+      </p:sp>
+    </p:spTree>
+    <p:extLst>
+      <p:ext uri="{BB962C8B-B14F-4D97-AF65-F5344CB8AC3E}">
+        <p14:creationId xmlns:p14="http://schemas.microsoft.com/office/powerpoint/2010/main" val="1182426806"/>
+      </p:ext>
+    </p:extLst>
+  </p:cSld>
+  <p:clrMapOvr>
+    <a:masterClrMapping/>
+  </p:clrMapOvr>
+  <p:timing>
+    <p:tnLst>
+      <p:par>
+        <p:cTn id="1" dur="indefinite" restart="never" nodeType="tmRoot"/>
+      </p:par>
+    </p:tnLst>
+  </p:timing>
+</p:sld>
+</file>
+
+<file path=ppt/slides/slide7.xml><?xml version="1.0" encoding="utf-8"?>
+<p:sld xmlns:a="http://schemas.openxmlformats.org/drawingml/2006/main" xmlns:r="http://schemas.openxmlformats.org/officeDocument/2006/relationships" xmlns:p="http://schemas.openxmlformats.org/presentationml/2006/main">
+  <p:cSld>
+    <p:spTree>
+      <p:nvGrpSpPr>
+        <p:cNvPr id="1" name=""/>
+        <p:cNvGrpSpPr/>
+        <p:nvPr/>
+      </p:nvGrpSpPr>
+      <p:grpSpPr>
+        <a:xfrm>
+          <a:off x="0" y="0"/>
+          <a:ext cx="0" cy="0"/>
+          <a:chOff x="0" y="0"/>
+          <a:chExt cx="0" cy="0"/>
+        </a:xfrm>
+      </p:grpSpPr>
+      <p:sp>
+        <p:nvSpPr>
+          <p:cNvPr id="2" name="Content Placeholder 1"/>
+          <p:cNvSpPr>
+            <a:spLocks noGrp="1"/>
+          </p:cNvSpPr>
+          <p:nvPr>
+            <p:ph idx="1"/>
+          </p:nvPr>
+        </p:nvSpPr>
+        <p:spPr/>
+        <p:txBody>
+          <a:bodyPr>
+            <a:normAutofit lnSpcReduction="10000"/>
+          </a:bodyPr>
+          <a:lstStyle/>
+          <a:p>
+            <a:r>
+              <a:rPr lang="en-US" dirty="0"/>
+              <a:t>Conceptually all nodes in a cluster are on a ring of hash values, “tokens”</a:t>
+            </a:r>
+          </a:p>
+          <a:p>
+            <a:r>
+              <a:rPr lang="en-US" dirty="0"/>
+              <a:t>Each node is assigned a token range on the ring</a:t>
+            </a:r>
+          </a:p>
+          <a:p>
+            <a:r>
+              <a:rPr lang="en-US" dirty="0"/>
+              <a:t>A key's hash (token) places it on the ring, within a specific node's token range</a:t>
+            </a:r>
+          </a:p>
+          <a:p>
+            <a:r>
+              <a:rPr lang="en-US" dirty="0"/>
+              <a:t>The hash is consistent, meaning the location of data is consistent and </a:t>
+            </a:r>
+            <a:r>
+              <a:rPr lang="en-US" dirty="0" smtClean="0"/>
+              <a:t>predictable</a:t>
+            </a:r>
+          </a:p>
+          <a:p>
+            <a:r>
+              <a:rPr lang="en-US" dirty="0" smtClean="0"/>
+              <a:t>No lookups required to determine where data is located</a:t>
+            </a:r>
+            <a:endParaRPr lang="en-US" dirty="0"/>
+          </a:p>
+        </p:txBody>
+      </p:sp>
+      <p:sp>
+        <p:nvSpPr>
+          <p:cNvPr id="3" name="Title 2"/>
+          <p:cNvSpPr>
+            <a:spLocks noGrp="1"/>
+          </p:cNvSpPr>
+          <p:nvPr>
+            <p:ph type="title"/>
+          </p:nvPr>
+        </p:nvSpPr>
+        <p:spPr/>
+        <p:txBody>
+          <a:bodyPr>
+            <a:normAutofit/>
+          </a:bodyPr>
+          <a:lstStyle/>
+          <a:p>
+            <a:r>
+              <a:rPr lang="en-US" dirty="0"/>
+              <a:t>Consistent Hash </a:t>
+            </a:r>
+            <a:r>
+              <a:rPr lang="en-US" dirty="0" smtClean="0"/>
+              <a:t>Ring</a:t>
+            </a:r>
+            <a:endParaRPr lang="en-US" dirty="0"/>
+          </a:p>
+        </p:txBody>
+      </p:sp>
+    </p:spTree>
+    <p:extLst>
+      <p:ext uri="{BB962C8B-B14F-4D97-AF65-F5344CB8AC3E}">
+        <p14:creationId xmlns:p14="http://schemas.microsoft.com/office/powerpoint/2010/main" val="2825653328"/>
+      </p:ext>
+    </p:extLst>
+  </p:cSld>
+  <p:clrMapOvr>
+    <a:masterClrMapping/>
+  </p:clrMapOvr>
+  <p:timing>
+    <p:tnLst>
+      <p:par>
+        <p:cTn id="1" dur="indefinite" restart="never" nodeType="tmRoot"/>
+      </p:par>
+    </p:tnLst>
+  </p:timing>
+</p:sld>
+</file>
+
+<file path=ppt/slides/slide8.xml><?xml version="1.0" encoding="utf-8"?>
+<p:sld xmlns:a="http://schemas.openxmlformats.org/drawingml/2006/main" xmlns:r="http://schemas.openxmlformats.org/officeDocument/2006/relationships" xmlns:p="http://schemas.openxmlformats.org/presentationml/2006/main">
+  <p:cSld>
+    <p:spTree>
+      <p:nvGrpSpPr>
+        <p:cNvPr id="1" name=""/>
+        <p:cNvGrpSpPr/>
+        <p:nvPr/>
+      </p:nvGrpSpPr>
+      <p:grpSpPr>
+        <a:xfrm>
+          <a:off x="0" y="0"/>
+          <a:ext cx="0" cy="0"/>
+          <a:chOff x="0" y="0"/>
+          <a:chExt cx="0" cy="0"/>
+        </a:xfrm>
+      </p:grpSpPr>
+      <p:sp>
+        <p:nvSpPr>
           <p:cNvPr id="2" name="Content Placeholder 1"/>
           <p:cNvSpPr>
             <a:spLocks noGrp="1"/>
@@ -18710,7 +19442,7 @@
 </p:sld>
 </file>
 
-<file path=ppt/slides/slide6.xml><?xml version="1.0" encoding="utf-8"?>
+<file path=ppt/slides/slide9.xml><?xml version="1.0" encoding="utf-8"?>
 <p:sld xmlns:a="http://schemas.openxmlformats.org/drawingml/2006/main" xmlns:r="http://schemas.openxmlformats.org/officeDocument/2006/relationships" xmlns:p="http://schemas.openxmlformats.org/presentationml/2006/main">
   <p:cSld>
     <p:spTree>
@@ -19448,354 +20180,6 @@
     <p:extLst>
       <p:ext uri="{BB962C8B-B14F-4D97-AF65-F5344CB8AC3E}">
         <p14:creationId xmlns:p14="http://schemas.microsoft.com/office/powerpoint/2010/main" val="764504281"/>
-      </p:ext>
-    </p:extLst>
-  </p:cSld>
-  <p:clrMapOvr>
-    <a:masterClrMapping/>
-  </p:clrMapOvr>
-  <p:timing>
-    <p:tnLst>
-      <p:par>
-        <p:cTn id="1" dur="indefinite" restart="never" nodeType="tmRoot"/>
-      </p:par>
-    </p:tnLst>
-  </p:timing>
-</p:sld>
-</file>
-
-<file path=ppt/slides/slide7.xml><?xml version="1.0" encoding="utf-8"?>
-<p:sld xmlns:a="http://schemas.openxmlformats.org/drawingml/2006/main" xmlns:r="http://schemas.openxmlformats.org/officeDocument/2006/relationships" xmlns:p="http://schemas.openxmlformats.org/presentationml/2006/main">
-  <p:cSld>
-    <p:spTree>
-      <p:nvGrpSpPr>
-        <p:cNvPr id="1" name=""/>
-        <p:cNvGrpSpPr/>
-        <p:nvPr/>
-      </p:nvGrpSpPr>
-      <p:grpSpPr>
-        <a:xfrm>
-          <a:off x="0" y="0"/>
-          <a:ext cx="0" cy="0"/>
-          <a:chOff x="0" y="0"/>
-          <a:chExt cx="0" cy="0"/>
-        </a:xfrm>
-      </p:grpSpPr>
-      <p:sp>
-        <p:nvSpPr>
-          <p:cNvPr id="2" name="Content Placeholder 1"/>
-          <p:cNvSpPr>
-            <a:spLocks noGrp="1"/>
-          </p:cNvSpPr>
-          <p:nvPr>
-            <p:ph idx="1"/>
-          </p:nvPr>
-        </p:nvSpPr>
-        <p:spPr/>
-        <p:txBody>
-          <a:bodyPr>
-            <a:normAutofit/>
-          </a:bodyPr>
-          <a:lstStyle/>
-          <a:p>
-            <a:r>
-              <a:rPr lang="en-US" dirty="0"/>
-              <a:t>Consistency is “eventual” in Cassandra – it will always work to create </a:t>
-            </a:r>
-            <a:r>
-              <a:rPr lang="en-US" dirty="0" smtClean="0"/>
-              <a:t>N (or RF) </a:t>
-            </a:r>
-            <a:r>
-              <a:rPr lang="en-US" dirty="0"/>
-              <a:t>replicas</a:t>
-            </a:r>
-          </a:p>
-          <a:p>
-            <a:r>
-              <a:rPr lang="en-US" dirty="0"/>
-              <a:t>Write Consistency (W) defines how many replicas </a:t>
-            </a:r>
-            <a:r>
-              <a:rPr lang="en-US" dirty="0" smtClean="0"/>
-              <a:t>must respond with “success” per </a:t>
-            </a:r>
-            <a:r>
-              <a:rPr lang="en-US" dirty="0"/>
-              <a:t>“put” request</a:t>
-            </a:r>
-          </a:p>
-          <a:p>
-            <a:r>
-              <a:rPr lang="en-US" dirty="0"/>
-              <a:t>Read Consistency (R) defines how many replicas are consulted before responding</a:t>
-            </a:r>
-          </a:p>
-          <a:p>
-            <a:r>
-              <a:rPr lang="en-US" dirty="0"/>
-              <a:t>W and R are tunable per request, therefore consistency </a:t>
-            </a:r>
-            <a:r>
-              <a:rPr lang="en-US" dirty="0" smtClean="0"/>
-              <a:t>to read what is written is tunable</a:t>
-            </a:r>
-            <a:endParaRPr lang="en-US" dirty="0"/>
-          </a:p>
-        </p:txBody>
-      </p:sp>
-      <p:sp>
-        <p:nvSpPr>
-          <p:cNvPr id="3" name="Title 2"/>
-          <p:cNvSpPr>
-            <a:spLocks noGrp="1"/>
-          </p:cNvSpPr>
-          <p:nvPr>
-            <p:ph type="title"/>
-          </p:nvPr>
-        </p:nvSpPr>
-        <p:spPr/>
-        <p:txBody>
-          <a:bodyPr/>
-          <a:lstStyle/>
-          <a:p>
-            <a:r>
-              <a:rPr lang="en-US" dirty="0" smtClean="0"/>
-              <a:t>Consistency</a:t>
-            </a:r>
-            <a:endParaRPr lang="en-US" dirty="0"/>
-          </a:p>
-        </p:txBody>
-      </p:sp>
-    </p:spTree>
-    <p:extLst>
-      <p:ext uri="{BB962C8B-B14F-4D97-AF65-F5344CB8AC3E}">
-        <p14:creationId xmlns:p14="http://schemas.microsoft.com/office/powerpoint/2010/main" val="3720274688"/>
-      </p:ext>
-    </p:extLst>
-  </p:cSld>
-  <p:clrMapOvr>
-    <a:masterClrMapping/>
-  </p:clrMapOvr>
-  <p:timing>
-    <p:tnLst>
-      <p:par>
-        <p:cTn id="1" dur="indefinite" restart="never" nodeType="tmRoot"/>
-      </p:par>
-    </p:tnLst>
-  </p:timing>
-</p:sld>
-</file>
-
-<file path=ppt/slides/slide8.xml><?xml version="1.0" encoding="utf-8"?>
-<p:sld xmlns:a="http://schemas.openxmlformats.org/drawingml/2006/main" xmlns:r="http://schemas.openxmlformats.org/officeDocument/2006/relationships" xmlns:p="http://schemas.openxmlformats.org/presentationml/2006/main">
-  <p:cSld>
-    <p:spTree>
-      <p:nvGrpSpPr>
-        <p:cNvPr id="1" name=""/>
-        <p:cNvGrpSpPr/>
-        <p:nvPr/>
-      </p:nvGrpSpPr>
-      <p:grpSpPr>
-        <a:xfrm>
-          <a:off x="0" y="0"/>
-          <a:ext cx="0" cy="0"/>
-          <a:chOff x="0" y="0"/>
-          <a:chExt cx="0" cy="0"/>
-        </a:xfrm>
-      </p:grpSpPr>
-      <p:sp>
-        <p:nvSpPr>
-          <p:cNvPr id="2" name="Title 1"/>
-          <p:cNvSpPr>
-            <a:spLocks noGrp="1"/>
-          </p:cNvSpPr>
-          <p:nvPr>
-            <p:ph type="title"/>
-          </p:nvPr>
-        </p:nvSpPr>
-        <p:spPr/>
-        <p:txBody>
-          <a:bodyPr/>
-          <a:lstStyle/>
-          <a:p>
-            <a:r>
-              <a:rPr lang="en-US" dirty="0" smtClean="0"/>
-              <a:t>Data Modeling Example</a:t>
-            </a:r>
-            <a:endParaRPr lang="en-US" dirty="0"/>
-          </a:p>
-        </p:txBody>
-      </p:sp>
-      <p:sp>
-        <p:nvSpPr>
-          <p:cNvPr id="5" name="Subtitle 4"/>
-          <p:cNvSpPr>
-            <a:spLocks noGrp="1"/>
-          </p:cNvSpPr>
-          <p:nvPr>
-            <p:ph type="body" idx="1"/>
-          </p:nvPr>
-        </p:nvSpPr>
-        <p:spPr/>
-        <p:txBody>
-          <a:bodyPr/>
-          <a:lstStyle/>
-          <a:p>
-            <a:r>
-              <a:rPr lang="en-US" dirty="0" smtClean="0"/>
-              <a:t>A blogging application</a:t>
-            </a:r>
-            <a:endParaRPr lang="en-US" dirty="0"/>
-          </a:p>
-        </p:txBody>
-      </p:sp>
-    </p:spTree>
-    <p:extLst>
-      <p:ext uri="{BB962C8B-B14F-4D97-AF65-F5344CB8AC3E}">
-        <p14:creationId xmlns:p14="http://schemas.microsoft.com/office/powerpoint/2010/main" val="3818784372"/>
-      </p:ext>
-    </p:extLst>
-  </p:cSld>
-  <p:clrMapOvr>
-    <a:masterClrMapping/>
-  </p:clrMapOvr>
-  <p:timing>
-    <p:tnLst>
-      <p:par>
-        <p:cTn id="1" dur="indefinite" restart="never" nodeType="tmRoot"/>
-      </p:par>
-    </p:tnLst>
-  </p:timing>
-</p:sld>
-</file>
-
-<file path=ppt/slides/slide9.xml><?xml version="1.0" encoding="utf-8"?>
-<p:sld xmlns:a="http://schemas.openxmlformats.org/drawingml/2006/main" xmlns:r="http://schemas.openxmlformats.org/officeDocument/2006/relationships" xmlns:p="http://schemas.openxmlformats.org/presentationml/2006/main">
-  <p:cSld>
-    <p:spTree>
-      <p:nvGrpSpPr>
-        <p:cNvPr id="1" name=""/>
-        <p:cNvGrpSpPr/>
-        <p:nvPr/>
-      </p:nvGrpSpPr>
-      <p:grpSpPr>
-        <a:xfrm>
-          <a:off x="0" y="0"/>
-          <a:ext cx="0" cy="0"/>
-          <a:chOff x="0" y="0"/>
-          <a:chExt cx="0" cy="0"/>
-        </a:xfrm>
-      </p:grpSpPr>
-      <p:sp>
-        <p:nvSpPr>
-          <p:cNvPr id="4" name="Title 3"/>
-          <p:cNvSpPr>
-            <a:spLocks noGrp="1"/>
-          </p:cNvSpPr>
-          <p:nvPr>
-            <p:ph type="title"/>
-          </p:nvPr>
-        </p:nvSpPr>
-        <p:spPr/>
-        <p:txBody>
-          <a:bodyPr>
-            <a:normAutofit/>
-          </a:bodyPr>
-          <a:lstStyle/>
-          <a:p>
-            <a:r>
-              <a:rPr lang="en-US" dirty="0" err="1" smtClean="0"/>
-              <a:t>Bloggie</a:t>
-            </a:r>
-            <a:r>
-              <a:rPr lang="en-US" dirty="0" smtClean="0"/>
-              <a:t> Blog Requirements</a:t>
-            </a:r>
-            <a:endParaRPr lang="en-US" dirty="0"/>
-          </a:p>
-        </p:txBody>
-      </p:sp>
-      <p:sp>
-        <p:nvSpPr>
-          <p:cNvPr id="5" name="Content Placeholder 4"/>
-          <p:cNvSpPr>
-            <a:spLocks noGrp="1"/>
-          </p:cNvSpPr>
-          <p:nvPr>
-            <p:ph idx="1"/>
-          </p:nvPr>
-        </p:nvSpPr>
-        <p:spPr/>
-        <p:txBody>
-          <a:bodyPr>
-            <a:normAutofit/>
-          </a:bodyPr>
-          <a:lstStyle/>
-          <a:p>
-            <a:r>
-              <a:rPr lang="en-US" dirty="0" smtClean="0"/>
-              <a:t>Create users, posts, and comments</a:t>
-            </a:r>
-          </a:p>
-          <a:p>
-            <a:r>
-              <a:rPr lang="en-US" dirty="0" smtClean="0"/>
-              <a:t>Retrieve all posts for a user</a:t>
-            </a:r>
-          </a:p>
-          <a:p>
-            <a:r>
-              <a:rPr lang="en-US" dirty="0"/>
-              <a:t>Retrieve posts by time range</a:t>
-            </a:r>
-          </a:p>
-          <a:p>
-            <a:r>
-              <a:rPr lang="en-US" dirty="0" smtClean="0"/>
-              <a:t>Retrieve all comments for a user</a:t>
-            </a:r>
-          </a:p>
-          <a:p>
-            <a:r>
-              <a:rPr lang="en-US" dirty="0" smtClean="0"/>
-              <a:t>Retrieve all comments for a post, sorted by vote</a:t>
-            </a:r>
-          </a:p>
-          <a:p>
-            <a:r>
-              <a:rPr lang="en-US" dirty="0" smtClean="0"/>
-              <a:t>Retrieve the top N posts by vote over last 30 days</a:t>
-            </a:r>
-          </a:p>
-          <a:p>
-            <a:r>
-              <a:rPr lang="en-US" dirty="0"/>
-              <a:t>User can </a:t>
-            </a:r>
-            <a:r>
-              <a:rPr lang="en-US" dirty="0" smtClean="0"/>
-              <a:t>only vote </a:t>
-            </a:r>
-            <a:r>
-              <a:rPr lang="en-US" dirty="0"/>
-              <a:t>*once* on </a:t>
-            </a:r>
-            <a:r>
-              <a:rPr lang="en-US" dirty="0" smtClean="0"/>
-              <a:t>a post or comment</a:t>
-            </a:r>
-            <a:endParaRPr lang="en-US" dirty="0"/>
-          </a:p>
-          <a:p>
-            <a:endParaRPr lang="en-US" dirty="0"/>
-          </a:p>
-        </p:txBody>
-      </p:sp>
-    </p:spTree>
-    <p:extLst>
-      <p:ext uri="{BB962C8B-B14F-4D97-AF65-F5344CB8AC3E}">
-        <p14:creationId xmlns:p14="http://schemas.microsoft.com/office/powerpoint/2010/main" val="1329214212"/>
       </p:ext>
     </p:extLst>
   </p:cSld>
@@ -20106,4 +20490,289 @@
   <a:objectDefaults/>
   <a:extraClrSchemeLst/>
 </a:theme>
+</file>
+
+<file path=ppt/theme/theme2.xml><?xml version="1.0" encoding="utf-8"?>
+<a:theme xmlns:a="http://schemas.openxmlformats.org/drawingml/2006/main" name="Office Theme">
+  <a:themeElements>
+    <a:clrScheme name="Office">
+      <a:dk1>
+        <a:sysClr val="windowText" lastClr="000000"/>
+      </a:dk1>
+      <a:lt1>
+        <a:sysClr val="window" lastClr="FFFFFF"/>
+      </a:lt1>
+      <a:dk2>
+        <a:srgbClr val="1F497D"/>
+      </a:dk2>
+      <a:lt2>
+        <a:srgbClr val="EEECE1"/>
+      </a:lt2>
+      <a:accent1>
+        <a:srgbClr val="4F81BD"/>
+      </a:accent1>
+      <a:accent2>
+        <a:srgbClr val="C0504D"/>
+      </a:accent2>
+      <a:accent3>
+        <a:srgbClr val="9BBB59"/>
+      </a:accent3>
+      <a:accent4>
+        <a:srgbClr val="8064A2"/>
+      </a:accent4>
+      <a:accent5>
+        <a:srgbClr val="4BACC6"/>
+      </a:accent5>
+      <a:accent6>
+        <a:srgbClr val="F79646"/>
+      </a:accent6>
+      <a:hlink>
+        <a:srgbClr val="0000FF"/>
+      </a:hlink>
+      <a:folHlink>
+        <a:srgbClr val="800080"/>
+      </a:folHlink>
+    </a:clrScheme>
+    <a:fontScheme name="Office">
+      <a:majorFont>
+        <a:latin typeface="Calibri"/>
+        <a:ea typeface=""/>
+        <a:cs typeface=""/>
+        <a:font script="Jpan" typeface="ＭＳ Ｐゴシック"/>
+        <a:font script="Hang" typeface="맑은 고딕"/>
+        <a:font script="Hans" typeface="宋体"/>
+        <a:font script="Hant" typeface="新細明體"/>
+        <a:font script="Arab" typeface="Times New Roman"/>
+        <a:font script="Hebr" typeface="Times New Roman"/>
+        <a:font script="Thai" typeface="Angsana New"/>
+        <a:font script="Ethi" typeface="Nyala"/>
+        <a:font script="Beng" typeface="Vrinda"/>
+        <a:font script="Gujr" typeface="Shruti"/>
+        <a:font script="Khmr" typeface="MoolBoran"/>
+        <a:font script="Knda" typeface="Tunga"/>
+        <a:font script="Guru" typeface="Raavi"/>
+        <a:font script="Cans" typeface="Euphemia"/>
+        <a:font script="Cher" typeface="Plantagenet Cherokee"/>
+        <a:font script="Yiii" typeface="Microsoft Yi Baiti"/>
+        <a:font script="Tibt" typeface="Microsoft Himalaya"/>
+        <a:font script="Thaa" typeface="MV Boli"/>
+        <a:font script="Deva" typeface="Mangal"/>
+        <a:font script="Telu" typeface="Gautami"/>
+        <a:font script="Taml" typeface="Latha"/>
+        <a:font script="Syrc" typeface="Estrangelo Edessa"/>
+        <a:font script="Orya" typeface="Kalinga"/>
+        <a:font script="Mlym" typeface="Kartika"/>
+        <a:font script="Laoo" typeface="DokChampa"/>
+        <a:font script="Sinh" typeface="Iskoola Pota"/>
+        <a:font script="Mong" typeface="Mongolian Baiti"/>
+        <a:font script="Viet" typeface="Times New Roman"/>
+        <a:font script="Uigh" typeface="Microsoft Uighur"/>
+        <a:font script="Geor" typeface="Sylfaen"/>
+      </a:majorFont>
+      <a:minorFont>
+        <a:latin typeface="Calibri"/>
+        <a:ea typeface=""/>
+        <a:cs typeface=""/>
+        <a:font script="Jpan" typeface="ＭＳ Ｐゴシック"/>
+        <a:font script="Hang" typeface="맑은 고딕"/>
+        <a:font script="Hans" typeface="宋体"/>
+        <a:font script="Hant" typeface="新細明體"/>
+        <a:font script="Arab" typeface="Arial"/>
+        <a:font script="Hebr" typeface="Arial"/>
+        <a:font script="Thai" typeface="Cordia New"/>
+        <a:font script="Ethi" typeface="Nyala"/>
+        <a:font script="Beng" typeface="Vrinda"/>
+        <a:font script="Gujr" typeface="Shruti"/>
+        <a:font script="Khmr" typeface="DaunPenh"/>
+        <a:font script="Knda" typeface="Tunga"/>
+        <a:font script="Guru" typeface="Raavi"/>
+        <a:font script="Cans" typeface="Euphemia"/>
+        <a:font script="Cher" typeface="Plantagenet Cherokee"/>
+        <a:font script="Yiii" typeface="Microsoft Yi Baiti"/>
+        <a:font script="Tibt" typeface="Microsoft Himalaya"/>
+        <a:font script="Thaa" typeface="MV Boli"/>
+        <a:font script="Deva" typeface="Mangal"/>
+        <a:font script="Telu" typeface="Gautami"/>
+        <a:font script="Taml" typeface="Latha"/>
+        <a:font script="Syrc" typeface="Estrangelo Edessa"/>
+        <a:font script="Orya" typeface="Kalinga"/>
+        <a:font script="Mlym" typeface="Kartika"/>
+        <a:font script="Laoo" typeface="DokChampa"/>
+        <a:font script="Sinh" typeface="Iskoola Pota"/>
+        <a:font script="Mong" typeface="Mongolian Baiti"/>
+        <a:font script="Viet" typeface="Arial"/>
+        <a:font script="Uigh" typeface="Microsoft Uighur"/>
+        <a:font script="Geor" typeface="Sylfaen"/>
+      </a:minorFont>
+    </a:fontScheme>
+    <a:fmtScheme name="Office">
+      <a:fillStyleLst>
+        <a:solidFill>
+          <a:schemeClr val="phClr"/>
+        </a:solidFill>
+        <a:gradFill rotWithShape="1">
+          <a:gsLst>
+            <a:gs pos="0">
+              <a:schemeClr val="phClr">
+                <a:tint val="50000"/>
+                <a:satMod val="300000"/>
+              </a:schemeClr>
+            </a:gs>
+            <a:gs pos="35000">
+              <a:schemeClr val="phClr">
+                <a:tint val="37000"/>
+                <a:satMod val="300000"/>
+              </a:schemeClr>
+            </a:gs>
+            <a:gs pos="100000">
+              <a:schemeClr val="phClr">
+                <a:tint val="15000"/>
+                <a:satMod val="350000"/>
+              </a:schemeClr>
+            </a:gs>
+          </a:gsLst>
+          <a:lin ang="16200000" scaled="1"/>
+        </a:gradFill>
+        <a:gradFill rotWithShape="1">
+          <a:gsLst>
+            <a:gs pos="0">
+              <a:schemeClr val="phClr">
+                <a:shade val="51000"/>
+                <a:satMod val="130000"/>
+              </a:schemeClr>
+            </a:gs>
+            <a:gs pos="80000">
+              <a:schemeClr val="phClr">
+                <a:shade val="93000"/>
+                <a:satMod val="130000"/>
+              </a:schemeClr>
+            </a:gs>
+            <a:gs pos="100000">
+              <a:schemeClr val="phClr">
+                <a:shade val="94000"/>
+                <a:satMod val="135000"/>
+              </a:schemeClr>
+            </a:gs>
+          </a:gsLst>
+          <a:lin ang="16200000" scaled="0"/>
+        </a:gradFill>
+      </a:fillStyleLst>
+      <a:lnStyleLst>
+        <a:ln w="9525" cap="flat" cmpd="sng" algn="ctr">
+          <a:solidFill>
+            <a:schemeClr val="phClr">
+              <a:shade val="95000"/>
+              <a:satMod val="105000"/>
+            </a:schemeClr>
+          </a:solidFill>
+          <a:prstDash val="solid"/>
+        </a:ln>
+        <a:ln w="25400" cap="flat" cmpd="sng" algn="ctr">
+          <a:solidFill>
+            <a:schemeClr val="phClr"/>
+          </a:solidFill>
+          <a:prstDash val="solid"/>
+        </a:ln>
+        <a:ln w="38100" cap="flat" cmpd="sng" algn="ctr">
+          <a:solidFill>
+            <a:schemeClr val="phClr"/>
+          </a:solidFill>
+          <a:prstDash val="solid"/>
+        </a:ln>
+      </a:lnStyleLst>
+      <a:effectStyleLst>
+        <a:effectStyle>
+          <a:effectLst>
+            <a:outerShdw blurRad="40000" dist="20000" dir="5400000" rotWithShape="0">
+              <a:srgbClr val="000000">
+                <a:alpha val="38000"/>
+              </a:srgbClr>
+            </a:outerShdw>
+          </a:effectLst>
+        </a:effectStyle>
+        <a:effectStyle>
+          <a:effectLst>
+            <a:outerShdw blurRad="40000" dist="23000" dir="5400000" rotWithShape="0">
+              <a:srgbClr val="000000">
+                <a:alpha val="35000"/>
+              </a:srgbClr>
+            </a:outerShdw>
+          </a:effectLst>
+        </a:effectStyle>
+        <a:effectStyle>
+          <a:effectLst>
+            <a:outerShdw blurRad="40000" dist="23000" dir="5400000" rotWithShape="0">
+              <a:srgbClr val="000000">
+                <a:alpha val="35000"/>
+              </a:srgbClr>
+            </a:outerShdw>
+          </a:effectLst>
+          <a:scene3d>
+            <a:camera prst="orthographicFront">
+              <a:rot lat="0" lon="0" rev="0"/>
+            </a:camera>
+            <a:lightRig rig="threePt" dir="t">
+              <a:rot lat="0" lon="0" rev="1200000"/>
+            </a:lightRig>
+          </a:scene3d>
+          <a:sp3d>
+            <a:bevelT w="63500" h="25400"/>
+          </a:sp3d>
+        </a:effectStyle>
+      </a:effectStyleLst>
+      <a:bgFillStyleLst>
+        <a:solidFill>
+          <a:schemeClr val="phClr"/>
+        </a:solidFill>
+        <a:gradFill rotWithShape="1">
+          <a:gsLst>
+            <a:gs pos="0">
+              <a:schemeClr val="phClr">
+                <a:tint val="40000"/>
+                <a:satMod val="350000"/>
+              </a:schemeClr>
+            </a:gs>
+            <a:gs pos="40000">
+              <a:schemeClr val="phClr">
+                <a:tint val="45000"/>
+                <a:shade val="99000"/>
+                <a:satMod val="350000"/>
+              </a:schemeClr>
+            </a:gs>
+            <a:gs pos="100000">
+              <a:schemeClr val="phClr">
+                <a:shade val="20000"/>
+                <a:satMod val="255000"/>
+              </a:schemeClr>
+            </a:gs>
+          </a:gsLst>
+          <a:path path="circle">
+            <a:fillToRect l="50000" t="-80000" r="50000" b="180000"/>
+          </a:path>
+        </a:gradFill>
+        <a:gradFill rotWithShape="1">
+          <a:gsLst>
+            <a:gs pos="0">
+              <a:schemeClr val="phClr">
+                <a:tint val="80000"/>
+                <a:satMod val="300000"/>
+              </a:schemeClr>
+            </a:gs>
+            <a:gs pos="100000">
+              <a:schemeClr val="phClr">
+                <a:shade val="30000"/>
+                <a:satMod val="200000"/>
+              </a:schemeClr>
+            </a:gs>
+          </a:gsLst>
+          <a:path path="circle">
+            <a:fillToRect l="50000" t="50000" r="50000" b="50000"/>
+          </a:path>
+        </a:gradFill>
+      </a:bgFillStyleLst>
+    </a:fmtScheme>
+  </a:themeElements>
+  <a:objectDefaults/>
+  <a:extraClrSchemeLst/>
+</a:theme>
 </file>
--- a/cassandra-training.pptx
+++ b/cassandra-training.pptx
@@ -5,7 +5,7 @@
     <p:sldMasterId id="2147483744" r:id="rId1"/>
   </p:sldMasterIdLst>
   <p:notesMasterIdLst>
-    <p:notesMasterId r:id="rId27"/>
+    <p:notesMasterId r:id="rId32"/>
   </p:notesMasterIdLst>
   <p:sldIdLst>
     <p:sldId id="256" r:id="rId2"/>
@@ -29,10 +29,15 @@
     <p:sldId id="288" r:id="rId20"/>
     <p:sldId id="277" r:id="rId21"/>
     <p:sldId id="281" r:id="rId22"/>
-    <p:sldId id="280" r:id="rId23"/>
-    <p:sldId id="282" r:id="rId24"/>
-    <p:sldId id="283" r:id="rId25"/>
-    <p:sldId id="278" r:id="rId26"/>
+    <p:sldId id="289" r:id="rId23"/>
+    <p:sldId id="280" r:id="rId24"/>
+    <p:sldId id="282" r:id="rId25"/>
+    <p:sldId id="283" r:id="rId26"/>
+    <p:sldId id="290" r:id="rId27"/>
+    <p:sldId id="291" r:id="rId28"/>
+    <p:sldId id="292" r:id="rId29"/>
+    <p:sldId id="293" r:id="rId30"/>
+    <p:sldId id="278" r:id="rId31"/>
   </p:sldIdLst>
   <p:sldSz cx="9144000" cy="6858000" type="screen4x3"/>
   <p:notesSz cx="7077075" cy="9363075"/>
@@ -234,8 +239,8 @@
         </p:nvSpPr>
         <p:spPr>
           <a:xfrm>
-            <a:off x="1196975" y="701675"/>
-            <a:ext cx="4683125" cy="3511550"/>
+            <a:off x="1198563" y="701675"/>
+            <a:ext cx="4679950" cy="3511550"/>
           </a:xfrm>
           <a:prstGeom prst="rect">
             <a:avLst/>
@@ -511,7 +516,12 @@
             <p:ph type="sldImg"/>
           </p:nvPr>
         </p:nvSpPr>
-        <p:spPr/>
+        <p:spPr>
+          <a:xfrm>
+            <a:off x="1198563" y="701675"/>
+            <a:ext cx="4679950" cy="3511550"/>
+          </a:xfrm>
+        </p:spPr>
       </p:sp>
       <p:sp>
         <p:nvSpPr>
@@ -528,28 +538,10 @@
           <a:bodyPr/>
           <a:lstStyle/>
           <a:p>
-            <a:pPr marL="171450" indent="-171450">
+            <a:pPr marL="0" indent="0">
               <a:buFont typeface="Arial" panose="020B0604020202020204" pitchFamily="34" charset="0"/>
-              <a:buChar char="•"/>
+              <a:buNone/>
             </a:pPr>
-            <a:r>
-              <a:rPr lang="en-US" dirty="0" smtClean="0"/>
-              <a:t>How</a:t>
-            </a:r>
-            <a:r>
-              <a:rPr lang="en-US" baseline="0" dirty="0" smtClean="0"/>
-              <a:t> do we increase a post’s vote and express it here in this CF?</a:t>
-            </a:r>
-          </a:p>
-          <a:p>
-            <a:pPr marL="171450" indent="-171450">
-              <a:buFont typeface="Arial" panose="020B0604020202020204" pitchFamily="34" charset="0"/>
-              <a:buChar char="•"/>
-            </a:pPr>
-            <a:r>
-              <a:rPr lang="en-US" baseline="0" dirty="0" smtClean="0"/>
-              <a:t>Is it a good idea to use a single row?  What if we have a 100 node cluster – how many nodes are used to service this row?</a:t>
-            </a:r>
             <a:endParaRPr lang="en-US" dirty="0"/>
           </a:p>
         </p:txBody>
@@ -571,7 +563,7 @@
           <a:p>
             <a:fld id="{B887A0D3-B9DA-4347-934E-8C6942BC9D7C}" type="slidenum">
               <a:rPr lang="en-US" smtClean="0"/>
-              <a:t>22</a:t>
+              <a:t>23</a:t>
             </a:fld>
             <a:endParaRPr lang="en-US"/>
           </a:p>
@@ -4360,7 +4352,7 @@
         </p:nvSpPr>
         <p:spPr>
           <a:xfrm>
-            <a:off x="6629400" y="1447800"/>
+            <a:off x="6629400" y="1447801"/>
             <a:ext cx="2057400" cy="4487333"/>
           </a:xfrm>
         </p:spPr>
@@ -4735,7 +4727,7 @@
         </p:nvSpPr>
         <p:spPr bwMode="hidden">
           <a:xfrm>
-            <a:off x="6047438" y="4203592"/>
+            <a:off x="6047439" y="4203592"/>
             <a:ext cx="2876429" cy="714026"/>
           </a:xfrm>
           <a:custGeom>
@@ -5504,7 +5496,7 @@
         </p:nvSpPr>
         <p:spPr bwMode="hidden">
           <a:xfrm>
-            <a:off x="2828728" y="4087562"/>
+            <a:off x="2828729" y="4087563"/>
             <a:ext cx="5467980" cy="774272"/>
           </a:xfrm>
           <a:custGeom>
@@ -5738,7 +5730,7 @@
         </p:nvSpPr>
         <p:spPr bwMode="hidden">
           <a:xfrm>
-            <a:off x="5609489" y="4074174"/>
+            <a:off x="5609489" y="4074175"/>
             <a:ext cx="3308000" cy="651549"/>
           </a:xfrm>
           <a:custGeom>
@@ -5906,7 +5898,7 @@
         </p:nvSpPr>
         <p:spPr bwMode="hidden">
           <a:xfrm>
-            <a:off x="211665" y="4058555"/>
+            <a:off x="211665" y="4058556"/>
             <a:ext cx="8723376" cy="1329874"/>
           </a:xfrm>
           <a:custGeom>
@@ -6314,8 +6306,8 @@
         </p:nvSpPr>
         <p:spPr>
           <a:xfrm>
-            <a:off x="1367365" y="1437448"/>
-            <a:ext cx="6417734" cy="939801"/>
+            <a:off x="1367366" y="1437449"/>
+            <a:ext cx="6417735" cy="939801"/>
           </a:xfrm>
         </p:spPr>
         <p:txBody>
@@ -6851,7 +6843,7 @@
         </p:nvSpPr>
         <p:spPr>
           <a:xfrm>
-            <a:off x="677332" y="3429000"/>
+            <a:off x="677334" y="3429001"/>
             <a:ext cx="3820055" cy="2697163"/>
           </a:xfrm>
         </p:spPr>
@@ -7006,7 +6998,7 @@
         </p:nvSpPr>
         <p:spPr>
           <a:xfrm>
-            <a:off x="4645025" y="3429000"/>
+            <a:off x="4645025" y="3429001"/>
             <a:ext cx="3822192" cy="2697163"/>
           </a:xfrm>
         </p:spPr>
@@ -7357,7 +7349,7 @@
         </p:nvGrpSpPr>
         <p:grpSpPr bwMode="hidden">
           <a:xfrm>
-            <a:off x="211665" y="714191"/>
+            <a:off x="211665" y="714192"/>
             <a:ext cx="8723376" cy="1329874"/>
             <a:chOff x="-3905251" y="4294188"/>
             <a:chExt cx="13027839" cy="1892300"/>
@@ -9139,7 +9131,7 @@
         </p:nvSpPr>
         <p:spPr>
           <a:xfrm>
-            <a:off x="914400" y="3581400"/>
+            <a:off x="914400" y="3581401"/>
             <a:ext cx="3352800" cy="1905001"/>
           </a:xfrm>
         </p:spPr>
@@ -10814,7 +10806,7 @@
         </p:nvSpPr>
         <p:spPr>
           <a:xfrm>
-            <a:off x="4651962" y="1828800"/>
+            <a:off x="4651963" y="1828800"/>
             <a:ext cx="3904076" cy="3810000"/>
           </a:xfrm>
         </p:spPr>
@@ -12580,7 +12572,7 @@
         </p:nvSpPr>
         <p:spPr>
           <a:xfrm>
-            <a:off x="4874155" y="338667"/>
+            <a:off x="4874156" y="338667"/>
             <a:ext cx="3812645" cy="2429934"/>
           </a:xfrm>
         </p:spPr>
@@ -12618,7 +12610,7 @@
         </p:nvSpPr>
         <p:spPr>
           <a:xfrm>
-            <a:off x="4868333" y="2785533"/>
+            <a:off x="4868333" y="2785534"/>
             <a:ext cx="3818467" cy="2421467"/>
           </a:xfrm>
         </p:spPr>
@@ -12939,7 +12931,7 @@
         </p:nvGrpSpPr>
         <p:grpSpPr bwMode="hidden">
           <a:xfrm>
-            <a:off x="211665" y="1679429"/>
+            <a:off x="211665" y="1679430"/>
             <a:ext cx="8723376" cy="1329874"/>
             <a:chOff x="-3905251" y="4294188"/>
             <a:chExt cx="13027839" cy="1892300"/>
@@ -14534,8 +14526,8 @@
         </p:nvSpPr>
         <p:spPr>
           <a:xfrm>
-            <a:off x="5163672" y="6250164"/>
-            <a:ext cx="3786690" cy="365125"/>
+            <a:off x="5163672" y="6250165"/>
+            <a:ext cx="3786691" cy="365125"/>
           </a:xfrm>
           <a:prstGeom prst="rect">
             <a:avLst/>
@@ -14574,7 +14566,7 @@
         </p:nvSpPr>
         <p:spPr>
           <a:xfrm>
-            <a:off x="193638" y="6250164"/>
+            <a:off x="193639" y="6250165"/>
             <a:ext cx="3786691" cy="365125"/>
           </a:xfrm>
           <a:prstGeom prst="rect">
@@ -14609,8 +14601,8 @@
         </p:nvSpPr>
         <p:spPr>
           <a:xfrm>
-            <a:off x="3991088" y="6250163"/>
-            <a:ext cx="1161826" cy="365125"/>
+            <a:off x="3991088" y="6250164"/>
+            <a:ext cx="1161827" cy="365125"/>
           </a:xfrm>
           <a:prstGeom prst="rect">
             <a:avLst/>
@@ -14649,7 +14641,7 @@
         </p:nvSpPr>
         <p:spPr>
           <a:xfrm>
-            <a:off x="872067" y="2675467"/>
+            <a:off x="872068" y="2675467"/>
             <a:ext cx="7408333" cy="3450696"/>
           </a:xfrm>
           <a:prstGeom prst="rect">
@@ -15205,9 +15197,10 @@
               <a:t>must respond with “success” per </a:t>
             </a:r>
             <a:r>
-              <a:rPr lang="en-US" dirty="0"/>
-              <a:t>“put” request</a:t>
-            </a:r>
+              <a:rPr lang="en-US" dirty="0" smtClean="0"/>
+              <a:t>“mutation”</a:t>
+            </a:r>
+            <a:endParaRPr lang="en-US" dirty="0"/>
           </a:p>
           <a:p>
             <a:r>
@@ -15300,7 +15293,7 @@
         </p:nvSpPr>
         <p:spPr>
           <a:xfrm>
-            <a:off x="872067" y="2675467"/>
+            <a:off x="872068" y="2675468"/>
             <a:ext cx="7408333" cy="3725333"/>
           </a:xfrm>
         </p:spPr>
@@ -15358,7 +15351,7 @@
           <a:p>
             <a:r>
               <a:rPr lang="en-US" dirty="0" smtClean="0"/>
-              <a:t>No joining</a:t>
+              <a:t>No “joins” like RDBMS</a:t>
             </a:r>
             <a:endParaRPr lang="en-US" dirty="0"/>
           </a:p>
@@ -15676,7 +15669,7 @@
         </p:nvSpPr>
         <p:spPr>
           <a:xfrm>
-            <a:off x="381000" y="2362200"/>
+            <a:off x="381002" y="2362201"/>
             <a:ext cx="8381999" cy="4190999"/>
           </a:xfrm>
         </p:spPr>
@@ -15851,19 +15844,19 @@
           </a:p>
           <a:p>
             <a:r>
-              <a:rPr lang="en-US" sz="2000" dirty="0" smtClean="0">
+              <a:rPr lang="en-US" dirty="0" smtClean="0">
                 <a:cs typeface="Courier New" pitchFamily="49" charset="0"/>
               </a:rPr>
               <a:t>Creates a single </a:t>
             </a:r>
             <a:r>
-              <a:rPr lang="en-US" sz="2000" dirty="0" err="1" smtClean="0">
+              <a:rPr lang="en-US" dirty="0" err="1" smtClean="0">
                 <a:cs typeface="Courier New" pitchFamily="49" charset="0"/>
               </a:rPr>
               <a:t>keyspace</a:t>
             </a:r>
             <a:r>
-              <a:rPr lang="en-US" sz="2000" dirty="0" smtClean="0">
+              <a:rPr lang="en-US" dirty="0" smtClean="0">
                 <a:cs typeface="Courier New" pitchFamily="49" charset="0"/>
               </a:rPr>
               <a:t>, blog.</a:t>
@@ -15871,23 +15864,32 @@
           </a:p>
           <a:p>
             <a:r>
-              <a:rPr lang="en-US" sz="2000" dirty="0" smtClean="0">
+              <a:rPr lang="en-US" dirty="0" smtClean="0">
                 <a:cs typeface="Courier New" pitchFamily="49" charset="0"/>
               </a:rPr>
               <a:t>Will hold all of our </a:t>
             </a:r>
             <a:r>
-              <a:rPr lang="en-US" sz="2000" dirty="0" err="1" smtClean="0">
+              <a:rPr lang="en-US" dirty="0" smtClean="0">
                 <a:cs typeface="Courier New" pitchFamily="49" charset="0"/>
               </a:rPr>
-              <a:t>ColumnFamily’s</a:t>
-            </a:r>
-            <a:r>
-              <a:rPr lang="en-US" sz="2000" dirty="0" smtClean="0">
+              <a:t>column </a:t>
+            </a:r>
+            <a:r>
+              <a:rPr lang="en-US" dirty="0" smtClean="0">
                 <a:cs typeface="Courier New" pitchFamily="49" charset="0"/>
               </a:rPr>
-              <a:t> (or Tables)</a:t>
-            </a:r>
+              <a:t>f</a:t>
+            </a:r>
+            <a:r>
+              <a:rPr lang="en-US" dirty="0" smtClean="0">
+                <a:cs typeface="Courier New" pitchFamily="49" charset="0"/>
+              </a:rPr>
+              <a:t>amilies</a:t>
+            </a:r>
+            <a:endParaRPr lang="en-US" dirty="0" smtClean="0">
+              <a:cs typeface="Courier New" pitchFamily="49" charset="0"/>
+            </a:endParaRPr>
           </a:p>
           <a:p>
             <a:pPr marL="0" indent="0">
@@ -15975,7 +15977,7 @@
         </p:nvSpPr>
         <p:spPr>
           <a:xfrm>
-            <a:off x="381000" y="2362200"/>
+            <a:off x="381002" y="2362201"/>
             <a:ext cx="8381999" cy="4190999"/>
           </a:xfrm>
         </p:spPr>
@@ -16079,6 +16081,27 @@
               </a:rPr>
               <a:t>}</a:t>
             </a:r>
+          </a:p>
+          <a:p>
+            <a:pPr marL="457200" indent="-457200">
+              <a:buFont typeface="+mj-lt"/>
+              <a:buAutoNum type="arabicPeriod"/>
+            </a:pPr>
+            <a:endParaRPr lang="en-US" sz="2000" dirty="0">
+              <a:latin typeface="Courier New" pitchFamily="49" charset="0"/>
+              <a:cs typeface="Courier New" pitchFamily="49" charset="0"/>
+            </a:endParaRPr>
+          </a:p>
+          <a:p>
+            <a:r>
+              <a:rPr lang="en-US" dirty="0" smtClean="0">
+                <a:cs typeface="Courier New" pitchFamily="49" charset="0"/>
+              </a:rPr>
+              <a:t>How do we model this in Cassandra?</a:t>
+            </a:r>
+            <a:endParaRPr lang="en-US" dirty="0" smtClean="0">
+              <a:cs typeface="Courier New" pitchFamily="49" charset="0"/>
+            </a:endParaRPr>
           </a:p>
           <a:p>
             <a:pPr marL="0" indent="0">
@@ -16262,7 +16285,7 @@
         </p:nvSpPr>
         <p:spPr>
           <a:xfrm>
-            <a:off x="381000" y="2362200"/>
+            <a:off x="381002" y="2362201"/>
             <a:ext cx="8381999" cy="4190999"/>
           </a:xfrm>
         </p:spPr>
@@ -16574,6 +16597,12 @@
           <a:p>
             <a:r>
               <a:rPr lang="en-US" dirty="0" smtClean="0"/>
+              <a:t>We would also like to see the posts in chronological order (most recent first)</a:t>
+            </a:r>
+          </a:p>
+          <a:p>
+            <a:r>
+              <a:rPr lang="en-US" dirty="0" smtClean="0"/>
               <a:t>Can’t do joins in Cassandra – </a:t>
             </a:r>
             <a:r>
@@ -16581,10 +16610,26 @@
               <a:t>booooo</a:t>
             </a:r>
             <a:r>
+              <a:rPr lang="en-US" dirty="0" smtClean="0"/>
+              <a:t>!</a:t>
+            </a:r>
+          </a:p>
+          <a:p>
+            <a:r>
+              <a:rPr lang="en-US" dirty="0" smtClean="0"/>
+              <a:t>Hint: columns </a:t>
+            </a:r>
+            <a:r>
+              <a:rPr lang="en-US" dirty="0" smtClean="0"/>
+              <a:t>within a row are sorted!</a:t>
+            </a:r>
+            <a:endParaRPr lang="en-US" dirty="0" smtClean="0"/>
+          </a:p>
+          <a:p>
+            <a:r>
               <a:rPr lang="en-US" dirty="0"/>
-              <a:t>!</a:t>
-            </a:r>
-            <a:endParaRPr lang="en-US" dirty="0" smtClean="0"/>
+              <a:t>Hint: Writes are super fast!</a:t>
+            </a:r>
           </a:p>
           <a:p>
             <a:endParaRPr lang="en-US" dirty="0"/>
@@ -16673,7 +16718,7 @@
         <p:spPr/>
         <p:txBody>
           <a:bodyPr>
-            <a:normAutofit fontScale="92500" lnSpcReduction="20000"/>
+            <a:normAutofit fontScale="92500" lnSpcReduction="10000"/>
           </a:bodyPr>
           <a:lstStyle/>
           <a:p>
@@ -16708,16 +16753,16 @@
           </a:p>
           <a:p>
             <a:r>
-              <a:rPr lang="en-US" dirty="0" smtClean="0"/>
-              <a:t>Need a new </a:t>
-            </a:r>
-            <a:r>
               <a:rPr lang="en-US" dirty="0" err="1" smtClean="0"/>
               <a:t>ColumnFamily</a:t>
             </a:r>
             <a:r>
               <a:rPr lang="en-US" dirty="0" smtClean="0"/>
-              <a:t> to connect Posts to a User (key = user email, column names = Post IDs, column values are empty)</a:t>
+              <a:t> to connect </a:t>
+            </a:r>
+            <a:r>
+              <a:rPr lang="en-US" dirty="0" smtClean="0"/>
+              <a:t>Posts to a User (key = user email, column names = Post IDs, column values are empty)</a:t>
             </a:r>
           </a:p>
           <a:p>
@@ -16780,7 +16825,9 @@
         </p:nvSpPr>
         <p:spPr/>
         <p:txBody>
-          <a:bodyPr/>
+          <a:bodyPr>
+            <a:normAutofit/>
+          </a:bodyPr>
           <a:lstStyle/>
           <a:p>
             <a:r>
@@ -16931,13 +16978,13 @@
         </p:nvSpPr>
         <p:spPr>
           <a:xfrm>
-            <a:off x="381000" y="2362200"/>
+            <a:off x="381000" y="2362201"/>
             <a:ext cx="8458200" cy="4190999"/>
           </a:xfrm>
         </p:spPr>
         <p:txBody>
           <a:bodyPr>
-            <a:normAutofit/>
+            <a:normAutofit lnSpcReduction="10000"/>
           </a:bodyPr>
           <a:lstStyle/>
           <a:p>
@@ -17085,6 +17132,14 @@
           </a:p>
           <a:p>
             <a:r>
+              <a:rPr lang="en-US" dirty="0" smtClean="0">
+                <a:cs typeface="Courier New" pitchFamily="49" charset="0"/>
+              </a:rPr>
+              <a:t>Make Post’s ID a time based UUID (type 1)</a:t>
+            </a:r>
+          </a:p>
+          <a:p>
+            <a:r>
               <a:rPr lang="en-US" dirty="0" err="1" smtClean="0">
                 <a:cs typeface="Courier New" pitchFamily="49" charset="0"/>
               </a:rPr>
@@ -17094,7 +17149,13 @@
               <a:rPr lang="en-US" dirty="0" smtClean="0">
                 <a:cs typeface="Courier New" pitchFamily="49" charset="0"/>
               </a:rPr>
-              <a:t> orders the column names by time, but also guarantees uniqueness</a:t>
+              <a:t> </a:t>
+            </a:r>
+            <a:r>
+              <a:rPr lang="en-US" dirty="0" smtClean="0">
+                <a:cs typeface="Courier New" pitchFamily="49" charset="0"/>
+              </a:rPr>
+              <a:t>orders the column names by time, but also guarantees uniqueness</a:t>
             </a:r>
           </a:p>
           <a:p>
@@ -17199,20 +17260,13 @@
         <p:spPr/>
         <p:txBody>
           <a:bodyPr>
-            <a:normAutofit fontScale="90000"/>
+            <a:normAutofit/>
           </a:bodyPr>
           <a:lstStyle/>
           <a:p>
             <a:r>
               <a:rPr lang="en-US" dirty="0" smtClean="0"/>
-              <a:t>Modeling an Index</a:t>
-            </a:r>
-            <a:br>
-              <a:rPr lang="en-US" dirty="0" smtClean="0"/>
-            </a:br>
-            <a:r>
-              <a:rPr lang="en-US" dirty="0" smtClean="0"/>
-              <a:t>(Posts sorted by time or vote)</a:t>
+              <a:t>Posts Retrievable By Time</a:t>
             </a:r>
             <a:endParaRPr lang="en-US" dirty="0"/>
           </a:p>
@@ -17231,78 +17285,40 @@
         <p:spPr/>
         <p:txBody>
           <a:bodyPr>
-            <a:normAutofit lnSpcReduction="10000"/>
+            <a:normAutofit/>
           </a:bodyPr>
           <a:lstStyle/>
           <a:p>
             <a:r>
               <a:rPr lang="en-US" dirty="0" smtClean="0"/>
-              <a:t>Cassandra has indexing capabilities, but limited – must always have an “equals” clause</a:t>
+              <a:t>We need the ability to search by a time range</a:t>
             </a:r>
           </a:p>
           <a:p>
             <a:r>
               <a:rPr lang="en-US" dirty="0" smtClean="0"/>
-              <a:t>We need to query for Posts over time range, so we won’t have an “equals”</a:t>
+              <a:t>We need the ability to return the N most recent posts</a:t>
             </a:r>
           </a:p>
           <a:p>
             <a:r>
               <a:rPr lang="en-US" dirty="0" smtClean="0"/>
-              <a:t>Every “index” requires an extra mutation</a:t>
+              <a:t>Cannot use C* index because we don’t have an “equals” clause</a:t>
             </a:r>
           </a:p>
           <a:p>
             <a:r>
               <a:rPr lang="en-US" dirty="0" smtClean="0"/>
-              <a:t>This is fine for Cassandra </a:t>
-            </a:r>
-            <a:r>
-              <a:rPr lang="en-US" dirty="0" err="1" smtClean="0"/>
-              <a:t>cuz</a:t>
-            </a:r>
-            <a:r>
-              <a:rPr lang="en-US" dirty="0" smtClean="0"/>
-              <a:t> mutations are super </a:t>
-            </a:r>
-            <a:r>
-              <a:rPr lang="en-US" dirty="0" err="1" smtClean="0"/>
-              <a:t>super</a:t>
-            </a:r>
-            <a:r>
-              <a:rPr lang="en-US" dirty="0" smtClean="0"/>
-              <a:t> </a:t>
-            </a:r>
-            <a:r>
-              <a:rPr lang="en-US" dirty="0" err="1" smtClean="0"/>
-              <a:t>super</a:t>
-            </a:r>
-            <a:r>
-              <a:rPr lang="en-US" dirty="0" smtClean="0"/>
-              <a:t> </a:t>
-            </a:r>
-            <a:r>
-              <a:rPr lang="en-US" dirty="0" err="1" smtClean="0"/>
-              <a:t>super</a:t>
-            </a:r>
-            <a:r>
-              <a:rPr lang="en-US" dirty="0" smtClean="0"/>
-              <a:t> fast!</a:t>
-            </a:r>
-          </a:p>
-          <a:p>
-            <a:r>
-              <a:rPr lang="en-US" dirty="0" smtClean="0"/>
-              <a:t>Really not doing anything different than the typical </a:t>
-            </a:r>
-            <a:r>
-              <a:rPr lang="en-US" dirty="0" smtClean="0"/>
-              <a:t>RDBMS</a:t>
-            </a:r>
-            <a:r>
-              <a:rPr lang="en-US" dirty="0" smtClean="0"/>
-              <a:t>, except we must manage our own indices</a:t>
-            </a:r>
+              <a:t>Hint:  columns within a row are sorted!</a:t>
+            </a:r>
+          </a:p>
+          <a:p>
+            <a:r>
+              <a:rPr lang="en-US" dirty="0"/>
+              <a:t>Hint: Writes are super fast!</a:t>
+            </a:r>
+          </a:p>
+          <a:p>
             <a:endParaRPr lang="en-US" dirty="0"/>
           </a:p>
         </p:txBody>
@@ -17346,224 +17362,7 @@
       </p:grpSpPr>
       <p:sp>
         <p:nvSpPr>
-          <p:cNvPr id="2" name="Content Placeholder 1"/>
-          <p:cNvSpPr>
-            <a:spLocks noGrp="1"/>
-          </p:cNvSpPr>
-          <p:nvPr>
-            <p:ph idx="1"/>
-          </p:nvPr>
-        </p:nvSpPr>
-        <p:spPr>
-          <a:xfrm>
-            <a:off x="381000" y="2362200"/>
-            <a:ext cx="8381999" cy="4190999"/>
-          </a:xfrm>
-        </p:spPr>
-        <p:txBody>
-          <a:bodyPr>
-            <a:normAutofit/>
-          </a:bodyPr>
-          <a:lstStyle/>
-          <a:p>
-            <a:pPr marL="457200" indent="-457200">
-              <a:buFont typeface="+mj-lt"/>
-              <a:buAutoNum type="arabicPeriod"/>
-            </a:pPr>
-            <a:r>
-              <a:rPr lang="en-US" sz="2000" dirty="0" smtClean="0">
-                <a:latin typeface="Courier New" pitchFamily="49" charset="0"/>
-                <a:cs typeface="Courier New" pitchFamily="49" charset="0"/>
-              </a:rPr>
-              <a:t>use blog;</a:t>
-            </a:r>
-          </a:p>
-          <a:p>
-            <a:pPr marL="457200" indent="-457200">
-              <a:buFont typeface="+mj-lt"/>
-              <a:buAutoNum type="arabicPeriod"/>
-            </a:pPr>
-            <a:r>
-              <a:rPr lang="en-US" sz="2000" dirty="0">
-                <a:latin typeface="Courier New" pitchFamily="49" charset="0"/>
-                <a:cs typeface="Courier New" pitchFamily="49" charset="0"/>
-              </a:rPr>
-              <a:t>create column family </a:t>
-            </a:r>
-            <a:r>
-              <a:rPr lang="en-US" sz="2000" dirty="0" err="1">
-                <a:latin typeface="Courier New" pitchFamily="49" charset="0"/>
-                <a:cs typeface="Courier New" pitchFamily="49" charset="0"/>
-              </a:rPr>
-              <a:t>posts_sorted_by_vote</a:t>
-            </a:r>
-            <a:endParaRPr lang="en-US" sz="2000" dirty="0">
-              <a:latin typeface="Courier New" pitchFamily="49" charset="0"/>
-              <a:cs typeface="Courier New" pitchFamily="49" charset="0"/>
-            </a:endParaRPr>
-          </a:p>
-          <a:p>
-            <a:pPr marL="457200" indent="-457200">
-              <a:buFont typeface="+mj-lt"/>
-              <a:buAutoNum type="arabicPeriod"/>
-            </a:pPr>
-            <a:r>
-              <a:rPr lang="en-US" sz="2000" dirty="0">
-                <a:latin typeface="Courier New" pitchFamily="49" charset="0"/>
-                <a:cs typeface="Courier New" pitchFamily="49" charset="0"/>
-              </a:rPr>
-              <a:t>    with comment = 'Index </a:t>
-            </a:r>
-            <a:r>
-              <a:rPr lang="en-US" sz="2000" dirty="0" smtClean="0">
-                <a:latin typeface="Courier New" pitchFamily="49" charset="0"/>
-                <a:cs typeface="Courier New" pitchFamily="49" charset="0"/>
-              </a:rPr>
-              <a:t>: posts </a:t>
-            </a:r>
-            <a:r>
-              <a:rPr lang="en-US" sz="2000" dirty="0">
-                <a:latin typeface="Courier New" pitchFamily="49" charset="0"/>
-                <a:cs typeface="Courier New" pitchFamily="49" charset="0"/>
-              </a:rPr>
-              <a:t>by vote'</a:t>
-            </a:r>
-          </a:p>
-          <a:p>
-            <a:pPr marL="457200" indent="-457200">
-              <a:buFont typeface="+mj-lt"/>
-              <a:buAutoNum type="arabicPeriod"/>
-            </a:pPr>
-            <a:r>
-              <a:rPr lang="en-US" sz="2000" dirty="0">
-                <a:latin typeface="Courier New" pitchFamily="49" charset="0"/>
-                <a:cs typeface="Courier New" pitchFamily="49" charset="0"/>
-              </a:rPr>
-              <a:t>    and comparator </a:t>
-            </a:r>
-            <a:r>
-              <a:rPr lang="en-US" sz="2000" dirty="0" smtClean="0">
-                <a:latin typeface="Courier New" pitchFamily="49" charset="0"/>
-                <a:cs typeface="Courier New" pitchFamily="49" charset="0"/>
-              </a:rPr>
-              <a:t>= '</a:t>
-            </a:r>
-            <a:r>
-              <a:rPr lang="en-US" sz="2000" b="1" dirty="0" err="1" smtClean="0">
-                <a:latin typeface="Courier New" pitchFamily="49" charset="0"/>
-                <a:cs typeface="Courier New" pitchFamily="49" charset="0"/>
-              </a:rPr>
-              <a:t>CompositeType</a:t>
-            </a:r>
-            <a:r>
-              <a:rPr lang="en-US" sz="2000" b="1" dirty="0" smtClean="0">
-                <a:latin typeface="Courier New" pitchFamily="49" charset="0"/>
-                <a:cs typeface="Courier New" pitchFamily="49" charset="0"/>
-              </a:rPr>
-              <a:t>(</a:t>
-            </a:r>
-            <a:r>
-              <a:rPr lang="en-US" sz="2000" b="1" dirty="0" err="1" smtClean="0">
-                <a:latin typeface="Courier New" pitchFamily="49" charset="0"/>
-                <a:cs typeface="Courier New" pitchFamily="49" charset="0"/>
-              </a:rPr>
-              <a:t>LongType</a:t>
-            </a:r>
-            <a:r>
-              <a:rPr lang="en-US" sz="2000" b="1" dirty="0" smtClean="0">
-                <a:latin typeface="Courier New" pitchFamily="49" charset="0"/>
-                <a:cs typeface="Courier New" pitchFamily="49" charset="0"/>
-              </a:rPr>
-              <a:t>(reversed=true</a:t>
-            </a:r>
-            <a:r>
-              <a:rPr lang="en-US" sz="2000" b="1" dirty="0">
-                <a:latin typeface="Courier New" pitchFamily="49" charset="0"/>
-                <a:cs typeface="Courier New" pitchFamily="49" charset="0"/>
-              </a:rPr>
-              <a:t>), </a:t>
-            </a:r>
-            <a:r>
-              <a:rPr lang="en-US" sz="2000" b="1" dirty="0" err="1">
-                <a:latin typeface="Courier New" pitchFamily="49" charset="0"/>
-                <a:cs typeface="Courier New" pitchFamily="49" charset="0"/>
-              </a:rPr>
-              <a:t>TimeUUIDType</a:t>
-            </a:r>
-            <a:r>
-              <a:rPr lang="en-US" sz="2000" b="1" dirty="0" smtClean="0">
-                <a:latin typeface="Courier New" pitchFamily="49" charset="0"/>
-                <a:cs typeface="Courier New" pitchFamily="49" charset="0"/>
-              </a:rPr>
-              <a:t>)</a:t>
-            </a:r>
-            <a:r>
-              <a:rPr lang="en-US" sz="2000" dirty="0" smtClean="0">
-                <a:latin typeface="Courier New" pitchFamily="49" charset="0"/>
-                <a:cs typeface="Courier New" pitchFamily="49" charset="0"/>
-              </a:rPr>
-              <a:t>‘</a:t>
-            </a:r>
-            <a:r>
-              <a:rPr lang="en-US" sz="2000" dirty="0">
-                <a:latin typeface="Courier New" pitchFamily="49" charset="0"/>
-                <a:cs typeface="Courier New" pitchFamily="49" charset="0"/>
-              </a:rPr>
-              <a:t>;</a:t>
-            </a:r>
-            <a:endParaRPr lang="en-US" sz="2000" dirty="0">
-              <a:latin typeface="Courier New" pitchFamily="49" charset="0"/>
-              <a:cs typeface="Courier New" pitchFamily="49" charset="0"/>
-            </a:endParaRPr>
-          </a:p>
-          <a:p>
-            <a:pPr marL="457200" indent="-457200">
-              <a:buFont typeface="+mj-lt"/>
-              <a:buAutoNum type="arabicPeriod"/>
-            </a:pPr>
-            <a:endParaRPr lang="en-US" sz="2000" dirty="0">
-              <a:latin typeface="Courier New" pitchFamily="49" charset="0"/>
-              <a:cs typeface="Courier New" pitchFamily="49" charset="0"/>
-            </a:endParaRPr>
-          </a:p>
-          <a:p>
-            <a:r>
-              <a:rPr lang="en-US" dirty="0" smtClean="0">
-                <a:cs typeface="Courier New" pitchFamily="49" charset="0"/>
-              </a:rPr>
-              <a:t>Single row – good idea?</a:t>
-            </a:r>
-          </a:p>
-          <a:p>
-            <a:r>
-              <a:rPr lang="en-US" dirty="0" smtClean="0">
-                <a:cs typeface="Courier New" pitchFamily="49" charset="0"/>
-              </a:rPr>
-              <a:t>Composite </a:t>
-            </a:r>
-            <a:r>
-              <a:rPr lang="en-US" dirty="0" smtClean="0">
-                <a:cs typeface="Courier New" pitchFamily="49" charset="0"/>
-              </a:rPr>
-              <a:t>column names allow us to use multiple properties to form the column name, and sort by each component</a:t>
-            </a:r>
-          </a:p>
-          <a:p>
-            <a:r>
-              <a:rPr lang="en-US" dirty="0" smtClean="0">
-                <a:cs typeface="Courier New" pitchFamily="49" charset="0"/>
-              </a:rPr>
-              <a:t>Can only use “reversed” on first component</a:t>
-            </a:r>
-            <a:endParaRPr lang="en-US" dirty="0">
-              <a:cs typeface="Courier New" pitchFamily="49" charset="0"/>
-            </a:endParaRPr>
-          </a:p>
-        </p:txBody>
-      </p:sp>
-      <p:sp>
-        <p:nvSpPr>
-          <p:cNvPr id="3" name="Title 2"/>
+          <p:cNvPr id="4" name="Title 3"/>
           <p:cNvSpPr>
             <a:spLocks noGrp="1"/>
           </p:cNvSpPr>
@@ -17574,13 +17373,121 @@
         <p:spPr/>
         <p:txBody>
           <a:bodyPr>
-            <a:normAutofit/>
+            <a:normAutofit fontScale="90000"/>
           </a:bodyPr>
           <a:lstStyle/>
           <a:p>
             <a:r>
               <a:rPr lang="en-US" dirty="0" smtClean="0"/>
-              <a:t>Creating an Index</a:t>
+              <a:t>Modeling an Index</a:t>
+            </a:r>
+            <a:br>
+              <a:rPr lang="en-US" dirty="0" smtClean="0"/>
+            </a:br>
+            <a:r>
+              <a:rPr lang="en-US" dirty="0" smtClean="0"/>
+              <a:t>(All Posts </a:t>
+            </a:r>
+            <a:r>
+              <a:rPr lang="en-US" dirty="0" smtClean="0"/>
+              <a:t>sorted by </a:t>
+            </a:r>
+            <a:r>
+              <a:rPr lang="en-US" dirty="0" smtClean="0"/>
+              <a:t>time)</a:t>
+            </a:r>
+            <a:endParaRPr lang="en-US" dirty="0"/>
+          </a:p>
+        </p:txBody>
+      </p:sp>
+      <p:sp>
+        <p:nvSpPr>
+          <p:cNvPr id="5" name="Content Placeholder 4"/>
+          <p:cNvSpPr>
+            <a:spLocks noGrp="1"/>
+          </p:cNvSpPr>
+          <p:nvPr>
+            <p:ph idx="1"/>
+          </p:nvPr>
+        </p:nvSpPr>
+        <p:spPr/>
+        <p:txBody>
+          <a:bodyPr>
+            <a:normAutofit lnSpcReduction="10000"/>
+          </a:bodyPr>
+          <a:lstStyle/>
+          <a:p>
+            <a:r>
+              <a:rPr lang="en-US" dirty="0" smtClean="0"/>
+              <a:t>Cassandra has indexing capabilities, but limited – must always have an “equals” clause</a:t>
+            </a:r>
+          </a:p>
+          <a:p>
+            <a:r>
+              <a:rPr lang="en-US" dirty="0" smtClean="0"/>
+              <a:t>We need to query for Posts over time range, so we won’t have an “equals”</a:t>
+            </a:r>
+          </a:p>
+          <a:p>
+            <a:r>
+              <a:rPr lang="en-US" dirty="0" smtClean="0"/>
+              <a:t>Negative : every </a:t>
+            </a:r>
+            <a:r>
+              <a:rPr lang="en-US" dirty="0" smtClean="0"/>
+              <a:t>“index” requires an extra mutation</a:t>
+            </a:r>
+          </a:p>
+          <a:p>
+            <a:r>
+              <a:rPr lang="en-US" dirty="0" smtClean="0"/>
+              <a:t>This is fine for Cassandra </a:t>
+            </a:r>
+            <a:r>
+              <a:rPr lang="en-US" dirty="0" err="1" smtClean="0"/>
+              <a:t>cuz</a:t>
+            </a:r>
+            <a:r>
+              <a:rPr lang="en-US" dirty="0" smtClean="0"/>
+              <a:t> mutations are super </a:t>
+            </a:r>
+            <a:r>
+              <a:rPr lang="en-US" dirty="0" err="1" smtClean="0"/>
+              <a:t>super</a:t>
+            </a:r>
+            <a:r>
+              <a:rPr lang="en-US" dirty="0" smtClean="0"/>
+              <a:t> </a:t>
+            </a:r>
+            <a:r>
+              <a:rPr lang="en-US" dirty="0" err="1" smtClean="0"/>
+              <a:t>super</a:t>
+            </a:r>
+            <a:r>
+              <a:rPr lang="en-US" dirty="0" smtClean="0"/>
+              <a:t> </a:t>
+            </a:r>
+            <a:r>
+              <a:rPr lang="en-US" dirty="0" err="1" smtClean="0"/>
+              <a:t>super</a:t>
+            </a:r>
+            <a:r>
+              <a:rPr lang="en-US" dirty="0" smtClean="0"/>
+              <a:t> fast!</a:t>
+            </a:r>
+          </a:p>
+          <a:p>
+            <a:r>
+              <a:rPr lang="en-US" dirty="0" smtClean="0"/>
+              <a:t>Really not doing anything different than the typical </a:t>
+            </a:r>
+            <a:r>
+              <a:rPr lang="en-US" dirty="0" smtClean="0"/>
+              <a:t>RDBMS</a:t>
+            </a:r>
+            <a:r>
+              <a:rPr lang="en-US" dirty="0" smtClean="0"/>
+              <a:t>, except we must manage our own indices</a:t>
             </a:r>
             <a:endParaRPr lang="en-US" dirty="0"/>
           </a:p>
@@ -17589,7 +17496,7 @@
     </p:spTree>
     <p:extLst>
       <p:ext uri="{BB962C8B-B14F-4D97-AF65-F5344CB8AC3E}">
-        <p14:creationId xmlns:p14="http://schemas.microsoft.com/office/powerpoint/2010/main" val="989618420"/>
+        <p14:creationId xmlns:p14="http://schemas.microsoft.com/office/powerpoint/2010/main" val="615104885"/>
       </p:ext>
     </p:extLst>
   </p:cSld>
@@ -17633,42 +17540,185 @@
             <p:ph idx="1"/>
           </p:nvPr>
         </p:nvSpPr>
-        <p:spPr/>
+        <p:spPr>
+          <a:xfrm>
+            <a:off x="381002" y="2362201"/>
+            <a:ext cx="8381999" cy="4190999"/>
+          </a:xfrm>
+        </p:spPr>
         <p:txBody>
           <a:bodyPr>
-            <a:normAutofit fontScale="92500" lnSpcReduction="20000"/>
+            <a:normAutofit lnSpcReduction="10000"/>
           </a:bodyPr>
           <a:lstStyle/>
           <a:p>
-            <a:r>
-              <a:rPr lang="en-US" dirty="0" smtClean="0"/>
-              <a:t>Cassandra does not have a way to read-update-write safely (no transactions)</a:t>
-            </a:r>
-          </a:p>
-          <a:p>
-            <a:r>
-              <a:rPr lang="en-US" dirty="0" smtClean="0"/>
-              <a:t>Distributed counters were added to handle the specific case of incrementing integers</a:t>
-            </a:r>
-          </a:p>
-          <a:p>
-            <a:r>
-              <a:rPr lang="en-US" dirty="0" smtClean="0"/>
-              <a:t>However, they are not to be used for “sequence” generators – you tell Cassandra to update, but don’t know the value after update</a:t>
-            </a:r>
-          </a:p>
-          <a:p>
-            <a:r>
-              <a:rPr lang="en-US" dirty="0" smtClean="0"/>
-              <a:t>Counters can handle outages, network partitions, delays in replication</a:t>
-            </a:r>
-          </a:p>
-          <a:p>
-            <a:r>
-              <a:rPr lang="en-US" dirty="0" smtClean="0"/>
-              <a:t>… But, the only time they will accurately reflect reality is if the system is “at rest”</a:t>
-            </a:r>
-            <a:endParaRPr lang="en-US" dirty="0"/>
+            <a:pPr marL="457200" indent="-457200">
+              <a:buFont typeface="+mj-lt"/>
+              <a:buAutoNum type="arabicPeriod"/>
+            </a:pPr>
+            <a:r>
+              <a:rPr lang="en-US" sz="2000" dirty="0" smtClean="0">
+                <a:latin typeface="Courier New" pitchFamily="49" charset="0"/>
+                <a:cs typeface="Courier New" pitchFamily="49" charset="0"/>
+              </a:rPr>
+              <a:t>use blog;</a:t>
+            </a:r>
+          </a:p>
+          <a:p>
+            <a:pPr marL="457200" indent="-457200">
+              <a:buFont typeface="+mj-lt"/>
+              <a:buAutoNum type="arabicPeriod"/>
+            </a:pPr>
+            <a:r>
+              <a:rPr lang="en-US" sz="2000" dirty="0">
+                <a:latin typeface="Courier New" pitchFamily="49" charset="0"/>
+                <a:cs typeface="Courier New" pitchFamily="49" charset="0"/>
+              </a:rPr>
+              <a:t>create column family </a:t>
+            </a:r>
+            <a:r>
+              <a:rPr lang="en-US" sz="2000" dirty="0" err="1">
+                <a:latin typeface="Courier New" pitchFamily="49" charset="0"/>
+                <a:cs typeface="Courier New" pitchFamily="49" charset="0"/>
+              </a:rPr>
+              <a:t>posts_by_time</a:t>
+            </a:r>
+            <a:endParaRPr lang="en-US" sz="2000" dirty="0">
+              <a:latin typeface="Courier New" pitchFamily="49" charset="0"/>
+              <a:cs typeface="Courier New" pitchFamily="49" charset="0"/>
+            </a:endParaRPr>
+          </a:p>
+          <a:p>
+            <a:pPr marL="457200" indent="-457200">
+              <a:buFont typeface="+mj-lt"/>
+              <a:buAutoNum type="arabicPeriod"/>
+            </a:pPr>
+            <a:r>
+              <a:rPr lang="en-US" sz="2000" dirty="0">
+                <a:latin typeface="Courier New" pitchFamily="49" charset="0"/>
+                <a:cs typeface="Courier New" pitchFamily="49" charset="0"/>
+              </a:rPr>
+              <a:t>    with comment = 'Index for retrieving Posts by time - </a:t>
+            </a:r>
+            <a:r>
+              <a:rPr lang="en-US" sz="2000" b="1" dirty="0">
+                <a:latin typeface="Courier New" pitchFamily="49" charset="0"/>
+                <a:cs typeface="Courier New" pitchFamily="49" charset="0"/>
+              </a:rPr>
+              <a:t>keys are </a:t>
+            </a:r>
+            <a:r>
+              <a:rPr lang="en-US" sz="2000" b="1" dirty="0" smtClean="0">
+                <a:latin typeface="Courier New" pitchFamily="49" charset="0"/>
+                <a:cs typeface="Courier New" pitchFamily="49" charset="0"/>
+              </a:rPr>
+              <a:t>timestamps of </a:t>
+            </a:r>
+            <a:r>
+              <a:rPr lang="en-US" sz="2000" b="1" dirty="0">
+                <a:latin typeface="Courier New" pitchFamily="49" charset="0"/>
+                <a:cs typeface="Courier New" pitchFamily="49" charset="0"/>
+              </a:rPr>
+              <a:t>1 hour granularity</a:t>
+            </a:r>
+            <a:r>
+              <a:rPr lang="en-US" sz="2000" dirty="0">
+                <a:latin typeface="Courier New" pitchFamily="49" charset="0"/>
+                <a:cs typeface="Courier New" pitchFamily="49" charset="0"/>
+              </a:rPr>
+              <a:t>'</a:t>
+            </a:r>
+          </a:p>
+          <a:p>
+            <a:pPr marL="457200" indent="-457200">
+              <a:buFont typeface="+mj-lt"/>
+              <a:buAutoNum type="arabicPeriod"/>
+            </a:pPr>
+            <a:r>
+              <a:rPr lang="en-US" sz="2000" dirty="0">
+                <a:latin typeface="Courier New" pitchFamily="49" charset="0"/>
+                <a:cs typeface="Courier New" pitchFamily="49" charset="0"/>
+              </a:rPr>
+              <a:t>    and </a:t>
+            </a:r>
+            <a:r>
+              <a:rPr lang="en-US" sz="2000" dirty="0" err="1">
+                <a:latin typeface="Courier New" pitchFamily="49" charset="0"/>
+                <a:cs typeface="Courier New" pitchFamily="49" charset="0"/>
+              </a:rPr>
+              <a:t>key_validation_class</a:t>
+            </a:r>
+            <a:r>
+              <a:rPr lang="en-US" sz="2000" dirty="0">
+                <a:latin typeface="Courier New" pitchFamily="49" charset="0"/>
+                <a:cs typeface="Courier New" pitchFamily="49" charset="0"/>
+              </a:rPr>
+              <a:t> = 'UTF8Type'</a:t>
+            </a:r>
+          </a:p>
+          <a:p>
+            <a:pPr marL="457200" indent="-457200">
+              <a:buFont typeface="+mj-lt"/>
+              <a:buAutoNum type="arabicPeriod"/>
+            </a:pPr>
+            <a:r>
+              <a:rPr lang="en-US" sz="2000" dirty="0">
+                <a:latin typeface="Courier New" pitchFamily="49" charset="0"/>
+                <a:cs typeface="Courier New" pitchFamily="49" charset="0"/>
+              </a:rPr>
+              <a:t>    and comparator = '</a:t>
+            </a:r>
+            <a:r>
+              <a:rPr lang="en-US" sz="2000" dirty="0" err="1">
+                <a:latin typeface="Courier New" pitchFamily="49" charset="0"/>
+                <a:cs typeface="Courier New" pitchFamily="49" charset="0"/>
+              </a:rPr>
+              <a:t>TimeUUIDType</a:t>
+            </a:r>
+            <a:r>
+              <a:rPr lang="en-US" sz="2000" dirty="0" smtClean="0">
+                <a:latin typeface="Courier New" pitchFamily="49" charset="0"/>
+                <a:cs typeface="Courier New" pitchFamily="49" charset="0"/>
+              </a:rPr>
+              <a:t>';</a:t>
+            </a:r>
+          </a:p>
+          <a:p>
+            <a:pPr marL="457200" indent="-457200">
+              <a:buFont typeface="+mj-lt"/>
+              <a:buAutoNum type="arabicPeriod"/>
+            </a:pPr>
+            <a:endParaRPr lang="en-US" sz="2000" dirty="0">
+              <a:latin typeface="Courier New" pitchFamily="49" charset="0"/>
+              <a:cs typeface="Courier New" pitchFamily="49" charset="0"/>
+            </a:endParaRPr>
+          </a:p>
+          <a:p>
+            <a:r>
+              <a:rPr lang="en-US" dirty="0" smtClean="0">
+                <a:cs typeface="Courier New" pitchFamily="49" charset="0"/>
+              </a:rPr>
+              <a:t>What’s that in the comment?  1 hour granularity?</a:t>
+            </a:r>
+            <a:endParaRPr lang="en-US" dirty="0">
+              <a:cs typeface="Courier New" pitchFamily="49" charset="0"/>
+            </a:endParaRPr>
+          </a:p>
+          <a:p>
+            <a:r>
+              <a:rPr lang="en-US" dirty="0" smtClean="0">
+                <a:cs typeface="Courier New" pitchFamily="49" charset="0"/>
+              </a:rPr>
+              <a:t>Why not use a single row?</a:t>
+            </a:r>
+          </a:p>
+          <a:p>
+            <a:r>
+              <a:rPr lang="en-US" dirty="0" smtClean="0">
+                <a:cs typeface="Courier New" pitchFamily="49" charset="0"/>
+              </a:rPr>
+              <a:t>It would eventually become huge and would only use RF nodes from the cluster</a:t>
+            </a:r>
           </a:p>
         </p:txBody>
       </p:sp>
@@ -17684,12 +17734,14 @@
         </p:nvSpPr>
         <p:spPr/>
         <p:txBody>
-          <a:bodyPr/>
+          <a:bodyPr>
+            <a:normAutofit/>
+          </a:bodyPr>
           <a:lstStyle/>
           <a:p>
             <a:r>
               <a:rPr lang="en-US" dirty="0" smtClean="0"/>
-              <a:t>How to Count – Really!</a:t>
+              <a:t>Creating an Index</a:t>
             </a:r>
             <a:endParaRPr lang="en-US" dirty="0"/>
           </a:p>
@@ -17698,7 +17750,7 @@
     </p:spTree>
     <p:extLst>
       <p:ext uri="{BB962C8B-B14F-4D97-AF65-F5344CB8AC3E}">
-        <p14:creationId xmlns:p14="http://schemas.microsoft.com/office/powerpoint/2010/main" val="2616893758"/>
+        <p14:creationId xmlns:p14="http://schemas.microsoft.com/office/powerpoint/2010/main" val="989618420"/>
       </p:ext>
     </p:extLst>
   </p:cSld>
@@ -17742,200 +17794,92 @@
             <p:ph idx="1"/>
           </p:nvPr>
         </p:nvSpPr>
-        <p:spPr>
-          <a:xfrm>
-            <a:off x="381000" y="2362200"/>
-            <a:ext cx="8381999" cy="4190999"/>
-          </a:xfrm>
-        </p:spPr>
+        <p:spPr/>
         <p:txBody>
           <a:bodyPr>
-            <a:normAutofit/>
+            <a:normAutofit fontScale="92500" lnSpcReduction="10000"/>
           </a:bodyPr>
           <a:lstStyle/>
           <a:p>
-            <a:pPr marL="457200" indent="-457200">
-              <a:buFont typeface="+mj-lt"/>
-              <a:buAutoNum type="arabicPeriod"/>
-            </a:pPr>
-            <a:r>
-              <a:rPr lang="en-US" sz="2000" dirty="0" smtClean="0">
-                <a:latin typeface="Courier New" pitchFamily="49" charset="0"/>
-                <a:cs typeface="Courier New" pitchFamily="49" charset="0"/>
-              </a:rPr>
-              <a:t>use blog;</a:t>
-            </a:r>
-          </a:p>
-          <a:p>
-            <a:pPr marL="457200" indent="-457200">
-              <a:buFont typeface="+mj-lt"/>
-              <a:buAutoNum type="arabicPeriod"/>
-            </a:pPr>
-            <a:r>
-              <a:rPr lang="en-US" sz="2000" dirty="0">
-                <a:latin typeface="Courier New" pitchFamily="49" charset="0"/>
-                <a:cs typeface="Courier New" pitchFamily="49" charset="0"/>
-              </a:rPr>
-              <a:t>create column family votes</a:t>
-            </a:r>
-          </a:p>
-          <a:p>
-            <a:pPr marL="457200" indent="-457200">
-              <a:buFont typeface="+mj-lt"/>
-              <a:buAutoNum type="arabicPeriod"/>
-            </a:pPr>
-            <a:r>
-              <a:rPr lang="en-US" sz="2000" dirty="0">
-                <a:latin typeface="Courier New" pitchFamily="49" charset="0"/>
-                <a:cs typeface="Courier New" pitchFamily="49" charset="0"/>
-              </a:rPr>
-              <a:t>    with comment = </a:t>
-            </a:r>
-            <a:r>
-              <a:rPr lang="en-US" sz="2000" dirty="0" smtClean="0">
-                <a:latin typeface="Courier New" pitchFamily="49" charset="0"/>
-                <a:cs typeface="Courier New" pitchFamily="49" charset="0"/>
-              </a:rPr>
-              <a:t>‘Voting counters'</a:t>
-            </a:r>
-            <a:endParaRPr lang="en-US" sz="2000" dirty="0">
-              <a:latin typeface="Courier New" pitchFamily="49" charset="0"/>
-              <a:cs typeface="Courier New" pitchFamily="49" charset="0"/>
-            </a:endParaRPr>
-          </a:p>
-          <a:p>
-            <a:pPr marL="457200" indent="-457200">
-              <a:buFont typeface="+mj-lt"/>
-              <a:buAutoNum type="arabicPeriod"/>
-            </a:pPr>
-            <a:r>
-              <a:rPr lang="en-US" sz="2000" dirty="0">
-                <a:latin typeface="Courier New" pitchFamily="49" charset="0"/>
-                <a:cs typeface="Courier New" pitchFamily="49" charset="0"/>
-              </a:rPr>
-              <a:t>    and </a:t>
-            </a:r>
-            <a:r>
-              <a:rPr lang="en-US" sz="2000" dirty="0" err="1">
-                <a:latin typeface="Courier New" pitchFamily="49" charset="0"/>
-                <a:cs typeface="Courier New" pitchFamily="49" charset="0"/>
-              </a:rPr>
-              <a:t>key_validation_class</a:t>
-            </a:r>
-            <a:r>
-              <a:rPr lang="en-US" sz="2000" dirty="0">
-                <a:latin typeface="Courier New" pitchFamily="49" charset="0"/>
-                <a:cs typeface="Courier New" pitchFamily="49" charset="0"/>
-              </a:rPr>
-              <a:t> = '</a:t>
-            </a:r>
-            <a:r>
-              <a:rPr lang="en-US" sz="2000" dirty="0" err="1">
-                <a:latin typeface="Courier New" pitchFamily="49" charset="0"/>
-                <a:cs typeface="Courier New" pitchFamily="49" charset="0"/>
-              </a:rPr>
-              <a:t>TimeUUIDType</a:t>
-            </a:r>
-            <a:r>
-              <a:rPr lang="en-US" sz="2000" dirty="0">
-                <a:latin typeface="Courier New" pitchFamily="49" charset="0"/>
-                <a:cs typeface="Courier New" pitchFamily="49" charset="0"/>
-              </a:rPr>
-              <a:t>'</a:t>
-            </a:r>
-          </a:p>
-          <a:p>
-            <a:pPr marL="457200" indent="-457200">
-              <a:buFont typeface="+mj-lt"/>
-              <a:buAutoNum type="arabicPeriod"/>
-            </a:pPr>
-            <a:r>
-              <a:rPr lang="en-US" sz="2000" dirty="0">
-                <a:latin typeface="Courier New" pitchFamily="49" charset="0"/>
-                <a:cs typeface="Courier New" pitchFamily="49" charset="0"/>
-              </a:rPr>
-              <a:t>    and </a:t>
-            </a:r>
-            <a:r>
-              <a:rPr lang="en-US" sz="2000" b="1" dirty="0" err="1">
-                <a:latin typeface="Courier New" pitchFamily="49" charset="0"/>
-                <a:cs typeface="Courier New" pitchFamily="49" charset="0"/>
-              </a:rPr>
-              <a:t>default_validation_class</a:t>
-            </a:r>
-            <a:r>
-              <a:rPr lang="en-US" sz="2000" b="1" dirty="0">
-                <a:latin typeface="Courier New" pitchFamily="49" charset="0"/>
-                <a:cs typeface="Courier New" pitchFamily="49" charset="0"/>
-              </a:rPr>
-              <a:t> = </a:t>
-            </a:r>
-            <a:r>
-              <a:rPr lang="en-US" sz="2000" b="1" dirty="0" err="1">
-                <a:latin typeface="Courier New" pitchFamily="49" charset="0"/>
-                <a:cs typeface="Courier New" pitchFamily="49" charset="0"/>
-              </a:rPr>
-              <a:t>CounterColumnType</a:t>
-            </a:r>
-            <a:endParaRPr lang="en-US" sz="2000" b="1" dirty="0">
-              <a:latin typeface="Courier New" pitchFamily="49" charset="0"/>
-              <a:cs typeface="Courier New" pitchFamily="49" charset="0"/>
-            </a:endParaRPr>
-          </a:p>
-          <a:p>
-            <a:pPr marL="457200" indent="-457200">
-              <a:buFont typeface="+mj-lt"/>
-              <a:buAutoNum type="arabicPeriod"/>
-            </a:pPr>
-            <a:r>
-              <a:rPr lang="en-US" sz="2000" dirty="0">
-                <a:latin typeface="Courier New" pitchFamily="49" charset="0"/>
-                <a:cs typeface="Courier New" pitchFamily="49" charset="0"/>
-              </a:rPr>
-              <a:t>    and comparator = 'UTF8Type'</a:t>
-            </a:r>
-          </a:p>
-          <a:p>
-            <a:pPr marL="457200" indent="-457200">
-              <a:buFont typeface="+mj-lt"/>
-              <a:buAutoNum type="arabicPeriod"/>
-            </a:pPr>
-            <a:r>
-              <a:rPr lang="en-US" sz="2000" dirty="0">
-                <a:latin typeface="Courier New" pitchFamily="49" charset="0"/>
-                <a:cs typeface="Courier New" pitchFamily="49" charset="0"/>
-              </a:rPr>
-              <a:t>    ;</a:t>
-            </a:r>
-          </a:p>
-          <a:p>
-            <a:pPr marL="457200" indent="-457200">
-              <a:buFont typeface="+mj-lt"/>
-              <a:buAutoNum type="arabicPeriod"/>
-            </a:pPr>
-            <a:endParaRPr lang="en-US" sz="2000" dirty="0">
-              <a:latin typeface="Courier New" pitchFamily="49" charset="0"/>
-              <a:cs typeface="Courier New" pitchFamily="49" charset="0"/>
-            </a:endParaRPr>
-          </a:p>
-          <a:p>
-            <a:r>
-              <a:rPr lang="en-US" dirty="0" smtClean="0">
-                <a:cs typeface="Courier New" pitchFamily="49" charset="0"/>
-              </a:rPr>
-              <a:t>Special validator signals counter column family</a:t>
-            </a:r>
-          </a:p>
-          <a:p>
-            <a:r>
-              <a:rPr lang="en-US" dirty="0" smtClean="0">
-                <a:cs typeface="Courier New" pitchFamily="49" charset="0"/>
-              </a:rPr>
-              <a:t>Can’t mix other column types with counter columns</a:t>
-            </a:r>
-            <a:endParaRPr lang="en-US" dirty="0">
-              <a:cs typeface="Courier New" pitchFamily="49" charset="0"/>
-            </a:endParaRPr>
+            <a:r>
+              <a:rPr lang="en-US" dirty="0" smtClean="0"/>
+              <a:t>Cassandra does not have a way to read-update-write safely (no </a:t>
+            </a:r>
+            <a:r>
+              <a:rPr lang="en-US" dirty="0" smtClean="0"/>
+              <a:t>transactions until 2.0)</a:t>
+            </a:r>
+            <a:endParaRPr lang="en-US" dirty="0" smtClean="0"/>
+          </a:p>
+          <a:p>
+            <a:r>
+              <a:rPr lang="en-US" dirty="0" smtClean="0"/>
+              <a:t>Distributed counters were added to handle the specific case of incrementing integers</a:t>
+            </a:r>
+          </a:p>
+          <a:p>
+            <a:r>
+              <a:rPr lang="en-US" dirty="0" smtClean="0"/>
+              <a:t>However, they are not </a:t>
+            </a:r>
+            <a:r>
+              <a:rPr lang="en-US" dirty="0" smtClean="0"/>
+              <a:t>called “distributed sequences” and *cannot* be </a:t>
+            </a:r>
+            <a:r>
+              <a:rPr lang="en-US" dirty="0" smtClean="0"/>
+              <a:t>used </a:t>
+            </a:r>
+            <a:r>
+              <a:rPr lang="en-US" dirty="0" smtClean="0"/>
+              <a:t>for generating unique IDs</a:t>
+            </a:r>
+            <a:endParaRPr lang="en-US" dirty="0" smtClean="0"/>
+          </a:p>
+          <a:p>
+            <a:r>
+              <a:rPr lang="en-US" dirty="0" smtClean="0"/>
+              <a:t>Counters can handle outages, network partitions, delays in replication</a:t>
+            </a:r>
+          </a:p>
+          <a:p>
+            <a:r>
+              <a:rPr lang="en-US" dirty="0" smtClean="0"/>
+              <a:t>… But, </a:t>
+            </a:r>
+            <a:r>
+              <a:rPr lang="en-US" dirty="0" smtClean="0"/>
+              <a:t>don’t count on them to be perfect – they </a:t>
+            </a:r>
+            <a:r>
+              <a:rPr lang="en-US" dirty="0" smtClean="0"/>
+              <a:t>will </a:t>
+            </a:r>
+            <a:r>
+              <a:rPr lang="en-US" dirty="0" smtClean="0"/>
+              <a:t>only reflect </a:t>
+            </a:r>
+            <a:r>
+              <a:rPr lang="en-US" dirty="0" smtClean="0"/>
+              <a:t>reality </a:t>
+            </a:r>
+            <a:r>
+              <a:rPr lang="en-US" dirty="0" smtClean="0"/>
+              <a:t>if </a:t>
+            </a:r>
+            <a:r>
+              <a:rPr lang="en-US" dirty="0" smtClean="0"/>
+              <a:t>the system is </a:t>
+            </a:r>
+            <a:r>
+              <a:rPr lang="en-US" dirty="0" smtClean="0"/>
+              <a:t>all caught up and “at </a:t>
+            </a:r>
+            <a:r>
+              <a:rPr lang="en-US" dirty="0" smtClean="0"/>
+              <a:t>rest”</a:t>
+            </a:r>
+            <a:endParaRPr lang="en-US" dirty="0"/>
           </a:p>
         </p:txBody>
       </p:sp>
@@ -17951,14 +17895,12 @@
         </p:nvSpPr>
         <p:spPr/>
         <p:txBody>
-          <a:bodyPr>
-            <a:normAutofit/>
-          </a:bodyPr>
+          <a:bodyPr/>
           <a:lstStyle/>
           <a:p>
             <a:r>
               <a:rPr lang="en-US" dirty="0" smtClean="0"/>
-              <a:t>Creating a Counter</a:t>
+              <a:t>How to Count – Really!</a:t>
             </a:r>
             <a:endParaRPr lang="en-US" dirty="0"/>
           </a:p>
@@ -17967,7 +17909,7 @@
     </p:spTree>
     <p:extLst>
       <p:ext uri="{BB962C8B-B14F-4D97-AF65-F5344CB8AC3E}">
-        <p14:creationId xmlns:p14="http://schemas.microsoft.com/office/powerpoint/2010/main" val="610113565"/>
+        <p14:creationId xmlns:p14="http://schemas.microsoft.com/office/powerpoint/2010/main" val="2616893758"/>
       </p:ext>
     </p:extLst>
   </p:cSld>
@@ -18011,36 +17953,315 @@
             <p:ph idx="1"/>
           </p:nvPr>
         </p:nvSpPr>
+        <p:spPr>
+          <a:xfrm>
+            <a:off x="381002" y="2362201"/>
+            <a:ext cx="8381999" cy="4190999"/>
+          </a:xfrm>
+        </p:spPr>
+        <p:txBody>
+          <a:bodyPr>
+            <a:normAutofit/>
+          </a:bodyPr>
+          <a:lstStyle/>
+          <a:p>
+            <a:pPr marL="457200" indent="-457200">
+              <a:buFont typeface="+mj-lt"/>
+              <a:buAutoNum type="arabicPeriod"/>
+            </a:pPr>
+            <a:r>
+              <a:rPr lang="en-US" sz="2000" dirty="0" smtClean="0">
+                <a:latin typeface="Courier New" pitchFamily="49" charset="0"/>
+                <a:cs typeface="Courier New" pitchFamily="49" charset="0"/>
+              </a:rPr>
+              <a:t>use blog;</a:t>
+            </a:r>
+          </a:p>
+          <a:p>
+            <a:pPr marL="457200" indent="-457200">
+              <a:buFont typeface="+mj-lt"/>
+              <a:buAutoNum type="arabicPeriod"/>
+            </a:pPr>
+            <a:r>
+              <a:rPr lang="en-US" sz="2000" dirty="0">
+                <a:latin typeface="Courier New" pitchFamily="49" charset="0"/>
+                <a:cs typeface="Courier New" pitchFamily="49" charset="0"/>
+              </a:rPr>
+              <a:t>create column family votes</a:t>
+            </a:r>
+          </a:p>
+          <a:p>
+            <a:pPr marL="457200" indent="-457200">
+              <a:buFont typeface="+mj-lt"/>
+              <a:buAutoNum type="arabicPeriod"/>
+            </a:pPr>
+            <a:r>
+              <a:rPr lang="en-US" sz="2000" dirty="0">
+                <a:latin typeface="Courier New" pitchFamily="49" charset="0"/>
+                <a:cs typeface="Courier New" pitchFamily="49" charset="0"/>
+              </a:rPr>
+              <a:t>    with comment = </a:t>
+            </a:r>
+            <a:r>
+              <a:rPr lang="en-US" sz="2000" dirty="0" smtClean="0">
+                <a:latin typeface="Courier New" pitchFamily="49" charset="0"/>
+                <a:cs typeface="Courier New" pitchFamily="49" charset="0"/>
+              </a:rPr>
+              <a:t>‘Voting counters'</a:t>
+            </a:r>
+            <a:endParaRPr lang="en-US" sz="2000" dirty="0">
+              <a:latin typeface="Courier New" pitchFamily="49" charset="0"/>
+              <a:cs typeface="Courier New" pitchFamily="49" charset="0"/>
+            </a:endParaRPr>
+          </a:p>
+          <a:p>
+            <a:pPr marL="457200" indent="-457200">
+              <a:buFont typeface="+mj-lt"/>
+              <a:buAutoNum type="arabicPeriod"/>
+            </a:pPr>
+            <a:r>
+              <a:rPr lang="en-US" sz="2000" dirty="0">
+                <a:latin typeface="Courier New" pitchFamily="49" charset="0"/>
+                <a:cs typeface="Courier New" pitchFamily="49" charset="0"/>
+              </a:rPr>
+              <a:t>    and </a:t>
+            </a:r>
+            <a:r>
+              <a:rPr lang="en-US" sz="2000" dirty="0" err="1">
+                <a:latin typeface="Courier New" pitchFamily="49" charset="0"/>
+                <a:cs typeface="Courier New" pitchFamily="49" charset="0"/>
+              </a:rPr>
+              <a:t>key_validation_class</a:t>
+            </a:r>
+            <a:r>
+              <a:rPr lang="en-US" sz="2000" dirty="0">
+                <a:latin typeface="Courier New" pitchFamily="49" charset="0"/>
+                <a:cs typeface="Courier New" pitchFamily="49" charset="0"/>
+              </a:rPr>
+              <a:t> = '</a:t>
+            </a:r>
+            <a:r>
+              <a:rPr lang="en-US" sz="2000" dirty="0" err="1">
+                <a:latin typeface="Courier New" pitchFamily="49" charset="0"/>
+                <a:cs typeface="Courier New" pitchFamily="49" charset="0"/>
+              </a:rPr>
+              <a:t>TimeUUIDType</a:t>
+            </a:r>
+            <a:r>
+              <a:rPr lang="en-US" sz="2000" dirty="0">
+                <a:latin typeface="Courier New" pitchFamily="49" charset="0"/>
+                <a:cs typeface="Courier New" pitchFamily="49" charset="0"/>
+              </a:rPr>
+              <a:t>'</a:t>
+            </a:r>
+          </a:p>
+          <a:p>
+            <a:pPr marL="457200" indent="-457200">
+              <a:buFont typeface="+mj-lt"/>
+              <a:buAutoNum type="arabicPeriod"/>
+            </a:pPr>
+            <a:r>
+              <a:rPr lang="en-US" sz="2000" dirty="0">
+                <a:latin typeface="Courier New" pitchFamily="49" charset="0"/>
+                <a:cs typeface="Courier New" pitchFamily="49" charset="0"/>
+              </a:rPr>
+              <a:t>    and </a:t>
+            </a:r>
+            <a:r>
+              <a:rPr lang="en-US" sz="2000" b="1" dirty="0" err="1">
+                <a:latin typeface="Courier New" pitchFamily="49" charset="0"/>
+                <a:cs typeface="Courier New" pitchFamily="49" charset="0"/>
+              </a:rPr>
+              <a:t>default_validation_class</a:t>
+            </a:r>
+            <a:r>
+              <a:rPr lang="en-US" sz="2000" b="1" dirty="0">
+                <a:latin typeface="Courier New" pitchFamily="49" charset="0"/>
+                <a:cs typeface="Courier New" pitchFamily="49" charset="0"/>
+              </a:rPr>
+              <a:t> = </a:t>
+            </a:r>
+            <a:r>
+              <a:rPr lang="en-US" sz="2000" b="1" dirty="0" err="1">
+                <a:latin typeface="Courier New" pitchFamily="49" charset="0"/>
+                <a:cs typeface="Courier New" pitchFamily="49" charset="0"/>
+              </a:rPr>
+              <a:t>CounterColumnType</a:t>
+            </a:r>
+            <a:endParaRPr lang="en-US" sz="2000" b="1" dirty="0">
+              <a:latin typeface="Courier New" pitchFamily="49" charset="0"/>
+              <a:cs typeface="Courier New" pitchFamily="49" charset="0"/>
+            </a:endParaRPr>
+          </a:p>
+          <a:p>
+            <a:pPr marL="457200" indent="-457200">
+              <a:buFont typeface="+mj-lt"/>
+              <a:buAutoNum type="arabicPeriod"/>
+            </a:pPr>
+            <a:r>
+              <a:rPr lang="en-US" sz="2000" dirty="0">
+                <a:latin typeface="Courier New" pitchFamily="49" charset="0"/>
+                <a:cs typeface="Courier New" pitchFamily="49" charset="0"/>
+              </a:rPr>
+              <a:t>    and comparator = 'UTF8Type'</a:t>
+            </a:r>
+          </a:p>
+          <a:p>
+            <a:pPr marL="457200" indent="-457200">
+              <a:buFont typeface="+mj-lt"/>
+              <a:buAutoNum type="arabicPeriod"/>
+            </a:pPr>
+            <a:r>
+              <a:rPr lang="en-US" sz="2000" dirty="0">
+                <a:latin typeface="Courier New" pitchFamily="49" charset="0"/>
+                <a:cs typeface="Courier New" pitchFamily="49" charset="0"/>
+              </a:rPr>
+              <a:t>    ;</a:t>
+            </a:r>
+          </a:p>
+          <a:p>
+            <a:pPr marL="457200" indent="-457200">
+              <a:buFont typeface="+mj-lt"/>
+              <a:buAutoNum type="arabicPeriod"/>
+            </a:pPr>
+            <a:endParaRPr lang="en-US" sz="2000" dirty="0">
+              <a:latin typeface="Courier New" pitchFamily="49" charset="0"/>
+              <a:cs typeface="Courier New" pitchFamily="49" charset="0"/>
+            </a:endParaRPr>
+          </a:p>
+          <a:p>
+            <a:r>
+              <a:rPr lang="en-US" dirty="0" smtClean="0">
+                <a:cs typeface="Courier New" pitchFamily="49" charset="0"/>
+              </a:rPr>
+              <a:t>Special validator signals counter column family</a:t>
+            </a:r>
+          </a:p>
+          <a:p>
+            <a:r>
+              <a:rPr lang="en-US" dirty="0" smtClean="0">
+                <a:cs typeface="Courier New" pitchFamily="49" charset="0"/>
+              </a:rPr>
+              <a:t>Can’t mix other column types with counter columns</a:t>
+            </a:r>
+            <a:endParaRPr lang="en-US" dirty="0">
+              <a:cs typeface="Courier New" pitchFamily="49" charset="0"/>
+            </a:endParaRPr>
+          </a:p>
+        </p:txBody>
+      </p:sp>
+      <p:sp>
+        <p:nvSpPr>
+          <p:cNvPr id="3" name="Title 2"/>
+          <p:cNvSpPr>
+            <a:spLocks noGrp="1"/>
+          </p:cNvSpPr>
+          <p:nvPr>
+            <p:ph type="title"/>
+          </p:nvPr>
+        </p:nvSpPr>
         <p:spPr/>
         <p:txBody>
-          <a:bodyPr/>
+          <a:bodyPr>
+            <a:normAutofit/>
+          </a:bodyPr>
           <a:lstStyle/>
           <a:p>
-            <a:pPr marL="0" indent="0">
-              <a:buNone/>
-            </a:pPr>
-            <a:r>
-              <a:rPr lang="en-US" dirty="0">
-                <a:hlinkClick r:id="rId2"/>
-              </a:rPr>
-              <a:t>https://</a:t>
-            </a:r>
-            <a:r>
-              <a:rPr lang="en-US" dirty="0" smtClean="0">
-                <a:hlinkClick r:id="rId2"/>
-              </a:rPr>
-              <a:t>github.disney.com/Data-Solutions/bloggie-blog</a:t>
-            </a:r>
-            <a:endParaRPr lang="en-US" dirty="0" smtClean="0"/>
-          </a:p>
-          <a:p>
-            <a:pPr marL="0" indent="0">
-              <a:buNone/>
-            </a:pPr>
-            <a:endParaRPr lang="en-US" dirty="0" smtClean="0"/>
-          </a:p>
-          <a:p>
-            <a:endParaRPr lang="en-US" dirty="0" smtClean="0"/>
+            <a:r>
+              <a:rPr lang="en-US" dirty="0" smtClean="0"/>
+              <a:t>Creating a Counter</a:t>
+            </a:r>
+            <a:endParaRPr lang="en-US" dirty="0"/>
+          </a:p>
+        </p:txBody>
+      </p:sp>
+    </p:spTree>
+    <p:extLst>
+      <p:ext uri="{BB962C8B-B14F-4D97-AF65-F5344CB8AC3E}">
+        <p14:creationId xmlns:p14="http://schemas.microsoft.com/office/powerpoint/2010/main" val="610113565"/>
+      </p:ext>
+    </p:extLst>
+  </p:cSld>
+  <p:clrMapOvr>
+    <a:masterClrMapping/>
+  </p:clrMapOvr>
+  <p:timing>
+    <p:tnLst>
+      <p:par>
+        <p:cTn id="1" dur="indefinite" restart="never" nodeType="tmRoot"/>
+      </p:par>
+    </p:tnLst>
+  </p:timing>
+</p:sld>
+</file>
+
+<file path=ppt/slides/slide26.xml><?xml version="1.0" encoding="utf-8"?>
+<p:sld xmlns:a="http://schemas.openxmlformats.org/drawingml/2006/main" xmlns:r="http://schemas.openxmlformats.org/officeDocument/2006/relationships" xmlns:p="http://schemas.openxmlformats.org/presentationml/2006/main">
+  <p:cSld>
+    <p:spTree>
+      <p:nvGrpSpPr>
+        <p:cNvPr id="1" name=""/>
+        <p:cNvGrpSpPr/>
+        <p:nvPr/>
+      </p:nvGrpSpPr>
+      <p:grpSpPr>
+        <a:xfrm>
+          <a:off x="0" y="0"/>
+          <a:ext cx="0" cy="0"/>
+          <a:chOff x="0" y="0"/>
+          <a:chExt cx="0" cy="0"/>
+        </a:xfrm>
+      </p:grpSpPr>
+      <p:sp>
+        <p:nvSpPr>
+          <p:cNvPr id="2" name="Content Placeholder 1"/>
+          <p:cNvSpPr>
+            <a:spLocks noGrp="1"/>
+          </p:cNvSpPr>
+          <p:nvPr>
+            <p:ph idx="1"/>
+          </p:nvPr>
+        </p:nvSpPr>
+        <p:spPr/>
+        <p:txBody>
+          <a:bodyPr>
+            <a:normAutofit lnSpcReduction="10000"/>
+          </a:bodyPr>
+          <a:lstStyle/>
+          <a:p>
+            <a:r>
+              <a:rPr lang="en-US" dirty="0"/>
+              <a:t>E</a:t>
+            </a:r>
+            <a:r>
+              <a:rPr lang="en-US" dirty="0" smtClean="0"/>
+              <a:t>asy enough to vote on posts and comments – just use a C* Counter!</a:t>
+            </a:r>
+          </a:p>
+          <a:p>
+            <a:r>
+              <a:rPr lang="en-US" dirty="0" smtClean="0"/>
+              <a:t>But, how do we retrieve the top XX posts in the last YY days?</a:t>
+            </a:r>
+          </a:p>
+          <a:p>
+            <a:r>
+              <a:rPr lang="en-US" dirty="0" smtClean="0"/>
+              <a:t>No way to tell, nor ask, Cassandra to sort them.  She doesn’t do that</a:t>
+            </a:r>
+          </a:p>
+          <a:p>
+            <a:r>
+              <a:rPr lang="en-US" dirty="0" smtClean="0"/>
+              <a:t>Hint: Columns are sorted within a row – but what row?</a:t>
+            </a:r>
+          </a:p>
+          <a:p>
+            <a:r>
+              <a:rPr lang="en-US" dirty="0" smtClean="0"/>
+              <a:t>Hint: Writes are super fast!</a:t>
+            </a:r>
+            <a:endParaRPr lang="en-US" dirty="0"/>
           </a:p>
         </p:txBody>
       </p:sp>
@@ -18061,7 +18282,7 @@
           <a:p>
             <a:r>
               <a:rPr lang="en-US" dirty="0" smtClean="0"/>
-              <a:t>The Code</a:t>
+              <a:t>Sorting Posts/Comments by Vote</a:t>
             </a:r>
             <a:endParaRPr lang="en-US" dirty="0"/>
           </a:p>
@@ -18070,13 +18291,403 @@
     </p:spTree>
     <p:extLst>
       <p:ext uri="{BB962C8B-B14F-4D97-AF65-F5344CB8AC3E}">
-        <p14:creationId xmlns:p14="http://schemas.microsoft.com/office/powerpoint/2010/main" val="2606787160"/>
+        <p14:creationId xmlns:p14="http://schemas.microsoft.com/office/powerpoint/2010/main" val="3404584288"/>
       </p:ext>
     </p:extLst>
   </p:cSld>
   <p:clrMapOvr>
     <a:masterClrMapping/>
   </p:clrMapOvr>
+  <p:timing>
+    <p:tnLst>
+      <p:par>
+        <p:cTn id="1" dur="indefinite" restart="never" nodeType="tmRoot"/>
+      </p:par>
+    </p:tnLst>
+  </p:timing>
+</p:sld>
+</file>
+
+<file path=ppt/slides/slide27.xml><?xml version="1.0" encoding="utf-8"?>
+<p:sld xmlns:a="http://schemas.openxmlformats.org/drawingml/2006/main" xmlns:r="http://schemas.openxmlformats.org/officeDocument/2006/relationships" xmlns:p="http://schemas.openxmlformats.org/presentationml/2006/main">
+  <p:cSld>
+    <p:spTree>
+      <p:nvGrpSpPr>
+        <p:cNvPr id="1" name=""/>
+        <p:cNvGrpSpPr/>
+        <p:nvPr/>
+      </p:nvGrpSpPr>
+      <p:grpSpPr>
+        <a:xfrm>
+          <a:off x="0" y="0"/>
+          <a:ext cx="0" cy="0"/>
+          <a:chOff x="0" y="0"/>
+          <a:chExt cx="0" cy="0"/>
+        </a:xfrm>
+      </p:grpSpPr>
+      <p:sp>
+        <p:nvSpPr>
+          <p:cNvPr id="2" name="Content Placeholder 1"/>
+          <p:cNvSpPr>
+            <a:spLocks noGrp="1"/>
+          </p:cNvSpPr>
+          <p:nvPr>
+            <p:ph idx="1"/>
+          </p:nvPr>
+        </p:nvSpPr>
+        <p:spPr/>
+        <p:txBody>
+          <a:bodyPr>
+            <a:normAutofit/>
+          </a:bodyPr>
+          <a:lstStyle/>
+          <a:p>
+            <a:r>
+              <a:rPr lang="en-US" dirty="0" smtClean="0"/>
+              <a:t>We use another </a:t>
+            </a:r>
+            <a:r>
+              <a:rPr lang="en-US" dirty="0"/>
+              <a:t>column family, </a:t>
+            </a:r>
+            <a:r>
+              <a:rPr lang="en-US" dirty="0" err="1" smtClean="0"/>
+              <a:t>posts_sorted_by_vote</a:t>
+            </a:r>
+            <a:endParaRPr lang="en-US" dirty="0" smtClean="0"/>
+          </a:p>
+          <a:p>
+            <a:r>
+              <a:rPr lang="en-US" dirty="0" smtClean="0"/>
+              <a:t>We store the </a:t>
+            </a:r>
+            <a:r>
+              <a:rPr lang="en-US" dirty="0" err="1" smtClean="0"/>
+              <a:t>the</a:t>
+            </a:r>
+            <a:r>
+              <a:rPr lang="en-US" dirty="0" smtClean="0"/>
+              <a:t> top XX post IDs over the last YY days in a single row</a:t>
+            </a:r>
+          </a:p>
+          <a:p>
+            <a:r>
+              <a:rPr lang="en-US" dirty="0" smtClean="0"/>
+              <a:t>A composite column name is used to sort by number of votes and provide uniqueness</a:t>
+            </a:r>
+          </a:p>
+          <a:p>
+            <a:r>
+              <a:rPr lang="en-US" dirty="0" smtClean="0"/>
+              <a:t>What’s a composite column name?</a:t>
+            </a:r>
+          </a:p>
+          <a:p>
+            <a:r>
+              <a:rPr lang="en-US" dirty="0" smtClean="0"/>
+              <a:t>What’s wrong with this?</a:t>
+            </a:r>
+          </a:p>
+          <a:p>
+            <a:r>
+              <a:rPr lang="en-US" dirty="0" smtClean="0"/>
+              <a:t>When do we update the row?</a:t>
+            </a:r>
+            <a:endParaRPr lang="en-US" dirty="0"/>
+          </a:p>
+        </p:txBody>
+      </p:sp>
+      <p:sp>
+        <p:nvSpPr>
+          <p:cNvPr id="3" name="Title 2"/>
+          <p:cNvSpPr>
+            <a:spLocks noGrp="1"/>
+          </p:cNvSpPr>
+          <p:nvPr>
+            <p:ph type="title"/>
+          </p:nvPr>
+        </p:nvSpPr>
+        <p:spPr/>
+        <p:txBody>
+          <a:bodyPr/>
+          <a:lstStyle/>
+          <a:p>
+            <a:r>
+              <a:rPr lang="en-US" dirty="0" smtClean="0"/>
+              <a:t>Sorting Posts by Vote</a:t>
+            </a:r>
+            <a:endParaRPr lang="en-US" dirty="0"/>
+          </a:p>
+        </p:txBody>
+      </p:sp>
+    </p:spTree>
+    <p:extLst>
+      <p:ext uri="{BB962C8B-B14F-4D97-AF65-F5344CB8AC3E}">
+        <p14:creationId xmlns:p14="http://schemas.microsoft.com/office/powerpoint/2010/main" val="811431599"/>
+      </p:ext>
+    </p:extLst>
+  </p:cSld>
+  <p:clrMapOvr>
+    <a:masterClrMapping/>
+  </p:clrMapOvr>
+  <p:timing>
+    <p:tnLst>
+      <p:par>
+        <p:cTn id="1" dur="indefinite" restart="never" nodeType="tmRoot"/>
+      </p:par>
+    </p:tnLst>
+  </p:timing>
+</p:sld>
+</file>
+
+<file path=ppt/slides/slide28.xml><?xml version="1.0" encoding="utf-8"?>
+<p:sld xmlns:a="http://schemas.openxmlformats.org/drawingml/2006/main" xmlns:r="http://schemas.openxmlformats.org/officeDocument/2006/relationships" xmlns:p="http://schemas.openxmlformats.org/presentationml/2006/main">
+  <p:cSld>
+    <p:spTree>
+      <p:nvGrpSpPr>
+        <p:cNvPr id="1" name=""/>
+        <p:cNvGrpSpPr/>
+        <p:nvPr/>
+      </p:nvGrpSpPr>
+      <p:grpSpPr>
+        <a:xfrm>
+          <a:off x="0" y="0"/>
+          <a:ext cx="0" cy="0"/>
+          <a:chOff x="0" y="0"/>
+          <a:chExt cx="0" cy="0"/>
+        </a:xfrm>
+      </p:grpSpPr>
+      <p:sp>
+        <p:nvSpPr>
+          <p:cNvPr id="2" name="Content Placeholder 1"/>
+          <p:cNvSpPr>
+            <a:spLocks noGrp="1"/>
+          </p:cNvSpPr>
+          <p:nvPr>
+            <p:ph idx="1"/>
+          </p:nvPr>
+        </p:nvSpPr>
+        <p:spPr/>
+        <p:txBody>
+          <a:bodyPr>
+            <a:normAutofit/>
+          </a:bodyPr>
+          <a:lstStyle/>
+          <a:p>
+            <a:r>
+              <a:rPr lang="en-US" dirty="0" smtClean="0"/>
+              <a:t>We use another </a:t>
+            </a:r>
+            <a:r>
+              <a:rPr lang="en-US" dirty="0"/>
+              <a:t>column family, </a:t>
+            </a:r>
+            <a:r>
+              <a:rPr lang="en-US" dirty="0" err="1"/>
+              <a:t>post_comments_sorted_by_vote</a:t>
+            </a:r>
+            <a:endParaRPr lang="en-US" dirty="0" smtClean="0"/>
+          </a:p>
+          <a:p>
+            <a:r>
+              <a:rPr lang="en-US" dirty="0" smtClean="0"/>
+              <a:t>Same composite column name as with posts</a:t>
+            </a:r>
+          </a:p>
+          <a:p>
+            <a:r>
+              <a:rPr lang="en-US" dirty="0" smtClean="0"/>
+              <a:t>So by now you probably see the pattern – use rows to sort stuff</a:t>
+            </a:r>
+          </a:p>
+          <a:p>
+            <a:r>
+              <a:rPr lang="en-US" dirty="0" smtClean="0"/>
+              <a:t>Since comments are sorted for a given Post, I decided to use another column family to indicate when a Post’s comments need to be sorted</a:t>
+            </a:r>
+          </a:p>
+        </p:txBody>
+      </p:sp>
+      <p:sp>
+        <p:nvSpPr>
+          <p:cNvPr id="3" name="Title 2"/>
+          <p:cNvSpPr>
+            <a:spLocks noGrp="1"/>
+          </p:cNvSpPr>
+          <p:nvPr>
+            <p:ph type="title"/>
+          </p:nvPr>
+        </p:nvSpPr>
+        <p:spPr/>
+        <p:txBody>
+          <a:bodyPr/>
+          <a:lstStyle/>
+          <a:p>
+            <a:r>
+              <a:rPr lang="en-US" dirty="0" smtClean="0"/>
+              <a:t>Sorting Comments by Vote</a:t>
+            </a:r>
+            <a:endParaRPr lang="en-US" dirty="0"/>
+          </a:p>
+        </p:txBody>
+      </p:sp>
+    </p:spTree>
+    <p:extLst>
+      <p:ext uri="{BB962C8B-B14F-4D97-AF65-F5344CB8AC3E}">
+        <p14:creationId xmlns:p14="http://schemas.microsoft.com/office/powerpoint/2010/main" val="2388612909"/>
+      </p:ext>
+    </p:extLst>
+  </p:cSld>
+  <p:clrMapOvr>
+    <a:masterClrMapping/>
+  </p:clrMapOvr>
+  <p:timing>
+    <p:tnLst>
+      <p:par>
+        <p:cTn id="1" dur="indefinite" restart="never" nodeType="tmRoot"/>
+      </p:par>
+    </p:tnLst>
+  </p:timing>
+</p:sld>
+</file>
+
+<file path=ppt/slides/slide29.xml><?xml version="1.0" encoding="utf-8"?>
+<p:sld xmlns:a="http://schemas.openxmlformats.org/drawingml/2006/main" xmlns:r="http://schemas.openxmlformats.org/officeDocument/2006/relationships" xmlns:p="http://schemas.openxmlformats.org/presentationml/2006/main">
+  <p:cSld>
+    <p:spTree>
+      <p:nvGrpSpPr>
+        <p:cNvPr id="1" name=""/>
+        <p:cNvGrpSpPr/>
+        <p:nvPr/>
+      </p:nvGrpSpPr>
+      <p:grpSpPr>
+        <a:xfrm>
+          <a:off x="0" y="0"/>
+          <a:ext cx="0" cy="0"/>
+          <a:chOff x="0" y="0"/>
+          <a:chExt cx="0" cy="0"/>
+        </a:xfrm>
+      </p:grpSpPr>
+      <p:sp>
+        <p:nvSpPr>
+          <p:cNvPr id="2" name="Content Placeholder 1"/>
+          <p:cNvSpPr>
+            <a:spLocks noGrp="1"/>
+          </p:cNvSpPr>
+          <p:nvPr>
+            <p:ph idx="1"/>
+          </p:nvPr>
+        </p:nvSpPr>
+        <p:spPr/>
+        <p:txBody>
+          <a:bodyPr>
+            <a:normAutofit/>
+          </a:bodyPr>
+          <a:lstStyle/>
+          <a:p>
+            <a:r>
+              <a:rPr lang="en-US" dirty="0" smtClean="0"/>
+              <a:t>Searching!</a:t>
+            </a:r>
+          </a:p>
+          <a:p>
+            <a:r>
+              <a:rPr lang="en-US" dirty="0" smtClean="0"/>
+              <a:t>Just let </a:t>
+            </a:r>
+            <a:r>
+              <a:rPr lang="en-US" dirty="0" err="1" smtClean="0"/>
+              <a:t>google</a:t>
+            </a:r>
+            <a:r>
+              <a:rPr lang="en-US" dirty="0" smtClean="0"/>
+              <a:t> crawl our site!?  Well …</a:t>
+            </a:r>
+          </a:p>
+          <a:p>
+            <a:r>
+              <a:rPr lang="en-US" dirty="0" smtClean="0"/>
+              <a:t>C* does not have any mechanism for searching the contents of columns</a:t>
+            </a:r>
+          </a:p>
+          <a:p>
+            <a:r>
+              <a:rPr lang="en-US" dirty="0" smtClean="0"/>
+              <a:t>Pair C* with a search technology (</a:t>
+            </a:r>
+            <a:r>
+              <a:rPr lang="en-US" dirty="0" err="1" smtClean="0"/>
+              <a:t>Solr</a:t>
+            </a:r>
+            <a:r>
+              <a:rPr lang="en-US" dirty="0" smtClean="0"/>
+              <a:t>, Elastic Search, </a:t>
+            </a:r>
+            <a:r>
+              <a:rPr lang="en-US" dirty="0" err="1" smtClean="0"/>
+              <a:t>etc</a:t>
+            </a:r>
+            <a:r>
+              <a:rPr lang="en-US" dirty="0" smtClean="0"/>
+              <a:t>)</a:t>
+            </a:r>
+          </a:p>
+          <a:p>
+            <a:r>
+              <a:rPr lang="en-US" dirty="0" smtClean="0"/>
+              <a:t>Think about why C* should be chosen – HA, elasticity, speed, ease of administration, etc.</a:t>
+            </a:r>
+          </a:p>
+        </p:txBody>
+      </p:sp>
+      <p:sp>
+        <p:nvSpPr>
+          <p:cNvPr id="3" name="Title 2"/>
+          <p:cNvSpPr>
+            <a:spLocks noGrp="1"/>
+          </p:cNvSpPr>
+          <p:nvPr>
+            <p:ph type="title"/>
+          </p:nvPr>
+        </p:nvSpPr>
+        <p:spPr/>
+        <p:txBody>
+          <a:bodyPr/>
+          <a:lstStyle/>
+          <a:p>
+            <a:r>
+              <a:rPr lang="en-US" dirty="0" smtClean="0"/>
+              <a:t>What’s </a:t>
+            </a:r>
+            <a:r>
+              <a:rPr lang="en-US" dirty="0" err="1" smtClean="0"/>
+              <a:t>Bloggie</a:t>
+            </a:r>
+            <a:r>
+              <a:rPr lang="en-US" dirty="0" smtClean="0"/>
+              <a:t> Blog Missing?</a:t>
+            </a:r>
+            <a:endParaRPr lang="en-US" dirty="0"/>
+          </a:p>
+        </p:txBody>
+      </p:sp>
+    </p:spTree>
+    <p:extLst>
+      <p:ext uri="{BB962C8B-B14F-4D97-AF65-F5344CB8AC3E}">
+        <p14:creationId xmlns:p14="http://schemas.microsoft.com/office/powerpoint/2010/main" val="755665585"/>
+      </p:ext>
+    </p:extLst>
+  </p:cSld>
+  <p:clrMapOvr>
+    <a:masterClrMapping/>
+  </p:clrMapOvr>
+  <p:timing>
+    <p:tnLst>
+      <p:par>
+        <p:cTn id="1" dur="indefinite" restart="never" nodeType="tmRoot"/>
+      </p:par>
+    </p:tnLst>
+  </p:timing>
 </p:sld>
 </file>
 
@@ -18107,9 +18718,16 @@
             <p:ph idx="1"/>
           </p:nvPr>
         </p:nvSpPr>
-        <p:spPr/>
+        <p:spPr>
+          <a:xfrm>
+            <a:off x="872068" y="2675466"/>
+            <a:ext cx="7408333" cy="3725333"/>
+          </a:xfrm>
+        </p:spPr>
         <p:txBody>
-          <a:bodyPr/>
+          <a:bodyPr>
+            <a:normAutofit lnSpcReduction="10000"/>
+          </a:bodyPr>
           <a:lstStyle/>
           <a:p>
             <a:r>
@@ -18141,6 +18759,20 @@
             <a:r>
               <a:rPr lang="en-US" dirty="0" smtClean="0"/>
               <a:t>Index – a way to retrieve a sorted list of rows by a column’s value (not suitable for most needs because of performance)</a:t>
+            </a:r>
+          </a:p>
+          <a:p>
+            <a:r>
+              <a:rPr lang="en-US" dirty="0" smtClean="0"/>
+              <a:t>Counters – A way to count things, events, </a:t>
+            </a:r>
+            <a:r>
+              <a:rPr lang="en-US" dirty="0" err="1" smtClean="0"/>
+              <a:t>etc</a:t>
+            </a:r>
+            <a:r>
+              <a:rPr lang="en-US" dirty="0" smtClean="0"/>
+              <a:t> in a distributed environment</a:t>
             </a:r>
             <a:endParaRPr lang="en-US" dirty="0"/>
           </a:p>
@@ -18163,7 +18795,7 @@
           <a:p>
             <a:r>
               <a:rPr lang="en-US" dirty="0" smtClean="0"/>
-              <a:t>Cassandra Data Model</a:t>
+              <a:t>Cassandra Model</a:t>
             </a:r>
             <a:endParaRPr lang="en-US" dirty="0"/>
           </a:p>
@@ -18173,6 +18805,197 @@
     <p:extLst>
       <p:ext uri="{BB962C8B-B14F-4D97-AF65-F5344CB8AC3E}">
         <p14:creationId xmlns:p14="http://schemas.microsoft.com/office/powerpoint/2010/main" val="3290858756"/>
+      </p:ext>
+    </p:extLst>
+  </p:cSld>
+  <p:clrMapOvr>
+    <a:masterClrMapping/>
+  </p:clrMapOvr>
+  <p:timing>
+    <p:tnLst>
+      <p:par>
+        <p:cTn id="1" dur="indefinite" restart="never" nodeType="tmRoot"/>
+      </p:par>
+    </p:tnLst>
+  </p:timing>
+</p:sld>
+</file>
+
+<file path=ppt/slides/slide30.xml><?xml version="1.0" encoding="utf-8"?>
+<p:sld xmlns:a="http://schemas.openxmlformats.org/drawingml/2006/main" xmlns:r="http://schemas.openxmlformats.org/officeDocument/2006/relationships" xmlns:p="http://schemas.openxmlformats.org/presentationml/2006/main">
+  <p:cSld>
+    <p:spTree>
+      <p:nvGrpSpPr>
+        <p:cNvPr id="1" name=""/>
+        <p:cNvGrpSpPr/>
+        <p:nvPr/>
+      </p:nvGrpSpPr>
+      <p:grpSpPr>
+        <a:xfrm>
+          <a:off x="0" y="0"/>
+          <a:ext cx="0" cy="0"/>
+          <a:chOff x="0" y="0"/>
+          <a:chExt cx="0" cy="0"/>
+        </a:xfrm>
+      </p:grpSpPr>
+      <p:sp>
+        <p:nvSpPr>
+          <p:cNvPr id="2" name="Content Placeholder 1"/>
+          <p:cNvSpPr>
+            <a:spLocks noGrp="1"/>
+          </p:cNvSpPr>
+          <p:nvPr>
+            <p:ph idx="1"/>
+          </p:nvPr>
+        </p:nvSpPr>
+        <p:spPr/>
+        <p:txBody>
+          <a:bodyPr>
+            <a:normAutofit fontScale="92500" lnSpcReduction="20000"/>
+          </a:bodyPr>
+          <a:lstStyle/>
+          <a:p>
+            <a:pPr marL="0" indent="0">
+              <a:buNone/>
+            </a:pPr>
+            <a:r>
+              <a:rPr lang="en-US" dirty="0" smtClean="0">
+                <a:hlinkClick r:id="rId2"/>
+              </a:rPr>
+              <a:t>https</a:t>
+            </a:r>
+            <a:r>
+              <a:rPr lang="en-US" dirty="0">
+                <a:hlinkClick r:id="rId2"/>
+              </a:rPr>
+              <a:t>://</a:t>
+            </a:r>
+            <a:r>
+              <a:rPr lang="en-US" dirty="0" smtClean="0">
+                <a:hlinkClick r:id="rId2"/>
+              </a:rPr>
+              <a:t>github.disney.com/Data-Solutions/bloggie-blog</a:t>
+            </a:r>
+            <a:endParaRPr lang="en-US" dirty="0" smtClean="0"/>
+          </a:p>
+          <a:p>
+            <a:pPr marL="0" indent="0">
+              <a:buNone/>
+            </a:pPr>
+            <a:endParaRPr lang="en-US" dirty="0" smtClean="0">
+              <a:hlinkClick r:id="rId3"/>
+            </a:endParaRPr>
+          </a:p>
+          <a:p>
+            <a:pPr marL="0" indent="0">
+              <a:buNone/>
+            </a:pPr>
+            <a:r>
+              <a:rPr lang="en-US" dirty="0" smtClean="0">
+                <a:hlinkClick r:id="rId3"/>
+              </a:rPr>
+              <a:t>https</a:t>
+            </a:r>
+            <a:r>
+              <a:rPr lang="en-US" dirty="0">
+                <a:hlinkClick r:id="rId3"/>
+              </a:rPr>
+              <a:t>://</a:t>
+            </a:r>
+            <a:r>
+              <a:rPr lang="en-US" dirty="0" smtClean="0">
+                <a:hlinkClick r:id="rId3"/>
+              </a:rPr>
+              <a:t>github.disney.com/Data-Solutions/cassandra-time-series</a:t>
+            </a:r>
+            <a:endParaRPr lang="en-US" dirty="0" smtClean="0"/>
+          </a:p>
+          <a:p>
+            <a:pPr marL="0" indent="0">
+              <a:buNone/>
+            </a:pPr>
+            <a:endParaRPr lang="en-US" dirty="0" smtClean="0"/>
+          </a:p>
+          <a:p>
+            <a:pPr marL="0" indent="0">
+              <a:buNone/>
+            </a:pPr>
+            <a:r>
+              <a:rPr lang="en-US" dirty="0">
+                <a:hlinkClick r:id="rId4"/>
+              </a:rPr>
+              <a:t>http://</a:t>
+            </a:r>
+            <a:r>
+              <a:rPr lang="en-US" dirty="0" smtClean="0">
+                <a:hlinkClick r:id="rId4"/>
+              </a:rPr>
+              <a:t>www.datastax.com/download/clientdrivers</a:t>
+            </a:r>
+            <a:endParaRPr lang="en-US" dirty="0" smtClean="0"/>
+          </a:p>
+          <a:p>
+            <a:pPr marL="0" indent="0">
+              <a:buNone/>
+            </a:pPr>
+            <a:endParaRPr lang="en-US" dirty="0"/>
+          </a:p>
+          <a:p>
+            <a:pPr marL="0" indent="0">
+              <a:buNone/>
+            </a:pPr>
+            <a:r>
+              <a:rPr lang="en-US" dirty="0">
+                <a:hlinkClick r:id="rId5"/>
+              </a:rPr>
+              <a:t>http://www.datastax.com/documentation/cassandra/2.0/webhelp/index.html#cassandra/gettingStartedCassandraIntro.html#concept_ds_k2h_ths_jl</a:t>
+            </a:r>
+            <a:endParaRPr lang="en-US" dirty="0" smtClean="0"/>
+          </a:p>
+          <a:p>
+            <a:pPr marL="0" indent="0">
+              <a:buNone/>
+            </a:pPr>
+            <a:endParaRPr lang="en-US" dirty="0" smtClean="0"/>
+          </a:p>
+          <a:p>
+            <a:pPr marL="0" indent="0">
+              <a:buNone/>
+            </a:pPr>
+            <a:endParaRPr lang="en-US" dirty="0" smtClean="0"/>
+          </a:p>
+          <a:p>
+            <a:endParaRPr lang="en-US" dirty="0" smtClean="0"/>
+          </a:p>
+        </p:txBody>
+      </p:sp>
+      <p:sp>
+        <p:nvSpPr>
+          <p:cNvPr id="3" name="Title 2"/>
+          <p:cNvSpPr>
+            <a:spLocks noGrp="1"/>
+          </p:cNvSpPr>
+          <p:nvPr>
+            <p:ph type="title"/>
+          </p:nvPr>
+        </p:nvSpPr>
+        <p:spPr/>
+        <p:txBody>
+          <a:bodyPr/>
+          <a:lstStyle/>
+          <a:p>
+            <a:r>
+              <a:rPr lang="en-US" dirty="0" smtClean="0"/>
+              <a:t>References</a:t>
+            </a:r>
+            <a:endParaRPr lang="en-US" dirty="0"/>
+          </a:p>
+        </p:txBody>
+      </p:sp>
+    </p:spTree>
+    <p:extLst>
+      <p:ext uri="{BB962C8B-B14F-4D97-AF65-F5344CB8AC3E}">
+        <p14:creationId xmlns:p14="http://schemas.microsoft.com/office/powerpoint/2010/main" val="2606787160"/>
       </p:ext>
     </p:extLst>
   </p:cSld>
@@ -18329,7 +19152,7 @@
         </p:nvSpPr>
         <p:spPr>
           <a:xfrm>
-            <a:off x="838200" y="4114800"/>
+            <a:off x="838201" y="4114800"/>
             <a:ext cx="7429500" cy="2514600"/>
           </a:xfrm>
           <a:prstGeom prst="rect">
@@ -18466,8 +19289,8 @@
         </p:nvSpPr>
         <p:spPr>
           <a:xfrm>
-            <a:off x="1047750" y="5486400"/>
-            <a:ext cx="1047750" cy="369332"/>
+            <a:off x="1047750" y="5486401"/>
+            <a:ext cx="1047751" cy="369332"/>
           </a:xfrm>
           <a:prstGeom prst="rect">
             <a:avLst/>
@@ -18496,7 +19319,7 @@
         </p:nvSpPr>
         <p:spPr>
           <a:xfrm>
-            <a:off x="2324100" y="5361117"/>
+            <a:off x="2324100" y="5361118"/>
             <a:ext cx="563880" cy="619899"/>
           </a:xfrm>
           <a:prstGeom prst="roundRect">
@@ -18545,7 +19368,7 @@
         </p:nvSpPr>
         <p:spPr>
           <a:xfrm>
-            <a:off x="2247900" y="5257800"/>
+            <a:off x="2247900" y="5257801"/>
             <a:ext cx="5638800" cy="826532"/>
           </a:xfrm>
           <a:prstGeom prst="rect">
@@ -18597,7 +19420,7 @@
         </p:nvSpPr>
         <p:spPr>
           <a:xfrm>
-            <a:off x="5386730" y="5361117"/>
+            <a:off x="5386731" y="5361118"/>
             <a:ext cx="563880" cy="619899"/>
           </a:xfrm>
           <a:prstGeom prst="roundRect">
@@ -18650,7 +19473,7 @@
         </p:nvSpPr>
         <p:spPr>
           <a:xfrm>
-            <a:off x="2948940" y="5361117"/>
+            <a:off x="2948940" y="5361118"/>
             <a:ext cx="563880" cy="619899"/>
           </a:xfrm>
           <a:prstGeom prst="roundRect">
@@ -18699,7 +19522,7 @@
         </p:nvSpPr>
         <p:spPr>
           <a:xfrm>
-            <a:off x="3573780" y="5361117"/>
+            <a:off x="3573780" y="5361118"/>
             <a:ext cx="563880" cy="619899"/>
           </a:xfrm>
           <a:prstGeom prst="roundRect">
@@ -18748,7 +19571,7 @@
         </p:nvSpPr>
         <p:spPr>
           <a:xfrm>
-            <a:off x="4198620" y="5361117"/>
+            <a:off x="4198620" y="5361118"/>
             <a:ext cx="563880" cy="619899"/>
           </a:xfrm>
           <a:prstGeom prst="roundRect">
@@ -18797,7 +19620,7 @@
         </p:nvSpPr>
         <p:spPr>
           <a:xfrm>
-            <a:off x="6023458" y="5361117"/>
+            <a:off x="6023459" y="5361118"/>
             <a:ext cx="563880" cy="619899"/>
           </a:xfrm>
           <a:prstGeom prst="roundRect">
@@ -18850,7 +19673,7 @@
         </p:nvSpPr>
         <p:spPr>
           <a:xfrm>
-            <a:off x="6648298" y="5361117"/>
+            <a:off x="6648299" y="5361118"/>
             <a:ext cx="563880" cy="619899"/>
           </a:xfrm>
           <a:prstGeom prst="roundRect">
@@ -18903,7 +19726,7 @@
         </p:nvSpPr>
         <p:spPr>
           <a:xfrm>
-            <a:off x="7273138" y="5361117"/>
+            <a:off x="7273139" y="5361118"/>
             <a:ext cx="563880" cy="619899"/>
           </a:xfrm>
           <a:prstGeom prst="roundRect">
@@ -18988,7 +19811,7 @@
         </p:nvSpPr>
         <p:spPr>
           <a:xfrm>
-            <a:off x="381000" y="2286001"/>
+            <a:off x="381001" y="2286001"/>
             <a:ext cx="8458201" cy="1752600"/>
           </a:xfrm>
         </p:spPr>
@@ -19012,7 +19835,7 @@
           <a:p>
             <a:r>
               <a:rPr lang="en-US" dirty="0" smtClean="0"/>
-              <a:t>A Batch of writes across CFs for a single key is atomic (but not isolated</a:t>
+              <a:t>A Batch of writes across CFs for a single key is atomic and isolated (isolation as of 1.1)</a:t>
             </a:r>
             <a:endParaRPr lang="en-US" dirty="0"/>
           </a:p>
@@ -19097,7 +19920,15 @@
             </a:r>
             <a:r>
               <a:rPr lang="en-US" dirty="0" smtClean="0"/>
-              <a:t>time and gain some atomicity for mutates</a:t>
+              <a:t>time and gain some atomicity </a:t>
+            </a:r>
+            <a:r>
+              <a:rPr lang="en-US" dirty="0" smtClean="0"/>
+              <a:t>and isolation for </a:t>
+            </a:r>
+            <a:r>
+              <a:rPr lang="en-US" dirty="0" smtClean="0"/>
+              <a:t>mutates</a:t>
             </a:r>
             <a:endParaRPr lang="en-US" dirty="0"/>
           </a:p>
@@ -19224,7 +20055,7 @@
         <p:spPr/>
         <p:txBody>
           <a:bodyPr>
-            <a:normAutofit lnSpcReduction="10000"/>
+            <a:normAutofit fontScale="92500"/>
           </a:bodyPr>
           <a:lstStyle/>
           <a:p>
@@ -19236,8 +20067,21 @@
           <a:p>
             <a:r>
               <a:rPr lang="en-US" dirty="0"/>
-              <a:t>Each node is assigned a token range on the ring</a:t>
-            </a:r>
+              <a:t>Each node is assigned a token range on the </a:t>
+            </a:r>
+            <a:r>
+              <a:rPr lang="en-US" dirty="0" smtClean="0"/>
+              <a:t>ring (</a:t>
+            </a:r>
+            <a:r>
+              <a:rPr lang="en-US" dirty="0" err="1" smtClean="0"/>
+              <a:t>vnodes</a:t>
+            </a:r>
+            <a:r>
+              <a:rPr lang="en-US" dirty="0" smtClean="0"/>
+              <a:t> does change this)</a:t>
+            </a:r>
+            <a:endParaRPr lang="en-US" dirty="0"/>
           </a:p>
           <a:p>
             <a:r>
@@ -19363,16 +20207,29 @@
           <a:p>
             <a:r>
               <a:rPr lang="en-US" dirty="0"/>
-              <a:t>Location of replicas is determined by consistent hash ring and the “</a:t>
-            </a:r>
-            <a:r>
-              <a:rPr lang="en-US" dirty="0" err="1"/>
+              <a:t>Location of replicas is determined by </a:t>
+            </a:r>
+            <a:r>
+              <a:rPr lang="en-US" dirty="0" smtClean="0"/>
+              <a:t>“</a:t>
+            </a:r>
+            <a:r>
+              <a:rPr lang="en-US" dirty="0" err="1" smtClean="0"/>
               <a:t>partitioner</a:t>
             </a:r>
             <a:r>
-              <a:rPr lang="en-US" dirty="0"/>
-              <a:t>”</a:t>
-            </a:r>
+              <a:rPr lang="en-US" dirty="0" smtClean="0"/>
+              <a:t>” and placement strategy (defined per </a:t>
+            </a:r>
+            <a:r>
+              <a:rPr lang="en-US" dirty="0" err="1" smtClean="0"/>
+              <a:t>keyspace</a:t>
+            </a:r>
+            <a:r>
+              <a:rPr lang="en-US" dirty="0" smtClean="0"/>
+              <a:t>)</a:t>
+            </a:r>
+            <a:endParaRPr lang="en-US" dirty="0"/>
           </a:p>
           <a:p>
             <a:r>
@@ -20100,7 +20957,7 @@
         </p:nvSpPr>
         <p:spPr>
           <a:xfrm>
-            <a:off x="4459909" y="1450800"/>
+            <a:off x="4459910" y="1450800"/>
             <a:ext cx="1286999" cy="378000"/>
           </a:xfrm>
           <a:prstGeom prst="rect">
@@ -20176,6 +21033,197 @@
           </a:p>
         </p:txBody>
       </p:sp>
+      <p:sp>
+        <p:nvSpPr>
+          <p:cNvPr id="2" name="Rounded Rectangle 1"/>
+          <p:cNvSpPr/>
+          <p:nvPr/>
+        </p:nvSpPr>
+        <p:spPr>
+          <a:xfrm>
+            <a:off x="7924800" y="3200400"/>
+            <a:ext cx="914400" cy="571498"/>
+          </a:xfrm>
+          <a:prstGeom prst="roundRect">
+            <a:avLst/>
+          </a:prstGeom>
+        </p:spPr>
+        <p:style>
+          <a:lnRef idx="2">
+            <a:schemeClr val="accent1">
+              <a:shade val="50000"/>
+            </a:schemeClr>
+          </a:lnRef>
+          <a:fillRef idx="1001">
+            <a:schemeClr val="dk2"/>
+          </a:fillRef>
+          <a:effectRef idx="0">
+            <a:schemeClr val="accent1"/>
+          </a:effectRef>
+          <a:fontRef idx="minor">
+            <a:schemeClr val="lt1"/>
+          </a:fontRef>
+        </p:style>
+        <p:txBody>
+          <a:bodyPr rtlCol="0" anchor="ctr"/>
+          <a:lstStyle/>
+          <a:p>
+            <a:pPr algn="ctr"/>
+            <a:r>
+              <a:rPr lang="en-US" dirty="0" smtClean="0"/>
+              <a:t>Client</a:t>
+            </a:r>
+            <a:endParaRPr lang="en-US" dirty="0"/>
+          </a:p>
+        </p:txBody>
+      </p:sp>
+      <p:cxnSp>
+        <p:nvCxnSpPr>
+          <p:cNvPr id="27" name="Straight Arrow Connector 26"/>
+          <p:cNvCxnSpPr>
+            <a:stCxn id="2" idx="1"/>
+            <a:endCxn id="7" idx="6"/>
+          </p:cNvCxnSpPr>
+          <p:nvPr/>
+        </p:nvCxnSpPr>
+        <p:spPr>
+          <a:xfrm flipH="1">
+            <a:off x="7226509" y="3486149"/>
+            <a:ext cx="698291" cy="72811"/>
+          </a:xfrm>
+          <a:prstGeom prst="straightConnector1">
+            <a:avLst/>
+          </a:prstGeom>
+          <a:ln>
+            <a:tailEnd type="arrow"/>
+          </a:ln>
+        </p:spPr>
+        <p:style>
+          <a:lnRef idx="1">
+            <a:schemeClr val="accent1"/>
+          </a:lnRef>
+          <a:fillRef idx="0">
+            <a:schemeClr val="accent1"/>
+          </a:fillRef>
+          <a:effectRef idx="0">
+            <a:schemeClr val="accent1"/>
+          </a:effectRef>
+          <a:fontRef idx="minor">
+            <a:schemeClr val="tx1"/>
+          </a:fontRef>
+        </p:style>
+      </p:cxnSp>
+      <p:cxnSp>
+        <p:nvCxnSpPr>
+          <p:cNvPr id="35" name="Straight Arrow Connector 34"/>
+          <p:cNvCxnSpPr>
+            <a:stCxn id="7" idx="3"/>
+            <a:endCxn id="10" idx="7"/>
+          </p:cNvCxnSpPr>
+          <p:nvPr/>
+        </p:nvCxnSpPr>
+        <p:spPr>
+          <a:xfrm flipH="1">
+            <a:off x="3501954" y="3717804"/>
+            <a:ext cx="3334310" cy="1479789"/>
+          </a:xfrm>
+          <a:prstGeom prst="straightConnector1">
+            <a:avLst/>
+          </a:prstGeom>
+          <a:ln>
+            <a:prstDash val="dash"/>
+            <a:tailEnd type="arrow"/>
+          </a:ln>
+        </p:spPr>
+        <p:style>
+          <a:lnRef idx="1">
+            <a:schemeClr val="accent1"/>
+          </a:lnRef>
+          <a:fillRef idx="0">
+            <a:schemeClr val="accent1"/>
+          </a:fillRef>
+          <a:effectRef idx="0">
+            <a:schemeClr val="accent1"/>
+          </a:effectRef>
+          <a:fontRef idx="minor">
+            <a:schemeClr val="tx1"/>
+          </a:fontRef>
+        </p:style>
+      </p:cxnSp>
+      <p:cxnSp>
+        <p:nvCxnSpPr>
+          <p:cNvPr id="38" name="Straight Arrow Connector 37"/>
+          <p:cNvCxnSpPr>
+            <a:stCxn id="7" idx="3"/>
+            <a:endCxn id="11" idx="7"/>
+          </p:cNvCxnSpPr>
+          <p:nvPr/>
+        </p:nvCxnSpPr>
+        <p:spPr>
+          <a:xfrm flipH="1">
+            <a:off x="4416354" y="3717804"/>
+            <a:ext cx="2419910" cy="2378349"/>
+          </a:xfrm>
+          <a:prstGeom prst="straightConnector1">
+            <a:avLst/>
+          </a:prstGeom>
+          <a:ln>
+            <a:prstDash val="dash"/>
+            <a:tailEnd type="arrow"/>
+          </a:ln>
+        </p:spPr>
+        <p:style>
+          <a:lnRef idx="1">
+            <a:schemeClr val="accent1"/>
+          </a:lnRef>
+          <a:fillRef idx="0">
+            <a:schemeClr val="accent1"/>
+          </a:fillRef>
+          <a:effectRef idx="0">
+            <a:schemeClr val="accent1"/>
+          </a:effectRef>
+          <a:fontRef idx="minor">
+            <a:schemeClr val="tx1"/>
+          </a:fontRef>
+        </p:style>
+      </p:cxnSp>
+      <p:cxnSp>
+        <p:nvCxnSpPr>
+          <p:cNvPr id="39" name="Straight Arrow Connector 38"/>
+          <p:cNvCxnSpPr>
+            <a:stCxn id="7" idx="3"/>
+            <a:endCxn id="8" idx="0"/>
+          </p:cNvCxnSpPr>
+          <p:nvPr/>
+        </p:nvCxnSpPr>
+        <p:spPr>
+          <a:xfrm flipH="1">
+            <a:off x="5626309" y="3717804"/>
+            <a:ext cx="1209955" cy="2462316"/>
+          </a:xfrm>
+          <a:prstGeom prst="straightConnector1">
+            <a:avLst/>
+          </a:prstGeom>
+          <a:ln>
+            <a:prstDash val="dash"/>
+            <a:tailEnd type="arrow"/>
+          </a:ln>
+        </p:spPr>
+        <p:style>
+          <a:lnRef idx="1">
+            <a:schemeClr val="accent1"/>
+          </a:lnRef>
+          <a:fillRef idx="0">
+            <a:schemeClr val="accent1"/>
+          </a:fillRef>
+          <a:effectRef idx="0">
+            <a:schemeClr val="accent1"/>
+          </a:effectRef>
+          <a:fontRef idx="minor">
+            <a:schemeClr val="tx1"/>
+          </a:fontRef>
+        </p:style>
+      </p:cxnSp>
     </p:spTree>
     <p:extLst>
       <p:ext uri="{BB962C8B-B14F-4D97-AF65-F5344CB8AC3E}">
